--- a/CausetPosterSketch.pptx
+++ b/CausetPosterSketch.pptx
@@ -2,12 +2,12 @@
 <file path=ppt/presentation.xml><?xml version="1.0" encoding="utf-8"?>
 <p:presentation xmlns:a="http://schemas.openxmlformats.org/drawingml/2006/main" xmlns:r="http://schemas.openxmlformats.org/officeDocument/2006/relationships" xmlns:p="http://schemas.openxmlformats.org/presentationml/2006/main" saveSubsetFonts="1">
   <p:sldMasterIdLst>
-    <p:sldMasterId id="2147483708" r:id="rId1"/>
+    <p:sldMasterId id="2147483720" r:id="rId1"/>
   </p:sldMasterIdLst>
   <p:sldIdLst>
     <p:sldId id="256" r:id="rId2"/>
   </p:sldIdLst>
-  <p:sldSz cx="7199313" cy="10180638"/>
+  <p:sldSz cx="21383625" cy="30275213"/>
   <p:notesSz cx="6858000" cy="9144000"/>
   <p:defaultTextStyle>
     <a:defPPr>
@@ -104,13 +104,18 @@
       </a:defRPr>
     </a:lvl9pPr>
   </p:defaultTextStyle>
+  <p:extLst>
+    <p:ext uri="{EFAFB233-063F-42B5-8137-9DF3F51BA10A}">
+      <p15:sldGuideLst xmlns:p15="http://schemas.microsoft.com/office/powerpoint/2012/main"/>
+    </p:ext>
+  </p:extLst>
 </p:presentation>
 </file>
 
 <file path=ppt/revisionInfo.xml><?xml version="1.0" encoding="utf-8"?>
 <p1510:revInfo xmlns:a="http://schemas.openxmlformats.org/drawingml/2006/main" xmlns:r="http://schemas.openxmlformats.org/officeDocument/2006/relationships" xmlns:p1510="http://schemas.microsoft.com/office/powerpoint/2015/10/main">
   <p1510:revLst>
-    <p1510:client id="{6A032B2E-AF7B-49EB-A97C-5A96FBC83131}" v="1" dt="2023-02-16T21:02:38.883"/>
+    <p1510:client id="{6A032B2E-AF7B-49EB-A97C-5A96FBC83131}" v="10" dt="2023-02-20T11:46:34.425"/>
   </p1510:revLst>
 </p1510:revInfo>
 </file>
@@ -119,19 +124,283 @@
 <pc:chgInfo xmlns:a="http://schemas.openxmlformats.org/drawingml/2006/main" xmlns:r="http://schemas.openxmlformats.org/officeDocument/2006/relationships" xmlns:ac="http://schemas.microsoft.com/office/drawing/2013/main/command" xmlns:pc="http://schemas.microsoft.com/office/powerpoint/2013/main/command">
   <pc:docChgLst>
     <pc:chgData name="Veroni, Stefano" userId="c6a0b827-0823-4cdd-9f2f-b443de65f065" providerId="ADAL" clId="{6A032B2E-AF7B-49EB-A97C-5A96FBC83131}"/>
-    <pc:docChg chg="modSld">
-      <pc:chgData name="Veroni, Stefano" userId="c6a0b827-0823-4cdd-9f2f-b443de65f065" providerId="ADAL" clId="{6A032B2E-AF7B-49EB-A97C-5A96FBC83131}" dt="2023-02-16T21:02:51.943" v="89" actId="20577"/>
+    <pc:docChg chg="undo custSel addSld delSld modSld">
+      <pc:chgData name="Veroni, Stefano" userId="c6a0b827-0823-4cdd-9f2f-b443de65f065" providerId="ADAL" clId="{6A032B2E-AF7B-49EB-A97C-5A96FBC83131}" dt="2023-02-20T11:48:33.637" v="798" actId="20577"/>
       <pc:docMkLst>
         <pc:docMk/>
       </pc:docMkLst>
-      <pc:sldChg chg="addSp modSp mod">
-        <pc:chgData name="Veroni, Stefano" userId="c6a0b827-0823-4cdd-9f2f-b443de65f065" providerId="ADAL" clId="{6A032B2E-AF7B-49EB-A97C-5A96FBC83131}" dt="2023-02-16T21:02:51.943" v="89" actId="20577"/>
+      <pc:sldChg chg="addSp delSp modSp mod">
+        <pc:chgData name="Veroni, Stefano" userId="c6a0b827-0823-4cdd-9f2f-b443de65f065" providerId="ADAL" clId="{6A032B2E-AF7B-49EB-A97C-5A96FBC83131}" dt="2023-02-20T11:48:33.637" v="798" actId="20577"/>
         <pc:sldMkLst>
           <pc:docMk/>
           <pc:sldMk cId="2250297410" sldId="256"/>
         </pc:sldMkLst>
+        <pc:spChg chg="add mod">
+          <ac:chgData name="Veroni, Stefano" userId="c6a0b827-0823-4cdd-9f2f-b443de65f065" providerId="ADAL" clId="{6A032B2E-AF7B-49EB-A97C-5A96FBC83131}" dt="2023-02-20T11:32:47.795" v="190" actId="1076"/>
+          <ac:spMkLst>
+            <pc:docMk/>
+            <pc:sldMk cId="2250297410" sldId="256"/>
+            <ac:spMk id="2" creationId="{2BE2AD6C-F927-DAEB-0E96-C8609562CC99}"/>
+          </ac:spMkLst>
+        </pc:spChg>
+        <pc:spChg chg="add mod">
+          <ac:chgData name="Veroni, Stefano" userId="c6a0b827-0823-4cdd-9f2f-b443de65f065" providerId="ADAL" clId="{6A032B2E-AF7B-49EB-A97C-5A96FBC83131}" dt="2023-02-20T11:48:20.452" v="787" actId="1038"/>
+          <ac:spMkLst>
+            <pc:docMk/>
+            <pc:sldMk cId="2250297410" sldId="256"/>
+            <ac:spMk id="3" creationId="{120D42B5-7D2C-AC66-C7A8-22AE786DDC08}"/>
+          </ac:spMkLst>
+        </pc:spChg>
+        <pc:spChg chg="add mod">
+          <ac:chgData name="Veroni, Stefano" userId="c6a0b827-0823-4cdd-9f2f-b443de65f065" providerId="ADAL" clId="{6A032B2E-AF7B-49EB-A97C-5A96FBC83131}" dt="2023-02-20T11:45:08.014" v="518" actId="20577"/>
+          <ac:spMkLst>
+            <pc:docMk/>
+            <pc:sldMk cId="2250297410" sldId="256"/>
+            <ac:spMk id="4" creationId="{2392D7FE-62C5-F051-F6C1-5D78AA2EC54C}"/>
+          </ac:spMkLst>
+        </pc:spChg>
         <pc:spChg chg="mod">
-          <ac:chgData name="Veroni, Stefano" userId="c6a0b827-0823-4cdd-9f2f-b443de65f065" providerId="ADAL" clId="{6A032B2E-AF7B-49EB-A97C-5A96FBC83131}" dt="2023-02-16T21:02:22.673" v="54" actId="20577"/>
+          <ac:chgData name="Veroni, Stefano" userId="c6a0b827-0823-4cdd-9f2f-b443de65f065" providerId="ADAL" clId="{6A032B2E-AF7B-49EB-A97C-5A96FBC83131}" dt="2023-02-20T11:28:15.747" v="100" actId="255"/>
+          <ac:spMkLst>
+            <pc:docMk/>
+            <pc:sldMk cId="2250297410" sldId="256"/>
+            <ac:spMk id="5" creationId="{AAE99926-D61B-CE6E-661D-E05652881D79}"/>
+          </ac:spMkLst>
+        </pc:spChg>
+        <pc:spChg chg="add mod">
+          <ac:chgData name="Veroni, Stefano" userId="c6a0b827-0823-4cdd-9f2f-b443de65f065" providerId="ADAL" clId="{6A032B2E-AF7B-49EB-A97C-5A96FBC83131}" dt="2023-02-20T11:45:47.843" v="523" actId="14100"/>
+          <ac:spMkLst>
+            <pc:docMk/>
+            <pc:sldMk cId="2250297410" sldId="256"/>
+            <ac:spMk id="6" creationId="{1811C865-3F9B-7FBB-97F6-48D305A68DFD}"/>
+          </ac:spMkLst>
+        </pc:spChg>
+        <pc:spChg chg="mod">
+          <ac:chgData name="Veroni, Stefano" userId="c6a0b827-0823-4cdd-9f2f-b443de65f065" providerId="ADAL" clId="{6A032B2E-AF7B-49EB-A97C-5A96FBC83131}" dt="2023-02-20T11:28:00.631" v="91" actId="14100"/>
+          <ac:spMkLst>
+            <pc:docMk/>
+            <pc:sldMk cId="2250297410" sldId="256"/>
+            <ac:spMk id="7" creationId="{363CAB31-3B82-3EDC-74F8-553D3F425A55}"/>
+          </ac:spMkLst>
+        </pc:spChg>
+        <pc:spChg chg="add mod">
+          <ac:chgData name="Veroni, Stefano" userId="c6a0b827-0823-4cdd-9f2f-b443de65f065" providerId="ADAL" clId="{6A032B2E-AF7B-49EB-A97C-5A96FBC83131}" dt="2023-02-20T11:45:52.718" v="525" actId="1076"/>
+          <ac:spMkLst>
+            <pc:docMk/>
+            <pc:sldMk cId="2250297410" sldId="256"/>
+            <ac:spMk id="9" creationId="{FED46C08-B136-4A5E-D5EA-F4CCF8048F11}"/>
+          </ac:spMkLst>
+        </pc:spChg>
+        <pc:spChg chg="add mod">
+          <ac:chgData name="Veroni, Stefano" userId="c6a0b827-0823-4cdd-9f2f-b443de65f065" providerId="ADAL" clId="{6A032B2E-AF7B-49EB-A97C-5A96FBC83131}" dt="2023-02-20T11:48:33.637" v="798" actId="20577"/>
+          <ac:spMkLst>
+            <pc:docMk/>
+            <pc:sldMk cId="2250297410" sldId="256"/>
+            <ac:spMk id="11" creationId="{2EAE8DDB-0A35-FFF3-6904-E09435EC3D2D}"/>
+          </ac:spMkLst>
+        </pc:spChg>
+        <pc:spChg chg="mod">
+          <ac:chgData name="Veroni, Stefano" userId="c6a0b827-0823-4cdd-9f2f-b443de65f065" providerId="ADAL" clId="{6A032B2E-AF7B-49EB-A97C-5A96FBC83131}" dt="2023-02-20T11:31:05.743" v="147" actId="1076"/>
+          <ac:spMkLst>
+            <pc:docMk/>
+            <pc:sldMk cId="2250297410" sldId="256"/>
+            <ac:spMk id="14" creationId="{D62A2DAA-BA29-9F0A-4CA7-5C05C491889A}"/>
+          </ac:spMkLst>
+        </pc:spChg>
+        <pc:spChg chg="mod">
+          <ac:chgData name="Veroni, Stefano" userId="c6a0b827-0823-4cdd-9f2f-b443de65f065" providerId="ADAL" clId="{6A032B2E-AF7B-49EB-A97C-5A96FBC83131}" dt="2023-02-20T11:31:08.690" v="148" actId="1076"/>
+          <ac:spMkLst>
+            <pc:docMk/>
+            <pc:sldMk cId="2250297410" sldId="256"/>
+            <ac:spMk id="15" creationId="{EAFC5A48-D351-8264-F6FF-83C503E84B9B}"/>
+          </ac:spMkLst>
+        </pc:spChg>
+        <pc:spChg chg="mod">
+          <ac:chgData name="Veroni, Stefano" userId="c6a0b827-0823-4cdd-9f2f-b443de65f065" providerId="ADAL" clId="{6A032B2E-AF7B-49EB-A97C-5A96FBC83131}" dt="2023-02-20T11:31:13.299" v="150" actId="1076"/>
+          <ac:spMkLst>
+            <pc:docMk/>
+            <pc:sldMk cId="2250297410" sldId="256"/>
+            <ac:spMk id="16" creationId="{848D1623-85A2-7A03-712C-BEA72BFD8C55}"/>
+          </ac:spMkLst>
+        </pc:spChg>
+        <pc:spChg chg="add mod">
+          <ac:chgData name="Veroni, Stefano" userId="c6a0b827-0823-4cdd-9f2f-b443de65f065" providerId="ADAL" clId="{6A032B2E-AF7B-49EB-A97C-5A96FBC83131}" dt="2023-02-20T11:46:24.063" v="580" actId="20577"/>
+          <ac:spMkLst>
+            <pc:docMk/>
+            <pc:sldMk cId="2250297410" sldId="256"/>
+            <ac:spMk id="17" creationId="{ACD1089D-F7E7-56B8-0043-C808BB94C0AD}"/>
+          </ac:spMkLst>
+        </pc:spChg>
+        <pc:spChg chg="add mod">
+          <ac:chgData name="Veroni, Stefano" userId="c6a0b827-0823-4cdd-9f2f-b443de65f065" providerId="ADAL" clId="{6A032B2E-AF7B-49EB-A97C-5A96FBC83131}" dt="2023-02-20T11:47:53.122" v="767" actId="20577"/>
+          <ac:spMkLst>
+            <pc:docMk/>
+            <pc:sldMk cId="2250297410" sldId="256"/>
+            <ac:spMk id="18" creationId="{88788927-29F7-4676-D3FC-E4817526A912}"/>
+          </ac:spMkLst>
+        </pc:spChg>
+        <pc:spChg chg="mod">
+          <ac:chgData name="Veroni, Stefano" userId="c6a0b827-0823-4cdd-9f2f-b443de65f065" providerId="ADAL" clId="{6A032B2E-AF7B-49EB-A97C-5A96FBC83131}" dt="2023-02-20T11:32:50.556" v="191" actId="1076"/>
+          <ac:spMkLst>
+            <pc:docMk/>
+            <pc:sldMk cId="2250297410" sldId="256"/>
+            <ac:spMk id="33" creationId="{9A67280B-6A3D-3725-C4D6-A98BEACA5E04}"/>
+          </ac:spMkLst>
+        </pc:spChg>
+        <pc:spChg chg="mod">
+          <ac:chgData name="Veroni, Stefano" userId="c6a0b827-0823-4cdd-9f2f-b443de65f065" providerId="ADAL" clId="{6A032B2E-AF7B-49EB-A97C-5A96FBC83131}" dt="2023-02-20T11:32:34.259" v="187" actId="1076"/>
+          <ac:spMkLst>
+            <pc:docMk/>
+            <pc:sldMk cId="2250297410" sldId="256"/>
+            <ac:spMk id="34" creationId="{9EA937C0-E75A-517D-B28A-D9AF2B5D2D15}"/>
+          </ac:spMkLst>
+        </pc:spChg>
+        <pc:spChg chg="mod">
+          <ac:chgData name="Veroni, Stefano" userId="c6a0b827-0823-4cdd-9f2f-b443de65f065" providerId="ADAL" clId="{6A032B2E-AF7B-49EB-A97C-5A96FBC83131}" dt="2023-02-20T11:31:23.193" v="154" actId="1076"/>
+          <ac:spMkLst>
+            <pc:docMk/>
+            <pc:sldMk cId="2250297410" sldId="256"/>
+            <ac:spMk id="35" creationId="{646A11DA-D962-ED18-19F5-952E96244349}"/>
+          </ac:spMkLst>
+        </pc:spChg>
+        <pc:spChg chg="mod">
+          <ac:chgData name="Veroni, Stefano" userId="c6a0b827-0823-4cdd-9f2f-b443de65f065" providerId="ADAL" clId="{6A032B2E-AF7B-49EB-A97C-5A96FBC83131}" dt="2023-02-20T11:33:06.581" v="194" actId="1076"/>
+          <ac:spMkLst>
+            <pc:docMk/>
+            <pc:sldMk cId="2250297410" sldId="256"/>
+            <ac:spMk id="36" creationId="{B55452F1-4FBC-EFC2-3C37-FD4193DDA15D}"/>
+          </ac:spMkLst>
+        </pc:spChg>
+        <pc:spChg chg="mod">
+          <ac:chgData name="Veroni, Stefano" userId="c6a0b827-0823-4cdd-9f2f-b443de65f065" providerId="ADAL" clId="{6A032B2E-AF7B-49EB-A97C-5A96FBC83131}" dt="2023-02-20T11:33:04.448" v="193" actId="1076"/>
+          <ac:spMkLst>
+            <pc:docMk/>
+            <pc:sldMk cId="2250297410" sldId="256"/>
+            <ac:spMk id="37" creationId="{25F7F700-01B0-6350-2F4D-627552A9D746}"/>
+          </ac:spMkLst>
+        </pc:spChg>
+        <pc:spChg chg="mod">
+          <ac:chgData name="Veroni, Stefano" userId="c6a0b827-0823-4cdd-9f2f-b443de65f065" providerId="ADAL" clId="{6A032B2E-AF7B-49EB-A97C-5A96FBC83131}" dt="2023-02-20T11:31:33.247" v="158" actId="1076"/>
+          <ac:spMkLst>
+            <pc:docMk/>
+            <pc:sldMk cId="2250297410" sldId="256"/>
+            <ac:spMk id="40" creationId="{793F206A-C191-91D4-58E5-56DF392BD776}"/>
+          </ac:spMkLst>
+        </pc:spChg>
+        <pc:spChg chg="mod">
+          <ac:chgData name="Veroni, Stefano" userId="c6a0b827-0823-4cdd-9f2f-b443de65f065" providerId="ADAL" clId="{6A032B2E-AF7B-49EB-A97C-5A96FBC83131}" dt="2023-02-20T11:32:28.472" v="185" actId="1076"/>
+          <ac:spMkLst>
+            <pc:docMk/>
+            <pc:sldMk cId="2250297410" sldId="256"/>
+            <ac:spMk id="41" creationId="{8A0DC821-9BBD-0B73-CE91-C4BC3FD1106A}"/>
+          </ac:spMkLst>
+        </pc:spChg>
+        <pc:spChg chg="mod">
+          <ac:chgData name="Veroni, Stefano" userId="c6a0b827-0823-4cdd-9f2f-b443de65f065" providerId="ADAL" clId="{6A032B2E-AF7B-49EB-A97C-5A96FBC83131}" dt="2023-02-20T11:32:16.090" v="184" actId="1076"/>
+          <ac:spMkLst>
+            <pc:docMk/>
+            <pc:sldMk cId="2250297410" sldId="256"/>
+            <ac:spMk id="42" creationId="{90492DE3-3000-57A6-A49F-8633164D2866}"/>
+          </ac:spMkLst>
+        </pc:spChg>
+        <pc:spChg chg="mod">
+          <ac:chgData name="Veroni, Stefano" userId="c6a0b827-0823-4cdd-9f2f-b443de65f065" providerId="ADAL" clId="{6A032B2E-AF7B-49EB-A97C-5A96FBC83131}" dt="2023-02-20T11:33:26.747" v="242" actId="1035"/>
+          <ac:spMkLst>
+            <pc:docMk/>
+            <pc:sldMk cId="2250297410" sldId="256"/>
+            <ac:spMk id="55" creationId="{2B913A5F-9E2C-ECCD-234C-71AC18C8D446}"/>
+          </ac:spMkLst>
+        </pc:spChg>
+        <pc:spChg chg="mod">
+          <ac:chgData name="Veroni, Stefano" userId="c6a0b827-0823-4cdd-9f2f-b443de65f065" providerId="ADAL" clId="{6A032B2E-AF7B-49EB-A97C-5A96FBC83131}" dt="2023-02-20T11:32:10.753" v="183" actId="14100"/>
+          <ac:spMkLst>
+            <pc:docMk/>
+            <pc:sldMk cId="2250297410" sldId="256"/>
+            <ac:spMk id="56" creationId="{6FF9E852-A3BB-446D-C92A-9461B314AAD1}"/>
+          </ac:spMkLst>
+        </pc:spChg>
+        <pc:spChg chg="mod">
+          <ac:chgData name="Veroni, Stefano" userId="c6a0b827-0823-4cdd-9f2f-b443de65f065" providerId="ADAL" clId="{6A032B2E-AF7B-49EB-A97C-5A96FBC83131}" dt="2023-02-20T11:33:26.747" v="242" actId="1035"/>
+          <ac:spMkLst>
+            <pc:docMk/>
+            <pc:sldMk cId="2250297410" sldId="256"/>
+            <ac:spMk id="57" creationId="{113CD390-2219-1E42-C7A0-E71B960F1C8F}"/>
+          </ac:spMkLst>
+        </pc:spChg>
+        <pc:spChg chg="mod">
+          <ac:chgData name="Veroni, Stefano" userId="c6a0b827-0823-4cdd-9f2f-b443de65f065" providerId="ADAL" clId="{6A032B2E-AF7B-49EB-A97C-5A96FBC83131}" dt="2023-02-20T11:33:48.132" v="243" actId="1076"/>
+          <ac:spMkLst>
+            <pc:docMk/>
+            <pc:sldMk cId="2250297410" sldId="256"/>
+            <ac:spMk id="59" creationId="{C438D5BE-DC47-4798-05E0-6CC4BC4382AF}"/>
+          </ac:spMkLst>
+        </pc:spChg>
+        <pc:spChg chg="mod">
+          <ac:chgData name="Veroni, Stefano" userId="c6a0b827-0823-4cdd-9f2f-b443de65f065" providerId="ADAL" clId="{6A032B2E-AF7B-49EB-A97C-5A96FBC83131}" dt="2023-02-20T11:34:32.760" v="294" actId="20577"/>
+          <ac:spMkLst>
+            <pc:docMk/>
+            <pc:sldMk cId="2250297410" sldId="256"/>
+            <ac:spMk id="92" creationId="{84C30DBF-6BEE-40F8-4786-32C31BFDE045}"/>
+          </ac:spMkLst>
+        </pc:spChg>
+        <pc:spChg chg="mod">
+          <ac:chgData name="Veroni, Stefano" userId="c6a0b827-0823-4cdd-9f2f-b443de65f065" providerId="ADAL" clId="{6A032B2E-AF7B-49EB-A97C-5A96FBC83131}" dt="2023-02-20T11:34:47.287" v="314" actId="1036"/>
+          <ac:spMkLst>
+            <pc:docMk/>
+            <pc:sldMk cId="2250297410" sldId="256"/>
+            <ac:spMk id="93" creationId="{221765EA-92E2-3EE9-1516-850796C0E0AE}"/>
+          </ac:spMkLst>
+        </pc:spChg>
+        <pc:spChg chg="mod">
+          <ac:chgData name="Veroni, Stefano" userId="c6a0b827-0823-4cdd-9f2f-b443de65f065" providerId="ADAL" clId="{6A032B2E-AF7B-49EB-A97C-5A96FBC83131}" dt="2023-02-20T11:35:53.989" v="419" actId="20577"/>
+          <ac:spMkLst>
+            <pc:docMk/>
+            <pc:sldMk cId="2250297410" sldId="256"/>
+            <ac:spMk id="94" creationId="{E7EA911A-ADD6-471F-2DCC-CEEDFD3C903C}"/>
+          </ac:spMkLst>
+        </pc:spChg>
+        <pc:spChg chg="mod">
+          <ac:chgData name="Veroni, Stefano" userId="c6a0b827-0823-4cdd-9f2f-b443de65f065" providerId="ADAL" clId="{6A032B2E-AF7B-49EB-A97C-5A96FBC83131}" dt="2023-02-20T11:36:05.735" v="422" actId="113"/>
+          <ac:spMkLst>
+            <pc:docMk/>
+            <pc:sldMk cId="2250297410" sldId="256"/>
+            <ac:spMk id="95" creationId="{4FCC8BBA-6EB5-BEB2-EC82-D812B71B7F6C}"/>
+          </ac:spMkLst>
+        </pc:spChg>
+        <pc:spChg chg="mod">
+          <ac:chgData name="Veroni, Stefano" userId="c6a0b827-0823-4cdd-9f2f-b443de65f065" providerId="ADAL" clId="{6A032B2E-AF7B-49EB-A97C-5A96FBC83131}" dt="2023-02-20T11:34:47.287" v="314" actId="1036"/>
+          <ac:spMkLst>
+            <pc:docMk/>
+            <pc:sldMk cId="2250297410" sldId="256"/>
+            <ac:spMk id="97" creationId="{EA066658-8F45-5E22-E6C9-15711F721DF6}"/>
+          </ac:spMkLst>
+        </pc:spChg>
+        <pc:spChg chg="mod">
+          <ac:chgData name="Veroni, Stefano" userId="c6a0b827-0823-4cdd-9f2f-b443de65f065" providerId="ADAL" clId="{6A032B2E-AF7B-49EB-A97C-5A96FBC83131}" dt="2023-02-20T11:34:47.287" v="314" actId="1036"/>
+          <ac:spMkLst>
+            <pc:docMk/>
+            <pc:sldMk cId="2250297410" sldId="256"/>
+            <ac:spMk id="98" creationId="{89B76309-EB18-1434-9188-E3C92BD5E209}"/>
+          </ac:spMkLst>
+        </pc:spChg>
+        <pc:spChg chg="mod">
+          <ac:chgData name="Veroni, Stefano" userId="c6a0b827-0823-4cdd-9f2f-b443de65f065" providerId="ADAL" clId="{6A032B2E-AF7B-49EB-A97C-5A96FBC83131}" dt="2023-02-20T11:35:00.495" v="343" actId="1036"/>
+          <ac:spMkLst>
+            <pc:docMk/>
+            <pc:sldMk cId="2250297410" sldId="256"/>
+            <ac:spMk id="103" creationId="{F68C0618-777B-E7F7-4A9C-755965908448}"/>
+          </ac:spMkLst>
+        </pc:spChg>
+        <pc:spChg chg="mod">
+          <ac:chgData name="Veroni, Stefano" userId="c6a0b827-0823-4cdd-9f2f-b443de65f065" providerId="ADAL" clId="{6A032B2E-AF7B-49EB-A97C-5A96FBC83131}" dt="2023-02-20T11:36:17.402" v="438" actId="20577"/>
+          <ac:spMkLst>
+            <pc:docMk/>
+            <pc:sldMk cId="2250297410" sldId="256"/>
+            <ac:spMk id="104" creationId="{36CC9AC3-9C66-7CF8-37A8-95F52547664C}"/>
+          </ac:spMkLst>
+        </pc:spChg>
+        <pc:spChg chg="mod">
+          <ac:chgData name="Veroni, Stefano" userId="c6a0b827-0823-4cdd-9f2f-b443de65f065" providerId="ADAL" clId="{6A032B2E-AF7B-49EB-A97C-5A96FBC83131}" dt="2023-02-20T11:48:20.452" v="787" actId="1038"/>
           <ac:spMkLst>
             <pc:docMk/>
             <pc:sldMk cId="2250297410" sldId="256"/>
@@ -139,7 +408,7 @@
           </ac:spMkLst>
         </pc:spChg>
         <pc:spChg chg="mod">
-          <ac:chgData name="Veroni, Stefano" userId="c6a0b827-0823-4cdd-9f2f-b443de65f065" providerId="ADAL" clId="{6A032B2E-AF7B-49EB-A97C-5A96FBC83131}" dt="2023-02-16T21:02:42.663" v="57" actId="1076"/>
+          <ac:chgData name="Veroni, Stefano" userId="c6a0b827-0823-4cdd-9f2f-b443de65f065" providerId="ADAL" clId="{6A032B2E-AF7B-49EB-A97C-5A96FBC83131}" dt="2023-02-20T11:45:02.172" v="506" actId="1076"/>
           <ac:spMkLst>
             <pc:docMk/>
             <pc:sldMk cId="2250297410" sldId="256"/>
@@ -147,13 +416,180 @@
           </ac:spMkLst>
         </pc:spChg>
         <pc:spChg chg="add mod">
-          <ac:chgData name="Veroni, Stefano" userId="c6a0b827-0823-4cdd-9f2f-b443de65f065" providerId="ADAL" clId="{6A032B2E-AF7B-49EB-A97C-5A96FBC83131}" dt="2023-02-16T21:02:51.943" v="89" actId="20577"/>
+          <ac:chgData name="Veroni, Stefano" userId="c6a0b827-0823-4cdd-9f2f-b443de65f065" providerId="ADAL" clId="{6A032B2E-AF7B-49EB-A97C-5A96FBC83131}" dt="2023-02-20T11:44:59.967" v="505" actId="1076"/>
           <ac:spMkLst>
             <pc:docMk/>
             <pc:sldMk cId="2250297410" sldId="256"/>
             <ac:spMk id="111" creationId="{B902313A-A0BC-E55B-03CB-C510B598EB61}"/>
           </ac:spMkLst>
         </pc:spChg>
+        <pc:grpChg chg="mod">
+          <ac:chgData name="Veroni, Stefano" userId="c6a0b827-0823-4cdd-9f2f-b443de65f065" providerId="ADAL" clId="{6A032B2E-AF7B-49EB-A97C-5A96FBC83131}" dt="2023-02-20T11:33:26.747" v="242" actId="1035"/>
+          <ac:grpSpMkLst>
+            <pc:docMk/>
+            <pc:sldMk cId="2250297410" sldId="256"/>
+            <ac:grpSpMk id="89" creationId="{175AF3CF-FB24-981D-1DCA-DB21BECEFC5B}"/>
+          </ac:grpSpMkLst>
+        </pc:grpChg>
+        <pc:inkChg chg="mod">
+          <ac:chgData name="Veroni, Stefano" userId="c6a0b827-0823-4cdd-9f2f-b443de65f065" providerId="ADAL" clId="{6A032B2E-AF7B-49EB-A97C-5A96FBC83131}" dt="2023-02-20T11:33:26.747" v="242" actId="1035"/>
+          <ac:inkMkLst>
+            <pc:docMk/>
+            <pc:sldMk cId="2250297410" sldId="256"/>
+            <ac:inkMk id="60" creationId="{36102663-B652-ECFE-168E-7CC83F6AB5F4}"/>
+          </ac:inkMkLst>
+        </pc:inkChg>
+        <pc:inkChg chg="mod">
+          <ac:chgData name="Veroni, Stefano" userId="c6a0b827-0823-4cdd-9f2f-b443de65f065" providerId="ADAL" clId="{6A032B2E-AF7B-49EB-A97C-5A96FBC83131}" dt="2023-02-20T11:33:26.747" v="242" actId="1035"/>
+          <ac:inkMkLst>
+            <pc:docMk/>
+            <pc:sldMk cId="2250297410" sldId="256"/>
+            <ac:inkMk id="61" creationId="{5642234C-734A-3DC7-69A5-1E9D3E831D92}"/>
+          </ac:inkMkLst>
+        </pc:inkChg>
+        <pc:inkChg chg="mod">
+          <ac:chgData name="Veroni, Stefano" userId="c6a0b827-0823-4cdd-9f2f-b443de65f065" providerId="ADAL" clId="{6A032B2E-AF7B-49EB-A97C-5A96FBC83131}" dt="2023-02-20T11:33:26.747" v="242" actId="1035"/>
+          <ac:inkMkLst>
+            <pc:docMk/>
+            <pc:sldMk cId="2250297410" sldId="256"/>
+            <ac:inkMk id="62" creationId="{C9082690-B501-01CC-D856-0C51A00645E8}"/>
+          </ac:inkMkLst>
+        </pc:inkChg>
+        <pc:inkChg chg="mod">
+          <ac:chgData name="Veroni, Stefano" userId="c6a0b827-0823-4cdd-9f2f-b443de65f065" providerId="ADAL" clId="{6A032B2E-AF7B-49EB-A97C-5A96FBC83131}" dt="2023-02-20T11:33:26.747" v="242" actId="1035"/>
+          <ac:inkMkLst>
+            <pc:docMk/>
+            <pc:sldMk cId="2250297410" sldId="256"/>
+            <ac:inkMk id="75" creationId="{29F64A6C-B3EE-35BD-E606-CDC76CD5CDFD}"/>
+          </ac:inkMkLst>
+        </pc:inkChg>
+        <pc:inkChg chg="mod">
+          <ac:chgData name="Veroni, Stefano" userId="c6a0b827-0823-4cdd-9f2f-b443de65f065" providerId="ADAL" clId="{6A032B2E-AF7B-49EB-A97C-5A96FBC83131}" dt="2023-02-20T11:33:26.747" v="242" actId="1035"/>
+          <ac:inkMkLst>
+            <pc:docMk/>
+            <pc:sldMk cId="2250297410" sldId="256"/>
+            <ac:inkMk id="77" creationId="{55D365A2-3996-49FE-27CC-1025C2BBB0D2}"/>
+          </ac:inkMkLst>
+        </pc:inkChg>
+        <pc:inkChg chg="mod">
+          <ac:chgData name="Veroni, Stefano" userId="c6a0b827-0823-4cdd-9f2f-b443de65f065" providerId="ADAL" clId="{6A032B2E-AF7B-49EB-A97C-5A96FBC83131}" dt="2023-02-20T11:33:26.747" v="242" actId="1035"/>
+          <ac:inkMkLst>
+            <pc:docMk/>
+            <pc:sldMk cId="2250297410" sldId="256"/>
+            <ac:inkMk id="78" creationId="{7513B268-921A-5A41-4FE1-987ED4375852}"/>
+          </ac:inkMkLst>
+        </pc:inkChg>
+        <pc:inkChg chg="mod">
+          <ac:chgData name="Veroni, Stefano" userId="c6a0b827-0823-4cdd-9f2f-b443de65f065" providerId="ADAL" clId="{6A032B2E-AF7B-49EB-A97C-5A96FBC83131}" dt="2023-02-20T11:33:26.747" v="242" actId="1035"/>
+          <ac:inkMkLst>
+            <pc:docMk/>
+            <pc:sldMk cId="2250297410" sldId="256"/>
+            <ac:inkMk id="79" creationId="{C10A6DCA-5559-B6F3-3463-85A772292B83}"/>
+          </ac:inkMkLst>
+        </pc:inkChg>
+        <pc:inkChg chg="add del">
+          <ac:chgData name="Veroni, Stefano" userId="c6a0b827-0823-4cdd-9f2f-b443de65f065" providerId="ADAL" clId="{6A032B2E-AF7B-49EB-A97C-5A96FBC83131}" dt="2023-02-20T11:34:02.232" v="245" actId="478"/>
+          <ac:inkMkLst>
+            <pc:docMk/>
+            <pc:sldMk cId="2250297410" sldId="256"/>
+            <ac:inkMk id="83" creationId="{83C1B446-E271-21E5-5643-DC8E24D3BC50}"/>
+          </ac:inkMkLst>
+        </pc:inkChg>
+        <pc:inkChg chg="add del">
+          <ac:chgData name="Veroni, Stefano" userId="c6a0b827-0823-4cdd-9f2f-b443de65f065" providerId="ADAL" clId="{6A032B2E-AF7B-49EB-A97C-5A96FBC83131}" dt="2023-02-20T11:34:05.315" v="247" actId="478"/>
+          <ac:inkMkLst>
+            <pc:docMk/>
+            <pc:sldMk cId="2250297410" sldId="256"/>
+            <ac:inkMk id="84" creationId="{5D27E878-70F4-89FB-F9D5-D61B3A7CE82D}"/>
+          </ac:inkMkLst>
+        </pc:inkChg>
+        <pc:inkChg chg="mod">
+          <ac:chgData name="Veroni, Stefano" userId="c6a0b827-0823-4cdd-9f2f-b443de65f065" providerId="ADAL" clId="{6A032B2E-AF7B-49EB-A97C-5A96FBC83131}" dt="2023-02-20T11:33:26.747" v="242" actId="1035"/>
+          <ac:inkMkLst>
+            <pc:docMk/>
+            <pc:sldMk cId="2250297410" sldId="256"/>
+            <ac:inkMk id="86" creationId="{DCB67CF9-0AE5-54BF-1BDD-5501863FF96B}"/>
+          </ac:inkMkLst>
+        </pc:inkChg>
+        <pc:inkChg chg="mod">
+          <ac:chgData name="Veroni, Stefano" userId="c6a0b827-0823-4cdd-9f2f-b443de65f065" providerId="ADAL" clId="{6A032B2E-AF7B-49EB-A97C-5A96FBC83131}" dt="2023-02-20T11:33:26.747" v="242" actId="1035"/>
+          <ac:inkMkLst>
+            <pc:docMk/>
+            <pc:sldMk cId="2250297410" sldId="256"/>
+            <ac:inkMk id="90" creationId="{5E112432-9FD5-2575-3DF5-A11501FC06E0}"/>
+          </ac:inkMkLst>
+        </pc:inkChg>
+        <pc:cxnChg chg="mod">
+          <ac:chgData name="Veroni, Stefano" userId="c6a0b827-0823-4cdd-9f2f-b443de65f065" providerId="ADAL" clId="{6A032B2E-AF7B-49EB-A97C-5A96FBC83131}" dt="2023-02-20T11:33:14.356" v="214" actId="1035"/>
+          <ac:cxnSpMkLst>
+            <pc:docMk/>
+            <pc:sldMk cId="2250297410" sldId="256"/>
+            <ac:cxnSpMk id="48" creationId="{65046D86-F341-EAD6-4677-DBB716611222}"/>
+          </ac:cxnSpMkLst>
+        </pc:cxnChg>
+        <pc:cxnChg chg="mod">
+          <ac:chgData name="Veroni, Stefano" userId="c6a0b827-0823-4cdd-9f2f-b443de65f065" providerId="ADAL" clId="{6A032B2E-AF7B-49EB-A97C-5A96FBC83131}" dt="2023-02-20T11:33:14.356" v="214" actId="1035"/>
+          <ac:cxnSpMkLst>
+            <pc:docMk/>
+            <pc:sldMk cId="2250297410" sldId="256"/>
+            <ac:cxnSpMk id="50" creationId="{ABE02DAC-E2E2-511E-9F14-ED8469B03E7C}"/>
+          </ac:cxnSpMkLst>
+        </pc:cxnChg>
+        <pc:cxnChg chg="mod">
+          <ac:chgData name="Veroni, Stefano" userId="c6a0b827-0823-4cdd-9f2f-b443de65f065" providerId="ADAL" clId="{6A032B2E-AF7B-49EB-A97C-5A96FBC83131}" dt="2023-02-20T11:33:14.356" v="214" actId="1035"/>
+          <ac:cxnSpMkLst>
+            <pc:docMk/>
+            <pc:sldMk cId="2250297410" sldId="256"/>
+            <ac:cxnSpMk id="51" creationId="{BD60A31D-E247-2B8D-A4A8-EBA586DDD38C}"/>
+          </ac:cxnSpMkLst>
+        </pc:cxnChg>
+        <pc:cxnChg chg="mod">
+          <ac:chgData name="Veroni, Stefano" userId="c6a0b827-0823-4cdd-9f2f-b443de65f065" providerId="ADAL" clId="{6A032B2E-AF7B-49EB-A97C-5A96FBC83131}" dt="2023-02-20T11:33:14.356" v="214" actId="1035"/>
+          <ac:cxnSpMkLst>
+            <pc:docMk/>
+            <pc:sldMk cId="2250297410" sldId="256"/>
+            <ac:cxnSpMk id="52" creationId="{E6B81453-EC10-48D9-BA36-5297EC1B6782}"/>
+          </ac:cxnSpMkLst>
+        </pc:cxnChg>
+        <pc:cxnChg chg="mod">
+          <ac:chgData name="Veroni, Stefano" userId="c6a0b827-0823-4cdd-9f2f-b443de65f065" providerId="ADAL" clId="{6A032B2E-AF7B-49EB-A97C-5A96FBC83131}" dt="2023-02-20T11:33:14.356" v="214" actId="1035"/>
+          <ac:cxnSpMkLst>
+            <pc:docMk/>
+            <pc:sldMk cId="2250297410" sldId="256"/>
+            <ac:cxnSpMk id="54" creationId="{98985D51-AF97-45DF-6B11-F6B0F48AAD7D}"/>
+          </ac:cxnSpMkLst>
+        </pc:cxnChg>
+        <pc:cxnChg chg="mod">
+          <ac:chgData name="Veroni, Stefano" userId="c6a0b827-0823-4cdd-9f2f-b443de65f065" providerId="ADAL" clId="{6A032B2E-AF7B-49EB-A97C-5A96FBC83131}" dt="2023-02-20T11:34:47.287" v="314" actId="1036"/>
+          <ac:cxnSpMkLst>
+            <pc:docMk/>
+            <pc:sldMk cId="2250297410" sldId="256"/>
+            <ac:cxnSpMk id="99" creationId="{F8925576-0E76-B5C7-9661-C3AD92BF7F25}"/>
+          </ac:cxnSpMkLst>
+        </pc:cxnChg>
+        <pc:cxnChg chg="mod">
+          <ac:chgData name="Veroni, Stefano" userId="c6a0b827-0823-4cdd-9f2f-b443de65f065" providerId="ADAL" clId="{6A032B2E-AF7B-49EB-A97C-5A96FBC83131}" dt="2023-02-20T11:34:47.287" v="314" actId="1036"/>
+          <ac:cxnSpMkLst>
+            <pc:docMk/>
+            <pc:sldMk cId="2250297410" sldId="256"/>
+            <ac:cxnSpMk id="101" creationId="{71E3BE71-19B3-7220-3009-77C050D48160}"/>
+          </ac:cxnSpMkLst>
+        </pc:cxnChg>
+        <pc:cxnChg chg="mod">
+          <ac:chgData name="Veroni, Stefano" userId="c6a0b827-0823-4cdd-9f2f-b443de65f065" providerId="ADAL" clId="{6A032B2E-AF7B-49EB-A97C-5A96FBC83131}" dt="2023-02-20T11:34:47.287" v="314" actId="1036"/>
+          <ac:cxnSpMkLst>
+            <pc:docMk/>
+            <pc:sldMk cId="2250297410" sldId="256"/>
+            <ac:cxnSpMk id="102" creationId="{49DDF8D9-2EC8-2F5E-CC32-0655D88BC3B3}"/>
+          </ac:cxnSpMkLst>
+        </pc:cxnChg>
+      </pc:sldChg>
+      <pc:sldChg chg="new del">
+        <pc:chgData name="Veroni, Stefano" userId="c6a0b827-0823-4cdd-9f2f-b443de65f065" providerId="ADAL" clId="{6A032B2E-AF7B-49EB-A97C-5A96FBC83131}" dt="2023-02-20T11:34:51.567" v="315" actId="47"/>
+        <pc:sldMkLst>
+          <pc:docMk/>
+          <pc:sldMk cId="2695372147" sldId="257"/>
+        </pc:sldMkLst>
       </pc:sldChg>
     </pc:docChg>
   </pc:docChgLst>
@@ -238,7 +674,7 @@
       <inkml:brushProperty name="color" value="#00A0D7"/>
     </inkml:brush>
   </inkml:definitions>
-  <inkml:trace contextRef="#ctx0" brushRef="#br0">995 756 24575,'-4'-7'0,"-1"0"0,0 0 0,0 0 0,-1 0 0,1 1 0,-1 0 0,-1 0 0,1 0 0,-1 1 0,-8-5 0,-13-7 0,-38-16 0,43 22 0,-177-99 0,165 87 0,1-1 0,1-2 0,-43-44 0,-205-196 0,252 243-682,-54-33-1,48 34-6143</inkml:trace>
+  <inkml:trace contextRef="#ctx0" brushRef="#br0">2953 2244 24575,'-11'-21'0,"-4"0"0,0 0 0,0 0 0,-3 1 0,3 2 0,-3 0 0,-2 0 0,2 0 0,-3 3 0,-23-14 0,-40-22 0,-112-47 0,128 66 0,-526-295 0,490 259 0,3-4 0,3-5 0,-128-131 0,-608-582 0,747 722-682,-159-99-1,142 102-6143</inkml:trace>
 </inkml:ink>
 </file>
 
@@ -266,7 +702,7 @@
       <inkml:brushProperty name="color" value="#00A0D7"/>
     </inkml:brush>
   </inkml:definitions>
-  <inkml:trace contextRef="#ctx0" brushRef="#br0">0 751 24575,'66'1'0,"75"-2"0,-120-1 0,-1-1 0,1 0 0,-1-1 0,34-13 0,-22 5 0,-2-1 0,0-1 0,47-32 0,118-71 0,-83 53 0,-81 48 0,0-1 0,-1-2 0,0-1 0,-2-1 0,43-41 0,-26 11-455,-3-2 0,71-115 0,-97 140-6371</inkml:trace>
+  <inkml:trace contextRef="#ctx0" brushRef="#br0">0 2229 24575,'196'3'0,"223"-6"0,-357-3 0,-2-3 0,2 0 0,-3-3 0,102-38 0,-66 14 0,-6-3 0,0-2 0,140-96 0,350-210 0,-246 156 0,-241 144 0,0-4 0,-3-5 0,0-3 0,-6-4 0,128-121 0,-77 33-455,-10-7 0,212-341 0,-288 416-6371</inkml:trace>
 </inkml:ink>
 </file>
 
@@ -294,7 +730,7 @@
       <inkml:brushProperty name="color" value="#00A0D7"/>
     </inkml:brush>
   </inkml:definitions>
-  <inkml:trace contextRef="#ctx0" brushRef="#br0">3057 2955 24575,'-83'2'0,"43"0"0,-1-1 0,0-3 0,-61-9 0,84 6 0,1-1 0,0 0 0,1-1 0,-1-1 0,1 0 0,-24-18 0,-86-74 0,107 84 0,-169-146 0,171 148 0,-1 1 0,-1 0 0,0 2 0,-1 0 0,0 2 0,-22-9 0,-41-19 0,57 23 0,1 0 0,0-2 0,-32-26 0,49 35 0,1 0 0,0 0 0,0-1 0,1 0 0,0 0 0,0-1 0,1 1 0,0-1 0,1 0 0,0-1 0,0 1 0,1-1 0,-3-17 0,0-24 0,2 0 0,2 1 0,7-64 0,-2-42 0,-51-272 0,40 381 0,-64-304 0,67 334 0,0 0 0,-2 0 0,0 1 0,-1 0 0,0 0 0,-1 1 0,-1 0 0,-1 1 0,0 0 0,0 1 0,-20-18 0,3 4 0,18 16 0,-1 0 0,-1 0 0,0 1 0,0 1 0,-1 0 0,-22-12 0,-80-25 0,-150-38 0,67 23 0,138 37 0,0-3 0,2-2 0,-68-47 0,-44-23 0,164 96 0,-27-13 0,1-2 0,1-1 0,-32-25 0,41 26 0,-2 1 0,0 1 0,0 1 0,-36-16 0,54 28-195,-1 0 0,1 0 0,0-1 0,0 0 0,1 0 0,-11-9 0,0-6-6631</inkml:trace>
+  <inkml:trace contextRef="#ctx0" brushRef="#br0">9080 8775 24575,'-247'6'0,"129"0"0,-4-3 0,0-9 0,-181-27 0,250 18 0,2-2 0,1-1 0,2-3 0,-2-3 0,2 0 0,-71-53 0,-255-220 0,318 250 0,-503-434 0,509 439 0,-4 3 0,-2 1 0,-1 5 0,-2 0 0,0 7 0,-66-28 0,-122-56 0,170 69 0,3-1 0,0-5 0,-96-78 0,147 104 0,2 0 0,0 0 0,0-2 0,3-1 0,1 0 0,-1-3 0,3 4 0,0-4 0,3 0 0,0-2 0,0 2 0,3-3 0,-8-50 0,-1-72 0,6 1 0,6 2 0,21-189 0,-6-126 0,-152-807 0,119 1132 0,-189-904 0,198 993 0,0-1 0,-6 1 0,0 2 0,-3 1 0,1-1 0,-4 3 0,-3 1 0,-2 2 0,-1 1 0,0 2 0,-59-53 0,9 12 0,53 47 0,-2 0 0,-4 1 0,0 2 0,1 3 0,-4 1 0,-65-37 0,-237-73 0,-447-114 0,200 69 0,410 110 0,0-10 0,6-5 0,-203-139 0,-130-69 0,488 285 0,-81-39 0,3-5 0,3-4 0,-96-73 0,123 76 0,-6 4 0,-1 2 0,1 3 0,-107-47 0,160 84-195,-3-1 0,4 0 0,-1-3 0,0 0 0,3 0 0,-32-27 0,-1-17-6631</inkml:trace>
 </inkml:ink>
 </file>
 
@@ -322,7 +758,7 @@
       <inkml:brushProperty name="color" value="#00A0D7"/>
     </inkml:brush>
   </inkml:definitions>
-  <inkml:trace contextRef="#ctx0" brushRef="#br0">967 2371 24575,'-9'-1'0,"1"0"0,-1 0 0,1-1 0,0 0 0,0 0 0,0-1 0,0 0 0,0-1 0,-8-4 0,-8-7 0,-29-22 0,19 9 0,3-2 0,0-1 0,2-2 0,-33-47 0,38 49 0,-1-5 0,-34-65 0,12 18 0,42 75 0,-25-43 0,-2 2 0,-2 2 0,-2 1 0,-50-50 0,-102-85 0,184 176 0,-1 1 0,1-1 0,0 1 0,1-1 0,-1-1 0,1 1 0,0 0 0,0-1 0,0 1 0,1-1 0,0 0 0,0 0 0,1 0 0,-1 0 0,1 0 0,0-12 0,2 11 0,-1 1 0,2-1 0,-1 0 0,1 1 0,0-1 0,0 1 0,1-1 0,-1 1 0,1 0 0,1 0 0,-1 1 0,1-1 0,0 1 0,1-1 0,6-6 0,27-22 0,0 2 0,75-49 0,-55 42 0,-23 12 0,-2-2 0,0-1 0,-2-1 0,-2-2 0,-1-1 0,-1-1 0,43-78 0,-55 88 0,1 1 0,1 0 0,0 1 0,2 1 0,1 0 0,1 2 0,0 0 0,2 2 0,0 0 0,50-28 0,-46 30 0,-2-1 0,0-1 0,-1-2 0,-1 0 0,24-27 0,-32 32 0,-6 7 0,0 0 0,22-13 0,-20 15 0,-1-2 0,1 0 0,9-9 0,122-106-1365,-116 104-5461</inkml:trace>
+  <inkml:trace contextRef="#ctx0" brushRef="#br0">2872 7040 24575,'-27'-3'0,"4"1"0,-4-1 0,3-3 0,0 0 0,1 0 0,-1-3 0,0 0 0,0-3 0,-23-12 0,-24-20 0,-87-66 0,57 27 0,9-6 0,0-4 0,6-5 0,-98-139 0,112 145 0,-2-15 0,-101-193 0,35 53 0,126 224 0,-76-129 0,-5 6 0,-6 7 0,-6 2 0,-148-148 0,-303-252 0,546 522 0,-3 3 0,3-3 0,0 3 0,3-3 0,-3-3 0,3 4 0,0-1 0,1-3 0,-1 3 0,3-3 0,0 0 0,0 1 0,3-1 0,-3 0 0,3 0 0,0-35 0,6 32 0,-3 3 0,6-3 0,-3 0 0,3 4 0,0-4 0,0 3 0,3-3 0,-3 3 0,2 1 0,4-1 0,-3 3 0,3-3 0,0 3 0,3-3 0,18-17 0,79-66 0,1 6 0,223-146 0,-164 125 0,-68 36 0,-6-6 0,0-3 0,-6-3 0,-6-6 0,-2-3 0,-4-3 0,128-232 0,-164 262 0,4 3 0,2-1 0,1 4 0,5 3 0,4-1 0,2 7 0,0 0 0,7 5 0,-1 1 0,149-84 0,-137 89 0,-6-2 0,0-4 0,-2-5 0,-4 0 0,72-81 0,-96 96 0,-17 20 0,0 0 0,65-38 0,-60 44 0,-2-6 0,3 0 0,26-26 0,363-316-1365,-345 310-5461</inkml:trace>
 </inkml:ink>
 </file>
 
@@ -350,7 +786,7 @@
       <inkml:brushProperty name="color" value="#00A0D7"/>
     </inkml:brush>
   </inkml:definitions>
-  <inkml:trace contextRef="#ctx0" brushRef="#br0">1 738 24575,'7'-1'0,"1"1"0,-1-2 0,0 1 0,1-1 0,-1 0 0,0-1 0,0 1 0,11-7 0,50-34 0,6-5 0,155-75 0,-184 99 0,-1-2 0,63-49 0,-50 33 0,-2 10 0,-45 27 0,0 0 0,0-1 0,-1 0 0,0 0 0,0-1 0,-1 0 0,1 0 0,8-11 0,8-12 0,-19 24 0,0 0 0,-1-1 0,1 0 0,-1 0 0,-1 0 0,8-16 0,-7 7-273,-1 0 0,0 0 0,-1 0 0,1-29 0,-2 11-6553</inkml:trace>
+  <inkml:trace contextRef="#ctx0" brushRef="#br0">1 2192 24575,'21'-3'0,"3"3"0,-4-6 0,1 3 0,3-3 0,-3 0 0,-1-3 0,1 3 0,33-20 0,148-102 0,18-15 0,460-222 0,-547 294 0,-2-6 0,187-146 0,-149 98 0,-5 30 0,-135 80 0,1 0 0,0-3 0,-4 1 0,1-1 0,0-3 0,-3 0 0,2 0 0,25-32 0,23-36 0,-56 71 0,0 0 0,-3-3 0,2 1 0,-2-1 0,-3 0 0,24-47 0,-21 20-273,-4 1 0,1-1 0,-3 1 0,3-87 0,-6 33-6553</inkml:trace>
 </inkml:ink>
 </file>
 
@@ -378,7 +814,7 @@
       <inkml:brushProperty name="color" value="#00A0D7"/>
     </inkml:brush>
   </inkml:definitions>
-  <inkml:trace contextRef="#ctx0" brushRef="#br0">0 770 24575,'3'-2'0,"1"1"0,-1 0 0,0-1 0,1 1 0,-1-1 0,0 0 0,0 0 0,0 0 0,-1-1 0,1 1 0,3-5 0,6-3 0,48-37 0,1 4 0,80-43 0,-125 76 0,0-2 0,0 1 0,26-29 0,-28 27 0,129-101 0,-92 77 0,-29 20 0,156-128 0,-127 104 0,-36 30 0,27-26 0,-29 25-455,0-1 0,19-12 0,-4 6-6371</inkml:trace>
+  <inkml:trace contextRef="#ctx0" brushRef="#br0">0 2287 24575,'9'-6'0,"3"3"0,-3 0 0,0-3 0,2 3 0,-2-3 0,0 0 0,0 0 0,0 1 0,-3-4 0,3 3 0,9-15 0,17-9 0,144-109 0,2 11 0,238-128 0,-372 227 0,1-7 0,-1 3 0,78-85 0,-83 79 0,382-300 0,-272 229 0,-87 60 0,464-381 0,-378 310 0,-106 88 0,80-77 0,-87 74-455,1-2 0,56-37 0,-12 19-6371</inkml:trace>
 </inkml:ink>
 </file>
 
@@ -655,15 +1091,15 @@
         </p:nvSpPr>
         <p:spPr>
           <a:xfrm>
-            <a:off x="539949" y="1666138"/>
-            <a:ext cx="6119416" cy="3544370"/>
+            <a:off x="1603772" y="4954765"/>
+            <a:ext cx="18176081" cy="10540259"/>
           </a:xfrm>
         </p:spPr>
         <p:txBody>
           <a:bodyPr anchor="b"/>
           <a:lstStyle>
             <a:lvl1pPr algn="ctr">
-              <a:defRPr sz="4724"/>
+              <a:defRPr sz="14031"/>
             </a:lvl1pPr>
           </a:lstStyle>
           <a:p>
@@ -687,8 +1123,8 @@
         </p:nvSpPr>
         <p:spPr>
           <a:xfrm>
-            <a:off x="899914" y="5347193"/>
-            <a:ext cx="5399485" cy="2457963"/>
+            <a:off x="2672953" y="15901497"/>
+            <a:ext cx="16037719" cy="7309499"/>
           </a:xfrm>
         </p:spPr>
         <p:txBody>
@@ -696,39 +1132,39 @@
           <a:lstStyle>
             <a:lvl1pPr marL="0" indent="0" algn="ctr">
               <a:buNone/>
-              <a:defRPr sz="1890"/>
+              <a:defRPr sz="5612"/>
             </a:lvl1pPr>
-            <a:lvl2pPr marL="359954" indent="0" algn="ctr">
+            <a:lvl2pPr marL="1069162" indent="0" algn="ctr">
               <a:buNone/>
-              <a:defRPr sz="1575"/>
+              <a:defRPr sz="4677"/>
             </a:lvl2pPr>
-            <a:lvl3pPr marL="719907" indent="0" algn="ctr">
+            <a:lvl3pPr marL="2138324" indent="0" algn="ctr">
               <a:buNone/>
-              <a:defRPr sz="1417"/>
+              <a:defRPr sz="4209"/>
             </a:lvl3pPr>
-            <a:lvl4pPr marL="1079861" indent="0" algn="ctr">
+            <a:lvl4pPr marL="3207487" indent="0" algn="ctr">
               <a:buNone/>
-              <a:defRPr sz="1260"/>
+              <a:defRPr sz="3742"/>
             </a:lvl4pPr>
-            <a:lvl5pPr marL="1439814" indent="0" algn="ctr">
+            <a:lvl5pPr marL="4276649" indent="0" algn="ctr">
               <a:buNone/>
-              <a:defRPr sz="1260"/>
+              <a:defRPr sz="3742"/>
             </a:lvl5pPr>
-            <a:lvl6pPr marL="1799768" indent="0" algn="ctr">
+            <a:lvl6pPr marL="5345811" indent="0" algn="ctr">
               <a:buNone/>
-              <a:defRPr sz="1260"/>
+              <a:defRPr sz="3742"/>
             </a:lvl6pPr>
-            <a:lvl7pPr marL="2159721" indent="0" algn="ctr">
+            <a:lvl7pPr marL="6414973" indent="0" algn="ctr">
               <a:buNone/>
-              <a:defRPr sz="1260"/>
+              <a:defRPr sz="3742"/>
             </a:lvl7pPr>
-            <a:lvl8pPr marL="2519675" indent="0" algn="ctr">
+            <a:lvl8pPr marL="7484135" indent="0" algn="ctr">
               <a:buNone/>
-              <a:defRPr sz="1260"/>
+              <a:defRPr sz="3742"/>
             </a:lvl8pPr>
-            <a:lvl9pPr marL="2879628" indent="0" algn="ctr">
+            <a:lvl9pPr marL="8553298" indent="0" algn="ctr">
               <a:buNone/>
-              <a:defRPr sz="1260"/>
+              <a:defRPr sz="3742"/>
             </a:lvl9pPr>
           </a:lstStyle>
           <a:p>
@@ -757,7 +1193,7 @@
           <a:p>
             <a:fld id="{FD292A8D-0B99-4C13-9985-4FD00B14622D}" type="datetimeFigureOut">
               <a:rPr lang="en-GB" smtClean="0"/>
-              <a:t>16/02/2023</a:t>
+              <a:t>20/02/2023</a:t>
             </a:fld>
             <a:endParaRPr lang="en-GB"/>
           </a:p>
@@ -808,7 +1244,7 @@
     </p:spTree>
     <p:extLst>
       <p:ext uri="{BB962C8B-B14F-4D97-AF65-F5344CB8AC3E}">
-        <p14:creationId xmlns:p14="http://schemas.microsoft.com/office/powerpoint/2010/main" val="2470041241"/>
+        <p14:creationId xmlns:p14="http://schemas.microsoft.com/office/powerpoint/2010/main" val="4225416720"/>
       </p:ext>
     </p:extLst>
   </p:cSld>
@@ -927,7 +1363,7 @@
           <a:p>
             <a:fld id="{FD292A8D-0B99-4C13-9985-4FD00B14622D}" type="datetimeFigureOut">
               <a:rPr lang="en-GB" smtClean="0"/>
-              <a:t>16/02/2023</a:t>
+              <a:t>20/02/2023</a:t>
             </a:fld>
             <a:endParaRPr lang="en-GB"/>
           </a:p>
@@ -978,7 +1414,7 @@
     </p:spTree>
     <p:extLst>
       <p:ext uri="{BB962C8B-B14F-4D97-AF65-F5344CB8AC3E}">
-        <p14:creationId xmlns:p14="http://schemas.microsoft.com/office/powerpoint/2010/main" val="1591691124"/>
+        <p14:creationId xmlns:p14="http://schemas.microsoft.com/office/powerpoint/2010/main" val="2845638086"/>
       </p:ext>
     </p:extLst>
   </p:cSld>
@@ -1017,8 +1453,8 @@
         </p:nvSpPr>
         <p:spPr>
           <a:xfrm>
-            <a:off x="5152009" y="542025"/>
-            <a:ext cx="1552352" cy="8627620"/>
+            <a:off x="15302658" y="1611875"/>
+            <a:ext cx="4610844" cy="25656844"/>
           </a:xfrm>
         </p:spPr>
         <p:txBody>
@@ -1045,8 +1481,8 @@
         </p:nvSpPr>
         <p:spPr>
           <a:xfrm>
-            <a:off x="494953" y="542025"/>
-            <a:ext cx="4567064" cy="8627620"/>
+            <a:off x="1470125" y="1611875"/>
+            <a:ext cx="13565237" cy="25656844"/>
           </a:xfrm>
         </p:spPr>
         <p:txBody>
@@ -1107,7 +1543,7 @@
           <a:p>
             <a:fld id="{FD292A8D-0B99-4C13-9985-4FD00B14622D}" type="datetimeFigureOut">
               <a:rPr lang="en-GB" smtClean="0"/>
-              <a:t>16/02/2023</a:t>
+              <a:t>20/02/2023</a:t>
             </a:fld>
             <a:endParaRPr lang="en-GB"/>
           </a:p>
@@ -1158,7 +1594,7 @@
     </p:spTree>
     <p:extLst>
       <p:ext uri="{BB962C8B-B14F-4D97-AF65-F5344CB8AC3E}">
-        <p14:creationId xmlns:p14="http://schemas.microsoft.com/office/powerpoint/2010/main" val="3120179511"/>
+        <p14:creationId xmlns:p14="http://schemas.microsoft.com/office/powerpoint/2010/main" val="26852988"/>
       </p:ext>
     </p:extLst>
   </p:cSld>
@@ -1277,7 +1713,7 @@
           <a:p>
             <a:fld id="{FD292A8D-0B99-4C13-9985-4FD00B14622D}" type="datetimeFigureOut">
               <a:rPr lang="en-GB" smtClean="0"/>
-              <a:t>16/02/2023</a:t>
+              <a:t>20/02/2023</a:t>
             </a:fld>
             <a:endParaRPr lang="en-GB"/>
           </a:p>
@@ -1328,7 +1764,7 @@
     </p:spTree>
     <p:extLst>
       <p:ext uri="{BB962C8B-B14F-4D97-AF65-F5344CB8AC3E}">
-        <p14:creationId xmlns:p14="http://schemas.microsoft.com/office/powerpoint/2010/main" val="1448408982"/>
+        <p14:creationId xmlns:p14="http://schemas.microsoft.com/office/powerpoint/2010/main" val="3836007929"/>
       </p:ext>
     </p:extLst>
   </p:cSld>
@@ -1367,15 +1803,15 @@
         </p:nvSpPr>
         <p:spPr>
           <a:xfrm>
-            <a:off x="491204" y="2538093"/>
-            <a:ext cx="6209407" cy="4234862"/>
+            <a:off x="1458988" y="7547788"/>
+            <a:ext cx="18443377" cy="12593645"/>
           </a:xfrm>
         </p:spPr>
         <p:txBody>
           <a:bodyPr anchor="b"/>
           <a:lstStyle>
             <a:lvl1pPr>
-              <a:defRPr sz="4724"/>
+              <a:defRPr sz="14031"/>
             </a:lvl1pPr>
           </a:lstStyle>
           <a:p>
@@ -1399,8 +1835,8 @@
         </p:nvSpPr>
         <p:spPr>
           <a:xfrm>
-            <a:off x="491204" y="6813018"/>
-            <a:ext cx="6209407" cy="2227014"/>
+            <a:off x="1458988" y="20260574"/>
+            <a:ext cx="18443377" cy="6622701"/>
           </a:xfrm>
         </p:spPr>
         <p:txBody>
@@ -1408,15 +1844,15 @@
           <a:lstStyle>
             <a:lvl1pPr marL="0" indent="0">
               <a:buNone/>
-              <a:defRPr sz="1890">
+              <a:defRPr sz="5612">
                 <a:solidFill>
                   <a:schemeClr val="tx1"/>
                 </a:solidFill>
               </a:defRPr>
             </a:lvl1pPr>
-            <a:lvl2pPr marL="359954" indent="0">
+            <a:lvl2pPr marL="1069162" indent="0">
               <a:buNone/>
-              <a:defRPr sz="1575">
+              <a:defRPr sz="4677">
                 <a:solidFill>
                   <a:schemeClr val="tx1">
                     <a:tint val="75000"/>
@@ -1424,9 +1860,9 @@
                 </a:solidFill>
               </a:defRPr>
             </a:lvl2pPr>
-            <a:lvl3pPr marL="719907" indent="0">
+            <a:lvl3pPr marL="2138324" indent="0">
               <a:buNone/>
-              <a:defRPr sz="1417">
+              <a:defRPr sz="4209">
                 <a:solidFill>
                   <a:schemeClr val="tx1">
                     <a:tint val="75000"/>
@@ -1434,9 +1870,9 @@
                 </a:solidFill>
               </a:defRPr>
             </a:lvl3pPr>
-            <a:lvl4pPr marL="1079861" indent="0">
+            <a:lvl4pPr marL="3207487" indent="0">
               <a:buNone/>
-              <a:defRPr sz="1260">
+              <a:defRPr sz="3742">
                 <a:solidFill>
                   <a:schemeClr val="tx1">
                     <a:tint val="75000"/>
@@ -1444,9 +1880,9 @@
                 </a:solidFill>
               </a:defRPr>
             </a:lvl4pPr>
-            <a:lvl5pPr marL="1439814" indent="0">
+            <a:lvl5pPr marL="4276649" indent="0">
               <a:buNone/>
-              <a:defRPr sz="1260">
+              <a:defRPr sz="3742">
                 <a:solidFill>
                   <a:schemeClr val="tx1">
                     <a:tint val="75000"/>
@@ -1454,9 +1890,9 @@
                 </a:solidFill>
               </a:defRPr>
             </a:lvl5pPr>
-            <a:lvl6pPr marL="1799768" indent="0">
+            <a:lvl6pPr marL="5345811" indent="0">
               <a:buNone/>
-              <a:defRPr sz="1260">
+              <a:defRPr sz="3742">
                 <a:solidFill>
                   <a:schemeClr val="tx1">
                     <a:tint val="75000"/>
@@ -1464,9 +1900,9 @@
                 </a:solidFill>
               </a:defRPr>
             </a:lvl6pPr>
-            <a:lvl7pPr marL="2159721" indent="0">
+            <a:lvl7pPr marL="6414973" indent="0">
               <a:buNone/>
-              <a:defRPr sz="1260">
+              <a:defRPr sz="3742">
                 <a:solidFill>
                   <a:schemeClr val="tx1">
                     <a:tint val="75000"/>
@@ -1474,9 +1910,9 @@
                 </a:solidFill>
               </a:defRPr>
             </a:lvl7pPr>
-            <a:lvl8pPr marL="2519675" indent="0">
+            <a:lvl8pPr marL="7484135" indent="0">
               <a:buNone/>
-              <a:defRPr sz="1260">
+              <a:defRPr sz="3742">
                 <a:solidFill>
                   <a:schemeClr val="tx1">
                     <a:tint val="75000"/>
@@ -1484,9 +1920,9 @@
                 </a:solidFill>
               </a:defRPr>
             </a:lvl8pPr>
-            <a:lvl9pPr marL="2879628" indent="0">
+            <a:lvl9pPr marL="8553298" indent="0">
               <a:buNone/>
-              <a:defRPr sz="1260">
+              <a:defRPr sz="3742">
                 <a:solidFill>
                   <a:schemeClr val="tx1">
                     <a:tint val="75000"/>
@@ -1521,7 +1957,7 @@
           <a:p>
             <a:fld id="{FD292A8D-0B99-4C13-9985-4FD00B14622D}" type="datetimeFigureOut">
               <a:rPr lang="en-GB" smtClean="0"/>
-              <a:t>16/02/2023</a:t>
+              <a:t>20/02/2023</a:t>
             </a:fld>
             <a:endParaRPr lang="en-GB"/>
           </a:p>
@@ -1572,7 +2008,7 @@
     </p:spTree>
     <p:extLst>
       <p:ext uri="{BB962C8B-B14F-4D97-AF65-F5344CB8AC3E}">
-        <p14:creationId xmlns:p14="http://schemas.microsoft.com/office/powerpoint/2010/main" val="158865694"/>
+        <p14:creationId xmlns:p14="http://schemas.microsoft.com/office/powerpoint/2010/main" val="1281932814"/>
       </p:ext>
     </p:extLst>
   </p:cSld>
@@ -1634,8 +2070,8 @@
         </p:nvSpPr>
         <p:spPr>
           <a:xfrm>
-            <a:off x="494953" y="2710124"/>
-            <a:ext cx="3059708" cy="6459521"/>
+            <a:off x="1470124" y="8059374"/>
+            <a:ext cx="9088041" cy="19209345"/>
           </a:xfrm>
         </p:spPr>
         <p:txBody>
@@ -1691,8 +2127,8 @@
         </p:nvSpPr>
         <p:spPr>
           <a:xfrm>
-            <a:off x="3644652" y="2710124"/>
-            <a:ext cx="3059708" cy="6459521"/>
+            <a:off x="10825460" y="8059374"/>
+            <a:ext cx="9088041" cy="19209345"/>
           </a:xfrm>
         </p:spPr>
         <p:txBody>
@@ -1753,7 +2189,7 @@
           <a:p>
             <a:fld id="{FD292A8D-0B99-4C13-9985-4FD00B14622D}" type="datetimeFigureOut">
               <a:rPr lang="en-GB" smtClean="0"/>
-              <a:t>16/02/2023</a:t>
+              <a:t>20/02/2023</a:t>
             </a:fld>
             <a:endParaRPr lang="en-GB"/>
           </a:p>
@@ -1804,7 +2240,7 @@
     </p:spTree>
     <p:extLst>
       <p:ext uri="{BB962C8B-B14F-4D97-AF65-F5344CB8AC3E}">
-        <p14:creationId xmlns:p14="http://schemas.microsoft.com/office/powerpoint/2010/main" val="4258650865"/>
+        <p14:creationId xmlns:p14="http://schemas.microsoft.com/office/powerpoint/2010/main" val="1910425754"/>
       </p:ext>
     </p:extLst>
   </p:cSld>
@@ -1843,8 +2279,8 @@
         </p:nvSpPr>
         <p:spPr>
           <a:xfrm>
-            <a:off x="495891" y="542027"/>
-            <a:ext cx="6209407" cy="1967786"/>
+            <a:off x="1472909" y="1611882"/>
+            <a:ext cx="18443377" cy="5851808"/>
           </a:xfrm>
         </p:spPr>
         <p:txBody>
@@ -1871,8 +2307,8 @@
         </p:nvSpPr>
         <p:spPr>
           <a:xfrm>
-            <a:off x="495891" y="2495671"/>
-            <a:ext cx="3045646" cy="1223090"/>
+            <a:off x="1472912" y="7421634"/>
+            <a:ext cx="9046274" cy="3637228"/>
           </a:xfrm>
         </p:spPr>
         <p:txBody>
@@ -1880,39 +2316,39 @@
           <a:lstStyle>
             <a:lvl1pPr marL="0" indent="0">
               <a:buNone/>
-              <a:defRPr sz="1890" b="1"/>
+              <a:defRPr sz="5612" b="1"/>
             </a:lvl1pPr>
-            <a:lvl2pPr marL="359954" indent="0">
+            <a:lvl2pPr marL="1069162" indent="0">
               <a:buNone/>
-              <a:defRPr sz="1575" b="1"/>
+              <a:defRPr sz="4677" b="1"/>
             </a:lvl2pPr>
-            <a:lvl3pPr marL="719907" indent="0">
+            <a:lvl3pPr marL="2138324" indent="0">
               <a:buNone/>
-              <a:defRPr sz="1417" b="1"/>
+              <a:defRPr sz="4209" b="1"/>
             </a:lvl3pPr>
-            <a:lvl4pPr marL="1079861" indent="0">
+            <a:lvl4pPr marL="3207487" indent="0">
               <a:buNone/>
-              <a:defRPr sz="1260" b="1"/>
+              <a:defRPr sz="3742" b="1"/>
             </a:lvl4pPr>
-            <a:lvl5pPr marL="1439814" indent="0">
+            <a:lvl5pPr marL="4276649" indent="0">
               <a:buNone/>
-              <a:defRPr sz="1260" b="1"/>
+              <a:defRPr sz="3742" b="1"/>
             </a:lvl5pPr>
-            <a:lvl6pPr marL="1799768" indent="0">
+            <a:lvl6pPr marL="5345811" indent="0">
               <a:buNone/>
-              <a:defRPr sz="1260" b="1"/>
+              <a:defRPr sz="3742" b="1"/>
             </a:lvl6pPr>
-            <a:lvl7pPr marL="2159721" indent="0">
+            <a:lvl7pPr marL="6414973" indent="0">
               <a:buNone/>
-              <a:defRPr sz="1260" b="1"/>
+              <a:defRPr sz="3742" b="1"/>
             </a:lvl7pPr>
-            <a:lvl8pPr marL="2519675" indent="0">
+            <a:lvl8pPr marL="7484135" indent="0">
               <a:buNone/>
-              <a:defRPr sz="1260" b="1"/>
+              <a:defRPr sz="3742" b="1"/>
             </a:lvl8pPr>
-            <a:lvl9pPr marL="2879628" indent="0">
+            <a:lvl9pPr marL="8553298" indent="0">
               <a:buNone/>
-              <a:defRPr sz="1260" b="1"/>
+              <a:defRPr sz="3742" b="1"/>
             </a:lvl9pPr>
           </a:lstStyle>
           <a:p>
@@ -1936,8 +2372,8 @@
         </p:nvSpPr>
         <p:spPr>
           <a:xfrm>
-            <a:off x="495891" y="3718761"/>
-            <a:ext cx="3045646" cy="5469737"/>
+            <a:off x="1472912" y="11058863"/>
+            <a:ext cx="9046274" cy="16265921"/>
           </a:xfrm>
         </p:spPr>
         <p:txBody>
@@ -1993,8 +2429,8 @@
         </p:nvSpPr>
         <p:spPr>
           <a:xfrm>
-            <a:off x="3644652" y="2495671"/>
-            <a:ext cx="3060646" cy="1223090"/>
+            <a:off x="10825461" y="7421634"/>
+            <a:ext cx="9090826" cy="3637228"/>
           </a:xfrm>
         </p:spPr>
         <p:txBody>
@@ -2002,39 +2438,39 @@
           <a:lstStyle>
             <a:lvl1pPr marL="0" indent="0">
               <a:buNone/>
-              <a:defRPr sz="1890" b="1"/>
+              <a:defRPr sz="5612" b="1"/>
             </a:lvl1pPr>
-            <a:lvl2pPr marL="359954" indent="0">
+            <a:lvl2pPr marL="1069162" indent="0">
               <a:buNone/>
-              <a:defRPr sz="1575" b="1"/>
+              <a:defRPr sz="4677" b="1"/>
             </a:lvl2pPr>
-            <a:lvl3pPr marL="719907" indent="0">
+            <a:lvl3pPr marL="2138324" indent="0">
               <a:buNone/>
-              <a:defRPr sz="1417" b="1"/>
+              <a:defRPr sz="4209" b="1"/>
             </a:lvl3pPr>
-            <a:lvl4pPr marL="1079861" indent="0">
+            <a:lvl4pPr marL="3207487" indent="0">
               <a:buNone/>
-              <a:defRPr sz="1260" b="1"/>
+              <a:defRPr sz="3742" b="1"/>
             </a:lvl4pPr>
-            <a:lvl5pPr marL="1439814" indent="0">
+            <a:lvl5pPr marL="4276649" indent="0">
               <a:buNone/>
-              <a:defRPr sz="1260" b="1"/>
+              <a:defRPr sz="3742" b="1"/>
             </a:lvl5pPr>
-            <a:lvl6pPr marL="1799768" indent="0">
+            <a:lvl6pPr marL="5345811" indent="0">
               <a:buNone/>
-              <a:defRPr sz="1260" b="1"/>
+              <a:defRPr sz="3742" b="1"/>
             </a:lvl6pPr>
-            <a:lvl7pPr marL="2159721" indent="0">
+            <a:lvl7pPr marL="6414973" indent="0">
               <a:buNone/>
-              <a:defRPr sz="1260" b="1"/>
+              <a:defRPr sz="3742" b="1"/>
             </a:lvl7pPr>
-            <a:lvl8pPr marL="2519675" indent="0">
+            <a:lvl8pPr marL="7484135" indent="0">
               <a:buNone/>
-              <a:defRPr sz="1260" b="1"/>
+              <a:defRPr sz="3742" b="1"/>
             </a:lvl8pPr>
-            <a:lvl9pPr marL="2879628" indent="0">
+            <a:lvl9pPr marL="8553298" indent="0">
               <a:buNone/>
-              <a:defRPr sz="1260" b="1"/>
+              <a:defRPr sz="3742" b="1"/>
             </a:lvl9pPr>
           </a:lstStyle>
           <a:p>
@@ -2058,8 +2494,8 @@
         </p:nvSpPr>
         <p:spPr>
           <a:xfrm>
-            <a:off x="3644652" y="3718761"/>
-            <a:ext cx="3060646" cy="5469737"/>
+            <a:off x="10825461" y="11058863"/>
+            <a:ext cx="9090826" cy="16265921"/>
           </a:xfrm>
         </p:spPr>
         <p:txBody>
@@ -2120,7 +2556,7 @@
           <a:p>
             <a:fld id="{FD292A8D-0B99-4C13-9985-4FD00B14622D}" type="datetimeFigureOut">
               <a:rPr lang="en-GB" smtClean="0"/>
-              <a:t>16/02/2023</a:t>
+              <a:t>20/02/2023</a:t>
             </a:fld>
             <a:endParaRPr lang="en-GB"/>
           </a:p>
@@ -2171,7 +2607,7 @@
     </p:spTree>
     <p:extLst>
       <p:ext uri="{BB962C8B-B14F-4D97-AF65-F5344CB8AC3E}">
-        <p14:creationId xmlns:p14="http://schemas.microsoft.com/office/powerpoint/2010/main" val="2867446911"/>
+        <p14:creationId xmlns:p14="http://schemas.microsoft.com/office/powerpoint/2010/main" val="3837972769"/>
       </p:ext>
     </p:extLst>
   </p:cSld>
@@ -2238,7 +2674,7 @@
           <a:p>
             <a:fld id="{FD292A8D-0B99-4C13-9985-4FD00B14622D}" type="datetimeFigureOut">
               <a:rPr lang="en-GB" smtClean="0"/>
-              <a:t>16/02/2023</a:t>
+              <a:t>20/02/2023</a:t>
             </a:fld>
             <a:endParaRPr lang="en-GB"/>
           </a:p>
@@ -2289,7 +2725,7 @@
     </p:spTree>
     <p:extLst>
       <p:ext uri="{BB962C8B-B14F-4D97-AF65-F5344CB8AC3E}">
-        <p14:creationId xmlns:p14="http://schemas.microsoft.com/office/powerpoint/2010/main" val="2416077642"/>
+        <p14:creationId xmlns:p14="http://schemas.microsoft.com/office/powerpoint/2010/main" val="3604072688"/>
       </p:ext>
     </p:extLst>
   </p:cSld>
@@ -2333,7 +2769,7 @@
           <a:p>
             <a:fld id="{FD292A8D-0B99-4C13-9985-4FD00B14622D}" type="datetimeFigureOut">
               <a:rPr lang="en-GB" smtClean="0"/>
-              <a:t>16/02/2023</a:t>
+              <a:t>20/02/2023</a:t>
             </a:fld>
             <a:endParaRPr lang="en-GB"/>
           </a:p>
@@ -2384,7 +2820,7 @@
     </p:spTree>
     <p:extLst>
       <p:ext uri="{BB962C8B-B14F-4D97-AF65-F5344CB8AC3E}">
-        <p14:creationId xmlns:p14="http://schemas.microsoft.com/office/powerpoint/2010/main" val="2358536773"/>
+        <p14:creationId xmlns:p14="http://schemas.microsoft.com/office/powerpoint/2010/main" val="3958856285"/>
       </p:ext>
     </p:extLst>
   </p:cSld>
@@ -2423,15 +2859,15 @@
         </p:nvSpPr>
         <p:spPr>
           <a:xfrm>
-            <a:off x="495890" y="678709"/>
-            <a:ext cx="2321966" cy="2375482"/>
+            <a:off x="1472909" y="2018348"/>
+            <a:ext cx="6896776" cy="7064216"/>
           </a:xfrm>
         </p:spPr>
         <p:txBody>
           <a:bodyPr anchor="b"/>
           <a:lstStyle>
             <a:lvl1pPr>
-              <a:defRPr sz="2519"/>
+              <a:defRPr sz="7483"/>
             </a:lvl1pPr>
           </a:lstStyle>
           <a:p>
@@ -2455,39 +2891,39 @@
         </p:nvSpPr>
         <p:spPr>
           <a:xfrm>
-            <a:off x="3060646" y="1465825"/>
-            <a:ext cx="3644652" cy="7234852"/>
+            <a:off x="9090826" y="4359077"/>
+            <a:ext cx="10825460" cy="21515024"/>
           </a:xfrm>
         </p:spPr>
         <p:txBody>
           <a:bodyPr/>
           <a:lstStyle>
             <a:lvl1pPr>
-              <a:defRPr sz="2519"/>
+              <a:defRPr sz="7483"/>
             </a:lvl1pPr>
             <a:lvl2pPr>
-              <a:defRPr sz="2204"/>
+              <a:defRPr sz="6548"/>
             </a:lvl2pPr>
             <a:lvl3pPr>
-              <a:defRPr sz="1890"/>
+              <a:defRPr sz="5612"/>
             </a:lvl3pPr>
             <a:lvl4pPr>
-              <a:defRPr sz="1575"/>
+              <a:defRPr sz="4677"/>
             </a:lvl4pPr>
             <a:lvl5pPr>
-              <a:defRPr sz="1575"/>
+              <a:defRPr sz="4677"/>
             </a:lvl5pPr>
             <a:lvl6pPr>
-              <a:defRPr sz="1575"/>
+              <a:defRPr sz="4677"/>
             </a:lvl6pPr>
             <a:lvl7pPr>
-              <a:defRPr sz="1575"/>
+              <a:defRPr sz="4677"/>
             </a:lvl7pPr>
             <a:lvl8pPr>
-              <a:defRPr sz="1575"/>
+              <a:defRPr sz="4677"/>
             </a:lvl8pPr>
             <a:lvl9pPr>
-              <a:defRPr sz="1575"/>
+              <a:defRPr sz="4677"/>
             </a:lvl9pPr>
           </a:lstStyle>
           <a:p>
@@ -2540,8 +2976,8 @@
         </p:nvSpPr>
         <p:spPr>
           <a:xfrm>
-            <a:off x="495890" y="3054192"/>
-            <a:ext cx="2321966" cy="5658267"/>
+            <a:off x="1472909" y="9082564"/>
+            <a:ext cx="6896776" cy="16826573"/>
           </a:xfrm>
         </p:spPr>
         <p:txBody>
@@ -2549,39 +2985,39 @@
           <a:lstStyle>
             <a:lvl1pPr marL="0" indent="0">
               <a:buNone/>
-              <a:defRPr sz="1260"/>
+              <a:defRPr sz="3742"/>
             </a:lvl1pPr>
-            <a:lvl2pPr marL="359954" indent="0">
+            <a:lvl2pPr marL="1069162" indent="0">
               <a:buNone/>
-              <a:defRPr sz="1102"/>
+              <a:defRPr sz="3274"/>
             </a:lvl2pPr>
-            <a:lvl3pPr marL="719907" indent="0">
+            <a:lvl3pPr marL="2138324" indent="0">
               <a:buNone/>
-              <a:defRPr sz="945"/>
+              <a:defRPr sz="2806"/>
             </a:lvl3pPr>
-            <a:lvl4pPr marL="1079861" indent="0">
+            <a:lvl4pPr marL="3207487" indent="0">
               <a:buNone/>
-              <a:defRPr sz="787"/>
+              <a:defRPr sz="2339"/>
             </a:lvl4pPr>
-            <a:lvl5pPr marL="1439814" indent="0">
+            <a:lvl5pPr marL="4276649" indent="0">
               <a:buNone/>
-              <a:defRPr sz="787"/>
+              <a:defRPr sz="2339"/>
             </a:lvl5pPr>
-            <a:lvl6pPr marL="1799768" indent="0">
+            <a:lvl6pPr marL="5345811" indent="0">
               <a:buNone/>
-              <a:defRPr sz="787"/>
+              <a:defRPr sz="2339"/>
             </a:lvl6pPr>
-            <a:lvl7pPr marL="2159721" indent="0">
+            <a:lvl7pPr marL="6414973" indent="0">
               <a:buNone/>
-              <a:defRPr sz="787"/>
+              <a:defRPr sz="2339"/>
             </a:lvl7pPr>
-            <a:lvl8pPr marL="2519675" indent="0">
+            <a:lvl8pPr marL="7484135" indent="0">
               <a:buNone/>
-              <a:defRPr sz="787"/>
+              <a:defRPr sz="2339"/>
             </a:lvl8pPr>
-            <a:lvl9pPr marL="2879628" indent="0">
+            <a:lvl9pPr marL="8553298" indent="0">
               <a:buNone/>
-              <a:defRPr sz="787"/>
+              <a:defRPr sz="2339"/>
             </a:lvl9pPr>
           </a:lstStyle>
           <a:p>
@@ -2610,7 +3046,7 @@
           <a:p>
             <a:fld id="{FD292A8D-0B99-4C13-9985-4FD00B14622D}" type="datetimeFigureOut">
               <a:rPr lang="en-GB" smtClean="0"/>
-              <a:t>16/02/2023</a:t>
+              <a:t>20/02/2023</a:t>
             </a:fld>
             <a:endParaRPr lang="en-GB"/>
           </a:p>
@@ -2661,7 +3097,7 @@
     </p:spTree>
     <p:extLst>
       <p:ext uri="{BB962C8B-B14F-4D97-AF65-F5344CB8AC3E}">
-        <p14:creationId xmlns:p14="http://schemas.microsoft.com/office/powerpoint/2010/main" val="2408114503"/>
+        <p14:creationId xmlns:p14="http://schemas.microsoft.com/office/powerpoint/2010/main" val="4166083306"/>
       </p:ext>
     </p:extLst>
   </p:cSld>
@@ -2700,15 +3136,15 @@
         </p:nvSpPr>
         <p:spPr>
           <a:xfrm>
-            <a:off x="495890" y="678709"/>
-            <a:ext cx="2321966" cy="2375482"/>
+            <a:off x="1472909" y="2018348"/>
+            <a:ext cx="6896776" cy="7064216"/>
           </a:xfrm>
         </p:spPr>
         <p:txBody>
           <a:bodyPr anchor="b"/>
           <a:lstStyle>
             <a:lvl1pPr>
-              <a:defRPr sz="2519"/>
+              <a:defRPr sz="7483"/>
             </a:lvl1pPr>
           </a:lstStyle>
           <a:p>
@@ -2732,8 +3168,8 @@
         </p:nvSpPr>
         <p:spPr>
           <a:xfrm>
-            <a:off x="3060646" y="1465825"/>
-            <a:ext cx="3644652" cy="7234852"/>
+            <a:off x="9090826" y="4359077"/>
+            <a:ext cx="10825460" cy="21515024"/>
           </a:xfrm>
         </p:spPr>
         <p:txBody>
@@ -2741,39 +3177,39 @@
           <a:lstStyle>
             <a:lvl1pPr marL="0" indent="0">
               <a:buNone/>
-              <a:defRPr sz="2519"/>
+              <a:defRPr sz="7483"/>
             </a:lvl1pPr>
-            <a:lvl2pPr marL="359954" indent="0">
+            <a:lvl2pPr marL="1069162" indent="0">
               <a:buNone/>
-              <a:defRPr sz="2204"/>
+              <a:defRPr sz="6548"/>
             </a:lvl2pPr>
-            <a:lvl3pPr marL="719907" indent="0">
+            <a:lvl3pPr marL="2138324" indent="0">
               <a:buNone/>
-              <a:defRPr sz="1890"/>
+              <a:defRPr sz="5612"/>
             </a:lvl3pPr>
-            <a:lvl4pPr marL="1079861" indent="0">
+            <a:lvl4pPr marL="3207487" indent="0">
               <a:buNone/>
-              <a:defRPr sz="1575"/>
+              <a:defRPr sz="4677"/>
             </a:lvl4pPr>
-            <a:lvl5pPr marL="1439814" indent="0">
+            <a:lvl5pPr marL="4276649" indent="0">
               <a:buNone/>
-              <a:defRPr sz="1575"/>
+              <a:defRPr sz="4677"/>
             </a:lvl5pPr>
-            <a:lvl6pPr marL="1799768" indent="0">
+            <a:lvl6pPr marL="5345811" indent="0">
               <a:buNone/>
-              <a:defRPr sz="1575"/>
+              <a:defRPr sz="4677"/>
             </a:lvl6pPr>
-            <a:lvl7pPr marL="2159721" indent="0">
+            <a:lvl7pPr marL="6414973" indent="0">
               <a:buNone/>
-              <a:defRPr sz="1575"/>
+              <a:defRPr sz="4677"/>
             </a:lvl7pPr>
-            <a:lvl8pPr marL="2519675" indent="0">
+            <a:lvl8pPr marL="7484135" indent="0">
               <a:buNone/>
-              <a:defRPr sz="1575"/>
+              <a:defRPr sz="4677"/>
             </a:lvl8pPr>
-            <a:lvl9pPr marL="2879628" indent="0">
+            <a:lvl9pPr marL="8553298" indent="0">
               <a:buNone/>
-              <a:defRPr sz="1575"/>
+              <a:defRPr sz="4677"/>
             </a:lvl9pPr>
           </a:lstStyle>
           <a:p>
@@ -2797,8 +3233,8 @@
         </p:nvSpPr>
         <p:spPr>
           <a:xfrm>
-            <a:off x="495890" y="3054192"/>
-            <a:ext cx="2321966" cy="5658267"/>
+            <a:off x="1472909" y="9082564"/>
+            <a:ext cx="6896776" cy="16826573"/>
           </a:xfrm>
         </p:spPr>
         <p:txBody>
@@ -2806,39 +3242,39 @@
           <a:lstStyle>
             <a:lvl1pPr marL="0" indent="0">
               <a:buNone/>
-              <a:defRPr sz="1260"/>
+              <a:defRPr sz="3742"/>
             </a:lvl1pPr>
-            <a:lvl2pPr marL="359954" indent="0">
+            <a:lvl2pPr marL="1069162" indent="0">
               <a:buNone/>
-              <a:defRPr sz="1102"/>
+              <a:defRPr sz="3274"/>
             </a:lvl2pPr>
-            <a:lvl3pPr marL="719907" indent="0">
+            <a:lvl3pPr marL="2138324" indent="0">
               <a:buNone/>
-              <a:defRPr sz="945"/>
+              <a:defRPr sz="2806"/>
             </a:lvl3pPr>
-            <a:lvl4pPr marL="1079861" indent="0">
+            <a:lvl4pPr marL="3207487" indent="0">
               <a:buNone/>
-              <a:defRPr sz="787"/>
+              <a:defRPr sz="2339"/>
             </a:lvl4pPr>
-            <a:lvl5pPr marL="1439814" indent="0">
+            <a:lvl5pPr marL="4276649" indent="0">
               <a:buNone/>
-              <a:defRPr sz="787"/>
+              <a:defRPr sz="2339"/>
             </a:lvl5pPr>
-            <a:lvl6pPr marL="1799768" indent="0">
+            <a:lvl6pPr marL="5345811" indent="0">
               <a:buNone/>
-              <a:defRPr sz="787"/>
+              <a:defRPr sz="2339"/>
             </a:lvl6pPr>
-            <a:lvl7pPr marL="2159721" indent="0">
+            <a:lvl7pPr marL="6414973" indent="0">
               <a:buNone/>
-              <a:defRPr sz="787"/>
+              <a:defRPr sz="2339"/>
             </a:lvl7pPr>
-            <a:lvl8pPr marL="2519675" indent="0">
+            <a:lvl8pPr marL="7484135" indent="0">
               <a:buNone/>
-              <a:defRPr sz="787"/>
+              <a:defRPr sz="2339"/>
             </a:lvl8pPr>
-            <a:lvl9pPr marL="2879628" indent="0">
+            <a:lvl9pPr marL="8553298" indent="0">
               <a:buNone/>
-              <a:defRPr sz="787"/>
+              <a:defRPr sz="2339"/>
             </a:lvl9pPr>
           </a:lstStyle>
           <a:p>
@@ -2867,7 +3303,7 @@
           <a:p>
             <a:fld id="{FD292A8D-0B99-4C13-9985-4FD00B14622D}" type="datetimeFigureOut">
               <a:rPr lang="en-GB" smtClean="0"/>
-              <a:t>16/02/2023</a:t>
+              <a:t>20/02/2023</a:t>
             </a:fld>
             <a:endParaRPr lang="en-GB"/>
           </a:p>
@@ -2918,7 +3354,7 @@
     </p:spTree>
     <p:extLst>
       <p:ext uri="{BB962C8B-B14F-4D97-AF65-F5344CB8AC3E}">
-        <p14:creationId xmlns:p14="http://schemas.microsoft.com/office/powerpoint/2010/main" val="1735775392"/>
+        <p14:creationId xmlns:p14="http://schemas.microsoft.com/office/powerpoint/2010/main" val="100620974"/>
       </p:ext>
     </p:extLst>
   </p:cSld>
@@ -2962,8 +3398,8 @@
         </p:nvSpPr>
         <p:spPr>
           <a:xfrm>
-            <a:off x="494953" y="542027"/>
-            <a:ext cx="6209407" cy="1967786"/>
+            <a:off x="1470124" y="1611882"/>
+            <a:ext cx="18443377" cy="5851808"/>
           </a:xfrm>
           <a:prstGeom prst="rect">
             <a:avLst/>
@@ -2995,8 +3431,8 @@
         </p:nvSpPr>
         <p:spPr>
           <a:xfrm>
-            <a:off x="494953" y="2710124"/>
-            <a:ext cx="6209407" cy="6459521"/>
+            <a:off x="1470124" y="8059374"/>
+            <a:ext cx="18443377" cy="19209345"/>
           </a:xfrm>
           <a:prstGeom prst="rect">
             <a:avLst/>
@@ -3057,8 +3493,8 @@
         </p:nvSpPr>
         <p:spPr>
           <a:xfrm>
-            <a:off x="494953" y="9435945"/>
-            <a:ext cx="1619845" cy="542025"/>
+            <a:off x="1470124" y="28060644"/>
+            <a:ext cx="4811316" cy="1611875"/>
           </a:xfrm>
           <a:prstGeom prst="rect">
             <a:avLst/>
@@ -3068,7 +3504,7 @@
           <a:bodyPr vert="horz" lIns="91440" tIns="45720" rIns="91440" bIns="45720" rtlCol="0" anchor="ctr"/>
           <a:lstStyle>
             <a:lvl1pPr algn="l">
-              <a:defRPr sz="945">
+              <a:defRPr sz="2806">
                 <a:solidFill>
                   <a:schemeClr val="tx1">
                     <a:tint val="75000"/>
@@ -3080,7 +3516,7 @@
           <a:p>
             <a:fld id="{FD292A8D-0B99-4C13-9985-4FD00B14622D}" type="datetimeFigureOut">
               <a:rPr lang="en-GB" smtClean="0"/>
-              <a:t>16/02/2023</a:t>
+              <a:t>20/02/2023</a:t>
             </a:fld>
             <a:endParaRPr lang="en-GB"/>
           </a:p>
@@ -3098,8 +3534,8 @@
         </p:nvSpPr>
         <p:spPr>
           <a:xfrm>
-            <a:off x="2384773" y="9435945"/>
-            <a:ext cx="2429768" cy="542025"/>
+            <a:off x="7083326" y="28060644"/>
+            <a:ext cx="7216973" cy="1611875"/>
           </a:xfrm>
           <a:prstGeom prst="rect">
             <a:avLst/>
@@ -3109,7 +3545,7 @@
           <a:bodyPr vert="horz" lIns="91440" tIns="45720" rIns="91440" bIns="45720" rtlCol="0" anchor="ctr"/>
           <a:lstStyle>
             <a:lvl1pPr algn="ctr">
-              <a:defRPr sz="945">
+              <a:defRPr sz="2806">
                 <a:solidFill>
                   <a:schemeClr val="tx1">
                     <a:tint val="75000"/>
@@ -3135,8 +3571,8 @@
         </p:nvSpPr>
         <p:spPr>
           <a:xfrm>
-            <a:off x="5084515" y="9435945"/>
-            <a:ext cx="1619845" cy="542025"/>
+            <a:off x="15102185" y="28060644"/>
+            <a:ext cx="4811316" cy="1611875"/>
           </a:xfrm>
           <a:prstGeom prst="rect">
             <a:avLst/>
@@ -3146,7 +3582,7 @@
           <a:bodyPr vert="horz" lIns="91440" tIns="45720" rIns="91440" bIns="45720" rtlCol="0" anchor="ctr"/>
           <a:lstStyle>
             <a:lvl1pPr algn="r">
-              <a:defRPr sz="945">
+              <a:defRPr sz="2806">
                 <a:solidFill>
                   <a:schemeClr val="tx1">
                     <a:tint val="75000"/>
@@ -3167,27 +3603,27 @@
     </p:spTree>
     <p:extLst>
       <p:ext uri="{BB962C8B-B14F-4D97-AF65-F5344CB8AC3E}">
-        <p14:creationId xmlns:p14="http://schemas.microsoft.com/office/powerpoint/2010/main" val="923531886"/>
+        <p14:creationId xmlns:p14="http://schemas.microsoft.com/office/powerpoint/2010/main" val="2557559524"/>
       </p:ext>
     </p:extLst>
   </p:cSld>
   <p:clrMap bg1="lt1" tx1="dk1" bg2="lt2" tx2="dk2" accent1="accent1" accent2="accent2" accent3="accent3" accent4="accent4" accent5="accent5" accent6="accent6" hlink="hlink" folHlink="folHlink"/>
   <p:sldLayoutIdLst>
-    <p:sldLayoutId id="2147483709" r:id="rId1"/>
-    <p:sldLayoutId id="2147483710" r:id="rId2"/>
-    <p:sldLayoutId id="2147483711" r:id="rId3"/>
-    <p:sldLayoutId id="2147483712" r:id="rId4"/>
-    <p:sldLayoutId id="2147483713" r:id="rId5"/>
-    <p:sldLayoutId id="2147483714" r:id="rId6"/>
-    <p:sldLayoutId id="2147483715" r:id="rId7"/>
-    <p:sldLayoutId id="2147483716" r:id="rId8"/>
-    <p:sldLayoutId id="2147483717" r:id="rId9"/>
-    <p:sldLayoutId id="2147483718" r:id="rId10"/>
-    <p:sldLayoutId id="2147483719" r:id="rId11"/>
+    <p:sldLayoutId id="2147483721" r:id="rId1"/>
+    <p:sldLayoutId id="2147483722" r:id="rId2"/>
+    <p:sldLayoutId id="2147483723" r:id="rId3"/>
+    <p:sldLayoutId id="2147483724" r:id="rId4"/>
+    <p:sldLayoutId id="2147483725" r:id="rId5"/>
+    <p:sldLayoutId id="2147483726" r:id="rId6"/>
+    <p:sldLayoutId id="2147483727" r:id="rId7"/>
+    <p:sldLayoutId id="2147483728" r:id="rId8"/>
+    <p:sldLayoutId id="2147483729" r:id="rId9"/>
+    <p:sldLayoutId id="2147483730" r:id="rId10"/>
+    <p:sldLayoutId id="2147483731" r:id="rId11"/>
   </p:sldLayoutIdLst>
   <p:txStyles>
     <p:titleStyle>
-      <a:lvl1pPr algn="l" defTabSz="719907" rtl="0" eaLnBrk="1" latinLnBrk="0" hangingPunct="1">
+      <a:lvl1pPr algn="l" defTabSz="2138324" rtl="0" eaLnBrk="1" latinLnBrk="0" hangingPunct="1">
         <a:lnSpc>
           <a:spcPct val="90000"/>
         </a:lnSpc>
@@ -3195,7 +3631,7 @@
           <a:spcPct val="0"/>
         </a:spcBef>
         <a:buNone/>
-        <a:defRPr sz="3464" kern="1200">
+        <a:defRPr sz="10289" kern="1200">
           <a:solidFill>
             <a:schemeClr val="tx1"/>
           </a:solidFill>
@@ -3206,16 +3642,16 @@
       </a:lvl1pPr>
     </p:titleStyle>
     <p:bodyStyle>
-      <a:lvl1pPr marL="179977" indent="-179977" algn="l" defTabSz="719907" rtl="0" eaLnBrk="1" latinLnBrk="0" hangingPunct="1">
+      <a:lvl1pPr marL="534581" indent="-534581" algn="l" defTabSz="2138324" rtl="0" eaLnBrk="1" latinLnBrk="0" hangingPunct="1">
         <a:lnSpc>
           <a:spcPct val="90000"/>
         </a:lnSpc>
         <a:spcBef>
-          <a:spcPts val="787"/>
+          <a:spcPts val="2339"/>
         </a:spcBef>
         <a:buFont typeface="Arial" panose="020B0604020202020204" pitchFamily="34" charset="0"/>
         <a:buChar char="•"/>
-        <a:defRPr sz="2204" kern="1200">
+        <a:defRPr sz="6548" kern="1200">
           <a:solidFill>
             <a:schemeClr val="tx1"/>
           </a:solidFill>
@@ -3224,16 +3660,16 @@
           <a:cs typeface="+mn-cs"/>
         </a:defRPr>
       </a:lvl1pPr>
-      <a:lvl2pPr marL="539930" indent="-179977" algn="l" defTabSz="719907" rtl="0" eaLnBrk="1" latinLnBrk="0" hangingPunct="1">
+      <a:lvl2pPr marL="1603743" indent="-534581" algn="l" defTabSz="2138324" rtl="0" eaLnBrk="1" latinLnBrk="0" hangingPunct="1">
         <a:lnSpc>
           <a:spcPct val="90000"/>
         </a:lnSpc>
         <a:spcBef>
-          <a:spcPts val="394"/>
+          <a:spcPts val="1169"/>
         </a:spcBef>
         <a:buFont typeface="Arial" panose="020B0604020202020204" pitchFamily="34" charset="0"/>
         <a:buChar char="•"/>
-        <a:defRPr sz="1890" kern="1200">
+        <a:defRPr sz="5612" kern="1200">
           <a:solidFill>
             <a:schemeClr val="tx1"/>
           </a:solidFill>
@@ -3242,16 +3678,16 @@
           <a:cs typeface="+mn-cs"/>
         </a:defRPr>
       </a:lvl2pPr>
-      <a:lvl3pPr marL="899884" indent="-179977" algn="l" defTabSz="719907" rtl="0" eaLnBrk="1" latinLnBrk="0" hangingPunct="1">
+      <a:lvl3pPr marL="2672906" indent="-534581" algn="l" defTabSz="2138324" rtl="0" eaLnBrk="1" latinLnBrk="0" hangingPunct="1">
         <a:lnSpc>
           <a:spcPct val="90000"/>
         </a:lnSpc>
         <a:spcBef>
-          <a:spcPts val="394"/>
+          <a:spcPts val="1169"/>
         </a:spcBef>
         <a:buFont typeface="Arial" panose="020B0604020202020204" pitchFamily="34" charset="0"/>
         <a:buChar char="•"/>
-        <a:defRPr sz="1575" kern="1200">
+        <a:defRPr sz="4677" kern="1200">
           <a:solidFill>
             <a:schemeClr val="tx1"/>
           </a:solidFill>
@@ -3260,16 +3696,16 @@
           <a:cs typeface="+mn-cs"/>
         </a:defRPr>
       </a:lvl3pPr>
-      <a:lvl4pPr marL="1259837" indent="-179977" algn="l" defTabSz="719907" rtl="0" eaLnBrk="1" latinLnBrk="0" hangingPunct="1">
+      <a:lvl4pPr marL="3742068" indent="-534581" algn="l" defTabSz="2138324" rtl="0" eaLnBrk="1" latinLnBrk="0" hangingPunct="1">
         <a:lnSpc>
           <a:spcPct val="90000"/>
         </a:lnSpc>
         <a:spcBef>
-          <a:spcPts val="394"/>
+          <a:spcPts val="1169"/>
         </a:spcBef>
         <a:buFont typeface="Arial" panose="020B0604020202020204" pitchFamily="34" charset="0"/>
         <a:buChar char="•"/>
-        <a:defRPr sz="1417" kern="1200">
+        <a:defRPr sz="4209" kern="1200">
           <a:solidFill>
             <a:schemeClr val="tx1"/>
           </a:solidFill>
@@ -3278,16 +3714,16 @@
           <a:cs typeface="+mn-cs"/>
         </a:defRPr>
       </a:lvl4pPr>
-      <a:lvl5pPr marL="1619791" indent="-179977" algn="l" defTabSz="719907" rtl="0" eaLnBrk="1" latinLnBrk="0" hangingPunct="1">
+      <a:lvl5pPr marL="4811230" indent="-534581" algn="l" defTabSz="2138324" rtl="0" eaLnBrk="1" latinLnBrk="0" hangingPunct="1">
         <a:lnSpc>
           <a:spcPct val="90000"/>
         </a:lnSpc>
         <a:spcBef>
-          <a:spcPts val="394"/>
+          <a:spcPts val="1169"/>
         </a:spcBef>
         <a:buFont typeface="Arial" panose="020B0604020202020204" pitchFamily="34" charset="0"/>
         <a:buChar char="•"/>
-        <a:defRPr sz="1417" kern="1200">
+        <a:defRPr sz="4209" kern="1200">
           <a:solidFill>
             <a:schemeClr val="tx1"/>
           </a:solidFill>
@@ -3296,16 +3732,16 @@
           <a:cs typeface="+mn-cs"/>
         </a:defRPr>
       </a:lvl5pPr>
-      <a:lvl6pPr marL="1979745" indent="-179977" algn="l" defTabSz="719907" rtl="0" eaLnBrk="1" latinLnBrk="0" hangingPunct="1">
+      <a:lvl6pPr marL="5880392" indent="-534581" algn="l" defTabSz="2138324" rtl="0" eaLnBrk="1" latinLnBrk="0" hangingPunct="1">
         <a:lnSpc>
           <a:spcPct val="90000"/>
         </a:lnSpc>
         <a:spcBef>
-          <a:spcPts val="394"/>
+          <a:spcPts val="1169"/>
         </a:spcBef>
         <a:buFont typeface="Arial" panose="020B0604020202020204" pitchFamily="34" charset="0"/>
         <a:buChar char="•"/>
-        <a:defRPr sz="1417" kern="1200">
+        <a:defRPr sz="4209" kern="1200">
           <a:solidFill>
             <a:schemeClr val="tx1"/>
           </a:solidFill>
@@ -3314,16 +3750,16 @@
           <a:cs typeface="+mn-cs"/>
         </a:defRPr>
       </a:lvl6pPr>
-      <a:lvl7pPr marL="2339698" indent="-179977" algn="l" defTabSz="719907" rtl="0" eaLnBrk="1" latinLnBrk="0" hangingPunct="1">
+      <a:lvl7pPr marL="6949554" indent="-534581" algn="l" defTabSz="2138324" rtl="0" eaLnBrk="1" latinLnBrk="0" hangingPunct="1">
         <a:lnSpc>
           <a:spcPct val="90000"/>
         </a:lnSpc>
         <a:spcBef>
-          <a:spcPts val="394"/>
+          <a:spcPts val="1169"/>
         </a:spcBef>
         <a:buFont typeface="Arial" panose="020B0604020202020204" pitchFamily="34" charset="0"/>
         <a:buChar char="•"/>
-        <a:defRPr sz="1417" kern="1200">
+        <a:defRPr sz="4209" kern="1200">
           <a:solidFill>
             <a:schemeClr val="tx1"/>
           </a:solidFill>
@@ -3332,16 +3768,16 @@
           <a:cs typeface="+mn-cs"/>
         </a:defRPr>
       </a:lvl7pPr>
-      <a:lvl8pPr marL="2699652" indent="-179977" algn="l" defTabSz="719907" rtl="0" eaLnBrk="1" latinLnBrk="0" hangingPunct="1">
+      <a:lvl8pPr marL="8018717" indent="-534581" algn="l" defTabSz="2138324" rtl="0" eaLnBrk="1" latinLnBrk="0" hangingPunct="1">
         <a:lnSpc>
           <a:spcPct val="90000"/>
         </a:lnSpc>
         <a:spcBef>
-          <a:spcPts val="394"/>
+          <a:spcPts val="1169"/>
         </a:spcBef>
         <a:buFont typeface="Arial" panose="020B0604020202020204" pitchFamily="34" charset="0"/>
         <a:buChar char="•"/>
-        <a:defRPr sz="1417" kern="1200">
+        <a:defRPr sz="4209" kern="1200">
           <a:solidFill>
             <a:schemeClr val="tx1"/>
           </a:solidFill>
@@ -3350,16 +3786,16 @@
           <a:cs typeface="+mn-cs"/>
         </a:defRPr>
       </a:lvl8pPr>
-      <a:lvl9pPr marL="3059605" indent="-179977" algn="l" defTabSz="719907" rtl="0" eaLnBrk="1" latinLnBrk="0" hangingPunct="1">
+      <a:lvl9pPr marL="9087879" indent="-534581" algn="l" defTabSz="2138324" rtl="0" eaLnBrk="1" latinLnBrk="0" hangingPunct="1">
         <a:lnSpc>
           <a:spcPct val="90000"/>
         </a:lnSpc>
         <a:spcBef>
-          <a:spcPts val="394"/>
+          <a:spcPts val="1169"/>
         </a:spcBef>
         <a:buFont typeface="Arial" panose="020B0604020202020204" pitchFamily="34" charset="0"/>
         <a:buChar char="•"/>
-        <a:defRPr sz="1417" kern="1200">
+        <a:defRPr sz="4209" kern="1200">
           <a:solidFill>
             <a:schemeClr val="tx1"/>
           </a:solidFill>
@@ -3373,8 +3809,8 @@
       <a:defPPr>
         <a:defRPr lang="en-US"/>
       </a:defPPr>
-      <a:lvl1pPr marL="0" algn="l" defTabSz="719907" rtl="0" eaLnBrk="1" latinLnBrk="0" hangingPunct="1">
-        <a:defRPr sz="1417" kern="1200">
+      <a:lvl1pPr marL="0" algn="l" defTabSz="2138324" rtl="0" eaLnBrk="1" latinLnBrk="0" hangingPunct="1">
+        <a:defRPr sz="4209" kern="1200">
           <a:solidFill>
             <a:schemeClr val="tx1"/>
           </a:solidFill>
@@ -3383,8 +3819,8 @@
           <a:cs typeface="+mn-cs"/>
         </a:defRPr>
       </a:lvl1pPr>
-      <a:lvl2pPr marL="359954" algn="l" defTabSz="719907" rtl="0" eaLnBrk="1" latinLnBrk="0" hangingPunct="1">
-        <a:defRPr sz="1417" kern="1200">
+      <a:lvl2pPr marL="1069162" algn="l" defTabSz="2138324" rtl="0" eaLnBrk="1" latinLnBrk="0" hangingPunct="1">
+        <a:defRPr sz="4209" kern="1200">
           <a:solidFill>
             <a:schemeClr val="tx1"/>
           </a:solidFill>
@@ -3393,8 +3829,8 @@
           <a:cs typeface="+mn-cs"/>
         </a:defRPr>
       </a:lvl2pPr>
-      <a:lvl3pPr marL="719907" algn="l" defTabSz="719907" rtl="0" eaLnBrk="1" latinLnBrk="0" hangingPunct="1">
-        <a:defRPr sz="1417" kern="1200">
+      <a:lvl3pPr marL="2138324" algn="l" defTabSz="2138324" rtl="0" eaLnBrk="1" latinLnBrk="0" hangingPunct="1">
+        <a:defRPr sz="4209" kern="1200">
           <a:solidFill>
             <a:schemeClr val="tx1"/>
           </a:solidFill>
@@ -3403,8 +3839,8 @@
           <a:cs typeface="+mn-cs"/>
         </a:defRPr>
       </a:lvl3pPr>
-      <a:lvl4pPr marL="1079861" algn="l" defTabSz="719907" rtl="0" eaLnBrk="1" latinLnBrk="0" hangingPunct="1">
-        <a:defRPr sz="1417" kern="1200">
+      <a:lvl4pPr marL="3207487" algn="l" defTabSz="2138324" rtl="0" eaLnBrk="1" latinLnBrk="0" hangingPunct="1">
+        <a:defRPr sz="4209" kern="1200">
           <a:solidFill>
             <a:schemeClr val="tx1"/>
           </a:solidFill>
@@ -3413,8 +3849,8 @@
           <a:cs typeface="+mn-cs"/>
         </a:defRPr>
       </a:lvl4pPr>
-      <a:lvl5pPr marL="1439814" algn="l" defTabSz="719907" rtl="0" eaLnBrk="1" latinLnBrk="0" hangingPunct="1">
-        <a:defRPr sz="1417" kern="1200">
+      <a:lvl5pPr marL="4276649" algn="l" defTabSz="2138324" rtl="0" eaLnBrk="1" latinLnBrk="0" hangingPunct="1">
+        <a:defRPr sz="4209" kern="1200">
           <a:solidFill>
             <a:schemeClr val="tx1"/>
           </a:solidFill>
@@ -3423,8 +3859,8 @@
           <a:cs typeface="+mn-cs"/>
         </a:defRPr>
       </a:lvl5pPr>
-      <a:lvl6pPr marL="1799768" algn="l" defTabSz="719907" rtl="0" eaLnBrk="1" latinLnBrk="0" hangingPunct="1">
-        <a:defRPr sz="1417" kern="1200">
+      <a:lvl6pPr marL="5345811" algn="l" defTabSz="2138324" rtl="0" eaLnBrk="1" latinLnBrk="0" hangingPunct="1">
+        <a:defRPr sz="4209" kern="1200">
           <a:solidFill>
             <a:schemeClr val="tx1"/>
           </a:solidFill>
@@ -3433,8 +3869,8 @@
           <a:cs typeface="+mn-cs"/>
         </a:defRPr>
       </a:lvl6pPr>
-      <a:lvl7pPr marL="2159721" algn="l" defTabSz="719907" rtl="0" eaLnBrk="1" latinLnBrk="0" hangingPunct="1">
-        <a:defRPr sz="1417" kern="1200">
+      <a:lvl7pPr marL="6414973" algn="l" defTabSz="2138324" rtl="0" eaLnBrk="1" latinLnBrk="0" hangingPunct="1">
+        <a:defRPr sz="4209" kern="1200">
           <a:solidFill>
             <a:schemeClr val="tx1"/>
           </a:solidFill>
@@ -3443,8 +3879,8 @@
           <a:cs typeface="+mn-cs"/>
         </a:defRPr>
       </a:lvl7pPr>
-      <a:lvl8pPr marL="2519675" algn="l" defTabSz="719907" rtl="0" eaLnBrk="1" latinLnBrk="0" hangingPunct="1">
-        <a:defRPr sz="1417" kern="1200">
+      <a:lvl8pPr marL="7484135" algn="l" defTabSz="2138324" rtl="0" eaLnBrk="1" latinLnBrk="0" hangingPunct="1">
+        <a:defRPr sz="4209" kern="1200">
           <a:solidFill>
             <a:schemeClr val="tx1"/>
           </a:solidFill>
@@ -3453,8 +3889,8 @@
           <a:cs typeface="+mn-cs"/>
         </a:defRPr>
       </a:lvl8pPr>
-      <a:lvl9pPr marL="2879628" algn="l" defTabSz="719907" rtl="0" eaLnBrk="1" latinLnBrk="0" hangingPunct="1">
-        <a:defRPr sz="1417" kern="1200">
+      <a:lvl9pPr marL="8553298" algn="l" defTabSz="2138324" rtl="0" eaLnBrk="1" latinLnBrk="0" hangingPunct="1">
+        <a:defRPr sz="4209" kern="1200">
           <a:solidFill>
             <a:schemeClr val="tx1"/>
           </a:solidFill>
@@ -3503,8 +3939,8 @@
         </p:nvSpPr>
         <p:spPr>
           <a:xfrm>
-            <a:off x="539948" y="732363"/>
-            <a:ext cx="6119416" cy="485391"/>
+            <a:off x="1603771" y="2193469"/>
+            <a:ext cx="18176082" cy="1441724"/>
           </a:xfrm>
         </p:spPr>
         <p:txBody>
@@ -3514,17 +3950,22 @@
           <a:lstStyle/>
           <a:p>
             <a:r>
-              <a:rPr lang="en-GB" sz="3200" dirty="0"/>
+              <a:rPr lang="en-GB" sz="8000" dirty="0"/>
               <a:t>Black Hole in a Discrete </a:t>
             </a:r>
             <a:r>
-              <a:rPr lang="en-GB" sz="3200" dirty="0" err="1"/>
+              <a:rPr lang="en-GB" sz="8000" dirty="0" err="1"/>
               <a:t>Scwharzt</a:t>
             </a:r>
             <a:r>
-              <a:rPr lang="en-GB" sz="3200" dirty="0"/>
-              <a:t> …</a:t>
-            </a:r>
+              <a:rPr lang="en-GB" sz="8000" dirty="0"/>
+              <a:t> </a:t>
+            </a:r>
+            <a:r>
+              <a:rPr lang="en-GB" sz="8000" dirty="0" err="1"/>
+              <a:t>Spaceti</a:t>
+            </a:r>
+            <a:endParaRPr lang="en-GB" sz="8000" dirty="0"/>
           </a:p>
         </p:txBody>
       </p:sp>
@@ -3544,15 +3985,15 @@
         </p:nvSpPr>
         <p:spPr>
           <a:xfrm>
-            <a:off x="0" y="0"/>
-            <a:ext cx="1245766" cy="732363"/>
+            <a:off x="0" y="18181"/>
+            <a:ext cx="4662468" cy="2388726"/>
           </a:xfrm>
           <a:prstGeom prst="rect">
             <a:avLst/>
           </a:prstGeom>
         </p:spPr>
         <p:txBody>
-          <a:bodyPr vert="horz" lIns="91440" tIns="45720" rIns="91440" bIns="45720" rtlCol="0" anchor="b">
+          <a:bodyPr vert="horz" lIns="271598" tIns="135799" rIns="271598" bIns="135799" rtlCol="0" anchor="b">
             <a:noAutofit/>
           </a:bodyPr>
           <a:lstStyle>
@@ -3576,13 +4017,13 @@
           </a:lstStyle>
           <a:p>
             <a:r>
-              <a:rPr lang="en-GB" sz="2000" dirty="0"/>
+              <a:rPr lang="en-GB" sz="5940" dirty="0"/>
               <a:t>Imperial</a:t>
             </a:r>
           </a:p>
           <a:p>
             <a:r>
-              <a:rPr lang="en-GB" sz="2000" dirty="0"/>
+              <a:rPr lang="en-GB" sz="5940" dirty="0"/>
               <a:t> Logo</a:t>
             </a:r>
           </a:p>
@@ -3604,15 +4045,15 @@
         </p:nvSpPr>
         <p:spPr>
           <a:xfrm>
-            <a:off x="3509503" y="18211"/>
-            <a:ext cx="3689810" cy="485391"/>
+            <a:off x="10424037" y="72272"/>
+            <a:ext cx="10959590" cy="1441724"/>
           </a:xfrm>
           <a:prstGeom prst="rect">
             <a:avLst/>
           </a:prstGeom>
         </p:spPr>
         <p:txBody>
-          <a:bodyPr vert="horz" lIns="91440" tIns="45720" rIns="91440" bIns="45720" rtlCol="0" anchor="b">
+          <a:bodyPr vert="horz" lIns="271598" tIns="135799" rIns="271598" bIns="135799" rtlCol="0" anchor="b">
             <a:noAutofit/>
           </a:bodyPr>
           <a:lstStyle>
@@ -3637,29 +4078,29 @@
           <a:p>
             <a:pPr algn="r"/>
             <a:r>
-              <a:rPr lang="en-GB" sz="1400" dirty="0"/>
+              <a:rPr lang="en-GB" sz="4158" dirty="0"/>
               <a:t>Vid </a:t>
             </a:r>
             <a:r>
-              <a:rPr lang="en-GB" sz="1400" dirty="0" err="1"/>
+              <a:rPr lang="en-GB" sz="4158" dirty="0" err="1"/>
               <a:t>Homsak</a:t>
             </a:r>
             <a:r>
-              <a:rPr lang="en-GB" sz="1400" dirty="0"/>
+              <a:rPr lang="en-GB" sz="4158" dirty="0"/>
               <a:t>, Stefano Veroni</a:t>
             </a:r>
           </a:p>
           <a:p>
             <a:pPr algn="r"/>
             <a:r>
-              <a:rPr lang="en-GB" sz="1400" dirty="0"/>
+              <a:rPr lang="en-GB" sz="4158" dirty="0"/>
               <a:t>Supervisor: Fay </a:t>
             </a:r>
             <a:r>
-              <a:rPr lang="en-GB" sz="1400" dirty="0" err="1"/>
+              <a:rPr lang="en-GB" sz="4158" dirty="0" err="1"/>
               <a:t>Dowker</a:t>
             </a:r>
-            <a:endParaRPr lang="en-GB" sz="1400" dirty="0"/>
+            <a:endParaRPr lang="en-GB" sz="4158" dirty="0"/>
           </a:p>
         </p:txBody>
       </p:sp>
@@ -3677,8 +4118,8 @@
         </p:nvSpPr>
         <p:spPr>
           <a:xfrm>
-            <a:off x="98447" y="9290111"/>
-            <a:ext cx="1416454" cy="830997"/>
+            <a:off x="292411" y="27611961"/>
+            <a:ext cx="4207196" cy="2286267"/>
           </a:xfrm>
           <a:prstGeom prst="rect">
             <a:avLst/>
@@ -3692,25 +4133,25 @@
           <a:lstStyle/>
           <a:p>
             <a:r>
-              <a:rPr lang="en-GB" sz="1200" dirty="0"/>
+              <a:rPr lang="en-GB" sz="3564" dirty="0"/>
               <a:t>References</a:t>
             </a:r>
           </a:p>
           <a:p>
             <a:r>
-              <a:rPr lang="en-GB" sz="1200" dirty="0"/>
+              <a:rPr lang="en-GB" sz="3564" dirty="0"/>
               <a:t>1 </a:t>
             </a:r>
           </a:p>
           <a:p>
             <a:r>
-              <a:rPr lang="en-GB" sz="1200" dirty="0"/>
+              <a:rPr lang="en-GB" sz="3564" dirty="0"/>
               <a:t>2</a:t>
             </a:r>
           </a:p>
           <a:p>
             <a:r>
-              <a:rPr lang="en-GB" sz="1200" dirty="0"/>
+              <a:rPr lang="en-GB" sz="3564" dirty="0"/>
               <a:t>3</a:t>
             </a:r>
           </a:p>
@@ -3730,8 +4171,8 @@
         </p:nvSpPr>
         <p:spPr>
           <a:xfrm>
-            <a:off x="1724805" y="9448275"/>
-            <a:ext cx="1416454" cy="646331"/>
+            <a:off x="5123071" y="28081746"/>
+            <a:ext cx="4207196" cy="1737783"/>
           </a:xfrm>
           <a:prstGeom prst="rect">
             <a:avLst/>
@@ -3745,19 +4186,19 @@
           <a:lstStyle/>
           <a:p>
             <a:r>
-              <a:rPr lang="en-GB" sz="1200" dirty="0"/>
+              <a:rPr lang="en-GB" sz="3564" dirty="0"/>
               <a:t>4</a:t>
             </a:r>
           </a:p>
           <a:p>
             <a:r>
-              <a:rPr lang="en-GB" sz="1200" dirty="0"/>
+              <a:rPr lang="en-GB" sz="3564" dirty="0"/>
               <a:t>5</a:t>
             </a:r>
           </a:p>
           <a:p>
             <a:r>
-              <a:rPr lang="en-GB" sz="1200" dirty="0"/>
+              <a:rPr lang="en-GB" sz="3564" dirty="0"/>
               <a:t>6</a:t>
             </a:r>
           </a:p>
@@ -3777,8 +4218,8 @@
         </p:nvSpPr>
         <p:spPr>
           <a:xfrm>
-            <a:off x="5782859" y="9294135"/>
-            <a:ext cx="1416454" cy="646331"/>
+            <a:off x="17176431" y="27623914"/>
+            <a:ext cx="4207196" cy="1737783"/>
           </a:xfrm>
           <a:prstGeom prst="rect">
             <a:avLst/>
@@ -3792,19 +4233,19 @@
           <a:lstStyle/>
           <a:p>
             <a:r>
-              <a:rPr lang="en-GB" sz="1200" dirty="0"/>
+              <a:rPr lang="en-GB" sz="3564" dirty="0"/>
               <a:t>Code available at</a:t>
             </a:r>
           </a:p>
           <a:p>
             <a:r>
-              <a:rPr lang="en-GB" sz="1200" dirty="0"/>
+              <a:rPr lang="en-GB" sz="3564" dirty="0"/>
               <a:t>https//etc</a:t>
             </a:r>
           </a:p>
           <a:p>
             <a:r>
-              <a:rPr lang="en-GB" sz="1200" dirty="0"/>
+              <a:rPr lang="en-GB" sz="3564" dirty="0"/>
               <a:t>QR CODE</a:t>
             </a:r>
           </a:p>
@@ -3824,8 +4265,8 @@
         </p:nvSpPr>
         <p:spPr>
           <a:xfrm>
-            <a:off x="2435744" y="1466036"/>
-            <a:ext cx="2641222" cy="400110"/>
+            <a:off x="7668618" y="4127768"/>
+            <a:ext cx="7845041" cy="923330"/>
           </a:xfrm>
           <a:prstGeom prst="rect">
             <a:avLst/>
@@ -3839,15 +4280,15 @@
           <a:lstStyle/>
           <a:p>
             <a:r>
-              <a:rPr lang="en-GB" dirty="0"/>
+              <a:rPr lang="en-GB" sz="4400" dirty="0"/>
               <a:t>Relativity  </a:t>
             </a:r>
             <a:r>
-              <a:rPr lang="en-GB" sz="2000" dirty="0"/>
+              <a:rPr lang="en-GB" sz="5400" dirty="0"/>
               <a:t>VS</a:t>
             </a:r>
             <a:r>
-              <a:rPr lang="en-GB" dirty="0"/>
+              <a:rPr lang="en-GB" sz="4400" dirty="0"/>
               <a:t>  Quantum</a:t>
             </a:r>
           </a:p>
@@ -3867,8 +4308,8 @@
         </p:nvSpPr>
         <p:spPr>
           <a:xfrm>
-            <a:off x="398794" y="1510245"/>
-            <a:ext cx="1533788" cy="382285"/>
+            <a:off x="1243268" y="4146315"/>
+            <a:ext cx="4555705" cy="830997"/>
           </a:xfrm>
           <a:prstGeom prst="rect">
             <a:avLst/>
@@ -3882,7 +4323,7 @@
           <a:lstStyle/>
           <a:p>
             <a:r>
-              <a:rPr lang="en-GB" dirty="0"/>
+              <a:rPr lang="en-GB" sz="4800" dirty="0"/>
               <a:t>Singularities</a:t>
             </a:r>
           </a:p>
@@ -3902,8 +4343,8 @@
         </p:nvSpPr>
         <p:spPr>
           <a:xfrm>
-            <a:off x="5378666" y="1466035"/>
-            <a:ext cx="1533788" cy="382285"/>
+            <a:off x="17341215" y="3986943"/>
+            <a:ext cx="3273736" cy="830997"/>
           </a:xfrm>
           <a:prstGeom prst="rect">
             <a:avLst/>
@@ -3917,7 +4358,7 @@
           <a:lstStyle/>
           <a:p>
             <a:r>
-              <a:rPr lang="en-GB" dirty="0"/>
+              <a:rPr lang="en-GB" sz="4800" dirty="0"/>
               <a:t>Infinities</a:t>
             </a:r>
           </a:p>
@@ -3938,8 +4379,8 @@
               <p14:nvPr/>
             </p14:nvContentPartPr>
             <p14:xfrm>
-              <a:off x="3616193" y="1664404"/>
-              <a:ext cx="360" cy="360"/>
+              <a:off x="10740931" y="4961845"/>
+              <a:ext cx="1069" cy="1069"/>
             </p14:xfrm>
           </p:contentPart>
         </mc:Choice>
@@ -3964,8 +4405,8 @@
             </p:blipFill>
             <p:spPr>
               <a:xfrm>
-                <a:off x="3611873" y="1660084"/>
-                <a:ext cx="9000" cy="9000"/>
+                <a:off x="10728103" y="4949017"/>
+                <a:ext cx="26725" cy="26725"/>
               </a:xfrm>
               <a:prstGeom prst="rect">
                 <a:avLst/>
@@ -3989,8 +4430,8 @@
               <p14:nvPr/>
             </p14:nvContentPartPr>
             <p14:xfrm>
-              <a:off x="3711953" y="1692124"/>
-              <a:ext cx="360" cy="360"/>
+              <a:off x="11025360" y="5044180"/>
+              <a:ext cx="1069" cy="1069"/>
             </p14:xfrm>
           </p:contentPart>
         </mc:Choice>
@@ -4015,8 +4456,8 @@
             </p:blipFill>
             <p:spPr>
               <a:xfrm>
-                <a:off x="3707633" y="1687804"/>
-                <a:ext cx="9000" cy="9000"/>
+                <a:off x="11012532" y="5031352"/>
+                <a:ext cx="26725" cy="26725"/>
               </a:xfrm>
               <a:prstGeom prst="rect">
                 <a:avLst/>
@@ -4039,8 +4480,8 @@
         </p:nvSpPr>
         <p:spPr>
           <a:xfrm>
-            <a:off x="4265030" y="1773734"/>
-            <a:ext cx="1018101" cy="215444"/>
+            <a:off x="13507798" y="4556124"/>
+            <a:ext cx="3023996" cy="457946"/>
           </a:xfrm>
           <a:prstGeom prst="rect">
             <a:avLst/>
@@ -4054,7 +4495,7 @@
           <a:lstStyle/>
           <a:p>
             <a:r>
-              <a:rPr lang="en-GB" sz="800" dirty="0"/>
+              <a:rPr lang="en-GB" sz="2376" dirty="0"/>
               <a:t>Non-commutative</a:t>
             </a:r>
           </a:p>
@@ -4074,8 +4515,8 @@
         </p:nvSpPr>
         <p:spPr>
           <a:xfrm>
-            <a:off x="2323848" y="1248127"/>
-            <a:ext cx="1018526" cy="215444"/>
+            <a:off x="7620940" y="5020277"/>
+            <a:ext cx="3025258" cy="457946"/>
           </a:xfrm>
           <a:prstGeom prst="rect">
             <a:avLst/>
@@ -4089,14 +4530,9 @@
           <a:lstStyle/>
           <a:p>
             <a:r>
-              <a:rPr lang="en-GB" sz="800" dirty="0"/>
-              <a:t>Dynamic </a:t>
-            </a:r>
-            <a:r>
-              <a:rPr lang="en-GB" sz="800" dirty="0" err="1"/>
-              <a:t>Backgrund</a:t>
-            </a:r>
-            <a:endParaRPr lang="en-GB" sz="800" dirty="0"/>
+              <a:rPr lang="en-GB" sz="2376" dirty="0"/>
+              <a:t>Dynamic Background</a:t>
+            </a:r>
           </a:p>
         </p:txBody>
       </p:sp>
@@ -4114,8 +4550,8 @@
         </p:nvSpPr>
         <p:spPr>
           <a:xfrm>
-            <a:off x="2156859" y="1753977"/>
-            <a:ext cx="654572" cy="215444"/>
+            <a:off x="6302651" y="4767664"/>
+            <a:ext cx="1944230" cy="457946"/>
           </a:xfrm>
           <a:prstGeom prst="rect">
             <a:avLst/>
@@ -4129,7 +4565,7 @@
           <a:lstStyle/>
           <a:p>
             <a:r>
-              <a:rPr lang="en-GB" sz="800" dirty="0"/>
+              <a:rPr lang="en-GB" sz="2376" dirty="0"/>
               <a:t>Non-linear</a:t>
             </a:r>
           </a:p>
@@ -4149,8 +4585,8 @@
         </p:nvSpPr>
         <p:spPr>
           <a:xfrm>
-            <a:off x="2029597" y="1488815"/>
-            <a:ext cx="552228" cy="215444"/>
+            <a:off x="6626195" y="4058385"/>
+            <a:ext cx="1640245" cy="457946"/>
           </a:xfrm>
           <a:prstGeom prst="rect">
             <a:avLst/>
@@ -4164,7 +4600,7 @@
           <a:lstStyle/>
           <a:p>
             <a:r>
-              <a:rPr lang="en-GB" sz="800" dirty="0"/>
+              <a:rPr lang="en-GB" sz="2376" dirty="0"/>
               <a:t>Local</a:t>
             </a:r>
           </a:p>
@@ -4184,8 +4620,8 @@
         </p:nvSpPr>
         <p:spPr>
           <a:xfrm>
-            <a:off x="2778295" y="1829794"/>
-            <a:ext cx="820897" cy="215444"/>
+            <a:off x="8071688" y="3826186"/>
+            <a:ext cx="2438254" cy="457946"/>
           </a:xfrm>
           <a:prstGeom prst="rect">
             <a:avLst/>
@@ -4199,7 +4635,7 @@
           <a:lstStyle/>
           <a:p>
             <a:r>
-              <a:rPr lang="en-GB" sz="800" dirty="0"/>
+              <a:rPr lang="en-GB" sz="2376" dirty="0"/>
               <a:t>deterministic</a:t>
             </a:r>
           </a:p>
@@ -4219,8 +4655,8 @@
         </p:nvSpPr>
         <p:spPr>
           <a:xfrm>
-            <a:off x="3622000" y="1829794"/>
-            <a:ext cx="820897" cy="215444"/>
+            <a:off x="10460154" y="4996637"/>
+            <a:ext cx="2438254" cy="457946"/>
           </a:xfrm>
           <a:prstGeom prst="rect">
             <a:avLst/>
@@ -4234,7 +4670,7 @@
           <a:lstStyle/>
           <a:p>
             <a:r>
-              <a:rPr lang="en-GB" sz="800" dirty="0"/>
+              <a:rPr lang="en-GB" sz="2376" dirty="0"/>
               <a:t>probabilistic</a:t>
             </a:r>
           </a:p>
@@ -4254,8 +4690,8 @@
         </p:nvSpPr>
         <p:spPr>
           <a:xfrm>
-            <a:off x="3711953" y="1294801"/>
-            <a:ext cx="983871" cy="215444"/>
+            <a:off x="10622715" y="3789858"/>
+            <a:ext cx="2922325" cy="457946"/>
           </a:xfrm>
           <a:prstGeom prst="rect">
             <a:avLst/>
@@ -4269,8 +4705,8 @@
           <a:lstStyle/>
           <a:p>
             <a:r>
-              <a:rPr lang="en-GB" sz="800" dirty="0"/>
-              <a:t>fixed background</a:t>
+              <a:rPr lang="en-GB" sz="2376" dirty="0"/>
+              <a:t>Fixed background</a:t>
             </a:r>
           </a:p>
         </p:txBody>
@@ -4289,8 +4725,8 @@
         </p:nvSpPr>
         <p:spPr>
           <a:xfrm>
-            <a:off x="4618583" y="1393260"/>
-            <a:ext cx="566053" cy="215444"/>
+            <a:off x="13246337" y="4027728"/>
+            <a:ext cx="1681308" cy="457946"/>
           </a:xfrm>
           <a:prstGeom prst="rect">
             <a:avLst/>
@@ -4304,7 +4740,7 @@
           <a:lstStyle/>
           <a:p>
             <a:r>
-              <a:rPr lang="en-GB" sz="800" dirty="0"/>
+              <a:rPr lang="en-GB" sz="2376" dirty="0"/>
               <a:t>Linear</a:t>
             </a:r>
           </a:p>
@@ -4326,8 +4762,8 @@
         </p:nvCxnSpPr>
         <p:spPr>
           <a:xfrm>
-            <a:off x="1165688" y="2031240"/>
-            <a:ext cx="0" cy="272955"/>
+            <a:off x="3462363" y="5543434"/>
+            <a:ext cx="0" cy="810740"/>
           </a:xfrm>
           <a:prstGeom prst="straightConnector1">
             <a:avLst/>
@@ -4367,8 +4803,8 @@
         </p:nvCxnSpPr>
         <p:spPr>
           <a:xfrm>
-            <a:off x="2433032" y="2019866"/>
-            <a:ext cx="0" cy="272955"/>
+            <a:off x="7226669" y="5509651"/>
+            <a:ext cx="0" cy="810740"/>
           </a:xfrm>
           <a:prstGeom prst="straightConnector1">
             <a:avLst/>
@@ -4408,8 +4844,8 @@
         </p:nvCxnSpPr>
         <p:spPr>
           <a:xfrm>
-            <a:off x="3599192" y="2017591"/>
-            <a:ext cx="0" cy="272955"/>
+            <a:off x="10690434" y="5502894"/>
+            <a:ext cx="0" cy="810740"/>
           </a:xfrm>
           <a:prstGeom prst="straightConnector1">
             <a:avLst/>
@@ -4449,8 +4885,8 @@
         </p:nvCxnSpPr>
         <p:spPr>
           <a:xfrm>
-            <a:off x="5075770" y="2026689"/>
-            <a:ext cx="0" cy="272955"/>
+            <a:off x="15076212" y="5529917"/>
+            <a:ext cx="0" cy="810740"/>
           </a:xfrm>
           <a:prstGeom prst="straightConnector1">
             <a:avLst/>
@@ -4490,8 +4926,8 @@
         </p:nvCxnSpPr>
         <p:spPr>
           <a:xfrm>
-            <a:off x="5967425" y="2003945"/>
-            <a:ext cx="0" cy="272955"/>
+            <a:off x="17724634" y="5462362"/>
+            <a:ext cx="0" cy="810740"/>
           </a:xfrm>
           <a:prstGeom prst="straightConnector1">
             <a:avLst/>
@@ -4529,8 +4965,8 @@
         </p:nvSpPr>
         <p:spPr>
           <a:xfrm>
-            <a:off x="1569732" y="2379907"/>
-            <a:ext cx="4373246" cy="369332"/>
+            <a:off x="4662468" y="6375855"/>
+            <a:ext cx="12989553" cy="954107"/>
           </a:xfrm>
           <a:prstGeom prst="rect">
             <a:avLst/>
@@ -4544,7 +4980,7 @@
           <a:lstStyle/>
           <a:p>
             <a:r>
-              <a:rPr lang="en-GB" dirty="0"/>
+              <a:rPr lang="en-GB" sz="5600" dirty="0"/>
               <a:t>Causal Sets Approach to Quantum Gravity</a:t>
             </a:r>
           </a:p>
@@ -4564,8 +5000,8 @@
         </p:nvSpPr>
         <p:spPr>
           <a:xfrm>
-            <a:off x="98447" y="1196343"/>
-            <a:ext cx="6930141" cy="848895"/>
+            <a:off x="292412" y="3571597"/>
+            <a:ext cx="20584123" cy="1938183"/>
           </a:xfrm>
           <a:prstGeom prst="rect">
             <a:avLst/>
@@ -4593,7 +5029,7 @@
           <a:lstStyle/>
           <a:p>
             <a:pPr algn="ctr"/>
-            <a:endParaRPr lang="en-GB"/>
+            <a:endParaRPr lang="en-GB" sz="15891"/>
           </a:p>
         </p:txBody>
       </p:sp>
@@ -4611,8 +5047,8 @@
         </p:nvSpPr>
         <p:spPr>
           <a:xfrm>
-            <a:off x="98447" y="2371765"/>
-            <a:ext cx="6930148" cy="1780367"/>
+            <a:off x="292411" y="6351673"/>
+            <a:ext cx="20584144" cy="5288102"/>
           </a:xfrm>
           <a:prstGeom prst="rect">
             <a:avLst/>
@@ -4640,7 +5076,7 @@
           <a:lstStyle/>
           <a:p>
             <a:pPr algn="ctr"/>
-            <a:endParaRPr lang="en-GB"/>
+            <a:endParaRPr lang="en-GB" sz="15891"/>
           </a:p>
         </p:txBody>
       </p:sp>
@@ -4658,8 +5094,8 @@
         </p:nvSpPr>
         <p:spPr>
           <a:xfrm>
-            <a:off x="81685" y="2674805"/>
-            <a:ext cx="1947912" cy="1477328"/>
+            <a:off x="344871" y="7237683"/>
+            <a:ext cx="5785750" cy="4205767"/>
           </a:xfrm>
           <a:prstGeom prst="rect">
             <a:avLst/>
@@ -4673,81 +5109,81 @@
           <a:lstStyle/>
           <a:p>
             <a:r>
-              <a:rPr lang="en-GB" sz="1000" dirty="0"/>
+              <a:rPr lang="en-GB" sz="2970" dirty="0"/>
               <a:t>HKMM theorem </a:t>
             </a:r>
             <a:r>
-              <a:rPr lang="en-GB" sz="1000" dirty="0" err="1"/>
+              <a:rPr lang="en-GB" sz="2970" dirty="0" err="1"/>
               <a:t>bla</a:t>
             </a:r>
             <a:r>
-              <a:rPr lang="en-GB" sz="1000" dirty="0"/>
+              <a:rPr lang="en-GB" sz="2970" dirty="0"/>
               <a:t> </a:t>
             </a:r>
             <a:r>
-              <a:rPr lang="en-GB" sz="1000" dirty="0" err="1"/>
+              <a:rPr lang="en-GB" sz="2970" dirty="0" err="1"/>
               <a:t>bla</a:t>
             </a:r>
             <a:r>
-              <a:rPr lang="en-GB" sz="1000" dirty="0"/>
+              <a:rPr lang="en-GB" sz="2970" dirty="0"/>
               <a:t> </a:t>
             </a:r>
             <a:r>
-              <a:rPr lang="en-GB" sz="1000" dirty="0" err="1"/>
+              <a:rPr lang="en-GB" sz="2970" dirty="0" err="1"/>
               <a:t>bla</a:t>
             </a:r>
-            <a:endParaRPr lang="en-GB" sz="1000" dirty="0"/>
-          </a:p>
-          <a:p>
-            <a:r>
-              <a:rPr lang="en-GB" sz="1000" dirty="0"/>
+            <a:endParaRPr lang="en-GB" sz="2970" dirty="0"/>
+          </a:p>
+          <a:p>
+            <a:r>
+              <a:rPr lang="en-GB" sz="2970" dirty="0"/>
               <a:t>GEOMETRY = ORDER + NUMBER</a:t>
             </a:r>
           </a:p>
           <a:p>
-            <a:endParaRPr lang="en-GB" sz="1000" dirty="0"/>
-          </a:p>
-          <a:p>
-            <a:r>
-              <a:rPr lang="en-GB" sz="1000" dirty="0"/>
+            <a:endParaRPr lang="en-GB" sz="2970" dirty="0"/>
+          </a:p>
+          <a:p>
+            <a:r>
+              <a:rPr lang="en-GB" sz="2970" dirty="0"/>
               <a:t>Spacetime is a discrete partially ordered set of points x \</a:t>
             </a:r>
             <a:r>
-              <a:rPr lang="en-GB" sz="1000" dirty="0" err="1"/>
+              <a:rPr lang="en-GB" sz="2970" dirty="0" err="1"/>
               <a:t>prec</a:t>
             </a:r>
             <a:r>
-              <a:rPr lang="en-GB" sz="1000" dirty="0"/>
+              <a:rPr lang="en-GB" sz="2970" dirty="0"/>
               <a:t> y, satisfying</a:t>
             </a:r>
           </a:p>
           <a:p>
-            <a:pPr marL="171450" indent="-171450">
+            <a:pPr marL="509241" indent="-509241">
               <a:buFontTx/>
               <a:buChar char="-"/>
             </a:pPr>
             <a:r>
-              <a:rPr lang="en-GB" sz="1000" dirty="0"/>
+              <a:rPr lang="en-GB" sz="2970" dirty="0"/>
               <a:t>Transitivity</a:t>
             </a:r>
           </a:p>
           <a:p>
-            <a:pPr marL="171450" indent="-171450">
+            <a:pPr marL="509241" indent="-509241">
               <a:buFontTx/>
               <a:buChar char="-"/>
             </a:pPr>
             <a:r>
-              <a:rPr lang="en-GB" sz="1000" dirty="0"/>
+              <a:rPr lang="en-GB" sz="2970" dirty="0"/>
               <a:t>Acyclicity</a:t>
             </a:r>
           </a:p>
           <a:p>
-            <a:pPr marL="171450" indent="-171450">
+            <a:pPr marL="509241" indent="-509241">
               <a:buFontTx/>
               <a:buChar char="-"/>
             </a:pPr>
             <a:r>
-              <a:rPr lang="en-GB" sz="1000" dirty="0"/>
+              <a:rPr lang="en-GB" sz="2970" dirty="0"/>
               <a:t>Local finiteness</a:t>
             </a:r>
           </a:p>
@@ -4768,8 +5204,8 @@
               <p14:nvPr/>
             </p14:nvContentPartPr>
             <p14:xfrm>
-              <a:off x="2931056" y="3952969"/>
-              <a:ext cx="360" cy="360"/>
+              <a:off x="8705915" y="11048213"/>
+              <a:ext cx="1069" cy="1069"/>
             </p14:xfrm>
           </p:contentPart>
         </mc:Choice>
@@ -4794,8 +5230,8 @@
             </p:blipFill>
             <p:spPr>
               <a:xfrm>
-                <a:off x="2913056" y="3934969"/>
-                <a:ext cx="36000" cy="36000"/>
+                <a:off x="8652465" y="10994763"/>
+                <a:ext cx="106900" cy="106900"/>
               </a:xfrm>
               <a:prstGeom prst="rect">
                 <a:avLst/>
@@ -4819,8 +5255,8 @@
               <p14:nvPr/>
             </p14:nvContentPartPr>
             <p14:xfrm>
-              <a:off x="2514176" y="3670729"/>
-              <a:ext cx="360" cy="360"/>
+              <a:off x="7467685" y="10209895"/>
+              <a:ext cx="1069" cy="1069"/>
             </p14:xfrm>
           </p:contentPart>
         </mc:Choice>
@@ -4845,8 +5281,8 @@
             </p:blipFill>
             <p:spPr>
               <a:xfrm>
-                <a:off x="2496536" y="3653089"/>
-                <a:ext cx="36000" cy="36000"/>
+                <a:off x="7414235" y="10156445"/>
+                <a:ext cx="106900" cy="106900"/>
               </a:xfrm>
               <a:prstGeom prst="rect">
                 <a:avLst/>
@@ -4870,8 +5306,8 @@
               <p14:nvPr/>
             </p14:nvContentPartPr>
             <p14:xfrm>
-              <a:off x="3307616" y="3684049"/>
-              <a:ext cx="360" cy="360"/>
+              <a:off x="9824386" y="10249459"/>
+              <a:ext cx="1069" cy="1069"/>
             </p14:xfrm>
           </p:contentPart>
         </mc:Choice>
@@ -4896,8 +5332,8 @@
             </p:blipFill>
             <p:spPr>
               <a:xfrm>
-                <a:off x="3289976" y="3666409"/>
-                <a:ext cx="36000" cy="36000"/>
+                <a:off x="9770936" y="10196009"/>
+                <a:ext cx="106900" cy="106900"/>
               </a:xfrm>
               <a:prstGeom prst="rect">
                 <a:avLst/>
@@ -4921,8 +5357,8 @@
               <p14:nvPr/>
             </p14:nvContentPartPr>
             <p14:xfrm>
-              <a:off x="3226976" y="3146209"/>
-              <a:ext cx="360" cy="360"/>
+              <a:off x="9584866" y="8651949"/>
+              <a:ext cx="1069" cy="1069"/>
             </p14:xfrm>
           </p:contentPart>
         </mc:Choice>
@@ -4947,8 +5383,8 @@
             </p:blipFill>
             <p:spPr>
               <a:xfrm>
-                <a:off x="3209336" y="3128209"/>
-                <a:ext cx="36000" cy="36000"/>
+                <a:off x="9531416" y="8598499"/>
+                <a:ext cx="106900" cy="106900"/>
               </a:xfrm>
               <a:prstGeom prst="rect">
                 <a:avLst/>
@@ -4972,8 +5408,8 @@
               <p14:nvPr/>
             </p14:nvContentPartPr>
             <p14:xfrm>
-              <a:off x="2191616" y="3320809"/>
-              <a:ext cx="360" cy="360"/>
+              <a:off x="6509607" y="9170552"/>
+              <a:ext cx="1069" cy="1069"/>
             </p14:xfrm>
           </p:contentPart>
         </mc:Choice>
@@ -4998,8 +5434,8 @@
             </p:blipFill>
             <p:spPr>
               <a:xfrm>
-                <a:off x="2173616" y="3303169"/>
-                <a:ext cx="36000" cy="36000"/>
+                <a:off x="6456157" y="9117102"/>
+                <a:ext cx="106900" cy="106900"/>
               </a:xfrm>
               <a:prstGeom prst="rect">
                 <a:avLst/>
@@ -5023,8 +5459,8 @@
               <p14:nvPr/>
             </p14:nvContentPartPr>
             <p14:xfrm>
-              <a:off x="2675456" y="2836609"/>
-              <a:ext cx="360" cy="360"/>
+              <a:off x="7946724" y="7732366"/>
+              <a:ext cx="1069" cy="1069"/>
             </p14:xfrm>
           </p:contentPart>
         </mc:Choice>
@@ -5049,8 +5485,8 @@
             </p:blipFill>
             <p:spPr>
               <a:xfrm>
-                <a:off x="2657816" y="2818969"/>
-                <a:ext cx="36000" cy="36000"/>
+                <a:off x="7893274" y="7678916"/>
+                <a:ext cx="106900" cy="106900"/>
               </a:xfrm>
               <a:prstGeom prst="rect">
                 <a:avLst/>
@@ -5074,8 +5510,8 @@
               <p14:nvPr/>
             </p14:nvContentPartPr>
             <p14:xfrm>
-              <a:off x="3737816" y="3898969"/>
-              <a:ext cx="360" cy="360"/>
+              <a:off x="11102179" y="10887821"/>
+              <a:ext cx="1069" cy="1069"/>
             </p14:xfrm>
           </p:contentPart>
         </mc:Choice>
@@ -5100,8 +5536,8 @@
             </p:blipFill>
             <p:spPr>
               <a:xfrm>
-                <a:off x="3719816" y="3880969"/>
-                <a:ext cx="36000" cy="36000"/>
+                <a:off x="11048729" y="10834371"/>
+                <a:ext cx="106900" cy="106900"/>
               </a:xfrm>
               <a:prstGeom prst="rect">
                 <a:avLst/>
@@ -5125,8 +5561,8 @@
               <p14:nvPr/>
             </p14:nvContentPartPr>
             <p14:xfrm>
-              <a:off x="2783096" y="3401449"/>
-              <a:ext cx="360" cy="360"/>
+              <a:off x="8266440" y="9410071"/>
+              <a:ext cx="1069" cy="1069"/>
             </p14:xfrm>
           </p:contentPart>
         </mc:Choice>
@@ -5151,8 +5587,8 @@
             </p:blipFill>
             <p:spPr>
               <a:xfrm>
-                <a:off x="2765096" y="3383809"/>
-                <a:ext cx="36000" cy="36000"/>
+                <a:off x="8212990" y="9356621"/>
+                <a:ext cx="106900" cy="106900"/>
               </a:xfrm>
               <a:prstGeom prst="rect">
                 <a:avLst/>
@@ -5175,14 +5611,14 @@
         </p:nvGrpSpPr>
         <p:grpSpPr>
           <a:xfrm>
-            <a:off x="2153096" y="2803489"/>
-            <a:ext cx="1585080" cy="1136880"/>
+            <a:off x="6395194" y="7633991"/>
+            <a:ext cx="4708055" cy="3376797"/>
             <a:chOff x="2153096" y="2803489"/>
             <a:chExt cx="1585080" cy="1136880"/>
           </a:xfrm>
         </p:grpSpPr>
-        <mc:AlternateContent xmlns:mc="http://schemas.openxmlformats.org/markup-compatibility/2006">
-          <mc:Choice xmlns:p14="http://schemas.microsoft.com/office/powerpoint/2010/main" Requires="p14">
+        <mc:AlternateContent xmlns:mc="http://schemas.openxmlformats.org/markup-compatibility/2006" xmlns:p14="http://schemas.microsoft.com/office/powerpoint/2010/main">
+          <mc:Choice Requires="p14">
             <p:contentPart p14:bwMode="auto" r:id="rId14">
               <p14:nvContentPartPr>
                 <p14:cNvPr id="80" name="Ink 79">
@@ -5201,7 +5637,7 @@
               </p14:xfrm>
             </p:contentPart>
           </mc:Choice>
-          <mc:Fallback>
+          <mc:Fallback xmlns="">
             <p:pic>
               <p:nvPicPr>
                 <p:cNvPr id="80" name="Ink 79">
@@ -5232,8 +5668,8 @@
             </p:pic>
           </mc:Fallback>
         </mc:AlternateContent>
-        <mc:AlternateContent xmlns:mc="http://schemas.openxmlformats.org/markup-compatibility/2006">
-          <mc:Choice xmlns:p14="http://schemas.microsoft.com/office/powerpoint/2010/main" Requires="p14">
+        <mc:AlternateContent xmlns:mc="http://schemas.openxmlformats.org/markup-compatibility/2006" xmlns:p14="http://schemas.microsoft.com/office/powerpoint/2010/main">
+          <mc:Choice Requires="p14">
             <p:contentPart p14:bwMode="auto" r:id="rId16">
               <p14:nvContentPartPr>
                 <p14:cNvPr id="81" name="Ink 80">
@@ -5252,7 +5688,7 @@
               </p14:xfrm>
             </p:contentPart>
           </mc:Choice>
-          <mc:Fallback>
+          <mc:Fallback xmlns="">
             <p:pic>
               <p:nvPicPr>
                 <p:cNvPr id="81" name="Ink 80">
@@ -5283,8 +5719,8 @@
             </p:pic>
           </mc:Fallback>
         </mc:AlternateContent>
-        <mc:AlternateContent xmlns:mc="http://schemas.openxmlformats.org/markup-compatibility/2006">
-          <mc:Choice xmlns:p14="http://schemas.microsoft.com/office/powerpoint/2010/main" Requires="p14">
+        <mc:AlternateContent xmlns:mc="http://schemas.openxmlformats.org/markup-compatibility/2006" xmlns:p14="http://schemas.microsoft.com/office/powerpoint/2010/main">
+          <mc:Choice Requires="p14">
             <p:contentPart p14:bwMode="auto" r:id="rId18">
               <p14:nvContentPartPr>
                 <p14:cNvPr id="83" name="Ink 82">
@@ -5303,7 +5739,7 @@
               </p14:xfrm>
             </p:contentPart>
           </mc:Choice>
-          <mc:Fallback>
+          <mc:Fallback xmlns="">
             <p:pic>
               <p:nvPicPr>
                 <p:cNvPr id="83" name="Ink 82">
@@ -5334,8 +5770,8 @@
             </p:pic>
           </mc:Fallback>
         </mc:AlternateContent>
-        <mc:AlternateContent xmlns:mc="http://schemas.openxmlformats.org/markup-compatibility/2006">
-          <mc:Choice xmlns:p14="http://schemas.microsoft.com/office/powerpoint/2010/main" Requires="p14">
+        <mc:AlternateContent xmlns:mc="http://schemas.openxmlformats.org/markup-compatibility/2006" xmlns:p14="http://schemas.microsoft.com/office/powerpoint/2010/main">
+          <mc:Choice Requires="p14">
             <p:contentPart p14:bwMode="auto" r:id="rId20">
               <p14:nvContentPartPr>
                 <p14:cNvPr id="84" name="Ink 83">
@@ -5354,7 +5790,7 @@
               </p14:xfrm>
             </p:contentPart>
           </mc:Choice>
-          <mc:Fallback>
+          <mc:Fallback xmlns="">
             <p:pic>
               <p:nvPicPr>
                 <p:cNvPr id="84" name="Ink 83">
@@ -5385,8 +5821,8 @@
             </p:pic>
           </mc:Fallback>
         </mc:AlternateContent>
-        <mc:AlternateContent xmlns:mc="http://schemas.openxmlformats.org/markup-compatibility/2006">
-          <mc:Choice xmlns:p14="http://schemas.microsoft.com/office/powerpoint/2010/main" Requires="p14">
+        <mc:AlternateContent xmlns:mc="http://schemas.openxmlformats.org/markup-compatibility/2006" xmlns:p14="http://schemas.microsoft.com/office/powerpoint/2010/main">
+          <mc:Choice Requires="p14">
             <p:contentPart p14:bwMode="auto" r:id="rId22">
               <p14:nvContentPartPr>
                 <p14:cNvPr id="87" name="Ink 86">
@@ -5405,7 +5841,7 @@
               </p14:xfrm>
             </p:contentPart>
           </mc:Choice>
-          <mc:Fallback>
+          <mc:Fallback xmlns="">
             <p:pic>
               <p:nvPicPr>
                 <p:cNvPr id="87" name="Ink 86">
@@ -5436,8 +5872,8 @@
             </p:pic>
           </mc:Fallback>
         </mc:AlternateContent>
-        <mc:AlternateContent xmlns:mc="http://schemas.openxmlformats.org/markup-compatibility/2006">
-          <mc:Choice xmlns:p14="http://schemas.microsoft.com/office/powerpoint/2010/main" Requires="p14">
+        <mc:AlternateContent xmlns:mc="http://schemas.openxmlformats.org/markup-compatibility/2006" xmlns:p14="http://schemas.microsoft.com/office/powerpoint/2010/main">
+          <mc:Choice Requires="p14">
             <p:contentPart p14:bwMode="auto" r:id="rId24">
               <p14:nvContentPartPr>
                 <p14:cNvPr id="88" name="Ink 87">
@@ -5456,7 +5892,7 @@
               </p14:xfrm>
             </p:contentPart>
           </mc:Choice>
-          <mc:Fallback>
+          <mc:Fallback xmlns="">
             <p:pic>
               <p:nvPicPr>
                 <p:cNvPr id="88" name="Ink 87">
@@ -5503,8 +5939,8 @@
               <p14:nvPr/>
             </p14:nvContentPartPr>
             <p14:xfrm>
-              <a:off x="1350817" y="3561964"/>
-              <a:ext cx="360" cy="360"/>
+              <a:off x="4012240" y="9886838"/>
+              <a:ext cx="1069" cy="1069"/>
             </p14:xfrm>
           </p:contentPart>
         </mc:Choice>
@@ -5529,8 +5965,8 @@
             </p:blipFill>
             <p:spPr>
               <a:xfrm>
-                <a:off x="1342177" y="3552964"/>
-                <a:ext cx="18000" cy="18000"/>
+                <a:off x="3985515" y="9860113"/>
+                <a:ext cx="53450" cy="53450"/>
               </a:xfrm>
               <a:prstGeom prst="rect">
                 <a:avLst/>
@@ -5553,8 +5989,8 @@
         </p:nvSpPr>
         <p:spPr>
           <a:xfrm>
-            <a:off x="4048216" y="2724091"/>
-            <a:ext cx="2980372" cy="923330"/>
+            <a:off x="12024139" y="7398163"/>
+            <a:ext cx="8852395" cy="2971647"/>
           </a:xfrm>
           <a:prstGeom prst="rect">
             <a:avLst/>
@@ -5568,60 +6004,55 @@
           <a:lstStyle/>
           <a:p>
             <a:r>
-              <a:rPr lang="en-GB" sz="900" dirty="0"/>
+              <a:rPr lang="en-GB" sz="2673" dirty="0"/>
               <a:t>How to study it? Poisson Sprinkling</a:t>
             </a:r>
           </a:p>
           <a:p>
-            <a:endParaRPr lang="en-GB" sz="900" dirty="0"/>
-          </a:p>
-          <a:p>
-            <a:pPr marL="228600" indent="-228600">
+            <a:endParaRPr lang="en-GB" sz="2673" dirty="0"/>
+          </a:p>
+          <a:p>
+            <a:pPr marL="678988" indent="-678988">
               <a:buAutoNum type="arabicPeriod"/>
             </a:pPr>
             <a:r>
-              <a:rPr lang="en-GB" sz="900" dirty="0"/>
+              <a:rPr lang="en-GB" sz="2673" dirty="0"/>
               <a:t>Pick density \rho and spacetime region of volume V</a:t>
             </a:r>
           </a:p>
           <a:p>
-            <a:pPr marL="228600" indent="-228600">
+            <a:pPr marL="678988" indent="-678988">
               <a:buAutoNum type="arabicPeriod"/>
             </a:pPr>
             <a:r>
-              <a:rPr lang="en-GB" sz="900" dirty="0"/>
+              <a:rPr lang="en-GB" sz="2673" dirty="0"/>
               <a:t>Distribute N = </a:t>
             </a:r>
             <a:r>
-              <a:rPr lang="en-GB" sz="900" dirty="0" err="1"/>
+              <a:rPr lang="en-GB" sz="2673" dirty="0" err="1"/>
               <a:t>Poiss</a:t>
             </a:r>
             <a:r>
-              <a:rPr lang="en-GB" sz="900" dirty="0"/>
+              <a:rPr lang="en-GB" sz="2673" dirty="0"/>
               <a:t>(\</a:t>
             </a:r>
             <a:r>
-              <a:rPr lang="en-GB" sz="900" dirty="0" err="1"/>
+              <a:rPr lang="en-GB" sz="2673" dirty="0" err="1"/>
               <a:t>rhoV</a:t>
             </a:r>
             <a:r>
-              <a:rPr lang="en-GB" sz="900" dirty="0"/>
+              <a:rPr lang="en-GB" sz="2673" dirty="0"/>
               <a:t>) points uniformly, weighted by volume element \sqrt(g_\mu\nu).</a:t>
             </a:r>
           </a:p>
           <a:p>
-            <a:pPr marL="228600" indent="-228600">
+            <a:pPr marL="678988" indent="-678988">
               <a:buAutoNum type="arabicPeriod"/>
             </a:pPr>
             <a:r>
-              <a:rPr lang="en-GB" sz="900" dirty="0"/>
-              <a:t>Connect them according to causal rules of </a:t>
-            </a:r>
-            <a:r>
-              <a:rPr lang="en-GB" sz="900" dirty="0" err="1"/>
-              <a:t>spacwtime</a:t>
-            </a:r>
-            <a:endParaRPr lang="en-GB" sz="900" dirty="0"/>
+              <a:rPr lang="en-GB" sz="2673" dirty="0"/>
+              <a:t>Connect them according to causal rules of spacetime (if inside each other’s light cone)</a:t>
+            </a:r>
           </a:p>
         </p:txBody>
       </p:sp>
@@ -5639,8 +6070,8 @@
         </p:nvSpPr>
         <p:spPr>
           <a:xfrm>
-            <a:off x="98447" y="4334493"/>
-            <a:ext cx="6930148" cy="1780367"/>
+            <a:off x="292411" y="11775029"/>
+            <a:ext cx="20584144" cy="5288102"/>
           </a:xfrm>
           <a:prstGeom prst="rect">
             <a:avLst/>
@@ -5668,7 +6099,7 @@
           <a:lstStyle/>
           <a:p>
             <a:pPr algn="ctr"/>
-            <a:endParaRPr lang="en-GB"/>
+            <a:endParaRPr lang="en-GB" sz="15891"/>
           </a:p>
         </p:txBody>
       </p:sp>
@@ -5686,8 +6117,8 @@
         </p:nvSpPr>
         <p:spPr>
           <a:xfrm>
-            <a:off x="1551193" y="4362513"/>
-            <a:ext cx="4373246" cy="369332"/>
+            <a:off x="4607403" y="11858254"/>
+            <a:ext cx="12989553" cy="769441"/>
           </a:xfrm>
           <a:prstGeom prst="rect">
             <a:avLst/>
@@ -5701,8 +6132,8 @@
           <a:lstStyle/>
           <a:p>
             <a:r>
-              <a:rPr lang="en-GB" dirty="0"/>
-              <a:t>Black Holes are the perfect testing arena</a:t>
+              <a:rPr lang="en-GB" sz="4400" dirty="0"/>
+              <a:t>Black Holes : the testing arena of quantum gravity</a:t>
             </a:r>
           </a:p>
         </p:txBody>
@@ -5721,8 +6152,8 @@
         </p:nvSpPr>
         <p:spPr>
           <a:xfrm>
-            <a:off x="86255" y="4691681"/>
-            <a:ext cx="2427921" cy="1323439"/>
+            <a:off x="409452" y="12830297"/>
+            <a:ext cx="7211488" cy="3291670"/>
           </a:xfrm>
           <a:prstGeom prst="rect">
             <a:avLst/>
@@ -5736,89 +6167,117 @@
           <a:lstStyle/>
           <a:p>
             <a:r>
-              <a:rPr lang="en-GB" sz="1000" dirty="0"/>
-              <a:t>Black Holes arise from General Relativity, and combined with quantum </a:t>
-            </a:r>
-            <a:r>
-              <a:rPr lang="en-GB" sz="1000" dirty="0" err="1"/>
+              <a:rPr lang="en-GB" sz="2970" dirty="0"/>
+              <a:t>Black Holes arise from </a:t>
+            </a:r>
+            <a:r>
+              <a:rPr lang="en-GB" sz="2970" b="1" dirty="0"/>
+              <a:t>General Relativity</a:t>
+            </a:r>
+            <a:r>
+              <a:rPr lang="en-GB" sz="2970" dirty="0"/>
+              <a:t>, and combined with </a:t>
+            </a:r>
+            <a:r>
+              <a:rPr lang="en-GB" sz="2970" b="1" dirty="0"/>
+              <a:t>quantum </a:t>
+            </a:r>
+            <a:r>
+              <a:rPr lang="en-GB" sz="2970" dirty="0" err="1"/>
               <a:t>bla</a:t>
             </a:r>
             <a:r>
-              <a:rPr lang="en-GB" sz="1000" dirty="0"/>
+              <a:rPr lang="en-GB" sz="2970" dirty="0"/>
               <a:t> </a:t>
             </a:r>
             <a:r>
-              <a:rPr lang="en-GB" sz="1000" dirty="0" err="1"/>
+              <a:rPr lang="en-GB" sz="2970" dirty="0" err="1"/>
               <a:t>bla</a:t>
             </a:r>
             <a:r>
-              <a:rPr lang="en-GB" sz="1000" dirty="0"/>
+              <a:rPr lang="en-GB" sz="2970" dirty="0"/>
               <a:t> </a:t>
             </a:r>
             <a:r>
-              <a:rPr lang="en-GB" sz="1000" dirty="0" err="1"/>
+              <a:rPr lang="en-GB" sz="2970" dirty="0" err="1"/>
               <a:t>bla</a:t>
             </a:r>
             <a:r>
-              <a:rPr lang="en-GB" sz="1000" dirty="0"/>
-              <a:t> gives rise to thermodynamics of the Black Hole:</a:t>
-            </a:r>
-          </a:p>
-          <a:p>
-            <a:pPr marL="285750" indent="-285750">
+              <a:rPr lang="en-GB" sz="2970" dirty="0"/>
+              <a:t> gives rise to a </a:t>
+            </a:r>
+            <a:r>
+              <a:rPr lang="en-GB" sz="2970" dirty="0" err="1"/>
+              <a:t>fulle</a:t>
+            </a:r>
+            <a:r>
+              <a:rPr lang="en-GB" sz="2970" dirty="0"/>
+              <a:t> set of </a:t>
+            </a:r>
+            <a:r>
+              <a:rPr lang="en-GB" sz="2970" b="1" dirty="0"/>
+              <a:t>Thermodynamic </a:t>
+            </a:r>
+            <a:r>
+              <a:rPr lang="en-GB" sz="2970" dirty="0"/>
+              <a:t>Laws:</a:t>
+            </a:r>
+          </a:p>
+          <a:p>
+            <a:pPr marL="848735" indent="-848735">
               <a:buAutoNum type="romanUcPeriod"/>
             </a:pPr>
             <a:r>
-              <a:rPr lang="en-GB" sz="1000" dirty="0" err="1"/>
+              <a:rPr lang="en-GB" sz="2970" dirty="0" err="1"/>
               <a:t>Bla</a:t>
             </a:r>
             <a:r>
-              <a:rPr lang="en-GB" sz="1000" dirty="0"/>
+              <a:rPr lang="en-GB" sz="2970" dirty="0"/>
               <a:t> </a:t>
             </a:r>
             <a:r>
-              <a:rPr lang="en-GB" sz="1000" dirty="0" err="1"/>
+              <a:rPr lang="en-GB" sz="2970" dirty="0" err="1"/>
               <a:t>bla</a:t>
             </a:r>
             <a:r>
-              <a:rPr lang="en-GB" sz="1000" dirty="0"/>
+              <a:rPr lang="en-GB" sz="2970" dirty="0"/>
               <a:t> </a:t>
             </a:r>
             <a:r>
-              <a:rPr lang="en-GB" sz="1000" dirty="0" err="1"/>
+              <a:rPr lang="en-GB" sz="2970" dirty="0" err="1"/>
               <a:t>bla</a:t>
             </a:r>
-            <a:endParaRPr lang="en-GB" sz="1000" dirty="0"/>
-          </a:p>
-          <a:p>
-            <a:pPr marL="285750" indent="-285750">
+            <a:endParaRPr lang="en-GB" sz="2970" dirty="0"/>
+          </a:p>
+          <a:p>
+            <a:pPr marL="848735" indent="-848735">
               <a:buAutoNum type="romanUcPeriod"/>
             </a:pPr>
             <a:r>
-              <a:rPr lang="en-GB" sz="1000" dirty="0"/>
+              <a:rPr lang="en-GB" sz="2970" dirty="0"/>
               <a:t>Entropy din </a:t>
             </a:r>
             <a:r>
-              <a:rPr lang="en-GB" sz="1000" dirty="0" err="1"/>
+              <a:rPr lang="en-GB" sz="2970" dirty="0" err="1"/>
               <a:t>din</a:t>
             </a:r>
-            <a:endParaRPr lang="en-GB" sz="1000" dirty="0"/>
-          </a:p>
-          <a:p>
-            <a:pPr marL="285750" indent="-285750">
+            <a:endParaRPr lang="en-GB" sz="2970" dirty="0"/>
+          </a:p>
+          <a:p>
+            <a:pPr marL="848735" indent="-848735">
               <a:buAutoNum type="romanUcPeriod"/>
             </a:pPr>
             <a:r>
-              <a:rPr lang="en-GB" sz="1000" dirty="0" err="1"/>
+              <a:rPr lang="en-GB" sz="2970" dirty="0" err="1"/>
               <a:t>boh</a:t>
             </a:r>
-            <a:endParaRPr lang="en-GB" sz="1000" dirty="0"/>
-          </a:p>
-          <a:p>
-            <a:pPr marL="285750" indent="-285750">
+            <a:endParaRPr lang="en-GB" sz="2970" dirty="0"/>
+          </a:p>
+          <a:p>
+            <a:pPr marL="848735" indent="-848735">
               <a:buAutoNum type="romanUcPeriod"/>
             </a:pPr>
-            <a:endParaRPr lang="en-GB" sz="1000" dirty="0"/>
+            <a:endParaRPr lang="en-GB" sz="2970" dirty="0"/>
           </a:p>
         </p:txBody>
       </p:sp>
@@ -5836,8 +6295,8 @@
         </p:nvSpPr>
         <p:spPr>
           <a:xfrm>
-            <a:off x="2644429" y="4913243"/>
-            <a:ext cx="1625154" cy="923330"/>
+            <a:off x="7854566" y="13494049"/>
+            <a:ext cx="4827084" cy="2215991"/>
           </a:xfrm>
           <a:prstGeom prst="rect">
             <a:avLst/>
@@ -5851,7 +6310,7 @@
           <a:lstStyle/>
           <a:p>
             <a:r>
-              <a:rPr lang="en-GB" dirty="0"/>
+              <a:rPr lang="en-GB" sz="4600" dirty="0"/>
               <a:t>PICTURE WITH FALLING LIGHT CONES</a:t>
             </a:r>
           </a:p>
@@ -5871,8 +6330,8 @@
         </p:nvSpPr>
         <p:spPr>
           <a:xfrm>
-            <a:off x="4720554" y="4913243"/>
-            <a:ext cx="1625154" cy="923330"/>
+            <a:off x="14762889" y="13494049"/>
+            <a:ext cx="4827084" cy="1446550"/>
           </a:xfrm>
           <a:prstGeom prst="rect">
             <a:avLst/>
@@ -5886,7 +6345,7 @@
           <a:lstStyle/>
           <a:p>
             <a:r>
-              <a:rPr lang="en-GB" dirty="0"/>
+              <a:rPr lang="en-GB" sz="4400" dirty="0"/>
               <a:t>OUR (IN 2d) BLACK HOLES CAUSET</a:t>
             </a:r>
           </a:p>
@@ -5908,8 +6367,8 @@
         </p:nvCxnSpPr>
         <p:spPr>
           <a:xfrm>
-            <a:off x="4251583" y="5090319"/>
-            <a:ext cx="427197" cy="0"/>
+            <a:off x="12628188" y="14020006"/>
+            <a:ext cx="1268874" cy="0"/>
           </a:xfrm>
           <a:prstGeom prst="straightConnector1">
             <a:avLst/>
@@ -5949,8 +6408,8 @@
         </p:nvCxnSpPr>
         <p:spPr>
           <a:xfrm>
-            <a:off x="4268627" y="5374908"/>
-            <a:ext cx="427197" cy="0"/>
+            <a:off x="12678812" y="14865301"/>
+            <a:ext cx="1268874" cy="0"/>
           </a:xfrm>
           <a:prstGeom prst="straightConnector1">
             <a:avLst/>
@@ -5990,8 +6449,8 @@
         </p:nvCxnSpPr>
         <p:spPr>
           <a:xfrm>
-            <a:off x="4251583" y="5688673"/>
-            <a:ext cx="427197" cy="0"/>
+            <a:off x="12628188" y="15797256"/>
+            <a:ext cx="1268874" cy="0"/>
           </a:xfrm>
           <a:prstGeom prst="straightConnector1">
             <a:avLst/>
@@ -6029,8 +6488,8 @@
         </p:nvSpPr>
         <p:spPr>
           <a:xfrm>
-            <a:off x="81685" y="6266775"/>
-            <a:ext cx="6930148" cy="1780367"/>
+            <a:off x="242624" y="17234954"/>
+            <a:ext cx="20584144" cy="5288102"/>
           </a:xfrm>
           <a:prstGeom prst="rect">
             <a:avLst/>
@@ -6058,7 +6517,7 @@
           <a:lstStyle/>
           <a:p>
             <a:pPr algn="ctr"/>
-            <a:endParaRPr lang="en-GB"/>
+            <a:endParaRPr lang="en-GB" sz="15891"/>
           </a:p>
         </p:txBody>
       </p:sp>
@@ -6076,8 +6535,8 @@
         </p:nvSpPr>
         <p:spPr>
           <a:xfrm>
-            <a:off x="1534431" y="6294795"/>
-            <a:ext cx="4373246" cy="369332"/>
+            <a:off x="4557616" y="17318180"/>
+            <a:ext cx="12989553" cy="800219"/>
           </a:xfrm>
           <a:prstGeom prst="rect">
             <a:avLst/>
@@ -6091,8 +6550,8 @@
           <a:lstStyle/>
           <a:p>
             <a:r>
-              <a:rPr lang="en-GB" dirty="0"/>
-              <a:t>Discretising the BH: Horizon Molecules</a:t>
+              <a:rPr lang="en-GB" sz="4600" dirty="0"/>
+              <a:t>From Entropy to Horizon Molecules</a:t>
             </a:r>
           </a:p>
         </p:txBody>
@@ -6111,8 +6570,8 @@
         </p:nvSpPr>
         <p:spPr>
           <a:xfrm>
-            <a:off x="270215" y="6683257"/>
-            <a:ext cx="2427921" cy="707886"/>
+            <a:off x="457443" y="19900488"/>
+            <a:ext cx="6649687" cy="1920526"/>
           </a:xfrm>
           <a:prstGeom prst="rect">
             <a:avLst/>
@@ -6125,9 +6584,18 @@
           </a:bodyPr>
           <a:lstStyle/>
           <a:p>
-            <a:r>
-              <a:rPr lang="en-GB" sz="1000" dirty="0"/>
-              <a:t>Where is BH entropy? Our answer is on the horizon, arising from the statistical distribution of horizon molecules: connections crossing the horizon.</a:t>
+            <a:pPr algn="just"/>
+            <a:r>
+              <a:rPr lang="en-GB" sz="2970" dirty="0"/>
+              <a:t>Where is BH entropy? Our answer is </a:t>
+            </a:r>
+            <a:r>
+              <a:rPr lang="en-GB" sz="2970" i="1" dirty="0"/>
+              <a:t>on</a:t>
+            </a:r>
+            <a:r>
+              <a:rPr lang="en-GB" sz="2970" dirty="0"/>
+              <a:t> the horizon, arising from the statistical distribution of horizon molecules: connections crossing the horizon.</a:t>
             </a:r>
           </a:p>
         </p:txBody>
@@ -6146,8 +6614,8 @@
         </p:nvSpPr>
         <p:spPr>
           <a:xfrm>
-            <a:off x="5154848" y="6738081"/>
-            <a:ext cx="1625154" cy="369332"/>
+            <a:off x="14405577" y="18309210"/>
+            <a:ext cx="4827084" cy="800219"/>
           </a:xfrm>
           <a:prstGeom prst="rect">
             <a:avLst/>
@@ -6161,7 +6629,7 @@
           <a:lstStyle/>
           <a:p>
             <a:r>
-              <a:rPr lang="en-GB" dirty="0"/>
+              <a:rPr lang="en-GB" sz="4600" dirty="0"/>
               <a:t>LINEAR PLOT</a:t>
             </a:r>
           </a:p>
@@ -6181,8 +6649,8 @@
         </p:nvSpPr>
         <p:spPr>
           <a:xfrm>
-            <a:off x="3151238" y="6692147"/>
-            <a:ext cx="1625154" cy="1200329"/>
+            <a:off x="8419253" y="18470701"/>
+            <a:ext cx="4827084" cy="2215991"/>
           </a:xfrm>
           <a:prstGeom prst="rect">
             <a:avLst/>
@@ -6196,10 +6664,377 @@
           <a:lstStyle/>
           <a:p>
             <a:r>
-              <a:rPr lang="en-GB"/>
+              <a:rPr lang="en-GB" sz="4600" dirty="0"/>
               <a:t>SCHEME SHOWING WHAT A LAMBDA IS</a:t>
             </a:r>
-            <a:endParaRPr lang="en-GB" dirty="0"/>
+          </a:p>
+        </p:txBody>
+      </p:sp>
+      <p:sp>
+        <p:nvSpPr>
+          <p:cNvPr id="2" name="TextBox 1">
+            <a:extLst>
+              <a:ext uri="{FF2B5EF4-FFF2-40B4-BE49-F238E27FC236}">
+                <a16:creationId xmlns:a16="http://schemas.microsoft.com/office/drawing/2014/main" id="{2BE2AD6C-F927-DAEB-0E96-C8609562CC99}"/>
+              </a:ext>
+            </a:extLst>
+          </p:cNvPr>
+          <p:cNvSpPr txBox="1"/>
+          <p:nvPr/>
+        </p:nvSpPr>
+        <p:spPr>
+          <a:xfrm>
+            <a:off x="12436916" y="4969114"/>
+            <a:ext cx="1681308" cy="457946"/>
+          </a:xfrm>
+          <a:prstGeom prst="rect">
+            <a:avLst/>
+          </a:prstGeom>
+          <a:noFill/>
+        </p:spPr>
+        <p:txBody>
+          <a:bodyPr wrap="square">
+            <a:spAutoFit/>
+          </a:bodyPr>
+          <a:lstStyle/>
+          <a:p>
+            <a:r>
+              <a:rPr lang="en-GB" sz="2376" dirty="0"/>
+              <a:t>Non-local</a:t>
+            </a:r>
+          </a:p>
+        </p:txBody>
+      </p:sp>
+      <p:sp>
+        <p:nvSpPr>
+          <p:cNvPr id="3" name="TextBox 2">
+            <a:extLst>
+              <a:ext uri="{FF2B5EF4-FFF2-40B4-BE49-F238E27FC236}">
+                <a16:creationId xmlns:a16="http://schemas.microsoft.com/office/drawing/2014/main" id="{120D42B5-7D2C-AC66-C7A8-22AE786DDC08}"/>
+              </a:ext>
+            </a:extLst>
+          </p:cNvPr>
+          <p:cNvSpPr txBox="1"/>
+          <p:nvPr/>
+        </p:nvSpPr>
+        <p:spPr>
+          <a:xfrm>
+            <a:off x="287478" y="18309210"/>
+            <a:ext cx="6824607" cy="1569660"/>
+          </a:xfrm>
+          <a:prstGeom prst="rect">
+            <a:avLst/>
+          </a:prstGeom>
+          <a:noFill/>
+        </p:spPr>
+        <p:txBody>
+          <a:bodyPr wrap="square" rtlCol="0">
+            <a:spAutoFit/>
+          </a:bodyPr>
+          <a:lstStyle/>
+          <a:p>
+            <a:pPr algn="just"/>
+            <a:r>
+              <a:rPr lang="en-US" sz="2400" b="0" i="1" dirty="0">
+                <a:solidFill>
+                  <a:srgbClr val="000000"/>
+                </a:solidFill>
+                <a:effectLst/>
+                <a:latin typeface="+mj-lt"/>
+                <a:cs typeface="Calibri" panose="020F0502020204030204" pitchFamily="34" charset="0"/>
+              </a:rPr>
+              <a:t>“If your theory is found to be against the second law of thermodynamics, I can give you no hope; there is nothing for it but to collapse in deepest humiliation” – A. Eddington, 1915.</a:t>
+            </a:r>
+            <a:endParaRPr lang="en-GB" sz="2400" i="1" dirty="0">
+              <a:latin typeface="+mj-lt"/>
+              <a:cs typeface="Calibri" panose="020F0502020204030204" pitchFamily="34" charset="0"/>
+            </a:endParaRPr>
+          </a:p>
+        </p:txBody>
+      </p:sp>
+      <p:sp>
+        <p:nvSpPr>
+          <p:cNvPr id="4" name="TextBox 3">
+            <a:extLst>
+              <a:ext uri="{FF2B5EF4-FFF2-40B4-BE49-F238E27FC236}">
+                <a16:creationId xmlns:a16="http://schemas.microsoft.com/office/drawing/2014/main" id="{2392D7FE-62C5-F051-F6C1-5D78AA2EC54C}"/>
+              </a:ext>
+            </a:extLst>
+          </p:cNvPr>
+          <p:cNvSpPr txBox="1"/>
+          <p:nvPr/>
+        </p:nvSpPr>
+        <p:spPr>
+          <a:xfrm>
+            <a:off x="14452945" y="20337827"/>
+            <a:ext cx="4827084" cy="800219"/>
+          </a:xfrm>
+          <a:prstGeom prst="rect">
+            <a:avLst/>
+          </a:prstGeom>
+          <a:noFill/>
+        </p:spPr>
+        <p:txBody>
+          <a:bodyPr wrap="square">
+            <a:spAutoFit/>
+          </a:bodyPr>
+          <a:lstStyle/>
+          <a:p>
+            <a:r>
+              <a:rPr lang="en-GB" sz="4600" dirty="0"/>
+              <a:t>Boundaries</a:t>
+            </a:r>
+          </a:p>
+        </p:txBody>
+      </p:sp>
+      <p:sp>
+        <p:nvSpPr>
+          <p:cNvPr id="6" name="Rectangle 5">
+            <a:extLst>
+              <a:ext uri="{FF2B5EF4-FFF2-40B4-BE49-F238E27FC236}">
+                <a16:creationId xmlns:a16="http://schemas.microsoft.com/office/drawing/2014/main" id="{1811C865-3F9B-7FBB-97F6-48D305A68DFD}"/>
+              </a:ext>
+            </a:extLst>
+          </p:cNvPr>
+          <p:cNvSpPr/>
+          <p:nvPr/>
+        </p:nvSpPr>
+        <p:spPr>
+          <a:xfrm>
+            <a:off x="217870" y="22854892"/>
+            <a:ext cx="10206167" cy="4569543"/>
+          </a:xfrm>
+          <a:prstGeom prst="rect">
+            <a:avLst/>
+          </a:prstGeom>
+          <a:noFill/>
+        </p:spPr>
+        <p:style>
+          <a:lnRef idx="2">
+            <a:schemeClr val="accent1">
+              <a:shade val="50000"/>
+            </a:schemeClr>
+          </a:lnRef>
+          <a:fillRef idx="1">
+            <a:schemeClr val="accent1"/>
+          </a:fillRef>
+          <a:effectRef idx="0">
+            <a:schemeClr val="accent1"/>
+          </a:effectRef>
+          <a:fontRef idx="minor">
+            <a:schemeClr val="lt1"/>
+          </a:fontRef>
+        </p:style>
+        <p:txBody>
+          <a:bodyPr rtlCol="0" anchor="ctr"/>
+          <a:lstStyle/>
+          <a:p>
+            <a:pPr algn="ctr"/>
+            <a:endParaRPr lang="en-GB" sz="15891"/>
+          </a:p>
+        </p:txBody>
+      </p:sp>
+      <p:sp>
+        <p:nvSpPr>
+          <p:cNvPr id="9" name="Rectangle 8">
+            <a:extLst>
+              <a:ext uri="{FF2B5EF4-FFF2-40B4-BE49-F238E27FC236}">
+                <a16:creationId xmlns:a16="http://schemas.microsoft.com/office/drawing/2014/main" id="{FED46C08-B136-4A5E-D5EA-F4CCF8048F11}"/>
+              </a:ext>
+            </a:extLst>
+          </p:cNvPr>
+          <p:cNvSpPr/>
+          <p:nvPr/>
+        </p:nvSpPr>
+        <p:spPr>
+          <a:xfrm>
+            <a:off x="10651713" y="22854892"/>
+            <a:ext cx="10206167" cy="4569543"/>
+          </a:xfrm>
+          <a:prstGeom prst="rect">
+            <a:avLst/>
+          </a:prstGeom>
+          <a:noFill/>
+        </p:spPr>
+        <p:style>
+          <a:lnRef idx="2">
+            <a:schemeClr val="accent1">
+              <a:shade val="50000"/>
+            </a:schemeClr>
+          </a:lnRef>
+          <a:fillRef idx="1">
+            <a:schemeClr val="accent1"/>
+          </a:fillRef>
+          <a:effectRef idx="0">
+            <a:schemeClr val="accent1"/>
+          </a:effectRef>
+          <a:fontRef idx="minor">
+            <a:schemeClr val="lt1"/>
+          </a:fontRef>
+        </p:style>
+        <p:txBody>
+          <a:bodyPr rtlCol="0" anchor="ctr"/>
+          <a:lstStyle/>
+          <a:p>
+            <a:pPr algn="ctr"/>
+            <a:endParaRPr lang="en-GB" sz="15891"/>
+          </a:p>
+        </p:txBody>
+      </p:sp>
+      <p:sp>
+        <p:nvSpPr>
+          <p:cNvPr id="11" name="TextBox 10">
+            <a:extLst>
+              <a:ext uri="{FF2B5EF4-FFF2-40B4-BE49-F238E27FC236}">
+                <a16:creationId xmlns:a16="http://schemas.microsoft.com/office/drawing/2014/main" id="{2EAE8DDB-0A35-FFF3-6904-E09435EC3D2D}"/>
+              </a:ext>
+            </a:extLst>
+          </p:cNvPr>
+          <p:cNvSpPr txBox="1"/>
+          <p:nvPr/>
+        </p:nvSpPr>
+        <p:spPr>
+          <a:xfrm>
+            <a:off x="492372" y="23037530"/>
+            <a:ext cx="9092494" cy="800219"/>
+          </a:xfrm>
+          <a:prstGeom prst="rect">
+            <a:avLst/>
+          </a:prstGeom>
+          <a:noFill/>
+        </p:spPr>
+        <p:txBody>
+          <a:bodyPr wrap="square" rtlCol="0">
+            <a:spAutoFit/>
+          </a:bodyPr>
+          <a:lstStyle/>
+          <a:p>
+            <a:r>
+              <a:rPr lang="en-GB" sz="4600" dirty="0"/>
+              <a:t>Computational Methods</a:t>
+            </a:r>
+            <a:r>
+              <a:rPr lang="en-GB" sz="4600"/>
+              <a:t>/Conclusion</a:t>
+            </a:r>
+            <a:endParaRPr lang="en-GB" sz="4600" dirty="0"/>
+          </a:p>
+        </p:txBody>
+      </p:sp>
+      <p:sp>
+        <p:nvSpPr>
+          <p:cNvPr id="17" name="TextBox 16">
+            <a:extLst>
+              <a:ext uri="{FF2B5EF4-FFF2-40B4-BE49-F238E27FC236}">
+                <a16:creationId xmlns:a16="http://schemas.microsoft.com/office/drawing/2014/main" id="{ACD1089D-F7E7-56B8-0043-C808BB94C0AD}"/>
+              </a:ext>
+            </a:extLst>
+          </p:cNvPr>
+          <p:cNvSpPr txBox="1"/>
+          <p:nvPr/>
+        </p:nvSpPr>
+        <p:spPr>
+          <a:xfrm>
+            <a:off x="10760725" y="22964839"/>
+            <a:ext cx="9092494" cy="800219"/>
+          </a:xfrm>
+          <a:prstGeom prst="rect">
+            <a:avLst/>
+          </a:prstGeom>
+          <a:noFill/>
+        </p:spPr>
+        <p:txBody>
+          <a:bodyPr wrap="square" rtlCol="0">
+            <a:spAutoFit/>
+          </a:bodyPr>
+          <a:lstStyle/>
+          <a:p>
+            <a:r>
+              <a:rPr lang="en-GB" sz="4600" dirty="0"/>
+              <a:t>Further Work Suggestion</a:t>
+            </a:r>
+          </a:p>
+        </p:txBody>
+      </p:sp>
+      <p:sp>
+        <p:nvSpPr>
+          <p:cNvPr id="18" name="TextBox 17">
+            <a:extLst>
+              <a:ext uri="{FF2B5EF4-FFF2-40B4-BE49-F238E27FC236}">
+                <a16:creationId xmlns:a16="http://schemas.microsoft.com/office/drawing/2014/main" id="{88788927-29F7-4676-D3FC-E4817526A912}"/>
+              </a:ext>
+            </a:extLst>
+          </p:cNvPr>
+          <p:cNvSpPr txBox="1"/>
+          <p:nvPr/>
+        </p:nvSpPr>
+        <p:spPr>
+          <a:xfrm>
+            <a:off x="10918414" y="23834339"/>
+            <a:ext cx="7211488" cy="2834622"/>
+          </a:xfrm>
+          <a:prstGeom prst="rect">
+            <a:avLst/>
+          </a:prstGeom>
+          <a:noFill/>
+        </p:spPr>
+        <p:txBody>
+          <a:bodyPr wrap="square" rtlCol="0">
+            <a:spAutoFit/>
+          </a:bodyPr>
+          <a:lstStyle/>
+          <a:p>
+            <a:pPr marL="457200" indent="-457200">
+              <a:buFontTx/>
+              <a:buChar char="-"/>
+            </a:pPr>
+            <a:r>
+              <a:rPr lang="en-GB" sz="2970" dirty="0"/>
+              <a:t>Explore Curvature</a:t>
+            </a:r>
+          </a:p>
+          <a:p>
+            <a:pPr marL="914400" lvl="1" indent="-457200">
+              <a:buFontTx/>
+              <a:buChar char="-"/>
+            </a:pPr>
+            <a:r>
+              <a:rPr lang="en-GB" sz="2970" dirty="0"/>
+              <a:t>Proper time</a:t>
+            </a:r>
+          </a:p>
+          <a:p>
+            <a:pPr marL="914400" lvl="1" indent="-457200">
+              <a:buFontTx/>
+              <a:buChar char="-"/>
+            </a:pPr>
+            <a:r>
+              <a:rPr lang="en-GB" sz="2970" dirty="0"/>
+              <a:t>Ricci Scalar &amp; 00 component</a:t>
+            </a:r>
+          </a:p>
+          <a:p>
+            <a:pPr marL="457200" indent="-457200">
+              <a:buFontTx/>
+              <a:buChar char="-"/>
+            </a:pPr>
+            <a:r>
+              <a:rPr lang="en-GB" sz="2970" dirty="0"/>
+              <a:t>SMI approach</a:t>
+            </a:r>
+          </a:p>
+          <a:p>
+            <a:pPr marL="457200" indent="-457200">
+              <a:buFontTx/>
+              <a:buChar char="-"/>
+            </a:pPr>
+            <a:endParaRPr lang="en-GB" sz="2970" dirty="0"/>
+          </a:p>
+          <a:p>
+            <a:pPr marL="848735" indent="-848735">
+              <a:buAutoNum type="romanUcPeriod"/>
+            </a:pPr>
+            <a:endParaRPr lang="en-GB" sz="2970" dirty="0"/>
           </a:p>
         </p:txBody>
       </p:sp>

--- a/CausetPosterSketch.pptx
+++ b/CausetPosterSketch.pptx
@@ -125,12 +125,12 @@
   <pc:docChgLst>
     <pc:chgData name="Veroni, Stefano" userId="c6a0b827-0823-4cdd-9f2f-b443de65f065" providerId="ADAL" clId="{6A032B2E-AF7B-49EB-A97C-5A96FBC83131}"/>
     <pc:docChg chg="undo custSel addSld delSld modSld">
-      <pc:chgData name="Veroni, Stefano" userId="c6a0b827-0823-4cdd-9f2f-b443de65f065" providerId="ADAL" clId="{6A032B2E-AF7B-49EB-A97C-5A96FBC83131}" dt="2023-02-20T11:48:33.637" v="798" actId="20577"/>
+      <pc:chgData name="Veroni, Stefano" userId="c6a0b827-0823-4cdd-9f2f-b443de65f065" providerId="ADAL" clId="{6A032B2E-AF7B-49EB-A97C-5A96FBC83131}" dt="2023-02-20T12:09:00.596" v="839" actId="20577"/>
       <pc:docMkLst>
         <pc:docMk/>
       </pc:docMkLst>
       <pc:sldChg chg="addSp delSp modSp mod">
-        <pc:chgData name="Veroni, Stefano" userId="c6a0b827-0823-4cdd-9f2f-b443de65f065" providerId="ADAL" clId="{6A032B2E-AF7B-49EB-A97C-5A96FBC83131}" dt="2023-02-20T11:48:33.637" v="798" actId="20577"/>
+        <pc:chgData name="Veroni, Stefano" userId="c6a0b827-0823-4cdd-9f2f-b443de65f065" providerId="ADAL" clId="{6A032B2E-AF7B-49EB-A97C-5A96FBC83131}" dt="2023-02-20T12:09:00.596" v="839" actId="20577"/>
         <pc:sldMkLst>
           <pc:docMk/>
           <pc:sldMk cId="2250297410" sldId="256"/>
@@ -181,6 +181,14 @@
             <pc:docMk/>
             <pc:sldMk cId="2250297410" sldId="256"/>
             <ac:spMk id="7" creationId="{363CAB31-3B82-3EDC-74F8-553D3F425A55}"/>
+          </ac:spMkLst>
+        </pc:spChg>
+        <pc:spChg chg="mod">
+          <ac:chgData name="Veroni, Stefano" userId="c6a0b827-0823-4cdd-9f2f-b443de65f065" providerId="ADAL" clId="{6A032B2E-AF7B-49EB-A97C-5A96FBC83131}" dt="2023-02-20T12:09:00.596" v="839" actId="20577"/>
+          <ac:spMkLst>
+            <pc:docMk/>
+            <pc:sldMk cId="2250297410" sldId="256"/>
+            <ac:spMk id="8" creationId="{46E9196D-D196-308F-EEE4-93CEAB07ACA8}"/>
           </ac:spMkLst>
         </pc:spChg>
         <pc:spChg chg="add mod">
@@ -328,7 +336,7 @@
           </ac:spMkLst>
         </pc:spChg>
         <pc:spChg chg="mod">
-          <ac:chgData name="Veroni, Stefano" userId="c6a0b827-0823-4cdd-9f2f-b443de65f065" providerId="ADAL" clId="{6A032B2E-AF7B-49EB-A97C-5A96FBC83131}" dt="2023-02-20T11:33:48.132" v="243" actId="1076"/>
+          <ac:chgData name="Veroni, Stefano" userId="c6a0b827-0823-4cdd-9f2f-b443de65f065" providerId="ADAL" clId="{6A032B2E-AF7B-49EB-A97C-5A96FBC83131}" dt="2023-02-20T12:07:36.818" v="799" actId="1076"/>
           <ac:spMkLst>
             <pc:docMk/>
             <pc:sldMk cId="2250297410" sldId="256"/>
@@ -4045,8 +4053,8 @@
         </p:nvSpPr>
         <p:spPr>
           <a:xfrm>
-            <a:off x="10424037" y="72272"/>
-            <a:ext cx="10959590" cy="1441724"/>
+            <a:off x="10424037" y="72271"/>
+            <a:ext cx="10959590" cy="2632971"/>
           </a:xfrm>
           <a:prstGeom prst="rect">
             <a:avLst/>
@@ -4102,6 +4110,17 @@
             </a:r>
             <a:endParaRPr lang="en-GB" sz="4158" dirty="0"/>
           </a:p>
+          <a:p>
+            <a:pPr algn="r"/>
+            <a:r>
+              <a:rPr lang="en-GB" sz="4158" dirty="0"/>
+              <a:t>Research Group: Theoretical Physics</a:t>
+            </a:r>
+          </a:p>
+          <a:p>
+            <a:pPr algn="r"/>
+            <a:endParaRPr lang="en-GB" sz="4158" dirty="0"/>
+          </a:p>
         </p:txBody>
       </p:sp>
       <p:sp>
@@ -4364,8 +4383,8 @@
           </a:p>
         </p:txBody>
       </p:sp>
-      <mc:AlternateContent xmlns:mc="http://schemas.openxmlformats.org/markup-compatibility/2006">
-        <mc:Choice xmlns:p14="http://schemas.microsoft.com/office/powerpoint/2010/main" Requires="p14">
+      <mc:AlternateContent xmlns:mc="http://schemas.openxmlformats.org/markup-compatibility/2006" xmlns:p14="http://schemas.microsoft.com/office/powerpoint/2010/main">
+        <mc:Choice Requires="p14">
           <p:contentPart p14:bwMode="auto" r:id="rId2">
             <p14:nvContentPartPr>
               <p14:cNvPr id="27" name="Ink 26">
@@ -4384,7 +4403,7 @@
             </p14:xfrm>
           </p:contentPart>
         </mc:Choice>
-        <mc:Fallback>
+        <mc:Fallback xmlns="">
           <p:pic>
             <p:nvPicPr>
               <p:cNvPr id="27" name="Ink 26">
@@ -4415,8 +4434,8 @@
           </p:pic>
         </mc:Fallback>
       </mc:AlternateContent>
-      <mc:AlternateContent xmlns:mc="http://schemas.openxmlformats.org/markup-compatibility/2006">
-        <mc:Choice xmlns:p14="http://schemas.microsoft.com/office/powerpoint/2010/main" Requires="p14">
+      <mc:AlternateContent xmlns:mc="http://schemas.openxmlformats.org/markup-compatibility/2006" xmlns:p14="http://schemas.microsoft.com/office/powerpoint/2010/main">
+        <mc:Choice Requires="p14">
           <p:contentPart p14:bwMode="auto" r:id="rId4">
             <p14:nvContentPartPr>
               <p14:cNvPr id="28" name="Ink 27">
@@ -4435,7 +4454,7 @@
             </p14:xfrm>
           </p:contentPart>
         </mc:Choice>
-        <mc:Fallback>
+        <mc:Fallback xmlns="">
           <p:pic>
             <p:nvPicPr>
               <p:cNvPr id="28" name="Ink 27">
@@ -5094,7 +5113,7 @@
         </p:nvSpPr>
         <p:spPr>
           <a:xfrm>
-            <a:off x="344871" y="7237683"/>
+            <a:off x="568277" y="7237683"/>
             <a:ext cx="5785750" cy="4205767"/>
           </a:xfrm>
           <a:prstGeom prst="rect">
@@ -5189,8 +5208,8 @@
           </a:p>
         </p:txBody>
       </p:sp>
-      <mc:AlternateContent xmlns:mc="http://schemas.openxmlformats.org/markup-compatibility/2006">
-        <mc:Choice xmlns:p14="http://schemas.microsoft.com/office/powerpoint/2010/main" Requires="p14">
+      <mc:AlternateContent xmlns:mc="http://schemas.openxmlformats.org/markup-compatibility/2006" xmlns:p14="http://schemas.microsoft.com/office/powerpoint/2010/main">
+        <mc:Choice Requires="p14">
           <p:contentPart p14:bwMode="auto" r:id="rId5">
             <p14:nvContentPartPr>
               <p14:cNvPr id="60" name="Ink 59">
@@ -5209,7 +5228,7 @@
             </p14:xfrm>
           </p:contentPart>
         </mc:Choice>
-        <mc:Fallback>
+        <mc:Fallback xmlns="">
           <p:pic>
             <p:nvPicPr>
               <p:cNvPr id="60" name="Ink 59">
@@ -5240,8 +5259,8 @@
           </p:pic>
         </mc:Fallback>
       </mc:AlternateContent>
-      <mc:AlternateContent xmlns:mc="http://schemas.openxmlformats.org/markup-compatibility/2006">
-        <mc:Choice xmlns:p14="http://schemas.microsoft.com/office/powerpoint/2010/main" Requires="p14">
+      <mc:AlternateContent xmlns:mc="http://schemas.openxmlformats.org/markup-compatibility/2006" xmlns:p14="http://schemas.microsoft.com/office/powerpoint/2010/main">
+        <mc:Choice Requires="p14">
           <p:contentPart p14:bwMode="auto" r:id="rId7">
             <p14:nvContentPartPr>
               <p14:cNvPr id="61" name="Ink 60">
@@ -5260,7 +5279,7 @@
             </p14:xfrm>
           </p:contentPart>
         </mc:Choice>
-        <mc:Fallback>
+        <mc:Fallback xmlns="">
           <p:pic>
             <p:nvPicPr>
               <p:cNvPr id="61" name="Ink 60">
@@ -5291,8 +5310,8 @@
           </p:pic>
         </mc:Fallback>
       </mc:AlternateContent>
-      <mc:AlternateContent xmlns:mc="http://schemas.openxmlformats.org/markup-compatibility/2006">
-        <mc:Choice xmlns:p14="http://schemas.microsoft.com/office/powerpoint/2010/main" Requires="p14">
+      <mc:AlternateContent xmlns:mc="http://schemas.openxmlformats.org/markup-compatibility/2006" xmlns:p14="http://schemas.microsoft.com/office/powerpoint/2010/main">
+        <mc:Choice Requires="p14">
           <p:contentPart p14:bwMode="auto" r:id="rId8">
             <p14:nvContentPartPr>
               <p14:cNvPr id="62" name="Ink 61">
@@ -5311,7 +5330,7 @@
             </p14:xfrm>
           </p:contentPart>
         </mc:Choice>
-        <mc:Fallback>
+        <mc:Fallback xmlns="">
           <p:pic>
             <p:nvPicPr>
               <p:cNvPr id="62" name="Ink 61">
@@ -5342,8 +5361,8 @@
           </p:pic>
         </mc:Fallback>
       </mc:AlternateContent>
-      <mc:AlternateContent xmlns:mc="http://schemas.openxmlformats.org/markup-compatibility/2006">
-        <mc:Choice xmlns:p14="http://schemas.microsoft.com/office/powerpoint/2010/main" Requires="p14">
+      <mc:AlternateContent xmlns:mc="http://schemas.openxmlformats.org/markup-compatibility/2006" xmlns:p14="http://schemas.microsoft.com/office/powerpoint/2010/main">
+        <mc:Choice Requires="p14">
           <p:contentPart p14:bwMode="auto" r:id="rId9">
             <p14:nvContentPartPr>
               <p14:cNvPr id="75" name="Ink 74">
@@ -5362,7 +5381,7 @@
             </p14:xfrm>
           </p:contentPart>
         </mc:Choice>
-        <mc:Fallback>
+        <mc:Fallback xmlns="">
           <p:pic>
             <p:nvPicPr>
               <p:cNvPr id="75" name="Ink 74">
@@ -5393,8 +5412,8 @@
           </p:pic>
         </mc:Fallback>
       </mc:AlternateContent>
-      <mc:AlternateContent xmlns:mc="http://schemas.openxmlformats.org/markup-compatibility/2006">
-        <mc:Choice xmlns:p14="http://schemas.microsoft.com/office/powerpoint/2010/main" Requires="p14">
+      <mc:AlternateContent xmlns:mc="http://schemas.openxmlformats.org/markup-compatibility/2006" xmlns:p14="http://schemas.microsoft.com/office/powerpoint/2010/main">
+        <mc:Choice Requires="p14">
           <p:contentPart p14:bwMode="auto" r:id="rId10">
             <p14:nvContentPartPr>
               <p14:cNvPr id="77" name="Ink 76">
@@ -5413,7 +5432,7 @@
             </p14:xfrm>
           </p:contentPart>
         </mc:Choice>
-        <mc:Fallback>
+        <mc:Fallback xmlns="">
           <p:pic>
             <p:nvPicPr>
               <p:cNvPr id="77" name="Ink 76">
@@ -5444,8 +5463,8 @@
           </p:pic>
         </mc:Fallback>
       </mc:AlternateContent>
-      <mc:AlternateContent xmlns:mc="http://schemas.openxmlformats.org/markup-compatibility/2006">
-        <mc:Choice xmlns:p14="http://schemas.microsoft.com/office/powerpoint/2010/main" Requires="p14">
+      <mc:AlternateContent xmlns:mc="http://schemas.openxmlformats.org/markup-compatibility/2006" xmlns:p14="http://schemas.microsoft.com/office/powerpoint/2010/main">
+        <mc:Choice Requires="p14">
           <p:contentPart p14:bwMode="auto" r:id="rId11">
             <p14:nvContentPartPr>
               <p14:cNvPr id="78" name="Ink 77">
@@ -5464,7 +5483,7 @@
             </p14:xfrm>
           </p:contentPart>
         </mc:Choice>
-        <mc:Fallback>
+        <mc:Fallback xmlns="">
           <p:pic>
             <p:nvPicPr>
               <p:cNvPr id="78" name="Ink 77">
@@ -5495,8 +5514,8 @@
           </p:pic>
         </mc:Fallback>
       </mc:AlternateContent>
-      <mc:AlternateContent xmlns:mc="http://schemas.openxmlformats.org/markup-compatibility/2006">
-        <mc:Choice xmlns:p14="http://schemas.microsoft.com/office/powerpoint/2010/main" Requires="p14">
+      <mc:AlternateContent xmlns:mc="http://schemas.openxmlformats.org/markup-compatibility/2006" xmlns:p14="http://schemas.microsoft.com/office/powerpoint/2010/main">
+        <mc:Choice Requires="p14">
           <p:contentPart p14:bwMode="auto" r:id="rId12">
             <p14:nvContentPartPr>
               <p14:cNvPr id="79" name="Ink 78">
@@ -5515,7 +5534,7 @@
             </p14:xfrm>
           </p:contentPart>
         </mc:Choice>
-        <mc:Fallback>
+        <mc:Fallback xmlns="">
           <p:pic>
             <p:nvPicPr>
               <p:cNvPr id="79" name="Ink 78">
@@ -5546,8 +5565,8 @@
           </p:pic>
         </mc:Fallback>
       </mc:AlternateContent>
-      <mc:AlternateContent xmlns:mc="http://schemas.openxmlformats.org/markup-compatibility/2006">
-        <mc:Choice xmlns:p14="http://schemas.microsoft.com/office/powerpoint/2010/main" Requires="p14">
+      <mc:AlternateContent xmlns:mc="http://schemas.openxmlformats.org/markup-compatibility/2006" xmlns:p14="http://schemas.microsoft.com/office/powerpoint/2010/main">
+        <mc:Choice Requires="p14">
           <p:contentPart p14:bwMode="auto" r:id="rId13">
             <p14:nvContentPartPr>
               <p14:cNvPr id="86" name="Ink 85">
@@ -5566,7 +5585,7 @@
             </p14:xfrm>
           </p:contentPart>
         </mc:Choice>
-        <mc:Fallback>
+        <mc:Fallback xmlns="">
           <p:pic>
             <p:nvPicPr>
               <p:cNvPr id="86" name="Ink 85">
@@ -5924,8 +5943,8 @@
           </mc:Fallback>
         </mc:AlternateContent>
       </p:grpSp>
-      <mc:AlternateContent xmlns:mc="http://schemas.openxmlformats.org/markup-compatibility/2006">
-        <mc:Choice xmlns:p14="http://schemas.microsoft.com/office/powerpoint/2010/main" Requires="p14">
+      <mc:AlternateContent xmlns:mc="http://schemas.openxmlformats.org/markup-compatibility/2006" xmlns:p14="http://schemas.microsoft.com/office/powerpoint/2010/main">
+        <mc:Choice Requires="p14">
           <p:contentPart p14:bwMode="auto" r:id="rId26">
             <p14:nvContentPartPr>
               <p14:cNvPr id="90" name="Ink 89">
@@ -5944,7 +5963,7 @@
             </p14:xfrm>
           </p:contentPart>
         </mc:Choice>
-        <mc:Fallback>
+        <mc:Fallback xmlns="">
           <p:pic>
             <p:nvPicPr>
               <p:cNvPr id="90" name="Ink 89">

--- a/CausetPosterSketch.pptx
+++ b/CausetPosterSketch.pptx
@@ -119,7 +119,7 @@
 <file path=ppt/revisionInfo.xml><?xml version="1.0" encoding="utf-8"?>
 <p1510:revInfo xmlns:a="http://schemas.openxmlformats.org/drawingml/2006/main" xmlns:r="http://schemas.openxmlformats.org/officeDocument/2006/relationships" xmlns:p1510="http://schemas.microsoft.com/office/powerpoint/2015/10/main">
   <p1510:revLst>
-    <p1510:client id="{6A032B2E-AF7B-49EB-A97C-5A96FBC83131}" v="980" dt="2023-02-21T21:30:50.021"/>
+    <p1510:client id="{6A032B2E-AF7B-49EB-A97C-5A96FBC83131}" v="1113" dt="2023-02-23T12:57:01.258"/>
   </p1510:revLst>
 </p1510:revInfo>
 </file>
@@ -129,7 +129,7 @@
   <pc:docChgLst>
     <pc:chgData name="Veroni, Stefano" userId="c6a0b827-0823-4cdd-9f2f-b443de65f065" providerId="ADAL" clId="{6A032B2E-AF7B-49EB-A97C-5A96FBC83131}"/>
     <pc:docChg chg="undo custSel addSld delSld modSld sldOrd">
-      <pc:chgData name="Veroni, Stefano" userId="c6a0b827-0823-4cdd-9f2f-b443de65f065" providerId="ADAL" clId="{6A032B2E-AF7B-49EB-A97C-5A96FBC83131}" dt="2023-02-21T21:30:50.021" v="5992" actId="20577"/>
+      <pc:chgData name="Veroni, Stefano" userId="c6a0b827-0823-4cdd-9f2f-b443de65f065" providerId="ADAL" clId="{6A032B2E-AF7B-49EB-A97C-5A96FBC83131}" dt="2023-02-23T12:57:01.258" v="6251" actId="20577"/>
       <pc:docMkLst>
         <pc:docMk/>
       </pc:docMkLst>
@@ -3264,7 +3264,7 @@
         </pc:sldMkLst>
       </pc:sldChg>
       <pc:sldChg chg="addSp delSp modSp add mod ord">
-        <pc:chgData name="Veroni, Stefano" userId="c6a0b827-0823-4cdd-9f2f-b443de65f065" providerId="ADAL" clId="{6A032B2E-AF7B-49EB-A97C-5A96FBC83131}" dt="2023-02-21T21:30:50.021" v="5992" actId="20577"/>
+        <pc:chgData name="Veroni, Stefano" userId="c6a0b827-0823-4cdd-9f2f-b443de65f065" providerId="ADAL" clId="{6A032B2E-AF7B-49EB-A97C-5A96FBC83131}" dt="2023-02-23T12:57:01.258" v="6251" actId="20577"/>
         <pc:sldMkLst>
           <pc:docMk/>
           <pc:sldMk cId="3503967587" sldId="260"/>
@@ -3342,7 +3342,7 @@
           </ac:spMkLst>
         </pc:spChg>
         <pc:spChg chg="mod">
-          <ac:chgData name="Veroni, Stefano" userId="c6a0b827-0823-4cdd-9f2f-b443de65f065" providerId="ADAL" clId="{6A032B2E-AF7B-49EB-A97C-5A96FBC83131}" dt="2023-02-21T21:27:06.576" v="5826" actId="1076"/>
+          <ac:chgData name="Veroni, Stefano" userId="c6a0b827-0823-4cdd-9f2f-b443de65f065" providerId="ADAL" clId="{6A032B2E-AF7B-49EB-A97C-5A96FBC83131}" dt="2023-02-22T14:52:41.522" v="6109" actId="404"/>
           <ac:spMkLst>
             <pc:docMk/>
             <pc:sldMk cId="3503967587" sldId="260"/>
@@ -3350,11 +3350,19 @@
           </ac:spMkLst>
         </pc:spChg>
         <pc:spChg chg="mod">
-          <ac:chgData name="Veroni, Stefano" userId="c6a0b827-0823-4cdd-9f2f-b443de65f065" providerId="ADAL" clId="{6A032B2E-AF7B-49EB-A97C-5A96FBC83131}" dt="2023-02-21T21:00:53.649" v="4895" actId="20577"/>
+          <ac:chgData name="Veroni, Stefano" userId="c6a0b827-0823-4cdd-9f2f-b443de65f065" providerId="ADAL" clId="{6A032B2E-AF7B-49EB-A97C-5A96FBC83131}" dt="2023-02-22T14:41:13.350" v="6098" actId="20577"/>
           <ac:spMkLst>
             <pc:docMk/>
             <pc:sldMk cId="3503967587" sldId="260"/>
             <ac:spMk id="21" creationId="{62105A35-F42C-0E77-A139-F61F20FDDF69}"/>
+          </ac:spMkLst>
+        </pc:spChg>
+        <pc:spChg chg="mod">
+          <ac:chgData name="Veroni, Stefano" userId="c6a0b827-0823-4cdd-9f2f-b443de65f065" providerId="ADAL" clId="{6A032B2E-AF7B-49EB-A97C-5A96FBC83131}" dt="2023-02-22T15:14:14.297" v="6122" actId="20577"/>
+          <ac:spMkLst>
+            <pc:docMk/>
+            <pc:sldMk cId="3503967587" sldId="260"/>
+            <ac:spMk id="23" creationId="{C82B6A5F-B331-20F2-76DB-385916047E36}"/>
           </ac:spMkLst>
         </pc:spChg>
         <pc:spChg chg="mod">
@@ -3374,7 +3382,7 @@
           </ac:spMkLst>
         </pc:spChg>
         <pc:spChg chg="mod">
-          <ac:chgData name="Veroni, Stefano" userId="c6a0b827-0823-4cdd-9f2f-b443de65f065" providerId="ADAL" clId="{6A032B2E-AF7B-49EB-A97C-5A96FBC83131}" dt="2023-02-21T20:09:53.547" v="3154" actId="20577"/>
+          <ac:chgData name="Veroni, Stefano" userId="c6a0b827-0823-4cdd-9f2f-b443de65f065" providerId="ADAL" clId="{6A032B2E-AF7B-49EB-A97C-5A96FBC83131}" dt="2023-02-22T14:41:35.215" v="6102" actId="20577"/>
           <ac:spMkLst>
             <pc:docMk/>
             <pc:sldMk cId="3503967587" sldId="260"/>
@@ -3470,7 +3478,7 @@
           </ac:spMkLst>
         </pc:spChg>
         <pc:spChg chg="add mod">
-          <ac:chgData name="Veroni, Stefano" userId="c6a0b827-0823-4cdd-9f2f-b443de65f065" providerId="ADAL" clId="{6A032B2E-AF7B-49EB-A97C-5A96FBC83131}" dt="2023-02-21T21:08:52.901" v="5374" actId="20577"/>
+          <ac:chgData name="Veroni, Stefano" userId="c6a0b827-0823-4cdd-9f2f-b443de65f065" providerId="ADAL" clId="{6A032B2E-AF7B-49EB-A97C-5A96FBC83131}" dt="2023-02-22T14:52:54.805" v="6117" actId="404"/>
           <ac:spMkLst>
             <pc:docMk/>
             <pc:sldMk cId="3503967587" sldId="260"/>
@@ -3574,7 +3582,7 @@
           </ac:spMkLst>
         </pc:spChg>
         <pc:spChg chg="add mod">
-          <ac:chgData name="Veroni, Stefano" userId="c6a0b827-0823-4cdd-9f2f-b443de65f065" providerId="ADAL" clId="{6A032B2E-AF7B-49EB-A97C-5A96FBC83131}" dt="2023-02-21T21:30:50.021" v="5992" actId="20577"/>
+          <ac:chgData name="Veroni, Stefano" userId="c6a0b827-0823-4cdd-9f2f-b443de65f065" providerId="ADAL" clId="{6A032B2E-AF7B-49EB-A97C-5A96FBC83131}" dt="2023-02-22T18:23:26.326" v="6237" actId="20577"/>
           <ac:spMkLst>
             <pc:docMk/>
             <pc:sldMk cId="3503967587" sldId="260"/>
@@ -3582,7 +3590,7 @@
           </ac:spMkLst>
         </pc:spChg>
         <pc:spChg chg="add mod">
-          <ac:chgData name="Veroni, Stefano" userId="c6a0b827-0823-4cdd-9f2f-b443de65f065" providerId="ADAL" clId="{6A032B2E-AF7B-49EB-A97C-5A96FBC83131}" dt="2023-02-21T21:28:44.095" v="5942" actId="255"/>
+          <ac:chgData name="Veroni, Stefano" userId="c6a0b827-0823-4cdd-9f2f-b443de65f065" providerId="ADAL" clId="{6A032B2E-AF7B-49EB-A97C-5A96FBC83131}" dt="2023-02-23T12:57:01.258" v="6251" actId="20577"/>
           <ac:spMkLst>
             <pc:docMk/>
             <pc:sldMk cId="3503967587" sldId="260"/>
@@ -10040,7 +10048,7 @@
           <a:p>
             <a:fld id="{FD292A8D-0B99-4C13-9985-4FD00B14622D}" type="datetimeFigureOut">
               <a:rPr lang="en-GB" smtClean="0"/>
-              <a:t>21/02/2023</a:t>
+              <a:t>23/02/2023</a:t>
             </a:fld>
             <a:endParaRPr lang="en-GB"/>
           </a:p>
@@ -10210,7 +10218,7 @@
           <a:p>
             <a:fld id="{FD292A8D-0B99-4C13-9985-4FD00B14622D}" type="datetimeFigureOut">
               <a:rPr lang="en-GB" smtClean="0"/>
-              <a:t>21/02/2023</a:t>
+              <a:t>23/02/2023</a:t>
             </a:fld>
             <a:endParaRPr lang="en-GB"/>
           </a:p>
@@ -10390,7 +10398,7 @@
           <a:p>
             <a:fld id="{FD292A8D-0B99-4C13-9985-4FD00B14622D}" type="datetimeFigureOut">
               <a:rPr lang="en-GB" smtClean="0"/>
-              <a:t>21/02/2023</a:t>
+              <a:t>23/02/2023</a:t>
             </a:fld>
             <a:endParaRPr lang="en-GB"/>
           </a:p>
@@ -10560,7 +10568,7 @@
           <a:p>
             <a:fld id="{FD292A8D-0B99-4C13-9985-4FD00B14622D}" type="datetimeFigureOut">
               <a:rPr lang="en-GB" smtClean="0"/>
-              <a:t>21/02/2023</a:t>
+              <a:t>23/02/2023</a:t>
             </a:fld>
             <a:endParaRPr lang="en-GB"/>
           </a:p>
@@ -10804,7 +10812,7 @@
           <a:p>
             <a:fld id="{FD292A8D-0B99-4C13-9985-4FD00B14622D}" type="datetimeFigureOut">
               <a:rPr lang="en-GB" smtClean="0"/>
-              <a:t>21/02/2023</a:t>
+              <a:t>23/02/2023</a:t>
             </a:fld>
             <a:endParaRPr lang="en-GB"/>
           </a:p>
@@ -11036,7 +11044,7 @@
           <a:p>
             <a:fld id="{FD292A8D-0B99-4C13-9985-4FD00B14622D}" type="datetimeFigureOut">
               <a:rPr lang="en-GB" smtClean="0"/>
-              <a:t>21/02/2023</a:t>
+              <a:t>23/02/2023</a:t>
             </a:fld>
             <a:endParaRPr lang="en-GB"/>
           </a:p>
@@ -11403,7 +11411,7 @@
           <a:p>
             <a:fld id="{FD292A8D-0B99-4C13-9985-4FD00B14622D}" type="datetimeFigureOut">
               <a:rPr lang="en-GB" smtClean="0"/>
-              <a:t>21/02/2023</a:t>
+              <a:t>23/02/2023</a:t>
             </a:fld>
             <a:endParaRPr lang="en-GB"/>
           </a:p>
@@ -11521,7 +11529,7 @@
           <a:p>
             <a:fld id="{FD292A8D-0B99-4C13-9985-4FD00B14622D}" type="datetimeFigureOut">
               <a:rPr lang="en-GB" smtClean="0"/>
-              <a:t>21/02/2023</a:t>
+              <a:t>23/02/2023</a:t>
             </a:fld>
             <a:endParaRPr lang="en-GB"/>
           </a:p>
@@ -11616,7 +11624,7 @@
           <a:p>
             <a:fld id="{FD292A8D-0B99-4C13-9985-4FD00B14622D}" type="datetimeFigureOut">
               <a:rPr lang="en-GB" smtClean="0"/>
-              <a:t>21/02/2023</a:t>
+              <a:t>23/02/2023</a:t>
             </a:fld>
             <a:endParaRPr lang="en-GB"/>
           </a:p>
@@ -11893,7 +11901,7 @@
           <a:p>
             <a:fld id="{FD292A8D-0B99-4C13-9985-4FD00B14622D}" type="datetimeFigureOut">
               <a:rPr lang="en-GB" smtClean="0"/>
-              <a:t>21/02/2023</a:t>
+              <a:t>23/02/2023</a:t>
             </a:fld>
             <a:endParaRPr lang="en-GB"/>
           </a:p>
@@ -12150,7 +12158,7 @@
           <a:p>
             <a:fld id="{FD292A8D-0B99-4C13-9985-4FD00B14622D}" type="datetimeFigureOut">
               <a:rPr lang="en-GB" smtClean="0"/>
-              <a:t>21/02/2023</a:t>
+              <a:t>23/02/2023</a:t>
             </a:fld>
             <a:endParaRPr lang="en-GB"/>
           </a:p>
@@ -12363,7 +12371,7 @@
           <a:p>
             <a:fld id="{FD292A8D-0B99-4C13-9985-4FD00B14622D}" type="datetimeFigureOut">
               <a:rPr lang="en-GB" smtClean="0"/>
-              <a:t>21/02/2023</a:t>
+              <a:t>23/02/2023</a:t>
             </a:fld>
             <a:endParaRPr lang="en-GB"/>
           </a:p>
@@ -13836,12 +13844,12 @@
             <a:pPr lvl="1" algn="just"/>
             <a:r>
               <a:rPr lang="en-GB" sz="2400" dirty="0"/>
-              <a:t>Entropy in more general BH metrics, with charge and rotations.</a:t>
+              <a:t>Entropy in more general BH metrics, with charge and rotation.</a:t>
             </a:r>
           </a:p>
           <a:p>
             <a:pPr lvl="1" algn="just"/>
-            <a:endParaRPr lang="en-GB" sz="2000" dirty="0"/>
+            <a:endParaRPr lang="en-GB" sz="1400" dirty="0"/>
           </a:p>
           <a:p>
             <a:pPr lvl="1" algn="just"/>
@@ -13983,7 +13991,7 @@
         <p:spPr>
           <a:xfrm>
             <a:off x="292391" y="6583202"/>
-            <a:ext cx="7144729" cy="4893647"/>
+            <a:ext cx="7144729" cy="3785652"/>
           </a:xfrm>
           <a:prstGeom prst="rect">
             <a:avLst/>
@@ -13996,30 +14004,16 @@
           </a:bodyPr>
           <a:lstStyle/>
           <a:p>
+            <a:pPr algn="ctr"/>
             <a:r>
               <a:rPr lang="en-GB" sz="2400" dirty="0"/>
-              <a:t>The HKMM theorem showed that the causal order of spacetime defines its metric </a:t>
-            </a:r>
-            <a:r>
-              <a:rPr lang="en-GB" sz="2400" dirty="0" err="1"/>
-              <a:t>g_munu</a:t>
-            </a:r>
-            <a:r>
-              <a:rPr lang="en-GB" sz="2400" dirty="0"/>
-              <a:t> up to a conformal factor – that is 9/10 in 4D!</a:t>
+              <a:t>GEOMETRY = ORDER + NUMBER!</a:t>
             </a:r>
           </a:p>
           <a:p>
             <a:r>
               <a:rPr lang="en-GB" sz="2400" dirty="0"/>
-              <a:t>In a discrete spacetime, that conformal factor is set by their number, allowing for full 10/10 retrieval. Result:</a:t>
-            </a:r>
-          </a:p>
-          <a:p>
-            <a:pPr algn="ctr"/>
-            <a:r>
-              <a:rPr lang="en-GB" sz="2400" dirty="0"/>
-              <a:t>GEOMETRY = ORDER + NUMBER</a:t>
+              <a:t>Causal structure and discreteness measure uniquely define the spacetime.</a:t>
             </a:r>
           </a:p>
           <a:p>
@@ -14071,8 +14065,8 @@
           </a:p>
         </p:txBody>
       </p:sp>
-      <mc:AlternateContent xmlns:mc="http://schemas.openxmlformats.org/markup-compatibility/2006">
-        <mc:Choice xmlns:p14="http://schemas.microsoft.com/office/powerpoint/2010/main" Requires="p14">
+      <mc:AlternateContent xmlns:mc="http://schemas.openxmlformats.org/markup-compatibility/2006" xmlns:p14="http://schemas.microsoft.com/office/powerpoint/2010/main">
+        <mc:Choice Requires="p14">
           <p:contentPart p14:bwMode="auto" r:id="rId5">
             <p14:nvContentPartPr>
               <p14:cNvPr id="22" name="Ink 21">
@@ -14091,7 +14085,7 @@
             </p14:xfrm>
           </p:contentPart>
         </mc:Choice>
-        <mc:Fallback>
+        <mc:Fallback xmlns="">
           <p:pic>
             <p:nvPicPr>
               <p:cNvPr id="22" name="Ink 21">
@@ -14122,8 +14116,8 @@
           </p:pic>
         </mc:Fallback>
       </mc:AlternateContent>
-      <mc:AlternateContent xmlns:mc="http://schemas.openxmlformats.org/markup-compatibility/2006">
-        <mc:Choice xmlns:a14="http://schemas.microsoft.com/office/drawing/2010/main" Requires="a14">
+      <mc:AlternateContent xmlns:mc="http://schemas.openxmlformats.org/markup-compatibility/2006" xmlns:a14="http://schemas.microsoft.com/office/drawing/2010/main">
+        <mc:Choice Requires="a14">
           <p:sp>
             <p:nvSpPr>
               <p:cNvPr id="23" name="TextBox 22">
@@ -14175,7 +14169,7 @@
                 </a:pPr>
                 <a:r>
                   <a:rPr lang="en-GB" sz="2400" dirty="0"/>
-                  <a:t>Pick density \rho and spacetime region of volume V</a:t>
+                  <a:t>Pick density \rho and spacetime region of volume V.</a:t>
                 </a:r>
               </a:p>
               <a:p>
@@ -14204,6 +14198,7 @@
                 </a:r>
               </a:p>
               <a:p>
+                <a:pPr/>
                 <a14:m>
                   <m:oMathPara xmlns:m="http://schemas.openxmlformats.org/officeDocument/2006/math">
                     <m:oMathParaPr>
@@ -14218,6 +14213,15 @@
                           <a:cs typeface="Times New Roman" panose="02020603050405020304" pitchFamily="18" charset="0"/>
                         </a:rPr>
                         <m:t>𝑃</m:t>
+                      </m:r>
+                      <m:r>
+                        <a:rPr lang="en-GB" sz="1800" b="0" i="1" smtClean="0">
+                          <a:effectLst/>
+                          <a:latin typeface="Cambria Math" panose="02040503050406030204" pitchFamily="18" charset="0"/>
+                          <a:ea typeface="Times New Roman" panose="02020603050405020304" pitchFamily="18" charset="0"/>
+                          <a:cs typeface="Times New Roman" panose="02020603050405020304" pitchFamily="18" charset="0"/>
+                        </a:rPr>
+                        <m:t>𝑜𝑖𝑠𝑠</m:t>
                       </m:r>
                       <m:d>
                         <m:dPr>
@@ -14470,7 +14474,7 @@
             </p:txBody>
           </p:sp>
         </mc:Choice>
-        <mc:Fallback>
+        <mc:Fallback xmlns="">
           <p:sp>
             <p:nvSpPr>
               <p:cNvPr id="23" name="TextBox 22">
@@ -14545,8 +14549,8 @@
           </a:prstGeom>
         </p:spPr>
       </p:pic>
-      <mc:AlternateContent xmlns:mc="http://schemas.openxmlformats.org/markup-compatibility/2006">
-        <mc:Choice xmlns:p14="http://schemas.microsoft.com/office/powerpoint/2010/main" Requires="p14">
+      <mc:AlternateContent xmlns:mc="http://schemas.openxmlformats.org/markup-compatibility/2006" xmlns:p14="http://schemas.microsoft.com/office/powerpoint/2010/main">
+        <mc:Choice Requires="p14">
           <p:contentPart p14:bwMode="auto" r:id="rId9">
             <p14:nvContentPartPr>
               <p14:cNvPr id="25" name="Ink 24">
@@ -14565,7 +14569,7 @@
             </p14:xfrm>
           </p:contentPart>
         </mc:Choice>
-        <mc:Fallback>
+        <mc:Fallback xmlns="">
           <p:pic>
             <p:nvPicPr>
               <p:cNvPr id="25" name="Ink 24">
@@ -14596,8 +14600,8 @@
           </p:pic>
         </mc:Fallback>
       </mc:AlternateContent>
-      <mc:AlternateContent xmlns:mc="http://schemas.openxmlformats.org/markup-compatibility/2006">
-        <mc:Choice xmlns:p14="http://schemas.microsoft.com/office/powerpoint/2010/main" Requires="p14">
+      <mc:AlternateContent xmlns:mc="http://schemas.openxmlformats.org/markup-compatibility/2006" xmlns:p14="http://schemas.microsoft.com/office/powerpoint/2010/main">
+        <mc:Choice Requires="p14">
           <p:contentPart p14:bwMode="auto" r:id="rId11">
             <p14:nvContentPartPr>
               <p14:cNvPr id="26" name="Ink 25">
@@ -14616,7 +14620,7 @@
             </p14:xfrm>
           </p:contentPart>
         </mc:Choice>
-        <mc:Fallback>
+        <mc:Fallback xmlns="">
           <p:pic>
             <p:nvPicPr>
               <p:cNvPr id="26" name="Ink 25">
@@ -14760,7 +14764,7 @@
             <a:pPr algn="just"/>
             <a:r>
               <a:rPr lang="en-GB" sz="2400" dirty="0"/>
-              <a:t>Black Holes a region of spacetime bounded by an event horizon, such that everything inside the horizon is doomed to eventually hit the singularity, i.e. the centre of the black hole, in which curvature and density are seemingly infinite.</a:t>
+              <a:t>Black Holes are a region of spacetime bounded by an event horizon, such that everything inside the horizon is doomed to eventually hit the singularity, i.e. the centre of the black hole, in which curvature and density are seemingly infinite.</a:t>
             </a:r>
           </a:p>
         </p:txBody>
@@ -15060,8 +15064,8 @@
           </a:p>
         </p:txBody>
       </p:sp>
-      <mc:AlternateContent xmlns:mc="http://schemas.openxmlformats.org/markup-compatibility/2006">
-        <mc:Choice xmlns:a14="http://schemas.microsoft.com/office/drawing/2010/main" Requires="a14">
+      <mc:AlternateContent xmlns:mc="http://schemas.openxmlformats.org/markup-compatibility/2006" xmlns:a14="http://schemas.microsoft.com/office/drawing/2010/main">
+        <mc:Choice Requires="a14">
           <p:sp>
             <p:nvSpPr>
               <p:cNvPr id="4" name="TextBox 3">
@@ -15473,7 +15477,7 @@
             </p:txBody>
           </p:sp>
         </mc:Choice>
-        <mc:Fallback>
+        <mc:Fallback xmlns="">
           <p:sp>
             <p:nvSpPr>
               <p:cNvPr id="4" name="TextBox 3">
@@ -15616,8 +15620,8 @@
             <a:chExt cx="4084920" cy="537480"/>
           </a:xfrm>
         </p:grpSpPr>
-        <mc:AlternateContent xmlns:mc="http://schemas.openxmlformats.org/markup-compatibility/2006">
-          <mc:Choice xmlns:p14="http://schemas.microsoft.com/office/powerpoint/2010/main" Requires="p14">
+        <mc:AlternateContent xmlns:mc="http://schemas.openxmlformats.org/markup-compatibility/2006" xmlns:p14="http://schemas.microsoft.com/office/powerpoint/2010/main">
+          <mc:Choice Requires="p14">
             <p:contentPart p14:bwMode="auto" r:id="rId15">
               <p14:nvContentPartPr>
                 <p14:cNvPr id="51" name="Ink 50">
@@ -15636,7 +15640,7 @@
               </p14:xfrm>
             </p:contentPart>
           </mc:Choice>
-          <mc:Fallback>
+          <mc:Fallback xmlns="">
             <p:pic>
               <p:nvPicPr>
                 <p:cNvPr id="51" name="Ink 50">
@@ -15667,8 +15671,8 @@
             </p:pic>
           </mc:Fallback>
         </mc:AlternateContent>
-        <mc:AlternateContent xmlns:mc="http://schemas.openxmlformats.org/markup-compatibility/2006">
-          <mc:Choice xmlns:p14="http://schemas.microsoft.com/office/powerpoint/2010/main" Requires="p14">
+        <mc:AlternateContent xmlns:mc="http://schemas.openxmlformats.org/markup-compatibility/2006" xmlns:p14="http://schemas.microsoft.com/office/powerpoint/2010/main">
+          <mc:Choice Requires="p14">
             <p:contentPart p14:bwMode="auto" r:id="rId17">
               <p14:nvContentPartPr>
                 <p14:cNvPr id="52" name="Ink 51">
@@ -15687,7 +15691,7 @@
               </p14:xfrm>
             </p:contentPart>
           </mc:Choice>
-          <mc:Fallback>
+          <mc:Fallback xmlns="">
             <p:pic>
               <p:nvPicPr>
                 <p:cNvPr id="52" name="Ink 51">
@@ -15718,8 +15722,8 @@
             </p:pic>
           </mc:Fallback>
         </mc:AlternateContent>
-        <mc:AlternateContent xmlns:mc="http://schemas.openxmlformats.org/markup-compatibility/2006">
-          <mc:Choice xmlns:p14="http://schemas.microsoft.com/office/powerpoint/2010/main" Requires="p14">
+        <mc:AlternateContent xmlns:mc="http://schemas.openxmlformats.org/markup-compatibility/2006" xmlns:p14="http://schemas.microsoft.com/office/powerpoint/2010/main">
+          <mc:Choice Requires="p14">
             <p:contentPart p14:bwMode="auto" r:id="rId19">
               <p14:nvContentPartPr>
                 <p14:cNvPr id="54" name="Ink 53">
@@ -15738,7 +15742,7 @@
               </p14:xfrm>
             </p:contentPart>
           </mc:Choice>
-          <mc:Fallback>
+          <mc:Fallback xmlns="">
             <p:pic>
               <p:nvPicPr>
                 <p:cNvPr id="54" name="Ink 53">
@@ -15790,8 +15794,8 @@
             <a:chExt cx="1376640" cy="2240280"/>
           </a:xfrm>
         </p:grpSpPr>
-        <mc:AlternateContent xmlns:mc="http://schemas.openxmlformats.org/markup-compatibility/2006">
-          <mc:Choice xmlns:p14="http://schemas.microsoft.com/office/powerpoint/2010/main" Requires="p14">
+        <mc:AlternateContent xmlns:mc="http://schemas.openxmlformats.org/markup-compatibility/2006" xmlns:p14="http://schemas.microsoft.com/office/powerpoint/2010/main">
+          <mc:Choice Requires="p14">
             <p:contentPart p14:bwMode="auto" r:id="rId21">
               <p14:nvContentPartPr>
                 <p14:cNvPr id="57" name="Ink 56">
@@ -15810,7 +15814,7 @@
               </p14:xfrm>
             </p:contentPart>
           </mc:Choice>
-          <mc:Fallback>
+          <mc:Fallback xmlns="">
             <p:pic>
               <p:nvPicPr>
                 <p:cNvPr id="57" name="Ink 56">
@@ -15841,8 +15845,8 @@
             </p:pic>
           </mc:Fallback>
         </mc:AlternateContent>
-        <mc:AlternateContent xmlns:mc="http://schemas.openxmlformats.org/markup-compatibility/2006">
-          <mc:Choice xmlns:p14="http://schemas.microsoft.com/office/powerpoint/2010/main" Requires="p14">
+        <mc:AlternateContent xmlns:mc="http://schemas.openxmlformats.org/markup-compatibility/2006" xmlns:p14="http://schemas.microsoft.com/office/powerpoint/2010/main">
+          <mc:Choice Requires="p14">
             <p:contentPart p14:bwMode="auto" r:id="rId23">
               <p14:nvContentPartPr>
                 <p14:cNvPr id="59" name="Ink 58">
@@ -15861,7 +15865,7 @@
               </p14:xfrm>
             </p:contentPart>
           </mc:Choice>
-          <mc:Fallback>
+          <mc:Fallback xmlns="">
             <p:pic>
               <p:nvPicPr>
                 <p:cNvPr id="59" name="Ink 58">
@@ -15892,8 +15896,8 @@
             </p:pic>
           </mc:Fallback>
         </mc:AlternateContent>
-        <mc:AlternateContent xmlns:mc="http://schemas.openxmlformats.org/markup-compatibility/2006">
-          <mc:Choice xmlns:p14="http://schemas.microsoft.com/office/powerpoint/2010/main" Requires="p14">
+        <mc:AlternateContent xmlns:mc="http://schemas.openxmlformats.org/markup-compatibility/2006" xmlns:p14="http://schemas.microsoft.com/office/powerpoint/2010/main">
+          <mc:Choice Requires="p14">
             <p:contentPart p14:bwMode="auto" r:id="rId25">
               <p14:nvContentPartPr>
                 <p14:cNvPr id="60" name="Ink 59">
@@ -15912,7 +15916,7 @@
               </p14:xfrm>
             </p:contentPart>
           </mc:Choice>
-          <mc:Fallback>
+          <mc:Fallback xmlns="">
             <p:pic>
               <p:nvPicPr>
                 <p:cNvPr id="60" name="Ink 59">
@@ -15943,8 +15947,8 @@
             </p:pic>
           </mc:Fallback>
         </mc:AlternateContent>
-        <mc:AlternateContent xmlns:mc="http://schemas.openxmlformats.org/markup-compatibility/2006">
-          <mc:Choice xmlns:p14="http://schemas.microsoft.com/office/powerpoint/2010/main" Requires="p14">
+        <mc:AlternateContent xmlns:mc="http://schemas.openxmlformats.org/markup-compatibility/2006" xmlns:p14="http://schemas.microsoft.com/office/powerpoint/2010/main">
+          <mc:Choice Requires="p14">
             <p:contentPart p14:bwMode="auto" r:id="rId27">
               <p14:nvContentPartPr>
                 <p14:cNvPr id="61" name="Ink 60">
@@ -15963,7 +15967,7 @@
               </p14:xfrm>
             </p:contentPart>
           </mc:Choice>
-          <mc:Fallback>
+          <mc:Fallback xmlns="">
             <p:pic>
               <p:nvPicPr>
                 <p:cNvPr id="61" name="Ink 60">
@@ -15995,8 +15999,8 @@
           </mc:Fallback>
         </mc:AlternateContent>
       </p:grpSp>
-      <mc:AlternateContent xmlns:mc="http://schemas.openxmlformats.org/markup-compatibility/2006">
-        <mc:Choice xmlns:p14="http://schemas.microsoft.com/office/powerpoint/2010/main" Requires="p14">
+      <mc:AlternateContent xmlns:mc="http://schemas.openxmlformats.org/markup-compatibility/2006" xmlns:p14="http://schemas.microsoft.com/office/powerpoint/2010/main">
+        <mc:Choice Requires="p14">
           <p:contentPart p14:bwMode="auto" r:id="rId29">
             <p14:nvContentPartPr>
               <p14:cNvPr id="62" name="Ink 61">
@@ -16015,7 +16019,7 @@
             </p14:xfrm>
           </p:contentPart>
         </mc:Choice>
-        <mc:Fallback>
+        <mc:Fallback xmlns="">
           <p:pic>
             <p:nvPicPr>
               <p:cNvPr id="62" name="Ink 61">
@@ -16046,8 +16050,8 @@
           </p:pic>
         </mc:Fallback>
       </mc:AlternateContent>
-      <mc:AlternateContent xmlns:mc="http://schemas.openxmlformats.org/markup-compatibility/2006">
-        <mc:Choice xmlns:p14="http://schemas.microsoft.com/office/powerpoint/2010/main" Requires="p14">
+      <mc:AlternateContent xmlns:mc="http://schemas.openxmlformats.org/markup-compatibility/2006" xmlns:p14="http://schemas.microsoft.com/office/powerpoint/2010/main">
+        <mc:Choice Requires="p14">
           <p:contentPart p14:bwMode="auto" r:id="rId31">
             <p14:nvContentPartPr>
               <p14:cNvPr id="75" name="Ink 74">
@@ -16066,7 +16070,7 @@
             </p14:xfrm>
           </p:contentPart>
         </mc:Choice>
-        <mc:Fallback>
+        <mc:Fallback xmlns="">
           <p:pic>
             <p:nvPicPr>
               <p:cNvPr id="75" name="Ink 74">
@@ -16097,8 +16101,8 @@
           </p:pic>
         </mc:Fallback>
       </mc:AlternateContent>
-      <mc:AlternateContent xmlns:mc="http://schemas.openxmlformats.org/markup-compatibility/2006">
-        <mc:Choice xmlns:p14="http://schemas.microsoft.com/office/powerpoint/2010/main" Requires="p14">
+      <mc:AlternateContent xmlns:mc="http://schemas.openxmlformats.org/markup-compatibility/2006" xmlns:p14="http://schemas.microsoft.com/office/powerpoint/2010/main">
+        <mc:Choice Requires="p14">
           <p:contentPart p14:bwMode="auto" r:id="rId32">
             <p14:nvContentPartPr>
               <p14:cNvPr id="77" name="Ink 76">
@@ -16117,7 +16121,7 @@
             </p14:xfrm>
           </p:contentPart>
         </mc:Choice>
-        <mc:Fallback>
+        <mc:Fallback xmlns="">
           <p:pic>
             <p:nvPicPr>
               <p:cNvPr id="77" name="Ink 76">
@@ -16168,8 +16172,8 @@
             <a:chExt cx="1478520" cy="914760"/>
           </a:xfrm>
         </p:grpSpPr>
-        <mc:AlternateContent xmlns:mc="http://schemas.openxmlformats.org/markup-compatibility/2006">
-          <mc:Choice xmlns:p14="http://schemas.microsoft.com/office/powerpoint/2010/main" Requires="p14">
+        <mc:AlternateContent xmlns:mc="http://schemas.openxmlformats.org/markup-compatibility/2006" xmlns:p14="http://schemas.microsoft.com/office/powerpoint/2010/main">
+          <mc:Choice Requires="p14">
             <p:contentPart p14:bwMode="auto" r:id="rId33">
               <p14:nvContentPartPr>
                 <p14:cNvPr id="79" name="Ink 78">
@@ -16188,7 +16192,7 @@
               </p14:xfrm>
             </p:contentPart>
           </mc:Choice>
-          <mc:Fallback>
+          <mc:Fallback xmlns="">
             <p:pic>
               <p:nvPicPr>
                 <p:cNvPr id="79" name="Ink 78">
@@ -16219,8 +16223,8 @@
             </p:pic>
           </mc:Fallback>
         </mc:AlternateContent>
-        <mc:AlternateContent xmlns:mc="http://schemas.openxmlformats.org/markup-compatibility/2006">
-          <mc:Choice xmlns:p14="http://schemas.microsoft.com/office/powerpoint/2010/main" Requires="p14">
+        <mc:AlternateContent xmlns:mc="http://schemas.openxmlformats.org/markup-compatibility/2006" xmlns:p14="http://schemas.microsoft.com/office/powerpoint/2010/main">
+          <mc:Choice Requires="p14">
             <p:contentPart p14:bwMode="auto" r:id="rId35">
               <p14:nvContentPartPr>
                 <p14:cNvPr id="80" name="Ink 79">
@@ -16239,7 +16243,7 @@
               </p14:xfrm>
             </p:contentPart>
           </mc:Choice>
-          <mc:Fallback>
+          <mc:Fallback xmlns="">
             <p:pic>
               <p:nvPicPr>
                 <p:cNvPr id="80" name="Ink 79">
@@ -16270,8 +16274,8 @@
             </p:pic>
           </mc:Fallback>
         </mc:AlternateContent>
-        <mc:AlternateContent xmlns:mc="http://schemas.openxmlformats.org/markup-compatibility/2006">
-          <mc:Choice xmlns:p14="http://schemas.microsoft.com/office/powerpoint/2010/main" Requires="p14">
+        <mc:AlternateContent xmlns:mc="http://schemas.openxmlformats.org/markup-compatibility/2006" xmlns:p14="http://schemas.microsoft.com/office/powerpoint/2010/main">
+          <mc:Choice Requires="p14">
             <p:contentPart p14:bwMode="auto" r:id="rId36">
               <p14:nvContentPartPr>
                 <p14:cNvPr id="81" name="Ink 80">
@@ -16290,7 +16294,7 @@
               </p14:xfrm>
             </p:contentPart>
           </mc:Choice>
-          <mc:Fallback>
+          <mc:Fallback xmlns="">
             <p:pic>
               <p:nvPicPr>
                 <p:cNvPr id="81" name="Ink 80">
@@ -16321,8 +16325,8 @@
             </p:pic>
           </mc:Fallback>
         </mc:AlternateContent>
-        <mc:AlternateContent xmlns:mc="http://schemas.openxmlformats.org/markup-compatibility/2006">
-          <mc:Choice xmlns:p14="http://schemas.microsoft.com/office/powerpoint/2010/main" Requires="p14">
+        <mc:AlternateContent xmlns:mc="http://schemas.openxmlformats.org/markup-compatibility/2006" xmlns:p14="http://schemas.microsoft.com/office/powerpoint/2010/main">
+          <mc:Choice Requires="p14">
             <p:contentPart p14:bwMode="auto" r:id="rId37">
               <p14:nvContentPartPr>
                 <p14:cNvPr id="83" name="Ink 82">
@@ -16341,7 +16345,7 @@
               </p14:xfrm>
             </p:contentPart>
           </mc:Choice>
-          <mc:Fallback>
+          <mc:Fallback xmlns="">
             <p:pic>
               <p:nvPicPr>
                 <p:cNvPr id="83" name="Ink 82">
@@ -16372,8 +16376,8 @@
             </p:pic>
           </mc:Fallback>
         </mc:AlternateContent>
-        <mc:AlternateContent xmlns:mc="http://schemas.openxmlformats.org/markup-compatibility/2006">
-          <mc:Choice xmlns:p14="http://schemas.microsoft.com/office/powerpoint/2010/main" Requires="p14">
+        <mc:AlternateContent xmlns:mc="http://schemas.openxmlformats.org/markup-compatibility/2006" xmlns:p14="http://schemas.microsoft.com/office/powerpoint/2010/main">
+          <mc:Choice Requires="p14">
             <p:contentPart p14:bwMode="auto" r:id="rId38">
               <p14:nvContentPartPr>
                 <p14:cNvPr id="84" name="Ink 83">
@@ -16392,7 +16396,7 @@
               </p14:xfrm>
             </p:contentPart>
           </mc:Choice>
-          <mc:Fallback>
+          <mc:Fallback xmlns="">
             <p:pic>
               <p:nvPicPr>
                 <p:cNvPr id="84" name="Ink 83">
@@ -16423,8 +16427,8 @@
             </p:pic>
           </mc:Fallback>
         </mc:AlternateContent>
-        <mc:AlternateContent xmlns:mc="http://schemas.openxmlformats.org/markup-compatibility/2006">
-          <mc:Choice xmlns:p14="http://schemas.microsoft.com/office/powerpoint/2010/main" Requires="p14">
+        <mc:AlternateContent xmlns:mc="http://schemas.openxmlformats.org/markup-compatibility/2006" xmlns:p14="http://schemas.microsoft.com/office/powerpoint/2010/main">
+          <mc:Choice Requires="p14">
             <p:contentPart p14:bwMode="auto" r:id="rId39">
               <p14:nvContentPartPr>
                 <p14:cNvPr id="86" name="Ink 85">
@@ -16443,7 +16447,7 @@
               </p14:xfrm>
             </p:contentPart>
           </mc:Choice>
-          <mc:Fallback>
+          <mc:Fallback xmlns="">
             <p:pic>
               <p:nvPicPr>
                 <p:cNvPr id="86" name="Ink 85">
@@ -16474,8 +16478,8 @@
             </p:pic>
           </mc:Fallback>
         </mc:AlternateContent>
-        <mc:AlternateContent xmlns:mc="http://schemas.openxmlformats.org/markup-compatibility/2006">
-          <mc:Choice xmlns:p14="http://schemas.microsoft.com/office/powerpoint/2010/main" Requires="p14">
+        <mc:AlternateContent xmlns:mc="http://schemas.openxmlformats.org/markup-compatibility/2006" xmlns:p14="http://schemas.microsoft.com/office/powerpoint/2010/main">
+          <mc:Choice Requires="p14">
             <p:contentPart p14:bwMode="auto" r:id="rId40">
               <p14:nvContentPartPr>
                 <p14:cNvPr id="87" name="Ink 86">
@@ -16494,7 +16498,7 @@
               </p14:xfrm>
             </p:contentPart>
           </mc:Choice>
-          <mc:Fallback>
+          <mc:Fallback xmlns="">
             <p:pic>
               <p:nvPicPr>
                 <p:cNvPr id="87" name="Ink 86">
@@ -16525,8 +16529,8 @@
             </p:pic>
           </mc:Fallback>
         </mc:AlternateContent>
-        <mc:AlternateContent xmlns:mc="http://schemas.openxmlformats.org/markup-compatibility/2006">
-          <mc:Choice xmlns:p14="http://schemas.microsoft.com/office/powerpoint/2010/main" Requires="p14">
+        <mc:AlternateContent xmlns:mc="http://schemas.openxmlformats.org/markup-compatibility/2006" xmlns:p14="http://schemas.microsoft.com/office/powerpoint/2010/main">
+          <mc:Choice Requires="p14">
             <p:contentPart p14:bwMode="auto" r:id="rId42">
               <p14:nvContentPartPr>
                 <p14:cNvPr id="88" name="Ink 87">
@@ -16545,7 +16549,7 @@
               </p14:xfrm>
             </p:contentPart>
           </mc:Choice>
-          <mc:Fallback>
+          <mc:Fallback xmlns="">
             <p:pic>
               <p:nvPicPr>
                 <p:cNvPr id="88" name="Ink 87">
@@ -16576,8 +16580,8 @@
             </p:pic>
           </mc:Fallback>
         </mc:AlternateContent>
-        <mc:AlternateContent xmlns:mc="http://schemas.openxmlformats.org/markup-compatibility/2006">
-          <mc:Choice xmlns:p14="http://schemas.microsoft.com/office/powerpoint/2010/main" Requires="p14">
+        <mc:AlternateContent xmlns:mc="http://schemas.openxmlformats.org/markup-compatibility/2006" xmlns:p14="http://schemas.microsoft.com/office/powerpoint/2010/main">
+          <mc:Choice Requires="p14">
             <p:contentPart p14:bwMode="auto" r:id="rId43">
               <p14:nvContentPartPr>
                 <p14:cNvPr id="89" name="Ink 88">
@@ -16596,7 +16600,7 @@
               </p14:xfrm>
             </p:contentPart>
           </mc:Choice>
-          <mc:Fallback>
+          <mc:Fallback xmlns="">
             <p:pic>
               <p:nvPicPr>
                 <p:cNvPr id="89" name="Ink 88">
@@ -16627,8 +16631,8 @@
             </p:pic>
           </mc:Fallback>
         </mc:AlternateContent>
-        <mc:AlternateContent xmlns:mc="http://schemas.openxmlformats.org/markup-compatibility/2006">
-          <mc:Choice xmlns:p14="http://schemas.microsoft.com/office/powerpoint/2010/main" Requires="p14">
+        <mc:AlternateContent xmlns:mc="http://schemas.openxmlformats.org/markup-compatibility/2006" xmlns:p14="http://schemas.microsoft.com/office/powerpoint/2010/main">
+          <mc:Choice Requires="p14">
             <p:contentPart p14:bwMode="auto" r:id="rId44">
               <p14:nvContentPartPr>
                 <p14:cNvPr id="90" name="Ink 89">
@@ -16647,7 +16651,7 @@
               </p14:xfrm>
             </p:contentPart>
           </mc:Choice>
-          <mc:Fallback>
+          <mc:Fallback xmlns="">
             <p:pic>
               <p:nvPicPr>
                 <p:cNvPr id="90" name="Ink 89">
@@ -16678,8 +16682,8 @@
             </p:pic>
           </mc:Fallback>
         </mc:AlternateContent>
-        <mc:AlternateContent xmlns:mc="http://schemas.openxmlformats.org/markup-compatibility/2006">
-          <mc:Choice xmlns:p14="http://schemas.microsoft.com/office/powerpoint/2010/main" Requires="p14">
+        <mc:AlternateContent xmlns:mc="http://schemas.openxmlformats.org/markup-compatibility/2006" xmlns:p14="http://schemas.microsoft.com/office/powerpoint/2010/main">
+          <mc:Choice Requires="p14">
             <p:contentPart p14:bwMode="auto" r:id="rId45">
               <p14:nvContentPartPr>
                 <p14:cNvPr id="92" name="Ink 91">
@@ -16698,7 +16702,7 @@
               </p14:xfrm>
             </p:contentPart>
           </mc:Choice>
-          <mc:Fallback>
+          <mc:Fallback xmlns="">
             <p:pic>
               <p:nvPicPr>
                 <p:cNvPr id="92" name="Ink 91">
@@ -16729,8 +16733,8 @@
             </p:pic>
           </mc:Fallback>
         </mc:AlternateContent>
-        <mc:AlternateContent xmlns:mc="http://schemas.openxmlformats.org/markup-compatibility/2006">
-          <mc:Choice xmlns:p14="http://schemas.microsoft.com/office/powerpoint/2010/main" Requires="p14">
+        <mc:AlternateContent xmlns:mc="http://schemas.openxmlformats.org/markup-compatibility/2006" xmlns:p14="http://schemas.microsoft.com/office/powerpoint/2010/main">
+          <mc:Choice Requires="p14">
             <p:contentPart p14:bwMode="auto" r:id="rId46">
               <p14:nvContentPartPr>
                 <p14:cNvPr id="93" name="Ink 92">
@@ -16749,7 +16753,7 @@
               </p14:xfrm>
             </p:contentPart>
           </mc:Choice>
-          <mc:Fallback>
+          <mc:Fallback xmlns="">
             <p:pic>
               <p:nvPicPr>
                 <p:cNvPr id="93" name="Ink 92">
@@ -16780,8 +16784,8 @@
             </p:pic>
           </mc:Fallback>
         </mc:AlternateContent>
-        <mc:AlternateContent xmlns:mc="http://schemas.openxmlformats.org/markup-compatibility/2006">
-          <mc:Choice xmlns:p14="http://schemas.microsoft.com/office/powerpoint/2010/main" Requires="p14">
+        <mc:AlternateContent xmlns:mc="http://schemas.openxmlformats.org/markup-compatibility/2006" xmlns:p14="http://schemas.microsoft.com/office/powerpoint/2010/main">
+          <mc:Choice Requires="p14">
             <p:contentPart p14:bwMode="auto" r:id="rId47">
               <p14:nvContentPartPr>
                 <p14:cNvPr id="94" name="Ink 93">
@@ -16800,7 +16804,7 @@
               </p14:xfrm>
             </p:contentPart>
           </mc:Choice>
-          <mc:Fallback>
+          <mc:Fallback xmlns="">
             <p:pic>
               <p:nvPicPr>
                 <p:cNvPr id="94" name="Ink 93">
@@ -16831,8 +16835,8 @@
             </p:pic>
           </mc:Fallback>
         </mc:AlternateContent>
-        <mc:AlternateContent xmlns:mc="http://schemas.openxmlformats.org/markup-compatibility/2006">
-          <mc:Choice xmlns:p14="http://schemas.microsoft.com/office/powerpoint/2010/main" Requires="p14">
+        <mc:AlternateContent xmlns:mc="http://schemas.openxmlformats.org/markup-compatibility/2006" xmlns:p14="http://schemas.microsoft.com/office/powerpoint/2010/main">
+          <mc:Choice Requires="p14">
             <p:contentPart p14:bwMode="auto" r:id="rId48">
               <p14:nvContentPartPr>
                 <p14:cNvPr id="95" name="Ink 94">
@@ -16851,7 +16855,7 @@
               </p14:xfrm>
             </p:contentPart>
           </mc:Choice>
-          <mc:Fallback>
+          <mc:Fallback xmlns="">
             <p:pic>
               <p:nvPicPr>
                 <p:cNvPr id="95" name="Ink 94">
@@ -16882,8 +16886,8 @@
             </p:pic>
           </mc:Fallback>
         </mc:AlternateContent>
-        <mc:AlternateContent xmlns:mc="http://schemas.openxmlformats.org/markup-compatibility/2006">
-          <mc:Choice xmlns:p14="http://schemas.microsoft.com/office/powerpoint/2010/main" Requires="p14">
+        <mc:AlternateContent xmlns:mc="http://schemas.openxmlformats.org/markup-compatibility/2006" xmlns:p14="http://schemas.microsoft.com/office/powerpoint/2010/main">
+          <mc:Choice Requires="p14">
             <p:contentPart p14:bwMode="auto" r:id="rId49">
               <p14:nvContentPartPr>
                 <p14:cNvPr id="97" name="Ink 96">
@@ -16902,7 +16906,7 @@
               </p14:xfrm>
             </p:contentPart>
           </mc:Choice>
-          <mc:Fallback>
+          <mc:Fallback xmlns="">
             <p:pic>
               <p:nvPicPr>
                 <p:cNvPr id="97" name="Ink 96">
@@ -16933,8 +16937,8 @@
             </p:pic>
           </mc:Fallback>
         </mc:AlternateContent>
-        <mc:AlternateContent xmlns:mc="http://schemas.openxmlformats.org/markup-compatibility/2006">
-          <mc:Choice xmlns:p14="http://schemas.microsoft.com/office/powerpoint/2010/main" Requires="p14">
+        <mc:AlternateContent xmlns:mc="http://schemas.openxmlformats.org/markup-compatibility/2006" xmlns:p14="http://schemas.microsoft.com/office/powerpoint/2010/main">
+          <mc:Choice Requires="p14">
             <p:contentPart p14:bwMode="auto" r:id="rId50">
               <p14:nvContentPartPr>
                 <p14:cNvPr id="98" name="Ink 97">
@@ -16953,7 +16957,7 @@
               </p14:xfrm>
             </p:contentPart>
           </mc:Choice>
-          <mc:Fallback>
+          <mc:Fallback xmlns="">
             <p:pic>
               <p:nvPicPr>
                 <p:cNvPr id="98" name="Ink 97">
@@ -16984,8 +16988,8 @@
             </p:pic>
           </mc:Fallback>
         </mc:AlternateContent>
-        <mc:AlternateContent xmlns:mc="http://schemas.openxmlformats.org/markup-compatibility/2006">
-          <mc:Choice xmlns:p14="http://schemas.microsoft.com/office/powerpoint/2010/main" Requires="p14">
+        <mc:AlternateContent xmlns:mc="http://schemas.openxmlformats.org/markup-compatibility/2006" xmlns:p14="http://schemas.microsoft.com/office/powerpoint/2010/main">
+          <mc:Choice Requires="p14">
             <p:contentPart p14:bwMode="auto" r:id="rId52">
               <p14:nvContentPartPr>
                 <p14:cNvPr id="99" name="Ink 98">
@@ -17004,7 +17008,7 @@
               </p14:xfrm>
             </p:contentPart>
           </mc:Choice>
-          <mc:Fallback>
+          <mc:Fallback xmlns="">
             <p:pic>
               <p:nvPicPr>
                 <p:cNvPr id="99" name="Ink 98">
@@ -17035,8 +17039,8 @@
             </p:pic>
           </mc:Fallback>
         </mc:AlternateContent>
-        <mc:AlternateContent xmlns:mc="http://schemas.openxmlformats.org/markup-compatibility/2006">
-          <mc:Choice xmlns:p14="http://schemas.microsoft.com/office/powerpoint/2010/main" Requires="p14">
+        <mc:AlternateContent xmlns:mc="http://schemas.openxmlformats.org/markup-compatibility/2006" xmlns:p14="http://schemas.microsoft.com/office/powerpoint/2010/main">
+          <mc:Choice Requires="p14">
             <p:contentPart p14:bwMode="auto" r:id="rId54">
               <p14:nvContentPartPr>
                 <p14:cNvPr id="101" name="Ink 100">
@@ -17055,7 +17059,7 @@
               </p14:xfrm>
             </p:contentPart>
           </mc:Choice>
-          <mc:Fallback>
+          <mc:Fallback xmlns="">
             <p:pic>
               <p:nvPicPr>
                 <p:cNvPr id="101" name="Ink 100">
@@ -17086,8 +17090,8 @@
             </p:pic>
           </mc:Fallback>
         </mc:AlternateContent>
-        <mc:AlternateContent xmlns:mc="http://schemas.openxmlformats.org/markup-compatibility/2006">
-          <mc:Choice xmlns:p14="http://schemas.microsoft.com/office/powerpoint/2010/main" Requires="p14">
+        <mc:AlternateContent xmlns:mc="http://schemas.openxmlformats.org/markup-compatibility/2006" xmlns:p14="http://schemas.microsoft.com/office/powerpoint/2010/main">
+          <mc:Choice Requires="p14">
             <p:contentPart p14:bwMode="auto" r:id="rId56">
               <p14:nvContentPartPr>
                 <p14:cNvPr id="102" name="Ink 101">
@@ -17106,7 +17110,7 @@
               </p14:xfrm>
             </p:contentPart>
           </mc:Choice>
-          <mc:Fallback>
+          <mc:Fallback xmlns="">
             <p:pic>
               <p:nvPicPr>
                 <p:cNvPr id="102" name="Ink 101">
@@ -17137,8 +17141,8 @@
             </p:pic>
           </mc:Fallback>
         </mc:AlternateContent>
-        <mc:AlternateContent xmlns:mc="http://schemas.openxmlformats.org/markup-compatibility/2006">
-          <mc:Choice xmlns:p14="http://schemas.microsoft.com/office/powerpoint/2010/main" Requires="p14">
+        <mc:AlternateContent xmlns:mc="http://schemas.openxmlformats.org/markup-compatibility/2006" xmlns:p14="http://schemas.microsoft.com/office/powerpoint/2010/main">
+          <mc:Choice Requires="p14">
             <p:contentPart p14:bwMode="auto" r:id="rId58">
               <p14:nvContentPartPr>
                 <p14:cNvPr id="103" name="Ink 102">
@@ -17157,7 +17161,7 @@
               </p14:xfrm>
             </p:contentPart>
           </mc:Choice>
-          <mc:Fallback>
+          <mc:Fallback xmlns="">
             <p:pic>
               <p:nvPicPr>
                 <p:cNvPr id="103" name="Ink 102">
@@ -17188,8 +17192,8 @@
             </p:pic>
           </mc:Fallback>
         </mc:AlternateContent>
-        <mc:AlternateContent xmlns:mc="http://schemas.openxmlformats.org/markup-compatibility/2006">
-          <mc:Choice xmlns:p14="http://schemas.microsoft.com/office/powerpoint/2010/main" Requires="p14">
+        <mc:AlternateContent xmlns:mc="http://schemas.openxmlformats.org/markup-compatibility/2006" xmlns:p14="http://schemas.microsoft.com/office/powerpoint/2010/main">
+          <mc:Choice Requires="p14">
             <p:contentPart p14:bwMode="auto" r:id="rId60">
               <p14:nvContentPartPr>
                 <p14:cNvPr id="104" name="Ink 103">
@@ -17208,7 +17212,7 @@
               </p14:xfrm>
             </p:contentPart>
           </mc:Choice>
-          <mc:Fallback>
+          <mc:Fallback xmlns="">
             <p:pic>
               <p:nvPicPr>
                 <p:cNvPr id="104" name="Ink 103">
@@ -17239,8 +17243,8 @@
             </p:pic>
           </mc:Fallback>
         </mc:AlternateContent>
-        <mc:AlternateContent xmlns:mc="http://schemas.openxmlformats.org/markup-compatibility/2006">
-          <mc:Choice xmlns:p14="http://schemas.microsoft.com/office/powerpoint/2010/main" Requires="p14">
+        <mc:AlternateContent xmlns:mc="http://schemas.openxmlformats.org/markup-compatibility/2006" xmlns:p14="http://schemas.microsoft.com/office/powerpoint/2010/main">
+          <mc:Choice Requires="p14">
             <p:contentPart p14:bwMode="auto" r:id="rId62">
               <p14:nvContentPartPr>
                 <p14:cNvPr id="105" name="Ink 104">
@@ -17259,7 +17263,7 @@
               </p14:xfrm>
             </p:contentPart>
           </mc:Choice>
-          <mc:Fallback>
+          <mc:Fallback xmlns="">
             <p:pic>
               <p:nvPicPr>
                 <p:cNvPr id="105" name="Ink 104">
@@ -17290,8 +17294,8 @@
             </p:pic>
           </mc:Fallback>
         </mc:AlternateContent>
-        <mc:AlternateContent xmlns:mc="http://schemas.openxmlformats.org/markup-compatibility/2006">
-          <mc:Choice xmlns:p14="http://schemas.microsoft.com/office/powerpoint/2010/main" Requires="p14">
+        <mc:AlternateContent xmlns:mc="http://schemas.openxmlformats.org/markup-compatibility/2006" xmlns:p14="http://schemas.microsoft.com/office/powerpoint/2010/main">
+          <mc:Choice Requires="p14">
             <p:contentPart p14:bwMode="auto" r:id="rId64">
               <p14:nvContentPartPr>
                 <p14:cNvPr id="107" name="Ink 106">
@@ -17310,7 +17314,7 @@
               </p14:xfrm>
             </p:contentPart>
           </mc:Choice>
-          <mc:Fallback>
+          <mc:Fallback xmlns="">
             <p:pic>
               <p:nvPicPr>
                 <p:cNvPr id="107" name="Ink 106">
@@ -17341,8 +17345,8 @@
             </p:pic>
           </mc:Fallback>
         </mc:AlternateContent>
-        <mc:AlternateContent xmlns:mc="http://schemas.openxmlformats.org/markup-compatibility/2006">
-          <mc:Choice xmlns:p14="http://schemas.microsoft.com/office/powerpoint/2010/main" Requires="p14">
+        <mc:AlternateContent xmlns:mc="http://schemas.openxmlformats.org/markup-compatibility/2006" xmlns:p14="http://schemas.microsoft.com/office/powerpoint/2010/main">
+          <mc:Choice Requires="p14">
             <p:contentPart p14:bwMode="auto" r:id="rId66">
               <p14:nvContentPartPr>
                 <p14:cNvPr id="111" name="Ink 110">
@@ -17361,7 +17365,7 @@
               </p14:xfrm>
             </p:contentPart>
           </mc:Choice>
-          <mc:Fallback>
+          <mc:Fallback xmlns="">
             <p:pic>
               <p:nvPicPr>
                 <p:cNvPr id="111" name="Ink 110">
@@ -17392,8 +17396,8 @@
             </p:pic>
           </mc:Fallback>
         </mc:AlternateContent>
-        <mc:AlternateContent xmlns:mc="http://schemas.openxmlformats.org/markup-compatibility/2006">
-          <mc:Choice xmlns:p14="http://schemas.microsoft.com/office/powerpoint/2010/main" Requires="p14">
+        <mc:AlternateContent xmlns:mc="http://schemas.openxmlformats.org/markup-compatibility/2006" xmlns:p14="http://schemas.microsoft.com/office/powerpoint/2010/main">
+          <mc:Choice Requires="p14">
             <p:contentPart p14:bwMode="auto" r:id="rId67">
               <p14:nvContentPartPr>
                 <p14:cNvPr id="147" name="Ink 146">
@@ -17412,7 +17416,7 @@
               </p14:xfrm>
             </p:contentPart>
           </mc:Choice>
-          <mc:Fallback>
+          <mc:Fallback xmlns="">
             <p:pic>
               <p:nvPicPr>
                 <p:cNvPr id="147" name="Ink 146">
@@ -17443,8 +17447,8 @@
             </p:pic>
           </mc:Fallback>
         </mc:AlternateContent>
-        <mc:AlternateContent xmlns:mc="http://schemas.openxmlformats.org/markup-compatibility/2006">
-          <mc:Choice xmlns:p14="http://schemas.microsoft.com/office/powerpoint/2010/main" Requires="p14">
+        <mc:AlternateContent xmlns:mc="http://schemas.openxmlformats.org/markup-compatibility/2006" xmlns:p14="http://schemas.microsoft.com/office/powerpoint/2010/main">
+          <mc:Choice Requires="p14">
             <p:contentPart p14:bwMode="auto" r:id="rId68">
               <p14:nvContentPartPr>
                 <p14:cNvPr id="148" name="Ink 147">
@@ -17463,7 +17467,7 @@
               </p14:xfrm>
             </p:contentPart>
           </mc:Choice>
-          <mc:Fallback>
+          <mc:Fallback xmlns="">
             <p:pic>
               <p:nvPicPr>
                 <p:cNvPr id="148" name="Ink 147">
@@ -17495,8 +17499,8 @@
           </mc:Fallback>
         </mc:AlternateContent>
       </p:grpSp>
-      <mc:AlternateContent xmlns:mc="http://schemas.openxmlformats.org/markup-compatibility/2006">
-        <mc:Choice xmlns:p14="http://schemas.microsoft.com/office/powerpoint/2010/main" Requires="p14">
+      <mc:AlternateContent xmlns:mc="http://schemas.openxmlformats.org/markup-compatibility/2006" xmlns:p14="http://schemas.microsoft.com/office/powerpoint/2010/main">
+        <mc:Choice Requires="p14">
           <p:contentPart p14:bwMode="auto" r:id="rId69">
             <p14:nvContentPartPr>
               <p14:cNvPr id="149" name="Ink 148">
@@ -17515,7 +17519,7 @@
             </p14:xfrm>
           </p:contentPart>
         </mc:Choice>
-        <mc:Fallback>
+        <mc:Fallback xmlns="">
           <p:pic>
             <p:nvPicPr>
               <p:cNvPr id="149" name="Ink 148">
@@ -17546,8 +17550,8 @@
           </p:pic>
         </mc:Fallback>
       </mc:AlternateContent>
-      <mc:AlternateContent xmlns:mc="http://schemas.openxmlformats.org/markup-compatibility/2006">
-        <mc:Choice xmlns:p14="http://schemas.microsoft.com/office/powerpoint/2010/main" Requires="p14">
+      <mc:AlternateContent xmlns:mc="http://schemas.openxmlformats.org/markup-compatibility/2006" xmlns:p14="http://schemas.microsoft.com/office/powerpoint/2010/main">
+        <mc:Choice Requires="p14">
           <p:contentPart p14:bwMode="auto" r:id="rId70">
             <p14:nvContentPartPr>
               <p14:cNvPr id="150" name="Ink 149">
@@ -17566,7 +17570,7 @@
             </p14:xfrm>
           </p:contentPart>
         </mc:Choice>
-        <mc:Fallback>
+        <mc:Fallback xmlns="">
           <p:pic>
             <p:nvPicPr>
               <p:cNvPr id="150" name="Ink 149">
@@ -17597,8 +17601,8 @@
           </p:pic>
         </mc:Fallback>
       </mc:AlternateContent>
-      <mc:AlternateContent xmlns:mc="http://schemas.openxmlformats.org/markup-compatibility/2006">
-        <mc:Choice xmlns:p14="http://schemas.microsoft.com/office/powerpoint/2010/main" Requires="p14">
+      <mc:AlternateContent xmlns:mc="http://schemas.openxmlformats.org/markup-compatibility/2006" xmlns:p14="http://schemas.microsoft.com/office/powerpoint/2010/main">
+        <mc:Choice Requires="p14">
           <p:contentPart p14:bwMode="auto" r:id="rId71">
             <p14:nvContentPartPr>
               <p14:cNvPr id="151" name="Ink 150">
@@ -17617,7 +17621,7 @@
             </p14:xfrm>
           </p:contentPart>
         </mc:Choice>
-        <mc:Fallback>
+        <mc:Fallback xmlns="">
           <p:pic>
             <p:nvPicPr>
               <p:cNvPr id="151" name="Ink 150">
@@ -17668,8 +17672,8 @@
             <a:chExt cx="45720" cy="31320"/>
           </a:xfrm>
         </p:grpSpPr>
-        <mc:AlternateContent xmlns:mc="http://schemas.openxmlformats.org/markup-compatibility/2006">
-          <mc:Choice xmlns:p14="http://schemas.microsoft.com/office/powerpoint/2010/main" Requires="p14">
+        <mc:AlternateContent xmlns:mc="http://schemas.openxmlformats.org/markup-compatibility/2006" xmlns:p14="http://schemas.microsoft.com/office/powerpoint/2010/main">
+          <mc:Choice Requires="p14">
             <p:contentPart p14:bwMode="auto" r:id="rId72">
               <p14:nvContentPartPr>
                 <p14:cNvPr id="153" name="Ink 152">
@@ -17688,7 +17692,7 @@
               </p14:xfrm>
             </p:contentPart>
           </mc:Choice>
-          <mc:Fallback>
+          <mc:Fallback xmlns="">
             <p:pic>
               <p:nvPicPr>
                 <p:cNvPr id="153" name="Ink 152">
@@ -17719,8 +17723,8 @@
             </p:pic>
           </mc:Fallback>
         </mc:AlternateContent>
-        <mc:AlternateContent xmlns:mc="http://schemas.openxmlformats.org/markup-compatibility/2006">
-          <mc:Choice xmlns:p14="http://schemas.microsoft.com/office/powerpoint/2010/main" Requires="p14">
+        <mc:AlternateContent xmlns:mc="http://schemas.openxmlformats.org/markup-compatibility/2006" xmlns:p14="http://schemas.microsoft.com/office/powerpoint/2010/main">
+          <mc:Choice Requires="p14">
             <p:contentPart p14:bwMode="auto" r:id="rId74">
               <p14:nvContentPartPr>
                 <p14:cNvPr id="154" name="Ink 153">
@@ -17739,7 +17743,7 @@
               </p14:xfrm>
             </p:contentPart>
           </mc:Choice>
-          <mc:Fallback>
+          <mc:Fallback xmlns="">
             <p:pic>
               <p:nvPicPr>
                 <p:cNvPr id="154" name="Ink 153">
@@ -17791,8 +17795,8 @@
             <a:chExt cx="360" cy="360"/>
           </a:xfrm>
         </p:grpSpPr>
-        <mc:AlternateContent xmlns:mc="http://schemas.openxmlformats.org/markup-compatibility/2006">
-          <mc:Choice xmlns:p14="http://schemas.microsoft.com/office/powerpoint/2010/main" Requires="p14">
+        <mc:AlternateContent xmlns:mc="http://schemas.openxmlformats.org/markup-compatibility/2006" xmlns:p14="http://schemas.microsoft.com/office/powerpoint/2010/main">
+          <mc:Choice Requires="p14">
             <p:contentPart p14:bwMode="auto" r:id="rId75">
               <p14:nvContentPartPr>
                 <p14:cNvPr id="156" name="Ink 155">
@@ -17811,7 +17815,7 @@
               </p14:xfrm>
             </p:contentPart>
           </mc:Choice>
-          <mc:Fallback>
+          <mc:Fallback xmlns="">
             <p:pic>
               <p:nvPicPr>
                 <p:cNvPr id="156" name="Ink 155">
@@ -17842,8 +17846,8 @@
             </p:pic>
           </mc:Fallback>
         </mc:AlternateContent>
-        <mc:AlternateContent xmlns:mc="http://schemas.openxmlformats.org/markup-compatibility/2006">
-          <mc:Choice xmlns:p14="http://schemas.microsoft.com/office/powerpoint/2010/main" Requires="p14">
+        <mc:AlternateContent xmlns:mc="http://schemas.openxmlformats.org/markup-compatibility/2006" xmlns:p14="http://schemas.microsoft.com/office/powerpoint/2010/main">
+          <mc:Choice Requires="p14">
             <p:contentPart p14:bwMode="auto" r:id="rId76">
               <p14:nvContentPartPr>
                 <p14:cNvPr id="157" name="Ink 156">
@@ -17862,7 +17866,7 @@
               </p14:xfrm>
             </p:contentPart>
           </mc:Choice>
-          <mc:Fallback>
+          <mc:Fallback xmlns="">
             <p:pic>
               <p:nvPicPr>
                 <p:cNvPr id="157" name="Ink 156">
@@ -17894,8 +17898,8 @@
           </mc:Fallback>
         </mc:AlternateContent>
       </p:grpSp>
-      <mc:AlternateContent xmlns:mc="http://schemas.openxmlformats.org/markup-compatibility/2006">
-        <mc:Choice xmlns:p14="http://schemas.microsoft.com/office/powerpoint/2010/main" Requires="p14">
+      <mc:AlternateContent xmlns:mc="http://schemas.openxmlformats.org/markup-compatibility/2006" xmlns:p14="http://schemas.microsoft.com/office/powerpoint/2010/main">
+        <mc:Choice Requires="p14">
           <p:contentPart p14:bwMode="auto" r:id="rId77">
             <p14:nvContentPartPr>
               <p14:cNvPr id="158" name="Ink 157">
@@ -17914,7 +17918,7 @@
             </p14:xfrm>
           </p:contentPart>
         </mc:Choice>
-        <mc:Fallback>
+        <mc:Fallback xmlns="">
           <p:pic>
             <p:nvPicPr>
               <p:cNvPr id="158" name="Ink 157">
@@ -17965,8 +17969,8 @@
             <a:chExt cx="30600" cy="15480"/>
           </a:xfrm>
         </p:grpSpPr>
-        <mc:AlternateContent xmlns:mc="http://schemas.openxmlformats.org/markup-compatibility/2006">
-          <mc:Choice xmlns:p14="http://schemas.microsoft.com/office/powerpoint/2010/main" Requires="p14">
+        <mc:AlternateContent xmlns:mc="http://schemas.openxmlformats.org/markup-compatibility/2006" xmlns:p14="http://schemas.microsoft.com/office/powerpoint/2010/main">
+          <mc:Choice Requires="p14">
             <p:contentPart p14:bwMode="auto" r:id="rId78">
               <p14:nvContentPartPr>
                 <p14:cNvPr id="160" name="Ink 159">
@@ -17985,7 +17989,7 @@
               </p14:xfrm>
             </p:contentPart>
           </mc:Choice>
-          <mc:Fallback>
+          <mc:Fallback xmlns="">
             <p:pic>
               <p:nvPicPr>
                 <p:cNvPr id="160" name="Ink 159">
@@ -18016,8 +18020,8 @@
             </p:pic>
           </mc:Fallback>
         </mc:AlternateContent>
-        <mc:AlternateContent xmlns:mc="http://schemas.openxmlformats.org/markup-compatibility/2006">
-          <mc:Choice xmlns:p14="http://schemas.microsoft.com/office/powerpoint/2010/main" Requires="p14">
+        <mc:AlternateContent xmlns:mc="http://schemas.openxmlformats.org/markup-compatibility/2006" xmlns:p14="http://schemas.microsoft.com/office/powerpoint/2010/main">
+          <mc:Choice Requires="p14">
             <p:contentPart p14:bwMode="auto" r:id="rId79">
               <p14:nvContentPartPr>
                 <p14:cNvPr id="161" name="Ink 160">
@@ -18036,7 +18040,7 @@
               </p14:xfrm>
             </p:contentPart>
           </mc:Choice>
-          <mc:Fallback>
+          <mc:Fallback xmlns="">
             <p:pic>
               <p:nvPicPr>
                 <p:cNvPr id="161" name="Ink 160">
@@ -18067,8 +18071,8 @@
             </p:pic>
           </mc:Fallback>
         </mc:AlternateContent>
-        <mc:AlternateContent xmlns:mc="http://schemas.openxmlformats.org/markup-compatibility/2006">
-          <mc:Choice xmlns:p14="http://schemas.microsoft.com/office/powerpoint/2010/main" Requires="p14">
+        <mc:AlternateContent xmlns:mc="http://schemas.openxmlformats.org/markup-compatibility/2006" xmlns:p14="http://schemas.microsoft.com/office/powerpoint/2010/main">
+          <mc:Choice Requires="p14">
             <p:contentPart p14:bwMode="auto" r:id="rId80">
               <p14:nvContentPartPr>
                 <p14:cNvPr id="162" name="Ink 161">
@@ -18087,7 +18091,7 @@
               </p14:xfrm>
             </p:contentPart>
           </mc:Choice>
-          <mc:Fallback>
+          <mc:Fallback xmlns="">
             <p:pic>
               <p:nvPicPr>
                 <p:cNvPr id="162" name="Ink 161">
@@ -18139,8 +18143,8 @@
             <a:chExt cx="476280" cy="758520"/>
           </a:xfrm>
         </p:grpSpPr>
-        <mc:AlternateContent xmlns:mc="http://schemas.openxmlformats.org/markup-compatibility/2006">
-          <mc:Choice xmlns:p14="http://schemas.microsoft.com/office/powerpoint/2010/main" Requires="p14">
+        <mc:AlternateContent xmlns:mc="http://schemas.openxmlformats.org/markup-compatibility/2006" xmlns:p14="http://schemas.microsoft.com/office/powerpoint/2010/main">
+          <mc:Choice Requires="p14">
             <p:contentPart p14:bwMode="auto" r:id="rId81">
               <p14:nvContentPartPr>
                 <p14:cNvPr id="164" name="Ink 163">
@@ -18159,7 +18163,7 @@
               </p14:xfrm>
             </p:contentPart>
           </mc:Choice>
-          <mc:Fallback>
+          <mc:Fallback xmlns="">
             <p:pic>
               <p:nvPicPr>
                 <p:cNvPr id="164" name="Ink 163">
@@ -18190,8 +18194,8 @@
             </p:pic>
           </mc:Fallback>
         </mc:AlternateContent>
-        <mc:AlternateContent xmlns:mc="http://schemas.openxmlformats.org/markup-compatibility/2006">
-          <mc:Choice xmlns:p14="http://schemas.microsoft.com/office/powerpoint/2010/main" Requires="p14">
+        <mc:AlternateContent xmlns:mc="http://schemas.openxmlformats.org/markup-compatibility/2006" xmlns:p14="http://schemas.microsoft.com/office/powerpoint/2010/main">
+          <mc:Choice Requires="p14">
             <p:contentPart p14:bwMode="auto" r:id="rId83">
               <p14:nvContentPartPr>
                 <p14:cNvPr id="165" name="Ink 164">
@@ -18210,7 +18214,7 @@
               </p14:xfrm>
             </p:contentPart>
           </mc:Choice>
-          <mc:Fallback>
+          <mc:Fallback xmlns="">
             <p:pic>
               <p:nvPicPr>
                 <p:cNvPr id="165" name="Ink 164">
@@ -18363,8 +18367,8 @@
         </p:nvSpPr>
         <p:spPr>
           <a:xfrm>
-            <a:off x="315943" y="19756469"/>
-            <a:ext cx="5258607" cy="3785652"/>
+            <a:off x="464237" y="19759101"/>
+            <a:ext cx="5258607" cy="3631763"/>
           </a:xfrm>
           <a:prstGeom prst="rect">
             <a:avLst/>
@@ -18377,110 +18381,84 @@
           </a:bodyPr>
           <a:lstStyle/>
           <a:p>
+            <a:pPr algn="just"/>
             <a:r>
               <a:rPr lang="en-US" sz="2400" b="0" i="0" dirty="0">
                 <a:effectLst/>
-                <a:latin typeface="Courier New" panose="02070309020205020404" pitchFamily="49" charset="0"/>
               </a:rPr>
               <a:t>• </a:t>
             </a:r>
             <a:r>
-              <a:rPr lang="en-US" sz="2400" dirty="0">
-                <a:latin typeface="Arial" panose="020B0604020202020204" pitchFamily="34" charset="0"/>
-              </a:rPr>
+              <a:rPr lang="en-US" sz="2400" dirty="0"/>
               <a:t>Simulate for the 1</a:t>
             </a:r>
             <a:r>
-              <a:rPr lang="en-US" sz="2400" baseline="30000" dirty="0">
-                <a:latin typeface="Arial" panose="020B0604020202020204" pitchFamily="34" charset="0"/>
-              </a:rPr>
+              <a:rPr lang="en-US" sz="2400" baseline="30000" dirty="0"/>
               <a:t>st</a:t>
             </a:r>
             <a:r>
-              <a:rPr lang="en-US" sz="2400" dirty="0">
-                <a:latin typeface="Arial" panose="020B0604020202020204" pitchFamily="34" charset="0"/>
-              </a:rPr>
+              <a:rPr lang="en-US" sz="2400" dirty="0"/>
               <a:t> time a large enough causet for kinematic analysis into </a:t>
             </a:r>
             <a:r>
               <a:rPr lang="en-US" sz="2400" b="0" i="0" dirty="0">
                 <a:effectLst/>
-                <a:latin typeface="Arial" panose="020B0604020202020204" pitchFamily="34" charset="0"/>
               </a:rPr>
               <a:t>Schwarzschild spacetime</a:t>
             </a:r>
           </a:p>
           <a:p>
+            <a:pPr algn="just"/>
             <a:br>
               <a:rPr lang="en-US" sz="2400" dirty="0"/>
             </a:br>
             <a:r>
               <a:rPr lang="en-US" sz="2400" b="0" i="0" dirty="0">
                 <a:effectLst/>
-                <a:latin typeface="Courier New" panose="02070309020205020404" pitchFamily="49" charset="0"/>
+              </a:rPr>
+              <a:t>• Simulate lambda molecules for a statistical model of BH entropy</a:t>
+            </a:r>
+          </a:p>
+          <a:p>
+            <a:pPr algn="just"/>
+            <a:endParaRPr lang="en-US" sz="1600" b="0" i="0" dirty="0">
+              <a:effectLst/>
+            </a:endParaRPr>
+          </a:p>
+          <a:p>
+            <a:pPr algn="just"/>
+            <a:r>
+              <a:rPr lang="en-US" sz="2400" b="0" i="0" dirty="0">
+                <a:effectLst/>
               </a:rPr>
               <a:t>• </a:t>
             </a:r>
             <a:r>
-              <a:rPr lang="en-US" sz="2400" b="0" i="0" dirty="0">
-                <a:effectLst/>
-                <a:latin typeface="Arial" panose="020B0604020202020204" pitchFamily="34" charset="0"/>
-              </a:rPr>
-              <a:t>Simulate lambda molecules for a statistical model of BH entropy</a:t>
-            </a:r>
-          </a:p>
-          <a:p>
-            <a:endParaRPr lang="en-US" sz="2400" b="0" i="0" dirty="0">
-              <a:effectLst/>
-              <a:latin typeface="Arial" panose="020B0604020202020204" pitchFamily="34" charset="0"/>
-            </a:endParaRPr>
-          </a:p>
-          <a:p>
-            <a:r>
-              <a:rPr lang="en-US" sz="2400" b="0" i="0" dirty="0">
-                <a:effectLst/>
-                <a:latin typeface="Courier New" panose="02070309020205020404" pitchFamily="49" charset="0"/>
-              </a:rPr>
-              <a:t>• </a:t>
-            </a:r>
-            <a:r>
-              <a:rPr lang="en-US" sz="2400" dirty="0">
-                <a:latin typeface="Arial" panose="020B0604020202020204" pitchFamily="34" charset="0"/>
-              </a:rPr>
+              <a:rPr lang="en-US" sz="2400" dirty="0"/>
               <a:t>Test the molecule model</a:t>
             </a:r>
           </a:p>
           <a:p>
-            <a:endParaRPr lang="en-US" sz="2400" dirty="0">
-              <a:latin typeface="Arial" panose="020B0604020202020204" pitchFamily="34" charset="0"/>
-            </a:endParaRPr>
+            <a:pPr algn="just"/>
+            <a:endParaRPr lang="en-US" sz="1600" dirty="0"/>
           </a:p>
           <a:p>
+            <a:pPr algn="just"/>
             <a:r>
               <a:rPr lang="en-US" sz="2400" b="0" i="0" dirty="0">
                 <a:effectLst/>
-                <a:latin typeface="Courier New" panose="02070309020205020404" pitchFamily="49" charset="0"/>
               </a:rPr>
-              <a:t>• </a:t>
-            </a:r>
-            <a:r>
-              <a:rPr lang="en-US" sz="2400" b="0" i="0" dirty="0">
-                <a:effectLst/>
-                <a:latin typeface="Arial" panose="020B0604020202020204" pitchFamily="34" charset="0"/>
-              </a:rPr>
-              <a:t>Test </a:t>
+              <a:t>• Test </a:t>
             </a:r>
             <a:r>
               <a:rPr lang="en-US" sz="2400" b="0" i="0" dirty="0" err="1">
                 <a:effectLst/>
-                <a:latin typeface="Arial" panose="020B0604020202020204" pitchFamily="34" charset="0"/>
               </a:rPr>
               <a:t>Rindler</a:t>
             </a:r>
             <a:r>
               <a:rPr lang="en-US" sz="2400" b="0" i="0" dirty="0">
                 <a:effectLst/>
-                <a:latin typeface="Arial" panose="020B0604020202020204" pitchFamily="34" charset="0"/>
               </a:rPr>
               <a:t> analytic predictions</a:t>
             </a:r>
@@ -18709,8 +18687,8 @@
           </a:p>
         </p:txBody>
       </p:sp>
-      <mc:AlternateContent xmlns:mc="http://schemas.openxmlformats.org/markup-compatibility/2006">
-        <mc:Choice xmlns:a14="http://schemas.microsoft.com/office/drawing/2010/main" Requires="a14">
+      <mc:AlternateContent xmlns:mc="http://schemas.openxmlformats.org/markup-compatibility/2006" xmlns:a14="http://schemas.microsoft.com/office/drawing/2010/main">
+        <mc:Choice Requires="a14">
           <p:sp>
             <p:nvSpPr>
               <p:cNvPr id="196" name="TextBox 195">
@@ -18825,7 +18803,7 @@
             </p:txBody>
           </p:sp>
         </mc:Choice>
-        <mc:Fallback>
+        <mc:Fallback xmlns="">
           <p:sp>
             <p:nvSpPr>
               <p:cNvPr id="196" name="TextBox 195">
@@ -18870,8 +18848,8 @@
           </p:sp>
         </mc:Fallback>
       </mc:AlternateContent>
-      <mc:AlternateContent xmlns:mc="http://schemas.openxmlformats.org/markup-compatibility/2006">
-        <mc:Choice xmlns:a14="http://schemas.microsoft.com/office/drawing/2010/main" Requires="a14">
+      <mc:AlternateContent xmlns:mc="http://schemas.openxmlformats.org/markup-compatibility/2006" xmlns:a14="http://schemas.microsoft.com/office/drawing/2010/main">
+        <mc:Choice Requires="a14">
           <p:sp>
             <p:nvSpPr>
               <p:cNvPr id="197" name="TextBox 196">
@@ -18978,7 +18956,7 @@
             </p:txBody>
           </p:sp>
         </mc:Choice>
-        <mc:Fallback>
+        <mc:Fallback xmlns="">
           <p:sp>
             <p:nvSpPr>
               <p:cNvPr id="197" name="TextBox 196">
@@ -19053,8 +19031,8 @@
           </a:prstGeom>
         </p:spPr>
       </p:pic>
-      <mc:AlternateContent xmlns:mc="http://schemas.openxmlformats.org/markup-compatibility/2006">
-        <mc:Choice xmlns:a14="http://schemas.microsoft.com/office/drawing/2010/main" Requires="a14">
+      <mc:AlternateContent xmlns:mc="http://schemas.openxmlformats.org/markup-compatibility/2006" xmlns:a14="http://schemas.microsoft.com/office/drawing/2010/main">
+        <mc:Choice Requires="a14">
           <p:sp>
             <p:nvSpPr>
               <p:cNvPr id="201" name="TextBox 200">
@@ -19143,10 +19121,22 @@
                         </m:dPr>
                         <m:e>
                           <m:r>
+                            <a:rPr lang="en-GB" sz="2400" i="1">
+                              <a:latin typeface="Cambria Math" panose="02040503050406030204" pitchFamily="18" charset="0"/>
+                            </a:rPr>
+                            <m:t>0.0929</m:t>
+                          </m:r>
+                          <m:r>
                             <a:rPr lang="en-GB" sz="2400" b="0" i="1" smtClean="0">
                               <a:latin typeface="Cambria Math" panose="02040503050406030204" pitchFamily="18" charset="0"/>
                             </a:rPr>
-                            <m:t>0.±0.</m:t>
+                            <m:t>±</m:t>
+                          </m:r>
+                          <m:r>
+                            <a:rPr lang="en-GB" sz="2400" i="1">
+                              <a:latin typeface="Cambria Math" panose="02040503050406030204" pitchFamily="18" charset="0"/>
+                            </a:rPr>
+                            <m:t> 0.0006</m:t>
                           </m:r>
                         </m:e>
                       </m:d>
@@ -19218,13 +19208,7 @@
                         <a:rPr lang="en-GB" sz="2400" b="0" i="1" smtClean="0">
                           <a:latin typeface="Cambria Math" panose="02040503050406030204" pitchFamily="18" charset="0"/>
                         </a:rPr>
-                        <m:t>ℓ</m:t>
-                      </m:r>
-                      <m:r>
-                        <a:rPr lang="en-GB" sz="2400" b="0" i="1" smtClean="0">
-                          <a:latin typeface="Cambria Math" panose="02040503050406030204" pitchFamily="18" charset="0"/>
-                        </a:rPr>
-                        <m:t>=</m:t>
+                        <m:t>ℓ=</m:t>
                       </m:r>
                       <m:d>
                         <m:dPr>
@@ -19236,28 +19220,22 @@
                         </m:dPr>
                         <m:e>
                           <m:r>
-                            <a:rPr lang="en-GB" sz="2400" b="0" i="1" smtClean="0">
+                            <a:rPr lang="en-GB" sz="2400" i="1">
                               <a:latin typeface="Cambria Math" panose="02040503050406030204" pitchFamily="18" charset="0"/>
                             </a:rPr>
-                            <m:t>0.</m:t>
+                            <m:t>0.6</m:t>
                           </m:r>
                           <m:r>
                             <a:rPr lang="en-GB" sz="2400" b="0" i="1" smtClean="0">
                               <a:latin typeface="Cambria Math" panose="02040503050406030204" pitchFamily="18" charset="0"/>
                             </a:rPr>
-                            <m:t>613</m:t>
+                            <m:t>10±</m:t>
                           </m:r>
                           <m:r>
-                            <a:rPr lang="en-GB" sz="2400" b="0" i="1" smtClean="0">
+                            <a:rPr lang="en-GB" sz="2400" i="1">
                               <a:latin typeface="Cambria Math" panose="02040503050406030204" pitchFamily="18" charset="0"/>
                             </a:rPr>
-                            <m:t>±0.</m:t>
-                          </m:r>
-                          <m:r>
-                            <a:rPr lang="en-GB" sz="2400" b="0" i="1" smtClean="0">
-                              <a:latin typeface="Cambria Math" panose="02040503050406030204" pitchFamily="18" charset="0"/>
-                            </a:rPr>
-                            <m:t>008</m:t>
+                            <m:t> 0.002</m:t>
                           </m:r>
                         </m:e>
                       </m:d>
@@ -19292,10 +19270,9 @@
                 <a:endParaRPr lang="en-GB" sz="2400" dirty="0"/>
               </a:p>
               <a:p>
-                <a:pPr algn="just"/>
                 <a:r>
-                  <a:rPr lang="en-GB" sz="2400" dirty="0"/>
-                  <a:t>whose volume is </a:t>
+                  <a:rPr lang="en-GB" sz="2400" b="0" dirty="0"/>
+                  <a:t>The current universe’s volume would be V=</a:t>
                 </a:r>
                 <a14:m>
                   <m:oMath xmlns:m="http://schemas.openxmlformats.org/officeDocument/2006/math">
@@ -19320,7 +19297,32 @@
                           <a:rPr lang="en-GB" sz="2400" b="0" i="1" smtClean="0">
                             <a:latin typeface="Cambria Math" panose="02040503050406030204" pitchFamily="18" charset="0"/>
                           </a:rPr>
-                          <m:t>−240</m:t>
+                          <m:t>+240</m:t>
+                        </m:r>
+                      </m:sup>
+                    </m:sSup>
+                    <m:sSup>
+                      <m:sSupPr>
+                        <m:ctrlPr>
+                          <a:rPr lang="en-GB" sz="2400" b="0" i="1" smtClean="0">
+                            <a:latin typeface="Cambria Math" panose="02040503050406030204" pitchFamily="18" charset="0"/>
+                          </a:rPr>
+                        </m:ctrlPr>
+                      </m:sSupPr>
+                      <m:e>
+                        <m:r>
+                          <a:rPr lang="en-GB" sz="2400" b="0" i="1" smtClean="0">
+                            <a:latin typeface="Cambria Math" panose="02040503050406030204" pitchFamily="18" charset="0"/>
+                          </a:rPr>
+                          <m:t>ℓ</m:t>
+                        </m:r>
+                      </m:e>
+                      <m:sup>
+                        <m:r>
+                          <a:rPr lang="en-GB" sz="2400" b="0" i="1" smtClean="0">
+                            <a:latin typeface="Cambria Math" panose="02040503050406030204" pitchFamily="18" charset="0"/>
+                          </a:rPr>
+                          <m:t>4</m:t>
                         </m:r>
                       </m:sup>
                     </m:sSup>
@@ -19328,7 +19330,7 @@
                 </a14:m>
                 <a:r>
                   <a:rPr lang="en-GB" sz="2400" dirty="0"/>
-                  <a:t> of the current universe.</a:t>
+                  <a:t> .</a:t>
                 </a:r>
               </a:p>
               <a:p>
@@ -19634,7 +19636,7 @@
             </p:txBody>
           </p:sp>
         </mc:Choice>
-        <mc:Fallback>
+        <mc:Fallback xmlns="">
           <p:sp>
             <p:nvSpPr>
               <p:cNvPr id="201" name="TextBox 200">
@@ -19660,7 +19662,7 @@
               <a:blipFill>
                 <a:blip r:embed="rId90"/>
                 <a:stretch>
-                  <a:fillRect l="-1330" t="-1187" r="-621" b="-2374"/>
+                  <a:fillRect l="-1330" t="-1187" r="-1152" b="-2374"/>
                 </a:stretch>
               </a:blipFill>
             </p:spPr>
@@ -19718,6 +19720,7 @@
                 </a:r>
               </a:p>
               <a:p>
+                <a:pPr/>
                 <a14:m>
                   <m:oMathPara xmlns:m="http://schemas.openxmlformats.org/officeDocument/2006/math">
                     <m:oMathParaPr>
@@ -19762,7 +19765,61 @@
                         <a:rPr lang="en-GB" sz="2400" b="0" i="1" smtClean="0">
                           <a:latin typeface="Cambria Math" panose="02040503050406030204" pitchFamily="18" charset="0"/>
                         </a:rPr>
-                        <m:t>=0.328 </m:t>
+                        <m:t>=</m:t>
+                      </m:r>
+                      <m:d>
+                        <m:dPr>
+                          <m:ctrlPr>
+                            <a:rPr lang="en-GB" sz="2400" b="0" i="1" smtClean="0">
+                              <a:latin typeface="Cambria Math" panose="02040503050406030204" pitchFamily="18" charset="0"/>
+                            </a:rPr>
+                          </m:ctrlPr>
+                        </m:dPr>
+                        <m:e>
+                          <m:r>
+                            <a:rPr lang="en-GB" sz="2400" b="0" i="1" smtClean="0">
+                              <a:latin typeface="Cambria Math" panose="02040503050406030204" pitchFamily="18" charset="0"/>
+                            </a:rPr>
+                            <m:t>1−</m:t>
+                          </m:r>
+                          <m:sSup>
+                            <m:sSupPr>
+                              <m:ctrlPr>
+                                <a:rPr lang="en-GB" sz="2400" b="0" i="1" smtClean="0">
+                                  <a:latin typeface="Cambria Math" panose="02040503050406030204" pitchFamily="18" charset="0"/>
+                                </a:rPr>
+                              </m:ctrlPr>
+                            </m:sSupPr>
+                            <m:e>
+                              <m:r>
+                                <a:rPr lang="en-GB" sz="2400" b="0" i="1" smtClean="0">
+                                  <a:latin typeface="Cambria Math" panose="02040503050406030204" pitchFamily="18" charset="0"/>
+                                </a:rPr>
+                                <m:t>𝑒</m:t>
+                              </m:r>
+                            </m:e>
+                            <m:sup>
+                              <m:r>
+                                <a:rPr lang="en-GB" sz="2400" b="0" i="1" smtClean="0">
+                                  <a:latin typeface="Cambria Math" panose="02040503050406030204" pitchFamily="18" charset="0"/>
+                                </a:rPr>
+                                <m:t>−</m:t>
+                              </m:r>
+                              <m:r>
+                                <a:rPr lang="en-GB" sz="2400" b="0" i="1" smtClean="0">
+                                  <a:latin typeface="Cambria Math" panose="02040503050406030204" pitchFamily="18" charset="0"/>
+                                </a:rPr>
+                                <m:t>𝜒</m:t>
+                              </m:r>
+                            </m:sup>
+                          </m:sSup>
+                        </m:e>
+                      </m:d>
+                      <m:r>
+                        <a:rPr lang="en-GB" sz="2400" b="0" i="1" smtClean="0">
+                          <a:latin typeface="Cambria Math" panose="02040503050406030204" pitchFamily="18" charset="0"/>
+                        </a:rPr>
+                        <m:t>0.328 </m:t>
                       </m:r>
                       <m:rad>
                         <m:radPr>
@@ -21227,8 +21284,8 @@
           </a:p>
         </p:txBody>
       </p:sp>
-      <mc:AlternateContent xmlns:mc="http://schemas.openxmlformats.org/markup-compatibility/2006">
-        <mc:Choice xmlns:p14="http://schemas.microsoft.com/office/powerpoint/2010/main" Requires="p14">
+      <mc:AlternateContent xmlns:mc="http://schemas.openxmlformats.org/markup-compatibility/2006" xmlns:p14="http://schemas.microsoft.com/office/powerpoint/2010/main">
+        <mc:Choice Requires="p14">
           <p:contentPart p14:bwMode="auto" r:id="rId5">
             <p14:nvContentPartPr>
               <p14:cNvPr id="22" name="Ink 21">
@@ -21247,7 +21304,7 @@
             </p14:xfrm>
           </p:contentPart>
         </mc:Choice>
-        <mc:Fallback>
+        <mc:Fallback xmlns="">
           <p:pic>
             <p:nvPicPr>
               <p:cNvPr id="22" name="Ink 21">
@@ -21278,8 +21335,8 @@
           </p:pic>
         </mc:Fallback>
       </mc:AlternateContent>
-      <mc:AlternateContent xmlns:mc="http://schemas.openxmlformats.org/markup-compatibility/2006">
-        <mc:Choice xmlns:a14="http://schemas.microsoft.com/office/drawing/2010/main" Requires="a14">
+      <mc:AlternateContent xmlns:mc="http://schemas.openxmlformats.org/markup-compatibility/2006" xmlns:a14="http://schemas.microsoft.com/office/drawing/2010/main">
+        <mc:Choice Requires="a14">
           <p:sp>
             <p:nvSpPr>
               <p:cNvPr id="23" name="TextBox 22">
@@ -21360,6 +21417,7 @@
                 </a:r>
               </a:p>
               <a:p>
+                <a:pPr/>
                 <a14:m>
                   <m:oMathPara xmlns:m="http://schemas.openxmlformats.org/officeDocument/2006/math">
                     <m:oMathParaPr>
@@ -21626,7 +21684,7 @@
             </p:txBody>
           </p:sp>
         </mc:Choice>
-        <mc:Fallback>
+        <mc:Fallback xmlns="">
           <p:sp>
             <p:nvSpPr>
               <p:cNvPr id="23" name="TextBox 22">
@@ -21701,8 +21759,8 @@
           </a:prstGeom>
         </p:spPr>
       </p:pic>
-      <mc:AlternateContent xmlns:mc="http://schemas.openxmlformats.org/markup-compatibility/2006">
-        <mc:Choice xmlns:p14="http://schemas.microsoft.com/office/powerpoint/2010/main" Requires="p14">
+      <mc:AlternateContent xmlns:mc="http://schemas.openxmlformats.org/markup-compatibility/2006" xmlns:p14="http://schemas.microsoft.com/office/powerpoint/2010/main">
+        <mc:Choice Requires="p14">
           <p:contentPart p14:bwMode="auto" r:id="rId9">
             <p14:nvContentPartPr>
               <p14:cNvPr id="25" name="Ink 24">
@@ -21721,7 +21779,7 @@
             </p14:xfrm>
           </p:contentPart>
         </mc:Choice>
-        <mc:Fallback>
+        <mc:Fallback xmlns="">
           <p:pic>
             <p:nvPicPr>
               <p:cNvPr id="25" name="Ink 24">
@@ -21752,8 +21810,8 @@
           </p:pic>
         </mc:Fallback>
       </mc:AlternateContent>
-      <mc:AlternateContent xmlns:mc="http://schemas.openxmlformats.org/markup-compatibility/2006">
-        <mc:Choice xmlns:p14="http://schemas.microsoft.com/office/powerpoint/2010/main" Requires="p14">
+      <mc:AlternateContent xmlns:mc="http://schemas.openxmlformats.org/markup-compatibility/2006" xmlns:p14="http://schemas.microsoft.com/office/powerpoint/2010/main">
+        <mc:Choice Requires="p14">
           <p:contentPart p14:bwMode="auto" r:id="rId11">
             <p14:nvContentPartPr>
               <p14:cNvPr id="26" name="Ink 25">
@@ -21772,7 +21830,7 @@
             </p14:xfrm>
           </p:contentPart>
         </mc:Choice>
-        <mc:Fallback>
+        <mc:Fallback xmlns="">
           <p:pic>
             <p:nvPicPr>
               <p:cNvPr id="26" name="Ink 25">
@@ -21885,8 +21943,8 @@
           </a:p>
         </p:txBody>
       </p:sp>
-      <mc:AlternateContent xmlns:mc="http://schemas.openxmlformats.org/markup-compatibility/2006">
-        <mc:Choice xmlns:a14="http://schemas.microsoft.com/office/drawing/2010/main" Requires="a14">
+      <mc:AlternateContent xmlns:mc="http://schemas.openxmlformats.org/markup-compatibility/2006" xmlns:a14="http://schemas.microsoft.com/office/drawing/2010/main">
+        <mc:Choice Requires="a14">
           <p:sp>
             <p:nvSpPr>
               <p:cNvPr id="31" name="TextBox 30">
@@ -22044,7 +22102,7 @@
             </p:txBody>
           </p:sp>
         </mc:Choice>
-        <mc:Fallback>
+        <mc:Fallback xmlns="">
           <p:sp>
             <p:nvSpPr>
               <p:cNvPr id="31" name="TextBox 30">
@@ -22384,8 +22442,8 @@
           </a:p>
         </p:txBody>
       </p:sp>
-      <mc:AlternateContent xmlns:mc="http://schemas.openxmlformats.org/markup-compatibility/2006">
-        <mc:Choice xmlns:a14="http://schemas.microsoft.com/office/drawing/2010/main" Requires="a14">
+      <mc:AlternateContent xmlns:mc="http://schemas.openxmlformats.org/markup-compatibility/2006" xmlns:a14="http://schemas.microsoft.com/office/drawing/2010/main">
+        <mc:Choice Requires="a14">
           <p:sp>
             <p:nvSpPr>
               <p:cNvPr id="47" name="TextBox 46">
@@ -22559,7 +22617,7 @@
             </p:txBody>
           </p:sp>
         </mc:Choice>
-        <mc:Fallback>
+        <mc:Fallback xmlns="">
           <p:sp>
             <p:nvSpPr>
               <p:cNvPr id="47" name="TextBox 46">
@@ -22772,8 +22830,8 @@
             <a:chExt cx="4084920" cy="537480"/>
           </a:xfrm>
         </p:grpSpPr>
-        <mc:AlternateContent xmlns:mc="http://schemas.openxmlformats.org/markup-compatibility/2006">
-          <mc:Choice xmlns:p14="http://schemas.microsoft.com/office/powerpoint/2010/main" Requires="p14">
+        <mc:AlternateContent xmlns:mc="http://schemas.openxmlformats.org/markup-compatibility/2006" xmlns:p14="http://schemas.microsoft.com/office/powerpoint/2010/main">
+          <mc:Choice Requires="p14">
             <p:contentPart p14:bwMode="auto" r:id="rId16">
               <p14:nvContentPartPr>
                 <p14:cNvPr id="64" name="Ink 63">
@@ -22792,7 +22850,7 @@
               </p14:xfrm>
             </p:contentPart>
           </mc:Choice>
-          <mc:Fallback>
+          <mc:Fallback xmlns="">
             <p:pic>
               <p:nvPicPr>
                 <p:cNvPr id="64" name="Ink 63">
@@ -22823,8 +22881,8 @@
             </p:pic>
           </mc:Fallback>
         </mc:AlternateContent>
-        <mc:AlternateContent xmlns:mc="http://schemas.openxmlformats.org/markup-compatibility/2006">
-          <mc:Choice xmlns:p14="http://schemas.microsoft.com/office/powerpoint/2010/main" Requires="p14">
+        <mc:AlternateContent xmlns:mc="http://schemas.openxmlformats.org/markup-compatibility/2006" xmlns:p14="http://schemas.microsoft.com/office/powerpoint/2010/main">
+          <mc:Choice Requires="p14">
             <p:contentPart p14:bwMode="auto" r:id="rId18">
               <p14:nvContentPartPr>
                 <p14:cNvPr id="65" name="Ink 64">
@@ -22843,7 +22901,7 @@
               </p14:xfrm>
             </p:contentPart>
           </mc:Choice>
-          <mc:Fallback>
+          <mc:Fallback xmlns="">
             <p:pic>
               <p:nvPicPr>
                 <p:cNvPr id="65" name="Ink 64">
@@ -22874,8 +22932,8 @@
             </p:pic>
           </mc:Fallback>
         </mc:AlternateContent>
-        <mc:AlternateContent xmlns:mc="http://schemas.openxmlformats.org/markup-compatibility/2006">
-          <mc:Choice xmlns:p14="http://schemas.microsoft.com/office/powerpoint/2010/main" Requires="p14">
+        <mc:AlternateContent xmlns:mc="http://schemas.openxmlformats.org/markup-compatibility/2006" xmlns:p14="http://schemas.microsoft.com/office/powerpoint/2010/main">
+          <mc:Choice Requires="p14">
             <p:contentPart p14:bwMode="auto" r:id="rId20">
               <p14:nvContentPartPr>
                 <p14:cNvPr id="66" name="Ink 65">
@@ -22894,7 +22952,7 @@
               </p14:xfrm>
             </p:contentPart>
           </mc:Choice>
-          <mc:Fallback>
+          <mc:Fallback xmlns="">
             <p:pic>
               <p:nvPicPr>
                 <p:cNvPr id="66" name="Ink 65">
@@ -22946,8 +23004,8 @@
             <a:chExt cx="1376640" cy="2240280"/>
           </a:xfrm>
         </p:grpSpPr>
-        <mc:AlternateContent xmlns:mc="http://schemas.openxmlformats.org/markup-compatibility/2006">
-          <mc:Choice xmlns:p14="http://schemas.microsoft.com/office/powerpoint/2010/main" Requires="p14">
+        <mc:AlternateContent xmlns:mc="http://schemas.openxmlformats.org/markup-compatibility/2006" xmlns:p14="http://schemas.microsoft.com/office/powerpoint/2010/main">
+          <mc:Choice Requires="p14">
             <p:contentPart p14:bwMode="auto" r:id="rId22">
               <p14:nvContentPartPr>
                 <p14:cNvPr id="68" name="Ink 67">
@@ -22966,7 +23024,7 @@
               </p14:xfrm>
             </p:contentPart>
           </mc:Choice>
-          <mc:Fallback>
+          <mc:Fallback xmlns="">
             <p:pic>
               <p:nvPicPr>
                 <p:cNvPr id="68" name="Ink 67">
@@ -22997,8 +23055,8 @@
             </p:pic>
           </mc:Fallback>
         </mc:AlternateContent>
-        <mc:AlternateContent xmlns:mc="http://schemas.openxmlformats.org/markup-compatibility/2006">
-          <mc:Choice xmlns:p14="http://schemas.microsoft.com/office/powerpoint/2010/main" Requires="p14">
+        <mc:AlternateContent xmlns:mc="http://schemas.openxmlformats.org/markup-compatibility/2006" xmlns:p14="http://schemas.microsoft.com/office/powerpoint/2010/main">
+          <mc:Choice Requires="p14">
             <p:contentPart p14:bwMode="auto" r:id="rId24">
               <p14:nvContentPartPr>
                 <p14:cNvPr id="69" name="Ink 68">
@@ -23017,7 +23075,7 @@
               </p14:xfrm>
             </p:contentPart>
           </mc:Choice>
-          <mc:Fallback>
+          <mc:Fallback xmlns="">
             <p:pic>
               <p:nvPicPr>
                 <p:cNvPr id="69" name="Ink 68">
@@ -23048,8 +23106,8 @@
             </p:pic>
           </mc:Fallback>
         </mc:AlternateContent>
-        <mc:AlternateContent xmlns:mc="http://schemas.openxmlformats.org/markup-compatibility/2006">
-          <mc:Choice xmlns:p14="http://schemas.microsoft.com/office/powerpoint/2010/main" Requires="p14">
+        <mc:AlternateContent xmlns:mc="http://schemas.openxmlformats.org/markup-compatibility/2006" xmlns:p14="http://schemas.microsoft.com/office/powerpoint/2010/main">
+          <mc:Choice Requires="p14">
             <p:contentPart p14:bwMode="auto" r:id="rId26">
               <p14:nvContentPartPr>
                 <p14:cNvPr id="70" name="Ink 69">
@@ -23068,7 +23126,7 @@
               </p14:xfrm>
             </p:contentPart>
           </mc:Choice>
-          <mc:Fallback>
+          <mc:Fallback xmlns="">
             <p:pic>
               <p:nvPicPr>
                 <p:cNvPr id="70" name="Ink 69">
@@ -23099,8 +23157,8 @@
             </p:pic>
           </mc:Fallback>
         </mc:AlternateContent>
-        <mc:AlternateContent xmlns:mc="http://schemas.openxmlformats.org/markup-compatibility/2006">
-          <mc:Choice xmlns:p14="http://schemas.microsoft.com/office/powerpoint/2010/main" Requires="p14">
+        <mc:AlternateContent xmlns:mc="http://schemas.openxmlformats.org/markup-compatibility/2006" xmlns:p14="http://schemas.microsoft.com/office/powerpoint/2010/main">
+          <mc:Choice Requires="p14">
             <p:contentPart p14:bwMode="auto" r:id="rId28">
               <p14:nvContentPartPr>
                 <p14:cNvPr id="71" name="Ink 70">
@@ -23119,7 +23177,7 @@
               </p14:xfrm>
             </p:contentPart>
           </mc:Choice>
-          <mc:Fallback>
+          <mc:Fallback xmlns="">
             <p:pic>
               <p:nvPicPr>
                 <p:cNvPr id="71" name="Ink 70">
@@ -23151,8 +23209,8 @@
           </mc:Fallback>
         </mc:AlternateContent>
       </p:grpSp>
-      <mc:AlternateContent xmlns:mc="http://schemas.openxmlformats.org/markup-compatibility/2006">
-        <mc:Choice xmlns:p14="http://schemas.microsoft.com/office/powerpoint/2010/main" Requires="p14">
+      <mc:AlternateContent xmlns:mc="http://schemas.openxmlformats.org/markup-compatibility/2006" xmlns:p14="http://schemas.microsoft.com/office/powerpoint/2010/main">
+        <mc:Choice Requires="p14">
           <p:contentPart p14:bwMode="auto" r:id="rId30">
             <p14:nvContentPartPr>
               <p14:cNvPr id="72" name="Ink 71">
@@ -23171,7 +23229,7 @@
             </p14:xfrm>
           </p:contentPart>
         </mc:Choice>
-        <mc:Fallback>
+        <mc:Fallback xmlns="">
           <p:pic>
             <p:nvPicPr>
               <p:cNvPr id="72" name="Ink 71">
@@ -23202,8 +23260,8 @@
           </p:pic>
         </mc:Fallback>
       </mc:AlternateContent>
-      <mc:AlternateContent xmlns:mc="http://schemas.openxmlformats.org/markup-compatibility/2006">
-        <mc:Choice xmlns:p14="http://schemas.microsoft.com/office/powerpoint/2010/main" Requires="p14">
+      <mc:AlternateContent xmlns:mc="http://schemas.openxmlformats.org/markup-compatibility/2006" xmlns:p14="http://schemas.microsoft.com/office/powerpoint/2010/main">
+        <mc:Choice Requires="p14">
           <p:contentPart p14:bwMode="auto" r:id="rId32">
             <p14:nvContentPartPr>
               <p14:cNvPr id="73" name="Ink 72">
@@ -23222,7 +23280,7 @@
             </p14:xfrm>
           </p:contentPart>
         </mc:Choice>
-        <mc:Fallback>
+        <mc:Fallback xmlns="">
           <p:pic>
             <p:nvPicPr>
               <p:cNvPr id="73" name="Ink 72">
@@ -23253,8 +23311,8 @@
           </p:pic>
         </mc:Fallback>
       </mc:AlternateContent>
-      <mc:AlternateContent xmlns:mc="http://schemas.openxmlformats.org/markup-compatibility/2006">
-        <mc:Choice xmlns:p14="http://schemas.microsoft.com/office/powerpoint/2010/main" Requires="p14">
+      <mc:AlternateContent xmlns:mc="http://schemas.openxmlformats.org/markup-compatibility/2006" xmlns:p14="http://schemas.microsoft.com/office/powerpoint/2010/main">
+        <mc:Choice Requires="p14">
           <p:contentPart p14:bwMode="auto" r:id="rId33">
             <p14:nvContentPartPr>
               <p14:cNvPr id="74" name="Ink 73">
@@ -23273,7 +23331,7 @@
             </p14:xfrm>
           </p:contentPart>
         </mc:Choice>
-        <mc:Fallback>
+        <mc:Fallback xmlns="">
           <p:pic>
             <p:nvPicPr>
               <p:cNvPr id="74" name="Ink 73">
@@ -23324,8 +23382,8 @@
             <a:chExt cx="1478520" cy="914760"/>
           </a:xfrm>
         </p:grpSpPr>
-        <mc:AlternateContent xmlns:mc="http://schemas.openxmlformats.org/markup-compatibility/2006">
-          <mc:Choice xmlns:p14="http://schemas.microsoft.com/office/powerpoint/2010/main" Requires="p14">
+        <mc:AlternateContent xmlns:mc="http://schemas.openxmlformats.org/markup-compatibility/2006" xmlns:p14="http://schemas.microsoft.com/office/powerpoint/2010/main">
+          <mc:Choice Requires="p14">
             <p:contentPart p14:bwMode="auto" r:id="rId34">
               <p14:nvContentPartPr>
                 <p14:cNvPr id="82" name="Ink 81">
@@ -23344,7 +23402,7 @@
               </p14:xfrm>
             </p:contentPart>
           </mc:Choice>
-          <mc:Fallback>
+          <mc:Fallback xmlns="">
             <p:pic>
               <p:nvPicPr>
                 <p:cNvPr id="82" name="Ink 81">
@@ -23375,8 +23433,8 @@
             </p:pic>
           </mc:Fallback>
         </mc:AlternateContent>
-        <mc:AlternateContent xmlns:mc="http://schemas.openxmlformats.org/markup-compatibility/2006">
-          <mc:Choice xmlns:p14="http://schemas.microsoft.com/office/powerpoint/2010/main" Requires="p14">
+        <mc:AlternateContent xmlns:mc="http://schemas.openxmlformats.org/markup-compatibility/2006" xmlns:p14="http://schemas.microsoft.com/office/powerpoint/2010/main">
+          <mc:Choice Requires="p14">
             <p:contentPart p14:bwMode="auto" r:id="rId36">
               <p14:nvContentPartPr>
                 <p14:cNvPr id="85" name="Ink 84">
@@ -23395,7 +23453,7 @@
               </p14:xfrm>
             </p:contentPart>
           </mc:Choice>
-          <mc:Fallback>
+          <mc:Fallback xmlns="">
             <p:pic>
               <p:nvPicPr>
                 <p:cNvPr id="85" name="Ink 84">
@@ -23426,8 +23484,8 @@
             </p:pic>
           </mc:Fallback>
         </mc:AlternateContent>
-        <mc:AlternateContent xmlns:mc="http://schemas.openxmlformats.org/markup-compatibility/2006">
-          <mc:Choice xmlns:p14="http://schemas.microsoft.com/office/powerpoint/2010/main" Requires="p14">
+        <mc:AlternateContent xmlns:mc="http://schemas.openxmlformats.org/markup-compatibility/2006" xmlns:p14="http://schemas.microsoft.com/office/powerpoint/2010/main">
+          <mc:Choice Requires="p14">
             <p:contentPart p14:bwMode="auto" r:id="rId37">
               <p14:nvContentPartPr>
                 <p14:cNvPr id="91" name="Ink 90">
@@ -23446,7 +23504,7 @@
               </p14:xfrm>
             </p:contentPart>
           </mc:Choice>
-          <mc:Fallback>
+          <mc:Fallback xmlns="">
             <p:pic>
               <p:nvPicPr>
                 <p:cNvPr id="91" name="Ink 90">
@@ -23477,8 +23535,8 @@
             </p:pic>
           </mc:Fallback>
         </mc:AlternateContent>
-        <mc:AlternateContent xmlns:mc="http://schemas.openxmlformats.org/markup-compatibility/2006">
-          <mc:Choice xmlns:p14="http://schemas.microsoft.com/office/powerpoint/2010/main" Requires="p14">
+        <mc:AlternateContent xmlns:mc="http://schemas.openxmlformats.org/markup-compatibility/2006" xmlns:p14="http://schemas.microsoft.com/office/powerpoint/2010/main">
+          <mc:Choice Requires="p14">
             <p:contentPart p14:bwMode="auto" r:id="rId38">
               <p14:nvContentPartPr>
                 <p14:cNvPr id="96" name="Ink 95">
@@ -23497,7 +23555,7 @@
               </p14:xfrm>
             </p:contentPart>
           </mc:Choice>
-          <mc:Fallback>
+          <mc:Fallback xmlns="">
             <p:pic>
               <p:nvPicPr>
                 <p:cNvPr id="96" name="Ink 95">
@@ -23528,8 +23586,8 @@
             </p:pic>
           </mc:Fallback>
         </mc:AlternateContent>
-        <mc:AlternateContent xmlns:mc="http://schemas.openxmlformats.org/markup-compatibility/2006">
-          <mc:Choice xmlns:p14="http://schemas.microsoft.com/office/powerpoint/2010/main" Requires="p14">
+        <mc:AlternateContent xmlns:mc="http://schemas.openxmlformats.org/markup-compatibility/2006" xmlns:p14="http://schemas.microsoft.com/office/powerpoint/2010/main">
+          <mc:Choice Requires="p14">
             <p:contentPart p14:bwMode="auto" r:id="rId39">
               <p14:nvContentPartPr>
                 <p14:cNvPr id="100" name="Ink 99">
@@ -23548,7 +23606,7 @@
               </p14:xfrm>
             </p:contentPart>
           </mc:Choice>
-          <mc:Fallback>
+          <mc:Fallback xmlns="">
             <p:pic>
               <p:nvPicPr>
                 <p:cNvPr id="100" name="Ink 99">
@@ -23579,8 +23637,8 @@
             </p:pic>
           </mc:Fallback>
         </mc:AlternateContent>
-        <mc:AlternateContent xmlns:mc="http://schemas.openxmlformats.org/markup-compatibility/2006">
-          <mc:Choice xmlns:p14="http://schemas.microsoft.com/office/powerpoint/2010/main" Requires="p14">
+        <mc:AlternateContent xmlns:mc="http://schemas.openxmlformats.org/markup-compatibility/2006" xmlns:p14="http://schemas.microsoft.com/office/powerpoint/2010/main">
+          <mc:Choice Requires="p14">
             <p:contentPart p14:bwMode="auto" r:id="rId40">
               <p14:nvContentPartPr>
                 <p14:cNvPr id="106" name="Ink 105">
@@ -23599,7 +23657,7 @@
               </p14:xfrm>
             </p:contentPart>
           </mc:Choice>
-          <mc:Fallback>
+          <mc:Fallback xmlns="">
             <p:pic>
               <p:nvPicPr>
                 <p:cNvPr id="106" name="Ink 105">
@@ -23630,8 +23688,8 @@
             </p:pic>
           </mc:Fallback>
         </mc:AlternateContent>
-        <mc:AlternateContent xmlns:mc="http://schemas.openxmlformats.org/markup-compatibility/2006">
-          <mc:Choice xmlns:p14="http://schemas.microsoft.com/office/powerpoint/2010/main" Requires="p14">
+        <mc:AlternateContent xmlns:mc="http://schemas.openxmlformats.org/markup-compatibility/2006" xmlns:p14="http://schemas.microsoft.com/office/powerpoint/2010/main">
+          <mc:Choice Requires="p14">
             <p:contentPart p14:bwMode="auto" r:id="rId41">
               <p14:nvContentPartPr>
                 <p14:cNvPr id="108" name="Ink 107">
@@ -23650,7 +23708,7 @@
               </p14:xfrm>
             </p:contentPart>
           </mc:Choice>
-          <mc:Fallback>
+          <mc:Fallback xmlns="">
             <p:pic>
               <p:nvPicPr>
                 <p:cNvPr id="108" name="Ink 107">
@@ -23681,8 +23739,8 @@
             </p:pic>
           </mc:Fallback>
         </mc:AlternateContent>
-        <mc:AlternateContent xmlns:mc="http://schemas.openxmlformats.org/markup-compatibility/2006">
-          <mc:Choice xmlns:p14="http://schemas.microsoft.com/office/powerpoint/2010/main" Requires="p14">
+        <mc:AlternateContent xmlns:mc="http://schemas.openxmlformats.org/markup-compatibility/2006" xmlns:p14="http://schemas.microsoft.com/office/powerpoint/2010/main">
+          <mc:Choice Requires="p14">
             <p:contentPart p14:bwMode="auto" r:id="rId43">
               <p14:nvContentPartPr>
                 <p14:cNvPr id="109" name="Ink 108">
@@ -23701,7 +23759,7 @@
               </p14:xfrm>
             </p:contentPart>
           </mc:Choice>
-          <mc:Fallback>
+          <mc:Fallback xmlns="">
             <p:pic>
               <p:nvPicPr>
                 <p:cNvPr id="109" name="Ink 108">
@@ -23732,8 +23790,8 @@
             </p:pic>
           </mc:Fallback>
         </mc:AlternateContent>
-        <mc:AlternateContent xmlns:mc="http://schemas.openxmlformats.org/markup-compatibility/2006">
-          <mc:Choice xmlns:p14="http://schemas.microsoft.com/office/powerpoint/2010/main" Requires="p14">
+        <mc:AlternateContent xmlns:mc="http://schemas.openxmlformats.org/markup-compatibility/2006" xmlns:p14="http://schemas.microsoft.com/office/powerpoint/2010/main">
+          <mc:Choice Requires="p14">
             <p:contentPart p14:bwMode="auto" r:id="rId44">
               <p14:nvContentPartPr>
                 <p14:cNvPr id="110" name="Ink 109">
@@ -23752,7 +23810,7 @@
               </p14:xfrm>
             </p:contentPart>
           </mc:Choice>
-          <mc:Fallback>
+          <mc:Fallback xmlns="">
             <p:pic>
               <p:nvPicPr>
                 <p:cNvPr id="110" name="Ink 109">
@@ -23783,8 +23841,8 @@
             </p:pic>
           </mc:Fallback>
         </mc:AlternateContent>
-        <mc:AlternateContent xmlns:mc="http://schemas.openxmlformats.org/markup-compatibility/2006">
-          <mc:Choice xmlns:p14="http://schemas.microsoft.com/office/powerpoint/2010/main" Requires="p14">
+        <mc:AlternateContent xmlns:mc="http://schemas.openxmlformats.org/markup-compatibility/2006" xmlns:p14="http://schemas.microsoft.com/office/powerpoint/2010/main">
+          <mc:Choice Requires="p14">
             <p:contentPart p14:bwMode="auto" r:id="rId45">
               <p14:nvContentPartPr>
                 <p14:cNvPr id="112" name="Ink 111">
@@ -23803,7 +23861,7 @@
               </p14:xfrm>
             </p:contentPart>
           </mc:Choice>
-          <mc:Fallback>
+          <mc:Fallback xmlns="">
             <p:pic>
               <p:nvPicPr>
                 <p:cNvPr id="112" name="Ink 111">
@@ -23834,8 +23892,8 @@
             </p:pic>
           </mc:Fallback>
         </mc:AlternateContent>
-        <mc:AlternateContent xmlns:mc="http://schemas.openxmlformats.org/markup-compatibility/2006">
-          <mc:Choice xmlns:p14="http://schemas.microsoft.com/office/powerpoint/2010/main" Requires="p14">
+        <mc:AlternateContent xmlns:mc="http://schemas.openxmlformats.org/markup-compatibility/2006" xmlns:p14="http://schemas.microsoft.com/office/powerpoint/2010/main">
+          <mc:Choice Requires="p14">
             <p:contentPart p14:bwMode="auto" r:id="rId46">
               <p14:nvContentPartPr>
                 <p14:cNvPr id="113" name="Ink 112">
@@ -23854,7 +23912,7 @@
               </p14:xfrm>
             </p:contentPart>
           </mc:Choice>
-          <mc:Fallback>
+          <mc:Fallback xmlns="">
             <p:pic>
               <p:nvPicPr>
                 <p:cNvPr id="113" name="Ink 112">
@@ -23885,8 +23943,8 @@
             </p:pic>
           </mc:Fallback>
         </mc:AlternateContent>
-        <mc:AlternateContent xmlns:mc="http://schemas.openxmlformats.org/markup-compatibility/2006">
-          <mc:Choice xmlns:p14="http://schemas.microsoft.com/office/powerpoint/2010/main" Requires="p14">
+        <mc:AlternateContent xmlns:mc="http://schemas.openxmlformats.org/markup-compatibility/2006" xmlns:p14="http://schemas.microsoft.com/office/powerpoint/2010/main">
+          <mc:Choice Requires="p14">
             <p:contentPart p14:bwMode="auto" r:id="rId47">
               <p14:nvContentPartPr>
                 <p14:cNvPr id="114" name="Ink 113">
@@ -23905,7 +23963,7 @@
               </p14:xfrm>
             </p:contentPart>
           </mc:Choice>
-          <mc:Fallback>
+          <mc:Fallback xmlns="">
             <p:pic>
               <p:nvPicPr>
                 <p:cNvPr id="114" name="Ink 113">
@@ -23936,8 +23994,8 @@
             </p:pic>
           </mc:Fallback>
         </mc:AlternateContent>
-        <mc:AlternateContent xmlns:mc="http://schemas.openxmlformats.org/markup-compatibility/2006">
-          <mc:Choice xmlns:p14="http://schemas.microsoft.com/office/powerpoint/2010/main" Requires="p14">
+        <mc:AlternateContent xmlns:mc="http://schemas.openxmlformats.org/markup-compatibility/2006" xmlns:p14="http://schemas.microsoft.com/office/powerpoint/2010/main">
+          <mc:Choice Requires="p14">
             <p:contentPart p14:bwMode="auto" r:id="rId48">
               <p14:nvContentPartPr>
                 <p14:cNvPr id="115" name="Ink 114">
@@ -23956,7 +24014,7 @@
               </p14:xfrm>
             </p:contentPart>
           </mc:Choice>
-          <mc:Fallback>
+          <mc:Fallback xmlns="">
             <p:pic>
               <p:nvPicPr>
                 <p:cNvPr id="115" name="Ink 114">
@@ -23987,8 +24045,8 @@
             </p:pic>
           </mc:Fallback>
         </mc:AlternateContent>
-        <mc:AlternateContent xmlns:mc="http://schemas.openxmlformats.org/markup-compatibility/2006">
-          <mc:Choice xmlns:p14="http://schemas.microsoft.com/office/powerpoint/2010/main" Requires="p14">
+        <mc:AlternateContent xmlns:mc="http://schemas.openxmlformats.org/markup-compatibility/2006" xmlns:p14="http://schemas.microsoft.com/office/powerpoint/2010/main">
+          <mc:Choice Requires="p14">
             <p:contentPart p14:bwMode="auto" r:id="rId49">
               <p14:nvContentPartPr>
                 <p14:cNvPr id="116" name="Ink 115">
@@ -24007,7 +24065,7 @@
               </p14:xfrm>
             </p:contentPart>
           </mc:Choice>
-          <mc:Fallback>
+          <mc:Fallback xmlns="">
             <p:pic>
               <p:nvPicPr>
                 <p:cNvPr id="116" name="Ink 115">
@@ -24038,8 +24096,8 @@
             </p:pic>
           </mc:Fallback>
         </mc:AlternateContent>
-        <mc:AlternateContent xmlns:mc="http://schemas.openxmlformats.org/markup-compatibility/2006">
-          <mc:Choice xmlns:p14="http://schemas.microsoft.com/office/powerpoint/2010/main" Requires="p14">
+        <mc:AlternateContent xmlns:mc="http://schemas.openxmlformats.org/markup-compatibility/2006" xmlns:p14="http://schemas.microsoft.com/office/powerpoint/2010/main">
+          <mc:Choice Requires="p14">
             <p:contentPart p14:bwMode="auto" r:id="rId50">
               <p14:nvContentPartPr>
                 <p14:cNvPr id="117" name="Ink 116">
@@ -24058,7 +24116,7 @@
               </p14:xfrm>
             </p:contentPart>
           </mc:Choice>
-          <mc:Fallback>
+          <mc:Fallback xmlns="">
             <p:pic>
               <p:nvPicPr>
                 <p:cNvPr id="117" name="Ink 116">
@@ -24089,8 +24147,8 @@
             </p:pic>
           </mc:Fallback>
         </mc:AlternateContent>
-        <mc:AlternateContent xmlns:mc="http://schemas.openxmlformats.org/markup-compatibility/2006">
-          <mc:Choice xmlns:p14="http://schemas.microsoft.com/office/powerpoint/2010/main" Requires="p14">
+        <mc:AlternateContent xmlns:mc="http://schemas.openxmlformats.org/markup-compatibility/2006" xmlns:p14="http://schemas.microsoft.com/office/powerpoint/2010/main">
+          <mc:Choice Requires="p14">
             <p:contentPart p14:bwMode="auto" r:id="rId51">
               <p14:nvContentPartPr>
                 <p14:cNvPr id="118" name="Ink 117">
@@ -24109,7 +24167,7 @@
               </p14:xfrm>
             </p:contentPart>
           </mc:Choice>
-          <mc:Fallback>
+          <mc:Fallback xmlns="">
             <p:pic>
               <p:nvPicPr>
                 <p:cNvPr id="118" name="Ink 117">
@@ -24140,8 +24198,8 @@
             </p:pic>
           </mc:Fallback>
         </mc:AlternateContent>
-        <mc:AlternateContent xmlns:mc="http://schemas.openxmlformats.org/markup-compatibility/2006">
-          <mc:Choice xmlns:p14="http://schemas.microsoft.com/office/powerpoint/2010/main" Requires="p14">
+        <mc:AlternateContent xmlns:mc="http://schemas.openxmlformats.org/markup-compatibility/2006" xmlns:p14="http://schemas.microsoft.com/office/powerpoint/2010/main">
+          <mc:Choice Requires="p14">
             <p:contentPart p14:bwMode="auto" r:id="rId53">
               <p14:nvContentPartPr>
                 <p14:cNvPr id="119" name="Ink 118">
@@ -24160,7 +24218,7 @@
               </p14:xfrm>
             </p:contentPart>
           </mc:Choice>
-          <mc:Fallback>
+          <mc:Fallback xmlns="">
             <p:pic>
               <p:nvPicPr>
                 <p:cNvPr id="119" name="Ink 118">
@@ -24191,8 +24249,8 @@
             </p:pic>
           </mc:Fallback>
         </mc:AlternateContent>
-        <mc:AlternateContent xmlns:mc="http://schemas.openxmlformats.org/markup-compatibility/2006">
-          <mc:Choice xmlns:p14="http://schemas.microsoft.com/office/powerpoint/2010/main" Requires="p14">
+        <mc:AlternateContent xmlns:mc="http://schemas.openxmlformats.org/markup-compatibility/2006" xmlns:p14="http://schemas.microsoft.com/office/powerpoint/2010/main">
+          <mc:Choice Requires="p14">
             <p:contentPart p14:bwMode="auto" r:id="rId55">
               <p14:nvContentPartPr>
                 <p14:cNvPr id="120" name="Ink 119">
@@ -24211,7 +24269,7 @@
               </p14:xfrm>
             </p:contentPart>
           </mc:Choice>
-          <mc:Fallback>
+          <mc:Fallback xmlns="">
             <p:pic>
               <p:nvPicPr>
                 <p:cNvPr id="120" name="Ink 119">
@@ -24242,8 +24300,8 @@
             </p:pic>
           </mc:Fallback>
         </mc:AlternateContent>
-        <mc:AlternateContent xmlns:mc="http://schemas.openxmlformats.org/markup-compatibility/2006">
-          <mc:Choice xmlns:p14="http://schemas.microsoft.com/office/powerpoint/2010/main" Requires="p14">
+        <mc:AlternateContent xmlns:mc="http://schemas.openxmlformats.org/markup-compatibility/2006" xmlns:p14="http://schemas.microsoft.com/office/powerpoint/2010/main">
+          <mc:Choice Requires="p14">
             <p:contentPart p14:bwMode="auto" r:id="rId57">
               <p14:nvContentPartPr>
                 <p14:cNvPr id="121" name="Ink 120">
@@ -24262,7 +24320,7 @@
               </p14:xfrm>
             </p:contentPart>
           </mc:Choice>
-          <mc:Fallback>
+          <mc:Fallback xmlns="">
             <p:pic>
               <p:nvPicPr>
                 <p:cNvPr id="121" name="Ink 120">
@@ -24293,8 +24351,8 @@
             </p:pic>
           </mc:Fallback>
         </mc:AlternateContent>
-        <mc:AlternateContent xmlns:mc="http://schemas.openxmlformats.org/markup-compatibility/2006">
-          <mc:Choice xmlns:p14="http://schemas.microsoft.com/office/powerpoint/2010/main" Requires="p14">
+        <mc:AlternateContent xmlns:mc="http://schemas.openxmlformats.org/markup-compatibility/2006" xmlns:p14="http://schemas.microsoft.com/office/powerpoint/2010/main">
+          <mc:Choice Requires="p14">
             <p:contentPart p14:bwMode="auto" r:id="rId59">
               <p14:nvContentPartPr>
                 <p14:cNvPr id="122" name="Ink 121">
@@ -24313,7 +24371,7 @@
               </p14:xfrm>
             </p:contentPart>
           </mc:Choice>
-          <mc:Fallback>
+          <mc:Fallback xmlns="">
             <p:pic>
               <p:nvPicPr>
                 <p:cNvPr id="122" name="Ink 121">
@@ -24344,8 +24402,8 @@
             </p:pic>
           </mc:Fallback>
         </mc:AlternateContent>
-        <mc:AlternateContent xmlns:mc="http://schemas.openxmlformats.org/markup-compatibility/2006">
-          <mc:Choice xmlns:p14="http://schemas.microsoft.com/office/powerpoint/2010/main" Requires="p14">
+        <mc:AlternateContent xmlns:mc="http://schemas.openxmlformats.org/markup-compatibility/2006" xmlns:p14="http://schemas.microsoft.com/office/powerpoint/2010/main">
+          <mc:Choice Requires="p14">
             <p:contentPart p14:bwMode="auto" r:id="rId61">
               <p14:nvContentPartPr>
                 <p14:cNvPr id="123" name="Ink 122">
@@ -24364,7 +24422,7 @@
               </p14:xfrm>
             </p:contentPart>
           </mc:Choice>
-          <mc:Fallback>
+          <mc:Fallback xmlns="">
             <p:pic>
               <p:nvPicPr>
                 <p:cNvPr id="123" name="Ink 122">
@@ -24395,8 +24453,8 @@
             </p:pic>
           </mc:Fallback>
         </mc:AlternateContent>
-        <mc:AlternateContent xmlns:mc="http://schemas.openxmlformats.org/markup-compatibility/2006">
-          <mc:Choice xmlns:p14="http://schemas.microsoft.com/office/powerpoint/2010/main" Requires="p14">
+        <mc:AlternateContent xmlns:mc="http://schemas.openxmlformats.org/markup-compatibility/2006" xmlns:p14="http://schemas.microsoft.com/office/powerpoint/2010/main">
+          <mc:Choice Requires="p14">
             <p:contentPart p14:bwMode="auto" r:id="rId63">
               <p14:nvContentPartPr>
                 <p14:cNvPr id="124" name="Ink 123">
@@ -24415,7 +24473,7 @@
               </p14:xfrm>
             </p:contentPart>
           </mc:Choice>
-          <mc:Fallback>
+          <mc:Fallback xmlns="">
             <p:pic>
               <p:nvPicPr>
                 <p:cNvPr id="124" name="Ink 123">
@@ -24446,8 +24504,8 @@
             </p:pic>
           </mc:Fallback>
         </mc:AlternateContent>
-        <mc:AlternateContent xmlns:mc="http://schemas.openxmlformats.org/markup-compatibility/2006">
-          <mc:Choice xmlns:p14="http://schemas.microsoft.com/office/powerpoint/2010/main" Requires="p14">
+        <mc:AlternateContent xmlns:mc="http://schemas.openxmlformats.org/markup-compatibility/2006" xmlns:p14="http://schemas.microsoft.com/office/powerpoint/2010/main">
+          <mc:Choice Requires="p14">
             <p:contentPart p14:bwMode="auto" r:id="rId65">
               <p14:nvContentPartPr>
                 <p14:cNvPr id="125" name="Ink 124">
@@ -24466,7 +24524,7 @@
               </p14:xfrm>
             </p:contentPart>
           </mc:Choice>
-          <mc:Fallback>
+          <mc:Fallback xmlns="">
             <p:pic>
               <p:nvPicPr>
                 <p:cNvPr id="125" name="Ink 124">
@@ -24497,8 +24555,8 @@
             </p:pic>
           </mc:Fallback>
         </mc:AlternateContent>
-        <mc:AlternateContent xmlns:mc="http://schemas.openxmlformats.org/markup-compatibility/2006">
-          <mc:Choice xmlns:p14="http://schemas.microsoft.com/office/powerpoint/2010/main" Requires="p14">
+        <mc:AlternateContent xmlns:mc="http://schemas.openxmlformats.org/markup-compatibility/2006" xmlns:p14="http://schemas.microsoft.com/office/powerpoint/2010/main">
+          <mc:Choice Requires="p14">
             <p:contentPart p14:bwMode="auto" r:id="rId67">
               <p14:nvContentPartPr>
                 <p14:cNvPr id="126" name="Ink 125">
@@ -24517,7 +24575,7 @@
               </p14:xfrm>
             </p:contentPart>
           </mc:Choice>
-          <mc:Fallback>
+          <mc:Fallback xmlns="">
             <p:pic>
               <p:nvPicPr>
                 <p:cNvPr id="126" name="Ink 125">
@@ -24548,8 +24606,8 @@
             </p:pic>
           </mc:Fallback>
         </mc:AlternateContent>
-        <mc:AlternateContent xmlns:mc="http://schemas.openxmlformats.org/markup-compatibility/2006">
-          <mc:Choice xmlns:p14="http://schemas.microsoft.com/office/powerpoint/2010/main" Requires="p14">
+        <mc:AlternateContent xmlns:mc="http://schemas.openxmlformats.org/markup-compatibility/2006" xmlns:p14="http://schemas.microsoft.com/office/powerpoint/2010/main">
+          <mc:Choice Requires="p14">
             <p:contentPart p14:bwMode="auto" r:id="rId68">
               <p14:nvContentPartPr>
                 <p14:cNvPr id="127" name="Ink 126">
@@ -24568,7 +24626,7 @@
               </p14:xfrm>
             </p:contentPart>
           </mc:Choice>
-          <mc:Fallback>
+          <mc:Fallback xmlns="">
             <p:pic>
               <p:nvPicPr>
                 <p:cNvPr id="127" name="Ink 126">
@@ -24599,8 +24657,8 @@
             </p:pic>
           </mc:Fallback>
         </mc:AlternateContent>
-        <mc:AlternateContent xmlns:mc="http://schemas.openxmlformats.org/markup-compatibility/2006">
-          <mc:Choice xmlns:p14="http://schemas.microsoft.com/office/powerpoint/2010/main" Requires="p14">
+        <mc:AlternateContent xmlns:mc="http://schemas.openxmlformats.org/markup-compatibility/2006" xmlns:p14="http://schemas.microsoft.com/office/powerpoint/2010/main">
+          <mc:Choice Requires="p14">
             <p:contentPart p14:bwMode="auto" r:id="rId69">
               <p14:nvContentPartPr>
                 <p14:cNvPr id="128" name="Ink 127">
@@ -24619,7 +24677,7 @@
               </p14:xfrm>
             </p:contentPart>
           </mc:Choice>
-          <mc:Fallback>
+          <mc:Fallback xmlns="">
             <p:pic>
               <p:nvPicPr>
                 <p:cNvPr id="128" name="Ink 127">
@@ -24651,8 +24709,8 @@
           </mc:Fallback>
         </mc:AlternateContent>
       </p:grpSp>
-      <mc:AlternateContent xmlns:mc="http://schemas.openxmlformats.org/markup-compatibility/2006">
-        <mc:Choice xmlns:p14="http://schemas.microsoft.com/office/powerpoint/2010/main" Requires="p14">
+      <mc:AlternateContent xmlns:mc="http://schemas.openxmlformats.org/markup-compatibility/2006" xmlns:p14="http://schemas.microsoft.com/office/powerpoint/2010/main">
+        <mc:Choice Requires="p14">
           <p:contentPart p14:bwMode="auto" r:id="rId70">
             <p14:nvContentPartPr>
               <p14:cNvPr id="129" name="Ink 128">
@@ -24671,7 +24729,7 @@
             </p14:xfrm>
           </p:contentPart>
         </mc:Choice>
-        <mc:Fallback>
+        <mc:Fallback xmlns="">
           <p:pic>
             <p:nvPicPr>
               <p:cNvPr id="129" name="Ink 128">
@@ -24702,8 +24760,8 @@
           </p:pic>
         </mc:Fallback>
       </mc:AlternateContent>
-      <mc:AlternateContent xmlns:mc="http://schemas.openxmlformats.org/markup-compatibility/2006">
-        <mc:Choice xmlns:p14="http://schemas.microsoft.com/office/powerpoint/2010/main" Requires="p14">
+      <mc:AlternateContent xmlns:mc="http://schemas.openxmlformats.org/markup-compatibility/2006" xmlns:p14="http://schemas.microsoft.com/office/powerpoint/2010/main">
+        <mc:Choice Requires="p14">
           <p:contentPart p14:bwMode="auto" r:id="rId71">
             <p14:nvContentPartPr>
               <p14:cNvPr id="130" name="Ink 129">
@@ -24722,7 +24780,7 @@
             </p14:xfrm>
           </p:contentPart>
         </mc:Choice>
-        <mc:Fallback>
+        <mc:Fallback xmlns="">
           <p:pic>
             <p:nvPicPr>
               <p:cNvPr id="130" name="Ink 129">
@@ -24753,8 +24811,8 @@
           </p:pic>
         </mc:Fallback>
       </mc:AlternateContent>
-      <mc:AlternateContent xmlns:mc="http://schemas.openxmlformats.org/markup-compatibility/2006">
-        <mc:Choice xmlns:p14="http://schemas.microsoft.com/office/powerpoint/2010/main" Requires="p14">
+      <mc:AlternateContent xmlns:mc="http://schemas.openxmlformats.org/markup-compatibility/2006" xmlns:p14="http://schemas.microsoft.com/office/powerpoint/2010/main">
+        <mc:Choice Requires="p14">
           <p:contentPart p14:bwMode="auto" r:id="rId72">
             <p14:nvContentPartPr>
               <p14:cNvPr id="131" name="Ink 130">
@@ -24773,7 +24831,7 @@
             </p14:xfrm>
           </p:contentPart>
         </mc:Choice>
-        <mc:Fallback>
+        <mc:Fallback xmlns="">
           <p:pic>
             <p:nvPicPr>
               <p:cNvPr id="131" name="Ink 130">
@@ -24824,8 +24882,8 @@
             <a:chExt cx="45720" cy="31320"/>
           </a:xfrm>
         </p:grpSpPr>
-        <mc:AlternateContent xmlns:mc="http://schemas.openxmlformats.org/markup-compatibility/2006">
-          <mc:Choice xmlns:p14="http://schemas.microsoft.com/office/powerpoint/2010/main" Requires="p14">
+        <mc:AlternateContent xmlns:mc="http://schemas.openxmlformats.org/markup-compatibility/2006" xmlns:p14="http://schemas.microsoft.com/office/powerpoint/2010/main">
+          <mc:Choice Requires="p14">
             <p:contentPart p14:bwMode="auto" r:id="rId73">
               <p14:nvContentPartPr>
                 <p14:cNvPr id="133" name="Ink 132">
@@ -24844,7 +24902,7 @@
               </p14:xfrm>
             </p:contentPart>
           </mc:Choice>
-          <mc:Fallback>
+          <mc:Fallback xmlns="">
             <p:pic>
               <p:nvPicPr>
                 <p:cNvPr id="133" name="Ink 132">
@@ -24875,8 +24933,8 @@
             </p:pic>
           </mc:Fallback>
         </mc:AlternateContent>
-        <mc:AlternateContent xmlns:mc="http://schemas.openxmlformats.org/markup-compatibility/2006">
-          <mc:Choice xmlns:p14="http://schemas.microsoft.com/office/powerpoint/2010/main" Requires="p14">
+        <mc:AlternateContent xmlns:mc="http://schemas.openxmlformats.org/markup-compatibility/2006" xmlns:p14="http://schemas.microsoft.com/office/powerpoint/2010/main">
+          <mc:Choice Requires="p14">
             <p:contentPart p14:bwMode="auto" r:id="rId75">
               <p14:nvContentPartPr>
                 <p14:cNvPr id="134" name="Ink 133">
@@ -24895,7 +24953,7 @@
               </p14:xfrm>
             </p:contentPart>
           </mc:Choice>
-          <mc:Fallback>
+          <mc:Fallback xmlns="">
             <p:pic>
               <p:nvPicPr>
                 <p:cNvPr id="134" name="Ink 133">
@@ -24947,8 +25005,8 @@
             <a:chExt cx="360" cy="360"/>
           </a:xfrm>
         </p:grpSpPr>
-        <mc:AlternateContent xmlns:mc="http://schemas.openxmlformats.org/markup-compatibility/2006">
-          <mc:Choice xmlns:p14="http://schemas.microsoft.com/office/powerpoint/2010/main" Requires="p14">
+        <mc:AlternateContent xmlns:mc="http://schemas.openxmlformats.org/markup-compatibility/2006" xmlns:p14="http://schemas.microsoft.com/office/powerpoint/2010/main">
+          <mc:Choice Requires="p14">
             <p:contentPart p14:bwMode="auto" r:id="rId76">
               <p14:nvContentPartPr>
                 <p14:cNvPr id="136" name="Ink 135">
@@ -24967,7 +25025,7 @@
               </p14:xfrm>
             </p:contentPart>
           </mc:Choice>
-          <mc:Fallback>
+          <mc:Fallback xmlns="">
             <p:pic>
               <p:nvPicPr>
                 <p:cNvPr id="136" name="Ink 135">
@@ -24998,8 +25056,8 @@
             </p:pic>
           </mc:Fallback>
         </mc:AlternateContent>
-        <mc:AlternateContent xmlns:mc="http://schemas.openxmlformats.org/markup-compatibility/2006">
-          <mc:Choice xmlns:p14="http://schemas.microsoft.com/office/powerpoint/2010/main" Requires="p14">
+        <mc:AlternateContent xmlns:mc="http://schemas.openxmlformats.org/markup-compatibility/2006" xmlns:p14="http://schemas.microsoft.com/office/powerpoint/2010/main">
+          <mc:Choice Requires="p14">
             <p:contentPart p14:bwMode="auto" r:id="rId77">
               <p14:nvContentPartPr>
                 <p14:cNvPr id="137" name="Ink 136">
@@ -25018,7 +25076,7 @@
               </p14:xfrm>
             </p:contentPart>
           </mc:Choice>
-          <mc:Fallback>
+          <mc:Fallback xmlns="">
             <p:pic>
               <p:nvPicPr>
                 <p:cNvPr id="137" name="Ink 136">
@@ -25050,8 +25108,8 @@
           </mc:Fallback>
         </mc:AlternateContent>
       </p:grpSp>
-      <mc:AlternateContent xmlns:mc="http://schemas.openxmlformats.org/markup-compatibility/2006">
-        <mc:Choice xmlns:p14="http://schemas.microsoft.com/office/powerpoint/2010/main" Requires="p14">
+      <mc:AlternateContent xmlns:mc="http://schemas.openxmlformats.org/markup-compatibility/2006" xmlns:p14="http://schemas.microsoft.com/office/powerpoint/2010/main">
+        <mc:Choice Requires="p14">
           <p:contentPart p14:bwMode="auto" r:id="rId78">
             <p14:nvContentPartPr>
               <p14:cNvPr id="138" name="Ink 137">
@@ -25070,7 +25128,7 @@
             </p14:xfrm>
           </p:contentPart>
         </mc:Choice>
-        <mc:Fallback>
+        <mc:Fallback xmlns="">
           <p:pic>
             <p:nvPicPr>
               <p:cNvPr id="138" name="Ink 137">
@@ -25121,8 +25179,8 @@
             <a:chExt cx="30600" cy="15480"/>
           </a:xfrm>
         </p:grpSpPr>
-        <mc:AlternateContent xmlns:mc="http://schemas.openxmlformats.org/markup-compatibility/2006">
-          <mc:Choice xmlns:p14="http://schemas.microsoft.com/office/powerpoint/2010/main" Requires="p14">
+        <mc:AlternateContent xmlns:mc="http://schemas.openxmlformats.org/markup-compatibility/2006" xmlns:p14="http://schemas.microsoft.com/office/powerpoint/2010/main">
+          <mc:Choice Requires="p14">
             <p:contentPart p14:bwMode="auto" r:id="rId79">
               <p14:nvContentPartPr>
                 <p14:cNvPr id="140" name="Ink 139">
@@ -25141,7 +25199,7 @@
               </p14:xfrm>
             </p:contentPart>
           </mc:Choice>
-          <mc:Fallback>
+          <mc:Fallback xmlns="">
             <p:pic>
               <p:nvPicPr>
                 <p:cNvPr id="140" name="Ink 139">
@@ -25172,8 +25230,8 @@
             </p:pic>
           </mc:Fallback>
         </mc:AlternateContent>
-        <mc:AlternateContent xmlns:mc="http://schemas.openxmlformats.org/markup-compatibility/2006">
-          <mc:Choice xmlns:p14="http://schemas.microsoft.com/office/powerpoint/2010/main" Requires="p14">
+        <mc:AlternateContent xmlns:mc="http://schemas.openxmlformats.org/markup-compatibility/2006" xmlns:p14="http://schemas.microsoft.com/office/powerpoint/2010/main">
+          <mc:Choice Requires="p14">
             <p:contentPart p14:bwMode="auto" r:id="rId80">
               <p14:nvContentPartPr>
                 <p14:cNvPr id="141" name="Ink 140">
@@ -25192,7 +25250,7 @@
               </p14:xfrm>
             </p:contentPart>
           </mc:Choice>
-          <mc:Fallback>
+          <mc:Fallback xmlns="">
             <p:pic>
               <p:nvPicPr>
                 <p:cNvPr id="141" name="Ink 140">
@@ -25223,8 +25281,8 @@
             </p:pic>
           </mc:Fallback>
         </mc:AlternateContent>
-        <mc:AlternateContent xmlns:mc="http://schemas.openxmlformats.org/markup-compatibility/2006">
-          <mc:Choice xmlns:p14="http://schemas.microsoft.com/office/powerpoint/2010/main" Requires="p14">
+        <mc:AlternateContent xmlns:mc="http://schemas.openxmlformats.org/markup-compatibility/2006" xmlns:p14="http://schemas.microsoft.com/office/powerpoint/2010/main">
+          <mc:Choice Requires="p14">
             <p:contentPart p14:bwMode="auto" r:id="rId81">
               <p14:nvContentPartPr>
                 <p14:cNvPr id="142" name="Ink 141">
@@ -25243,7 +25301,7 @@
               </p14:xfrm>
             </p:contentPart>
           </mc:Choice>
-          <mc:Fallback>
+          <mc:Fallback xmlns="">
             <p:pic>
               <p:nvPicPr>
                 <p:cNvPr id="142" name="Ink 141">
@@ -25295,8 +25353,8 @@
             <a:chExt cx="476280" cy="758520"/>
           </a:xfrm>
         </p:grpSpPr>
-        <mc:AlternateContent xmlns:mc="http://schemas.openxmlformats.org/markup-compatibility/2006">
-          <mc:Choice xmlns:p14="http://schemas.microsoft.com/office/powerpoint/2010/main" Requires="p14">
+        <mc:AlternateContent xmlns:mc="http://schemas.openxmlformats.org/markup-compatibility/2006" xmlns:p14="http://schemas.microsoft.com/office/powerpoint/2010/main">
+          <mc:Choice Requires="p14">
             <p:contentPart p14:bwMode="auto" r:id="rId82">
               <p14:nvContentPartPr>
                 <p14:cNvPr id="144" name="Ink 143">
@@ -25315,7 +25373,7 @@
               </p14:xfrm>
             </p:contentPart>
           </mc:Choice>
-          <mc:Fallback>
+          <mc:Fallback xmlns="">
             <p:pic>
               <p:nvPicPr>
                 <p:cNvPr id="144" name="Ink 143">
@@ -25346,8 +25404,8 @@
             </p:pic>
           </mc:Fallback>
         </mc:AlternateContent>
-        <mc:AlternateContent xmlns:mc="http://schemas.openxmlformats.org/markup-compatibility/2006">
-          <mc:Choice xmlns:p14="http://schemas.microsoft.com/office/powerpoint/2010/main" Requires="p14">
+        <mc:AlternateContent xmlns:mc="http://schemas.openxmlformats.org/markup-compatibility/2006" xmlns:p14="http://schemas.microsoft.com/office/powerpoint/2010/main">
+          <mc:Choice Requires="p14">
             <p:contentPart p14:bwMode="auto" r:id="rId84">
               <p14:nvContentPartPr>
                 <p14:cNvPr id="145" name="Ink 144">
@@ -25366,7 +25424,7 @@
               </p14:xfrm>
             </p:contentPart>
           </mc:Choice>
-          <mc:Fallback>
+          <mc:Fallback xmlns="">
             <p:pic>
               <p:nvPicPr>
                 <p:cNvPr id="145" name="Ink 144">
@@ -25791,8 +25849,8 @@
           </a:p>
         </p:txBody>
       </p:sp>
-      <mc:AlternateContent xmlns:mc="http://schemas.openxmlformats.org/markup-compatibility/2006">
-        <mc:Choice xmlns:a14="http://schemas.microsoft.com/office/drawing/2010/main" Requires="a14">
+      <mc:AlternateContent xmlns:mc="http://schemas.openxmlformats.org/markup-compatibility/2006" xmlns:a14="http://schemas.microsoft.com/office/drawing/2010/main">
+        <mc:Choice Requires="a14">
           <p:sp>
             <p:nvSpPr>
               <p:cNvPr id="32" name="TextBox 31">
@@ -25966,7 +26024,7 @@
             </p:txBody>
           </p:sp>
         </mc:Choice>
-        <mc:Fallback>
+        <mc:Fallback xmlns="">
           <p:sp>
             <p:nvSpPr>
               <p:cNvPr id="32" name="TextBox 31">
@@ -26179,8 +26237,8 @@
             <a:chExt cx="4084920" cy="537480"/>
           </a:xfrm>
         </p:grpSpPr>
-        <mc:AlternateContent xmlns:mc="http://schemas.openxmlformats.org/markup-compatibility/2006">
-          <mc:Choice xmlns:p14="http://schemas.microsoft.com/office/powerpoint/2010/main" Requires="p14">
+        <mc:AlternateContent xmlns:mc="http://schemas.openxmlformats.org/markup-compatibility/2006" xmlns:p14="http://schemas.microsoft.com/office/powerpoint/2010/main">
+          <mc:Choice Requires="p14">
             <p:contentPart p14:bwMode="auto" r:id="rId3">
               <p14:nvContentPartPr>
                 <p14:cNvPr id="37" name="Ink 36">
@@ -26199,7 +26257,7 @@
               </p14:xfrm>
             </p:contentPart>
           </mc:Choice>
-          <mc:Fallback>
+          <mc:Fallback xmlns="">
             <p:pic>
               <p:nvPicPr>
                 <p:cNvPr id="37" name="Ink 36">
@@ -26230,8 +26288,8 @@
             </p:pic>
           </mc:Fallback>
         </mc:AlternateContent>
-        <mc:AlternateContent xmlns:mc="http://schemas.openxmlformats.org/markup-compatibility/2006">
-          <mc:Choice xmlns:p14="http://schemas.microsoft.com/office/powerpoint/2010/main" Requires="p14">
+        <mc:AlternateContent xmlns:mc="http://schemas.openxmlformats.org/markup-compatibility/2006" xmlns:p14="http://schemas.microsoft.com/office/powerpoint/2010/main">
+          <mc:Choice Requires="p14">
             <p:contentPart p14:bwMode="auto" r:id="rId5">
               <p14:nvContentPartPr>
                 <p14:cNvPr id="38" name="Ink 37">
@@ -26250,7 +26308,7 @@
               </p14:xfrm>
             </p:contentPart>
           </mc:Choice>
-          <mc:Fallback>
+          <mc:Fallback xmlns="">
             <p:pic>
               <p:nvPicPr>
                 <p:cNvPr id="38" name="Ink 37">
@@ -26281,8 +26339,8 @@
             </p:pic>
           </mc:Fallback>
         </mc:AlternateContent>
-        <mc:AlternateContent xmlns:mc="http://schemas.openxmlformats.org/markup-compatibility/2006">
-          <mc:Choice xmlns:p14="http://schemas.microsoft.com/office/powerpoint/2010/main" Requires="p14">
+        <mc:AlternateContent xmlns:mc="http://schemas.openxmlformats.org/markup-compatibility/2006" xmlns:p14="http://schemas.microsoft.com/office/powerpoint/2010/main">
+          <mc:Choice Requires="p14">
             <p:contentPart p14:bwMode="auto" r:id="rId7">
               <p14:nvContentPartPr>
                 <p14:cNvPr id="39" name="Ink 38">
@@ -26301,7 +26359,7 @@
               </p14:xfrm>
             </p:contentPart>
           </mc:Choice>
-          <mc:Fallback>
+          <mc:Fallback xmlns="">
             <p:pic>
               <p:nvPicPr>
                 <p:cNvPr id="39" name="Ink 38">
@@ -26353,8 +26411,8 @@
             <a:chExt cx="1376640" cy="2240280"/>
           </a:xfrm>
         </p:grpSpPr>
-        <mc:AlternateContent xmlns:mc="http://schemas.openxmlformats.org/markup-compatibility/2006">
-          <mc:Choice xmlns:p14="http://schemas.microsoft.com/office/powerpoint/2010/main" Requires="p14">
+        <mc:AlternateContent xmlns:mc="http://schemas.openxmlformats.org/markup-compatibility/2006" xmlns:p14="http://schemas.microsoft.com/office/powerpoint/2010/main">
+          <mc:Choice Requires="p14">
             <p:contentPart p14:bwMode="auto" r:id="rId9">
               <p14:nvContentPartPr>
                 <p14:cNvPr id="41" name="Ink 40">
@@ -26373,7 +26431,7 @@
               </p14:xfrm>
             </p:contentPart>
           </mc:Choice>
-          <mc:Fallback>
+          <mc:Fallback xmlns="">
             <p:pic>
               <p:nvPicPr>
                 <p:cNvPr id="41" name="Ink 40">
@@ -26404,8 +26462,8 @@
             </p:pic>
           </mc:Fallback>
         </mc:AlternateContent>
-        <mc:AlternateContent xmlns:mc="http://schemas.openxmlformats.org/markup-compatibility/2006">
-          <mc:Choice xmlns:p14="http://schemas.microsoft.com/office/powerpoint/2010/main" Requires="p14">
+        <mc:AlternateContent xmlns:mc="http://schemas.openxmlformats.org/markup-compatibility/2006" xmlns:p14="http://schemas.microsoft.com/office/powerpoint/2010/main">
+          <mc:Choice Requires="p14">
             <p:contentPart p14:bwMode="auto" r:id="rId11">
               <p14:nvContentPartPr>
                 <p14:cNvPr id="42" name="Ink 41">
@@ -26424,7 +26482,7 @@
               </p14:xfrm>
             </p:contentPart>
           </mc:Choice>
-          <mc:Fallback>
+          <mc:Fallback xmlns="">
             <p:pic>
               <p:nvPicPr>
                 <p:cNvPr id="42" name="Ink 41">
@@ -26455,8 +26513,8 @@
             </p:pic>
           </mc:Fallback>
         </mc:AlternateContent>
-        <mc:AlternateContent xmlns:mc="http://schemas.openxmlformats.org/markup-compatibility/2006">
-          <mc:Choice xmlns:p14="http://schemas.microsoft.com/office/powerpoint/2010/main" Requires="p14">
+        <mc:AlternateContent xmlns:mc="http://schemas.openxmlformats.org/markup-compatibility/2006" xmlns:p14="http://schemas.microsoft.com/office/powerpoint/2010/main">
+          <mc:Choice Requires="p14">
             <p:contentPart p14:bwMode="auto" r:id="rId13">
               <p14:nvContentPartPr>
                 <p14:cNvPr id="43" name="Ink 42">
@@ -26475,7 +26533,7 @@
               </p14:xfrm>
             </p:contentPart>
           </mc:Choice>
-          <mc:Fallback>
+          <mc:Fallback xmlns="">
             <p:pic>
               <p:nvPicPr>
                 <p:cNvPr id="43" name="Ink 42">
@@ -26506,8 +26564,8 @@
             </p:pic>
           </mc:Fallback>
         </mc:AlternateContent>
-        <mc:AlternateContent xmlns:mc="http://schemas.openxmlformats.org/markup-compatibility/2006">
-          <mc:Choice xmlns:p14="http://schemas.microsoft.com/office/powerpoint/2010/main" Requires="p14">
+        <mc:AlternateContent xmlns:mc="http://schemas.openxmlformats.org/markup-compatibility/2006" xmlns:p14="http://schemas.microsoft.com/office/powerpoint/2010/main">
+          <mc:Choice Requires="p14">
             <p:contentPart p14:bwMode="auto" r:id="rId15">
               <p14:nvContentPartPr>
                 <p14:cNvPr id="44" name="Ink 43">
@@ -26526,7 +26584,7 @@
               </p14:xfrm>
             </p:contentPart>
           </mc:Choice>
-          <mc:Fallback>
+          <mc:Fallback xmlns="">
             <p:pic>
               <p:nvPicPr>
                 <p:cNvPr id="44" name="Ink 43">
@@ -26558,8 +26616,8 @@
           </mc:Fallback>
         </mc:AlternateContent>
       </p:grpSp>
-      <mc:AlternateContent xmlns:mc="http://schemas.openxmlformats.org/markup-compatibility/2006">
-        <mc:Choice xmlns:p14="http://schemas.microsoft.com/office/powerpoint/2010/main" Requires="p14">
+      <mc:AlternateContent xmlns:mc="http://schemas.openxmlformats.org/markup-compatibility/2006" xmlns:p14="http://schemas.microsoft.com/office/powerpoint/2010/main">
+        <mc:Choice Requires="p14">
           <p:contentPart p14:bwMode="auto" r:id="rId17">
             <p14:nvContentPartPr>
               <p14:cNvPr id="45" name="Ink 44">
@@ -26578,7 +26636,7 @@
             </p14:xfrm>
           </p:contentPart>
         </mc:Choice>
-        <mc:Fallback>
+        <mc:Fallback xmlns="">
           <p:pic>
             <p:nvPicPr>
               <p:cNvPr id="45" name="Ink 44">
@@ -26609,8 +26667,8 @@
           </p:pic>
         </mc:Fallback>
       </mc:AlternateContent>
-      <mc:AlternateContent xmlns:mc="http://schemas.openxmlformats.org/markup-compatibility/2006">
-        <mc:Choice xmlns:p14="http://schemas.microsoft.com/office/powerpoint/2010/main" Requires="p14">
+      <mc:AlternateContent xmlns:mc="http://schemas.openxmlformats.org/markup-compatibility/2006" xmlns:p14="http://schemas.microsoft.com/office/powerpoint/2010/main">
+        <mc:Choice Requires="p14">
           <p:contentPart p14:bwMode="auto" r:id="rId19">
             <p14:nvContentPartPr>
               <p14:cNvPr id="46" name="Ink 45">
@@ -26629,7 +26687,7 @@
             </p14:xfrm>
           </p:contentPart>
         </mc:Choice>
-        <mc:Fallback>
+        <mc:Fallback xmlns="">
           <p:pic>
             <p:nvPicPr>
               <p:cNvPr id="46" name="Ink 45">
@@ -26660,8 +26718,8 @@
           </p:pic>
         </mc:Fallback>
       </mc:AlternateContent>
-      <mc:AlternateContent xmlns:mc="http://schemas.openxmlformats.org/markup-compatibility/2006">
-        <mc:Choice xmlns:p14="http://schemas.microsoft.com/office/powerpoint/2010/main" Requires="p14">
+      <mc:AlternateContent xmlns:mc="http://schemas.openxmlformats.org/markup-compatibility/2006" xmlns:p14="http://schemas.microsoft.com/office/powerpoint/2010/main">
+        <mc:Choice Requires="p14">
           <p:contentPart p14:bwMode="auto" r:id="rId20">
             <p14:nvContentPartPr>
               <p14:cNvPr id="47" name="Ink 46">
@@ -26680,7 +26738,7 @@
             </p14:xfrm>
           </p:contentPart>
         </mc:Choice>
-        <mc:Fallback>
+        <mc:Fallback xmlns="">
           <p:pic>
             <p:nvPicPr>
               <p:cNvPr id="47" name="Ink 46">
@@ -26731,8 +26789,8 @@
             <a:chExt cx="1478520" cy="914760"/>
           </a:xfrm>
         </p:grpSpPr>
-        <mc:AlternateContent xmlns:mc="http://schemas.openxmlformats.org/markup-compatibility/2006">
-          <mc:Choice xmlns:p14="http://schemas.microsoft.com/office/powerpoint/2010/main" Requires="p14">
+        <mc:AlternateContent xmlns:mc="http://schemas.openxmlformats.org/markup-compatibility/2006" xmlns:p14="http://schemas.microsoft.com/office/powerpoint/2010/main">
+          <mc:Choice Requires="p14">
             <p:contentPart p14:bwMode="auto" r:id="rId21">
               <p14:nvContentPartPr>
                 <p14:cNvPr id="49" name="Ink 48">
@@ -26751,7 +26809,7 @@
               </p14:xfrm>
             </p:contentPart>
           </mc:Choice>
-          <mc:Fallback>
+          <mc:Fallback xmlns="">
             <p:pic>
               <p:nvPicPr>
                 <p:cNvPr id="49" name="Ink 48">
@@ -26782,8 +26840,8 @@
             </p:pic>
           </mc:Fallback>
         </mc:AlternateContent>
-        <mc:AlternateContent xmlns:mc="http://schemas.openxmlformats.org/markup-compatibility/2006">
-          <mc:Choice xmlns:p14="http://schemas.microsoft.com/office/powerpoint/2010/main" Requires="p14">
+        <mc:AlternateContent xmlns:mc="http://schemas.openxmlformats.org/markup-compatibility/2006" xmlns:p14="http://schemas.microsoft.com/office/powerpoint/2010/main">
+          <mc:Choice Requires="p14">
             <p:contentPart p14:bwMode="auto" r:id="rId23">
               <p14:nvContentPartPr>
                 <p14:cNvPr id="50" name="Ink 49">
@@ -26802,7 +26860,7 @@
               </p14:xfrm>
             </p:contentPart>
           </mc:Choice>
-          <mc:Fallback>
+          <mc:Fallback xmlns="">
             <p:pic>
               <p:nvPicPr>
                 <p:cNvPr id="50" name="Ink 49">
@@ -26833,8 +26891,8 @@
             </p:pic>
           </mc:Fallback>
         </mc:AlternateContent>
-        <mc:AlternateContent xmlns:mc="http://schemas.openxmlformats.org/markup-compatibility/2006">
-          <mc:Choice xmlns:p14="http://schemas.microsoft.com/office/powerpoint/2010/main" Requires="p14">
+        <mc:AlternateContent xmlns:mc="http://schemas.openxmlformats.org/markup-compatibility/2006" xmlns:p14="http://schemas.microsoft.com/office/powerpoint/2010/main">
+          <mc:Choice Requires="p14">
             <p:contentPart p14:bwMode="auto" r:id="rId24">
               <p14:nvContentPartPr>
                 <p14:cNvPr id="51" name="Ink 50">
@@ -26853,7 +26911,7 @@
               </p14:xfrm>
             </p:contentPart>
           </mc:Choice>
-          <mc:Fallback>
+          <mc:Fallback xmlns="">
             <p:pic>
               <p:nvPicPr>
                 <p:cNvPr id="51" name="Ink 50">
@@ -26884,8 +26942,8 @@
             </p:pic>
           </mc:Fallback>
         </mc:AlternateContent>
-        <mc:AlternateContent xmlns:mc="http://schemas.openxmlformats.org/markup-compatibility/2006">
-          <mc:Choice xmlns:p14="http://schemas.microsoft.com/office/powerpoint/2010/main" Requires="p14">
+        <mc:AlternateContent xmlns:mc="http://schemas.openxmlformats.org/markup-compatibility/2006" xmlns:p14="http://schemas.microsoft.com/office/powerpoint/2010/main">
+          <mc:Choice Requires="p14">
             <p:contentPart p14:bwMode="auto" r:id="rId25">
               <p14:nvContentPartPr>
                 <p14:cNvPr id="52" name="Ink 51">
@@ -26904,7 +26962,7 @@
               </p14:xfrm>
             </p:contentPart>
           </mc:Choice>
-          <mc:Fallback>
+          <mc:Fallback xmlns="">
             <p:pic>
               <p:nvPicPr>
                 <p:cNvPr id="52" name="Ink 51">
@@ -26935,8 +26993,8 @@
             </p:pic>
           </mc:Fallback>
         </mc:AlternateContent>
-        <mc:AlternateContent xmlns:mc="http://schemas.openxmlformats.org/markup-compatibility/2006">
-          <mc:Choice xmlns:p14="http://schemas.microsoft.com/office/powerpoint/2010/main" Requires="p14">
+        <mc:AlternateContent xmlns:mc="http://schemas.openxmlformats.org/markup-compatibility/2006" xmlns:p14="http://schemas.microsoft.com/office/powerpoint/2010/main">
+          <mc:Choice Requires="p14">
             <p:contentPart p14:bwMode="auto" r:id="rId26">
               <p14:nvContentPartPr>
                 <p14:cNvPr id="53" name="Ink 52">
@@ -26955,7 +27013,7 @@
               </p14:xfrm>
             </p:contentPart>
           </mc:Choice>
-          <mc:Fallback>
+          <mc:Fallback xmlns="">
             <p:pic>
               <p:nvPicPr>
                 <p:cNvPr id="53" name="Ink 52">
@@ -26986,8 +27044,8 @@
             </p:pic>
           </mc:Fallback>
         </mc:AlternateContent>
-        <mc:AlternateContent xmlns:mc="http://schemas.openxmlformats.org/markup-compatibility/2006">
-          <mc:Choice xmlns:p14="http://schemas.microsoft.com/office/powerpoint/2010/main" Requires="p14">
+        <mc:AlternateContent xmlns:mc="http://schemas.openxmlformats.org/markup-compatibility/2006" xmlns:p14="http://schemas.microsoft.com/office/powerpoint/2010/main">
+          <mc:Choice Requires="p14">
             <p:contentPart p14:bwMode="auto" r:id="rId27">
               <p14:nvContentPartPr>
                 <p14:cNvPr id="54" name="Ink 53">
@@ -27006,7 +27064,7 @@
               </p14:xfrm>
             </p:contentPart>
           </mc:Choice>
-          <mc:Fallback>
+          <mc:Fallback xmlns="">
             <p:pic>
               <p:nvPicPr>
                 <p:cNvPr id="54" name="Ink 53">
@@ -27037,8 +27095,8 @@
             </p:pic>
           </mc:Fallback>
         </mc:AlternateContent>
-        <mc:AlternateContent xmlns:mc="http://schemas.openxmlformats.org/markup-compatibility/2006">
-          <mc:Choice xmlns:p14="http://schemas.microsoft.com/office/powerpoint/2010/main" Requires="p14">
+        <mc:AlternateContent xmlns:mc="http://schemas.openxmlformats.org/markup-compatibility/2006" xmlns:p14="http://schemas.microsoft.com/office/powerpoint/2010/main">
+          <mc:Choice Requires="p14">
             <p:contentPart p14:bwMode="auto" r:id="rId28">
               <p14:nvContentPartPr>
                 <p14:cNvPr id="55" name="Ink 54">
@@ -27057,7 +27115,7 @@
               </p14:xfrm>
             </p:contentPart>
           </mc:Choice>
-          <mc:Fallback>
+          <mc:Fallback xmlns="">
             <p:pic>
               <p:nvPicPr>
                 <p:cNvPr id="55" name="Ink 54">
@@ -27088,8 +27146,8 @@
             </p:pic>
           </mc:Fallback>
         </mc:AlternateContent>
-        <mc:AlternateContent xmlns:mc="http://schemas.openxmlformats.org/markup-compatibility/2006">
-          <mc:Choice xmlns:p14="http://schemas.microsoft.com/office/powerpoint/2010/main" Requires="p14">
+        <mc:AlternateContent xmlns:mc="http://schemas.openxmlformats.org/markup-compatibility/2006" xmlns:p14="http://schemas.microsoft.com/office/powerpoint/2010/main">
+          <mc:Choice Requires="p14">
             <p:contentPart p14:bwMode="auto" r:id="rId30">
               <p14:nvContentPartPr>
                 <p14:cNvPr id="56" name="Ink 55">
@@ -27108,7 +27166,7 @@
               </p14:xfrm>
             </p:contentPart>
           </mc:Choice>
-          <mc:Fallback>
+          <mc:Fallback xmlns="">
             <p:pic>
               <p:nvPicPr>
                 <p:cNvPr id="56" name="Ink 55">
@@ -27139,8 +27197,8 @@
             </p:pic>
           </mc:Fallback>
         </mc:AlternateContent>
-        <mc:AlternateContent xmlns:mc="http://schemas.openxmlformats.org/markup-compatibility/2006">
-          <mc:Choice xmlns:p14="http://schemas.microsoft.com/office/powerpoint/2010/main" Requires="p14">
+        <mc:AlternateContent xmlns:mc="http://schemas.openxmlformats.org/markup-compatibility/2006" xmlns:p14="http://schemas.microsoft.com/office/powerpoint/2010/main">
+          <mc:Choice Requires="p14">
             <p:contentPart p14:bwMode="auto" r:id="rId31">
               <p14:nvContentPartPr>
                 <p14:cNvPr id="57" name="Ink 56">
@@ -27159,7 +27217,7 @@
               </p14:xfrm>
             </p:contentPart>
           </mc:Choice>
-          <mc:Fallback>
+          <mc:Fallback xmlns="">
             <p:pic>
               <p:nvPicPr>
                 <p:cNvPr id="57" name="Ink 56">
@@ -27190,8 +27248,8 @@
             </p:pic>
           </mc:Fallback>
         </mc:AlternateContent>
-        <mc:AlternateContent xmlns:mc="http://schemas.openxmlformats.org/markup-compatibility/2006">
-          <mc:Choice xmlns:p14="http://schemas.microsoft.com/office/powerpoint/2010/main" Requires="p14">
+        <mc:AlternateContent xmlns:mc="http://schemas.openxmlformats.org/markup-compatibility/2006" xmlns:p14="http://schemas.microsoft.com/office/powerpoint/2010/main">
+          <mc:Choice Requires="p14">
             <p:contentPart p14:bwMode="auto" r:id="rId32">
               <p14:nvContentPartPr>
                 <p14:cNvPr id="58" name="Ink 57">
@@ -27210,7 +27268,7 @@
               </p14:xfrm>
             </p:contentPart>
           </mc:Choice>
-          <mc:Fallback>
+          <mc:Fallback xmlns="">
             <p:pic>
               <p:nvPicPr>
                 <p:cNvPr id="58" name="Ink 57">
@@ -27241,8 +27299,8 @@
             </p:pic>
           </mc:Fallback>
         </mc:AlternateContent>
-        <mc:AlternateContent xmlns:mc="http://schemas.openxmlformats.org/markup-compatibility/2006">
-          <mc:Choice xmlns:p14="http://schemas.microsoft.com/office/powerpoint/2010/main" Requires="p14">
+        <mc:AlternateContent xmlns:mc="http://schemas.openxmlformats.org/markup-compatibility/2006" xmlns:p14="http://schemas.microsoft.com/office/powerpoint/2010/main">
+          <mc:Choice Requires="p14">
             <p:contentPart p14:bwMode="auto" r:id="rId33">
               <p14:nvContentPartPr>
                 <p14:cNvPr id="59" name="Ink 58">
@@ -27261,7 +27319,7 @@
               </p14:xfrm>
             </p:contentPart>
           </mc:Choice>
-          <mc:Fallback>
+          <mc:Fallback xmlns="">
             <p:pic>
               <p:nvPicPr>
                 <p:cNvPr id="59" name="Ink 58">
@@ -27292,8 +27350,8 @@
             </p:pic>
           </mc:Fallback>
         </mc:AlternateContent>
-        <mc:AlternateContent xmlns:mc="http://schemas.openxmlformats.org/markup-compatibility/2006">
-          <mc:Choice xmlns:p14="http://schemas.microsoft.com/office/powerpoint/2010/main" Requires="p14">
+        <mc:AlternateContent xmlns:mc="http://schemas.openxmlformats.org/markup-compatibility/2006" xmlns:p14="http://schemas.microsoft.com/office/powerpoint/2010/main">
+          <mc:Choice Requires="p14">
             <p:contentPart p14:bwMode="auto" r:id="rId34">
               <p14:nvContentPartPr>
                 <p14:cNvPr id="60" name="Ink 59">
@@ -27312,7 +27370,7 @@
               </p14:xfrm>
             </p:contentPart>
           </mc:Choice>
-          <mc:Fallback>
+          <mc:Fallback xmlns="">
             <p:pic>
               <p:nvPicPr>
                 <p:cNvPr id="60" name="Ink 59">
@@ -27343,8 +27401,8 @@
             </p:pic>
           </mc:Fallback>
         </mc:AlternateContent>
-        <mc:AlternateContent xmlns:mc="http://schemas.openxmlformats.org/markup-compatibility/2006">
-          <mc:Choice xmlns:p14="http://schemas.microsoft.com/office/powerpoint/2010/main" Requires="p14">
+        <mc:AlternateContent xmlns:mc="http://schemas.openxmlformats.org/markup-compatibility/2006" xmlns:p14="http://schemas.microsoft.com/office/powerpoint/2010/main">
+          <mc:Choice Requires="p14">
             <p:contentPart p14:bwMode="auto" r:id="rId35">
               <p14:nvContentPartPr>
                 <p14:cNvPr id="61" name="Ink 60">
@@ -27363,7 +27421,7 @@
               </p14:xfrm>
             </p:contentPart>
           </mc:Choice>
-          <mc:Fallback>
+          <mc:Fallback xmlns="">
             <p:pic>
               <p:nvPicPr>
                 <p:cNvPr id="61" name="Ink 60">
@@ -27394,8 +27452,8 @@
             </p:pic>
           </mc:Fallback>
         </mc:AlternateContent>
-        <mc:AlternateContent xmlns:mc="http://schemas.openxmlformats.org/markup-compatibility/2006">
-          <mc:Choice xmlns:p14="http://schemas.microsoft.com/office/powerpoint/2010/main" Requires="p14">
+        <mc:AlternateContent xmlns:mc="http://schemas.openxmlformats.org/markup-compatibility/2006" xmlns:p14="http://schemas.microsoft.com/office/powerpoint/2010/main">
+          <mc:Choice Requires="p14">
             <p:contentPart p14:bwMode="auto" r:id="rId36">
               <p14:nvContentPartPr>
                 <p14:cNvPr id="62" name="Ink 61">
@@ -27414,7 +27472,7 @@
               </p14:xfrm>
             </p:contentPart>
           </mc:Choice>
-          <mc:Fallback>
+          <mc:Fallback xmlns="">
             <p:pic>
               <p:nvPicPr>
                 <p:cNvPr id="62" name="Ink 61">
@@ -27445,8 +27503,8 @@
             </p:pic>
           </mc:Fallback>
         </mc:AlternateContent>
-        <mc:AlternateContent xmlns:mc="http://schemas.openxmlformats.org/markup-compatibility/2006">
-          <mc:Choice xmlns:p14="http://schemas.microsoft.com/office/powerpoint/2010/main" Requires="p14">
+        <mc:AlternateContent xmlns:mc="http://schemas.openxmlformats.org/markup-compatibility/2006" xmlns:p14="http://schemas.microsoft.com/office/powerpoint/2010/main">
+          <mc:Choice Requires="p14">
             <p:contentPart p14:bwMode="auto" r:id="rId37">
               <p14:nvContentPartPr>
                 <p14:cNvPr id="63" name="Ink 62">
@@ -27465,7 +27523,7 @@
               </p14:xfrm>
             </p:contentPart>
           </mc:Choice>
-          <mc:Fallback>
+          <mc:Fallback xmlns="">
             <p:pic>
               <p:nvPicPr>
                 <p:cNvPr id="63" name="Ink 62">
@@ -27496,8 +27554,8 @@
             </p:pic>
           </mc:Fallback>
         </mc:AlternateContent>
-        <mc:AlternateContent xmlns:mc="http://schemas.openxmlformats.org/markup-compatibility/2006">
-          <mc:Choice xmlns:p14="http://schemas.microsoft.com/office/powerpoint/2010/main" Requires="p14">
+        <mc:AlternateContent xmlns:mc="http://schemas.openxmlformats.org/markup-compatibility/2006" xmlns:p14="http://schemas.microsoft.com/office/powerpoint/2010/main">
+          <mc:Choice Requires="p14">
             <p:contentPart p14:bwMode="auto" r:id="rId38">
               <p14:nvContentPartPr>
                 <p14:cNvPr id="64" name="Ink 63">
@@ -27516,7 +27574,7 @@
               </p14:xfrm>
             </p:contentPart>
           </mc:Choice>
-          <mc:Fallback>
+          <mc:Fallback xmlns="">
             <p:pic>
               <p:nvPicPr>
                 <p:cNvPr id="64" name="Ink 63">
@@ -27547,8 +27605,8 @@
             </p:pic>
           </mc:Fallback>
         </mc:AlternateContent>
-        <mc:AlternateContent xmlns:mc="http://schemas.openxmlformats.org/markup-compatibility/2006">
-          <mc:Choice xmlns:p14="http://schemas.microsoft.com/office/powerpoint/2010/main" Requires="p14">
+        <mc:AlternateContent xmlns:mc="http://schemas.openxmlformats.org/markup-compatibility/2006" xmlns:p14="http://schemas.microsoft.com/office/powerpoint/2010/main">
+          <mc:Choice Requires="p14">
             <p:contentPart p14:bwMode="auto" r:id="rId40">
               <p14:nvContentPartPr>
                 <p14:cNvPr id="65" name="Ink 64">
@@ -27567,7 +27625,7 @@
               </p14:xfrm>
             </p:contentPart>
           </mc:Choice>
-          <mc:Fallback>
+          <mc:Fallback xmlns="">
             <p:pic>
               <p:nvPicPr>
                 <p:cNvPr id="65" name="Ink 64">
@@ -27598,8 +27656,8 @@
             </p:pic>
           </mc:Fallback>
         </mc:AlternateContent>
-        <mc:AlternateContent xmlns:mc="http://schemas.openxmlformats.org/markup-compatibility/2006">
-          <mc:Choice xmlns:p14="http://schemas.microsoft.com/office/powerpoint/2010/main" Requires="p14">
+        <mc:AlternateContent xmlns:mc="http://schemas.openxmlformats.org/markup-compatibility/2006" xmlns:p14="http://schemas.microsoft.com/office/powerpoint/2010/main">
+          <mc:Choice Requires="p14">
             <p:contentPart p14:bwMode="auto" r:id="rId42">
               <p14:nvContentPartPr>
                 <p14:cNvPr id="66" name="Ink 65">
@@ -27618,7 +27676,7 @@
               </p14:xfrm>
             </p:contentPart>
           </mc:Choice>
-          <mc:Fallback>
+          <mc:Fallback xmlns="">
             <p:pic>
               <p:nvPicPr>
                 <p:cNvPr id="66" name="Ink 65">
@@ -27649,8 +27707,8 @@
             </p:pic>
           </mc:Fallback>
         </mc:AlternateContent>
-        <mc:AlternateContent xmlns:mc="http://schemas.openxmlformats.org/markup-compatibility/2006">
-          <mc:Choice xmlns:p14="http://schemas.microsoft.com/office/powerpoint/2010/main" Requires="p14">
+        <mc:AlternateContent xmlns:mc="http://schemas.openxmlformats.org/markup-compatibility/2006" xmlns:p14="http://schemas.microsoft.com/office/powerpoint/2010/main">
+          <mc:Choice Requires="p14">
             <p:contentPart p14:bwMode="auto" r:id="rId44">
               <p14:nvContentPartPr>
                 <p14:cNvPr id="67" name="Ink 66">
@@ -27669,7 +27727,7 @@
               </p14:xfrm>
             </p:contentPart>
           </mc:Choice>
-          <mc:Fallback>
+          <mc:Fallback xmlns="">
             <p:pic>
               <p:nvPicPr>
                 <p:cNvPr id="67" name="Ink 66">
@@ -27700,8 +27758,8 @@
             </p:pic>
           </mc:Fallback>
         </mc:AlternateContent>
-        <mc:AlternateContent xmlns:mc="http://schemas.openxmlformats.org/markup-compatibility/2006">
-          <mc:Choice xmlns:p14="http://schemas.microsoft.com/office/powerpoint/2010/main" Requires="p14">
+        <mc:AlternateContent xmlns:mc="http://schemas.openxmlformats.org/markup-compatibility/2006" xmlns:p14="http://schemas.microsoft.com/office/powerpoint/2010/main">
+          <mc:Choice Requires="p14">
             <p:contentPart p14:bwMode="auto" r:id="rId46">
               <p14:nvContentPartPr>
                 <p14:cNvPr id="68" name="Ink 67">
@@ -27720,7 +27778,7 @@
               </p14:xfrm>
             </p:contentPart>
           </mc:Choice>
-          <mc:Fallback>
+          <mc:Fallback xmlns="">
             <p:pic>
               <p:nvPicPr>
                 <p:cNvPr id="68" name="Ink 67">
@@ -27751,8 +27809,8 @@
             </p:pic>
           </mc:Fallback>
         </mc:AlternateContent>
-        <mc:AlternateContent xmlns:mc="http://schemas.openxmlformats.org/markup-compatibility/2006">
-          <mc:Choice xmlns:p14="http://schemas.microsoft.com/office/powerpoint/2010/main" Requires="p14">
+        <mc:AlternateContent xmlns:mc="http://schemas.openxmlformats.org/markup-compatibility/2006" xmlns:p14="http://schemas.microsoft.com/office/powerpoint/2010/main">
+          <mc:Choice Requires="p14">
             <p:contentPart p14:bwMode="auto" r:id="rId48">
               <p14:nvContentPartPr>
                 <p14:cNvPr id="69" name="Ink 68">
@@ -27771,7 +27829,7 @@
               </p14:xfrm>
             </p:contentPart>
           </mc:Choice>
-          <mc:Fallback>
+          <mc:Fallback xmlns="">
             <p:pic>
               <p:nvPicPr>
                 <p:cNvPr id="69" name="Ink 68">
@@ -27802,8 +27860,8 @@
             </p:pic>
           </mc:Fallback>
         </mc:AlternateContent>
-        <mc:AlternateContent xmlns:mc="http://schemas.openxmlformats.org/markup-compatibility/2006">
-          <mc:Choice xmlns:p14="http://schemas.microsoft.com/office/powerpoint/2010/main" Requires="p14">
+        <mc:AlternateContent xmlns:mc="http://schemas.openxmlformats.org/markup-compatibility/2006" xmlns:p14="http://schemas.microsoft.com/office/powerpoint/2010/main">
+          <mc:Choice Requires="p14">
             <p:contentPart p14:bwMode="auto" r:id="rId50">
               <p14:nvContentPartPr>
                 <p14:cNvPr id="70" name="Ink 69">
@@ -27822,7 +27880,7 @@
               </p14:xfrm>
             </p:contentPart>
           </mc:Choice>
-          <mc:Fallback>
+          <mc:Fallback xmlns="">
             <p:pic>
               <p:nvPicPr>
                 <p:cNvPr id="70" name="Ink 69">
@@ -27853,8 +27911,8 @@
             </p:pic>
           </mc:Fallback>
         </mc:AlternateContent>
-        <mc:AlternateContent xmlns:mc="http://schemas.openxmlformats.org/markup-compatibility/2006">
-          <mc:Choice xmlns:p14="http://schemas.microsoft.com/office/powerpoint/2010/main" Requires="p14">
+        <mc:AlternateContent xmlns:mc="http://schemas.openxmlformats.org/markup-compatibility/2006" xmlns:p14="http://schemas.microsoft.com/office/powerpoint/2010/main">
+          <mc:Choice Requires="p14">
             <p:contentPart p14:bwMode="auto" r:id="rId52">
               <p14:nvContentPartPr>
                 <p14:cNvPr id="71" name="Ink 70">
@@ -27873,7 +27931,7 @@
               </p14:xfrm>
             </p:contentPart>
           </mc:Choice>
-          <mc:Fallback>
+          <mc:Fallback xmlns="">
             <p:pic>
               <p:nvPicPr>
                 <p:cNvPr id="71" name="Ink 70">
@@ -27904,8 +27962,8 @@
             </p:pic>
           </mc:Fallback>
         </mc:AlternateContent>
-        <mc:AlternateContent xmlns:mc="http://schemas.openxmlformats.org/markup-compatibility/2006">
-          <mc:Choice xmlns:p14="http://schemas.microsoft.com/office/powerpoint/2010/main" Requires="p14">
+        <mc:AlternateContent xmlns:mc="http://schemas.openxmlformats.org/markup-compatibility/2006" xmlns:p14="http://schemas.microsoft.com/office/powerpoint/2010/main">
+          <mc:Choice Requires="p14">
             <p:contentPart p14:bwMode="auto" r:id="rId54">
               <p14:nvContentPartPr>
                 <p14:cNvPr id="72" name="Ink 71">
@@ -27924,7 +27982,7 @@
               </p14:xfrm>
             </p:contentPart>
           </mc:Choice>
-          <mc:Fallback>
+          <mc:Fallback xmlns="">
             <p:pic>
               <p:nvPicPr>
                 <p:cNvPr id="72" name="Ink 71">
@@ -27955,8 +28013,8 @@
             </p:pic>
           </mc:Fallback>
         </mc:AlternateContent>
-        <mc:AlternateContent xmlns:mc="http://schemas.openxmlformats.org/markup-compatibility/2006">
-          <mc:Choice xmlns:p14="http://schemas.microsoft.com/office/powerpoint/2010/main" Requires="p14">
+        <mc:AlternateContent xmlns:mc="http://schemas.openxmlformats.org/markup-compatibility/2006" xmlns:p14="http://schemas.microsoft.com/office/powerpoint/2010/main">
+          <mc:Choice Requires="p14">
             <p:contentPart p14:bwMode="auto" r:id="rId55">
               <p14:nvContentPartPr>
                 <p14:cNvPr id="73" name="Ink 72">
@@ -27975,7 +28033,7 @@
               </p14:xfrm>
             </p:contentPart>
           </mc:Choice>
-          <mc:Fallback>
+          <mc:Fallback xmlns="">
             <p:pic>
               <p:nvPicPr>
                 <p:cNvPr id="73" name="Ink 72">
@@ -28006,8 +28064,8 @@
             </p:pic>
           </mc:Fallback>
         </mc:AlternateContent>
-        <mc:AlternateContent xmlns:mc="http://schemas.openxmlformats.org/markup-compatibility/2006">
-          <mc:Choice xmlns:p14="http://schemas.microsoft.com/office/powerpoint/2010/main" Requires="p14">
+        <mc:AlternateContent xmlns:mc="http://schemas.openxmlformats.org/markup-compatibility/2006" xmlns:p14="http://schemas.microsoft.com/office/powerpoint/2010/main">
+          <mc:Choice Requires="p14">
             <p:contentPart p14:bwMode="auto" r:id="rId56">
               <p14:nvContentPartPr>
                 <p14:cNvPr id="74" name="Ink 73">
@@ -28026,7 +28084,7 @@
               </p14:xfrm>
             </p:contentPart>
           </mc:Choice>
-          <mc:Fallback>
+          <mc:Fallback xmlns="">
             <p:pic>
               <p:nvPicPr>
                 <p:cNvPr id="74" name="Ink 73">
@@ -28058,8 +28116,8 @@
           </mc:Fallback>
         </mc:AlternateContent>
       </p:grpSp>
-      <mc:AlternateContent xmlns:mc="http://schemas.openxmlformats.org/markup-compatibility/2006">
-        <mc:Choice xmlns:p14="http://schemas.microsoft.com/office/powerpoint/2010/main" Requires="p14">
+      <mc:AlternateContent xmlns:mc="http://schemas.openxmlformats.org/markup-compatibility/2006" xmlns:p14="http://schemas.microsoft.com/office/powerpoint/2010/main">
+        <mc:Choice Requires="p14">
           <p:contentPart p14:bwMode="auto" r:id="rId57">
             <p14:nvContentPartPr>
               <p14:cNvPr id="75" name="Ink 74">
@@ -28078,7 +28136,7 @@
             </p14:xfrm>
           </p:contentPart>
         </mc:Choice>
-        <mc:Fallback>
+        <mc:Fallback xmlns="">
           <p:pic>
             <p:nvPicPr>
               <p:cNvPr id="75" name="Ink 74">
@@ -28109,8 +28167,8 @@
           </p:pic>
         </mc:Fallback>
       </mc:AlternateContent>
-      <mc:AlternateContent xmlns:mc="http://schemas.openxmlformats.org/markup-compatibility/2006">
-        <mc:Choice xmlns:p14="http://schemas.microsoft.com/office/powerpoint/2010/main" Requires="p14">
+      <mc:AlternateContent xmlns:mc="http://schemas.openxmlformats.org/markup-compatibility/2006" xmlns:p14="http://schemas.microsoft.com/office/powerpoint/2010/main">
+        <mc:Choice Requires="p14">
           <p:contentPart p14:bwMode="auto" r:id="rId58">
             <p14:nvContentPartPr>
               <p14:cNvPr id="76" name="Ink 75">
@@ -28129,7 +28187,7 @@
             </p14:xfrm>
           </p:contentPart>
         </mc:Choice>
-        <mc:Fallback>
+        <mc:Fallback xmlns="">
           <p:pic>
             <p:nvPicPr>
               <p:cNvPr id="76" name="Ink 75">
@@ -28160,8 +28218,8 @@
           </p:pic>
         </mc:Fallback>
       </mc:AlternateContent>
-      <mc:AlternateContent xmlns:mc="http://schemas.openxmlformats.org/markup-compatibility/2006">
-        <mc:Choice xmlns:p14="http://schemas.microsoft.com/office/powerpoint/2010/main" Requires="p14">
+      <mc:AlternateContent xmlns:mc="http://schemas.openxmlformats.org/markup-compatibility/2006" xmlns:p14="http://schemas.microsoft.com/office/powerpoint/2010/main">
+        <mc:Choice Requires="p14">
           <p:contentPart p14:bwMode="auto" r:id="rId59">
             <p14:nvContentPartPr>
               <p14:cNvPr id="77" name="Ink 76">
@@ -28180,7 +28238,7 @@
             </p14:xfrm>
           </p:contentPart>
         </mc:Choice>
-        <mc:Fallback>
+        <mc:Fallback xmlns="">
           <p:pic>
             <p:nvPicPr>
               <p:cNvPr id="77" name="Ink 76">
@@ -28231,8 +28289,8 @@
             <a:chExt cx="45720" cy="31320"/>
           </a:xfrm>
         </p:grpSpPr>
-        <mc:AlternateContent xmlns:mc="http://schemas.openxmlformats.org/markup-compatibility/2006">
-          <mc:Choice xmlns:p14="http://schemas.microsoft.com/office/powerpoint/2010/main" Requires="p14">
+        <mc:AlternateContent xmlns:mc="http://schemas.openxmlformats.org/markup-compatibility/2006" xmlns:p14="http://schemas.microsoft.com/office/powerpoint/2010/main">
+          <mc:Choice Requires="p14">
             <p:contentPart p14:bwMode="auto" r:id="rId60">
               <p14:nvContentPartPr>
                 <p14:cNvPr id="79" name="Ink 78">
@@ -28251,7 +28309,7 @@
               </p14:xfrm>
             </p:contentPart>
           </mc:Choice>
-          <mc:Fallback>
+          <mc:Fallback xmlns="">
             <p:pic>
               <p:nvPicPr>
                 <p:cNvPr id="79" name="Ink 78">
@@ -28282,8 +28340,8 @@
             </p:pic>
           </mc:Fallback>
         </mc:AlternateContent>
-        <mc:AlternateContent xmlns:mc="http://schemas.openxmlformats.org/markup-compatibility/2006">
-          <mc:Choice xmlns:p14="http://schemas.microsoft.com/office/powerpoint/2010/main" Requires="p14">
+        <mc:AlternateContent xmlns:mc="http://schemas.openxmlformats.org/markup-compatibility/2006" xmlns:p14="http://schemas.microsoft.com/office/powerpoint/2010/main">
+          <mc:Choice Requires="p14">
             <p:contentPart p14:bwMode="auto" r:id="rId62">
               <p14:nvContentPartPr>
                 <p14:cNvPr id="80" name="Ink 79">
@@ -28302,7 +28360,7 @@
               </p14:xfrm>
             </p:contentPart>
           </mc:Choice>
-          <mc:Fallback>
+          <mc:Fallback xmlns="">
             <p:pic>
               <p:nvPicPr>
                 <p:cNvPr id="80" name="Ink 79">
@@ -28354,8 +28412,8 @@
             <a:chExt cx="360" cy="360"/>
           </a:xfrm>
         </p:grpSpPr>
-        <mc:AlternateContent xmlns:mc="http://schemas.openxmlformats.org/markup-compatibility/2006">
-          <mc:Choice xmlns:p14="http://schemas.microsoft.com/office/powerpoint/2010/main" Requires="p14">
+        <mc:AlternateContent xmlns:mc="http://schemas.openxmlformats.org/markup-compatibility/2006" xmlns:p14="http://schemas.microsoft.com/office/powerpoint/2010/main">
+          <mc:Choice Requires="p14">
             <p:contentPart p14:bwMode="auto" r:id="rId63">
               <p14:nvContentPartPr>
                 <p14:cNvPr id="82" name="Ink 81">
@@ -28374,7 +28432,7 @@
               </p14:xfrm>
             </p:contentPart>
           </mc:Choice>
-          <mc:Fallback>
+          <mc:Fallback xmlns="">
             <p:pic>
               <p:nvPicPr>
                 <p:cNvPr id="82" name="Ink 81">
@@ -28405,8 +28463,8 @@
             </p:pic>
           </mc:Fallback>
         </mc:AlternateContent>
-        <mc:AlternateContent xmlns:mc="http://schemas.openxmlformats.org/markup-compatibility/2006">
-          <mc:Choice xmlns:p14="http://schemas.microsoft.com/office/powerpoint/2010/main" Requires="p14">
+        <mc:AlternateContent xmlns:mc="http://schemas.openxmlformats.org/markup-compatibility/2006" xmlns:p14="http://schemas.microsoft.com/office/powerpoint/2010/main">
+          <mc:Choice Requires="p14">
             <p:contentPart p14:bwMode="auto" r:id="rId64">
               <p14:nvContentPartPr>
                 <p14:cNvPr id="83" name="Ink 82">
@@ -28425,7 +28483,7 @@
               </p14:xfrm>
             </p:contentPart>
           </mc:Choice>
-          <mc:Fallback>
+          <mc:Fallback xmlns="">
             <p:pic>
               <p:nvPicPr>
                 <p:cNvPr id="83" name="Ink 82">
@@ -28457,8 +28515,8 @@
           </mc:Fallback>
         </mc:AlternateContent>
       </p:grpSp>
-      <mc:AlternateContent xmlns:mc="http://schemas.openxmlformats.org/markup-compatibility/2006">
-        <mc:Choice xmlns:p14="http://schemas.microsoft.com/office/powerpoint/2010/main" Requires="p14">
+      <mc:AlternateContent xmlns:mc="http://schemas.openxmlformats.org/markup-compatibility/2006" xmlns:p14="http://schemas.microsoft.com/office/powerpoint/2010/main">
+        <mc:Choice Requires="p14">
           <p:contentPart p14:bwMode="auto" r:id="rId65">
             <p14:nvContentPartPr>
               <p14:cNvPr id="84" name="Ink 83">
@@ -28477,7 +28535,7 @@
             </p14:xfrm>
           </p:contentPart>
         </mc:Choice>
-        <mc:Fallback>
+        <mc:Fallback xmlns="">
           <p:pic>
             <p:nvPicPr>
               <p:cNvPr id="84" name="Ink 83">
@@ -28528,8 +28586,8 @@
             <a:chExt cx="30600" cy="15480"/>
           </a:xfrm>
         </p:grpSpPr>
-        <mc:AlternateContent xmlns:mc="http://schemas.openxmlformats.org/markup-compatibility/2006">
-          <mc:Choice xmlns:p14="http://schemas.microsoft.com/office/powerpoint/2010/main" Requires="p14">
+        <mc:AlternateContent xmlns:mc="http://schemas.openxmlformats.org/markup-compatibility/2006" xmlns:p14="http://schemas.microsoft.com/office/powerpoint/2010/main">
+          <mc:Choice Requires="p14">
             <p:contentPart p14:bwMode="auto" r:id="rId66">
               <p14:nvContentPartPr>
                 <p14:cNvPr id="86" name="Ink 85">
@@ -28548,7 +28606,7 @@
               </p14:xfrm>
             </p:contentPart>
           </mc:Choice>
-          <mc:Fallback>
+          <mc:Fallback xmlns="">
             <p:pic>
               <p:nvPicPr>
                 <p:cNvPr id="86" name="Ink 85">
@@ -28579,8 +28637,8 @@
             </p:pic>
           </mc:Fallback>
         </mc:AlternateContent>
-        <mc:AlternateContent xmlns:mc="http://schemas.openxmlformats.org/markup-compatibility/2006">
-          <mc:Choice xmlns:p14="http://schemas.microsoft.com/office/powerpoint/2010/main" Requires="p14">
+        <mc:AlternateContent xmlns:mc="http://schemas.openxmlformats.org/markup-compatibility/2006" xmlns:p14="http://schemas.microsoft.com/office/powerpoint/2010/main">
+          <mc:Choice Requires="p14">
             <p:contentPart p14:bwMode="auto" r:id="rId67">
               <p14:nvContentPartPr>
                 <p14:cNvPr id="87" name="Ink 86">
@@ -28599,7 +28657,7 @@
               </p14:xfrm>
             </p:contentPart>
           </mc:Choice>
-          <mc:Fallback>
+          <mc:Fallback xmlns="">
             <p:pic>
               <p:nvPicPr>
                 <p:cNvPr id="87" name="Ink 86">
@@ -28630,8 +28688,8 @@
             </p:pic>
           </mc:Fallback>
         </mc:AlternateContent>
-        <mc:AlternateContent xmlns:mc="http://schemas.openxmlformats.org/markup-compatibility/2006">
-          <mc:Choice xmlns:p14="http://schemas.microsoft.com/office/powerpoint/2010/main" Requires="p14">
+        <mc:AlternateContent xmlns:mc="http://schemas.openxmlformats.org/markup-compatibility/2006" xmlns:p14="http://schemas.microsoft.com/office/powerpoint/2010/main">
+          <mc:Choice Requires="p14">
             <p:contentPart p14:bwMode="auto" r:id="rId68">
               <p14:nvContentPartPr>
                 <p14:cNvPr id="88" name="Ink 87">
@@ -28650,7 +28708,7 @@
               </p14:xfrm>
             </p:contentPart>
           </mc:Choice>
-          <mc:Fallback>
+          <mc:Fallback xmlns="">
             <p:pic>
               <p:nvPicPr>
                 <p:cNvPr id="88" name="Ink 87">
@@ -28702,8 +28760,8 @@
             <a:chExt cx="476280" cy="758520"/>
           </a:xfrm>
         </p:grpSpPr>
-        <mc:AlternateContent xmlns:mc="http://schemas.openxmlformats.org/markup-compatibility/2006">
-          <mc:Choice xmlns:p14="http://schemas.microsoft.com/office/powerpoint/2010/main" Requires="p14">
+        <mc:AlternateContent xmlns:mc="http://schemas.openxmlformats.org/markup-compatibility/2006" xmlns:p14="http://schemas.microsoft.com/office/powerpoint/2010/main">
+          <mc:Choice Requires="p14">
             <p:contentPart p14:bwMode="auto" r:id="rId69">
               <p14:nvContentPartPr>
                 <p14:cNvPr id="90" name="Ink 89">
@@ -28722,7 +28780,7 @@
               </p14:xfrm>
             </p:contentPart>
           </mc:Choice>
-          <mc:Fallback>
+          <mc:Fallback xmlns="">
             <p:pic>
               <p:nvPicPr>
                 <p:cNvPr id="90" name="Ink 89">
@@ -28753,8 +28811,8 @@
             </p:pic>
           </mc:Fallback>
         </mc:AlternateContent>
-        <mc:AlternateContent xmlns:mc="http://schemas.openxmlformats.org/markup-compatibility/2006">
-          <mc:Choice xmlns:p14="http://schemas.microsoft.com/office/powerpoint/2010/main" Requires="p14">
+        <mc:AlternateContent xmlns:mc="http://schemas.openxmlformats.org/markup-compatibility/2006" xmlns:p14="http://schemas.microsoft.com/office/powerpoint/2010/main">
+          <mc:Choice Requires="p14">
             <p:contentPart p14:bwMode="auto" r:id="rId71">
               <p14:nvContentPartPr>
                 <p14:cNvPr id="91" name="Ink 90">
@@ -28773,7 +28831,7 @@
               </p14:xfrm>
             </p:contentPart>
           </mc:Choice>
-          <mc:Fallback>
+          <mc:Fallback xmlns="">
             <p:pic>
               <p:nvPicPr>
                 <p:cNvPr id="91" name="Ink 90">
@@ -29056,8 +29114,8 @@
           </a:p>
         </p:txBody>
       </p:sp>
-      <mc:AlternateContent xmlns:mc="http://schemas.openxmlformats.org/markup-compatibility/2006">
-        <mc:Choice xmlns:p14="http://schemas.microsoft.com/office/powerpoint/2010/main" Requires="p14">
+      <mc:AlternateContent xmlns:mc="http://schemas.openxmlformats.org/markup-compatibility/2006" xmlns:p14="http://schemas.microsoft.com/office/powerpoint/2010/main">
+        <mc:Choice Requires="p14">
           <p:contentPart p14:bwMode="auto" r:id="rId2">
             <p14:nvContentPartPr>
               <p14:cNvPr id="22" name="Ink 21">
@@ -29076,7 +29134,7 @@
             </p14:xfrm>
           </p:contentPart>
         </mc:Choice>
-        <mc:Fallback>
+        <mc:Fallback xmlns="">
           <p:pic>
             <p:nvPicPr>
               <p:cNvPr id="22" name="Ink 21">
@@ -29107,8 +29165,8 @@
           </p:pic>
         </mc:Fallback>
       </mc:AlternateContent>
-      <mc:AlternateContent xmlns:mc="http://schemas.openxmlformats.org/markup-compatibility/2006">
-        <mc:Choice xmlns:a14="http://schemas.microsoft.com/office/drawing/2010/main" Requires="a14">
+      <mc:AlternateContent xmlns:mc="http://schemas.openxmlformats.org/markup-compatibility/2006" xmlns:a14="http://schemas.microsoft.com/office/drawing/2010/main">
+        <mc:Choice Requires="a14">
           <p:sp>
             <p:nvSpPr>
               <p:cNvPr id="23" name="TextBox 22">
@@ -29189,6 +29247,7 @@
                 </a:r>
               </a:p>
               <a:p>
+                <a:pPr/>
                 <a14:m>
                   <m:oMathPara xmlns:m="http://schemas.openxmlformats.org/officeDocument/2006/math">
                     <m:oMathParaPr>
@@ -29464,7 +29523,7 @@
             </p:txBody>
           </p:sp>
         </mc:Choice>
-        <mc:Fallback>
+        <mc:Fallback xmlns="">
           <p:sp>
             <p:nvSpPr>
               <p:cNvPr id="23" name="TextBox 22">
@@ -29569,8 +29628,8 @@
           <a:chExt cx="0" cy="0"/>
         </a:xfrm>
       </p:grpSpPr>
-      <mc:AlternateContent xmlns:mc="http://schemas.openxmlformats.org/markup-compatibility/2006">
-        <mc:Choice xmlns:p14="http://schemas.microsoft.com/office/powerpoint/2010/main" Requires="p14">
+      <mc:AlternateContent xmlns:mc="http://schemas.openxmlformats.org/markup-compatibility/2006" xmlns:p14="http://schemas.microsoft.com/office/powerpoint/2010/main">
+        <mc:Choice Requires="p14">
           <p:contentPart p14:bwMode="auto" r:id="rId2">
             <p14:nvContentPartPr>
               <p14:cNvPr id="25" name="Ink 24">
@@ -29589,7 +29648,7 @@
             </p14:xfrm>
           </p:contentPart>
         </mc:Choice>
-        <mc:Fallback>
+        <mc:Fallback xmlns="">
           <p:pic>
             <p:nvPicPr>
               <p:cNvPr id="25" name="Ink 24">
@@ -29620,8 +29679,8 @@
           </p:pic>
         </mc:Fallback>
       </mc:AlternateContent>
-      <mc:AlternateContent xmlns:mc="http://schemas.openxmlformats.org/markup-compatibility/2006">
-        <mc:Choice xmlns:p14="http://schemas.microsoft.com/office/powerpoint/2010/main" Requires="p14">
+      <mc:AlternateContent xmlns:mc="http://schemas.openxmlformats.org/markup-compatibility/2006" xmlns:p14="http://schemas.microsoft.com/office/powerpoint/2010/main">
+        <mc:Choice Requires="p14">
           <p:contentPart p14:bwMode="auto" r:id="rId4">
             <p14:nvContentPartPr>
               <p14:cNvPr id="26" name="Ink 25">
@@ -29640,7 +29699,7 @@
             </p14:xfrm>
           </p:contentPart>
         </mc:Choice>
-        <mc:Fallback>
+        <mc:Fallback xmlns="">
           <p:pic>
             <p:nvPicPr>
               <p:cNvPr id="26" name="Ink 25">
@@ -29753,8 +29812,8 @@
           </a:p>
         </p:txBody>
       </p:sp>
-      <mc:AlternateContent xmlns:mc="http://schemas.openxmlformats.org/markup-compatibility/2006">
-        <mc:Choice xmlns:a14="http://schemas.microsoft.com/office/drawing/2010/main" Requires="a14">
+      <mc:AlternateContent xmlns:mc="http://schemas.openxmlformats.org/markup-compatibility/2006" xmlns:a14="http://schemas.microsoft.com/office/drawing/2010/main">
+        <mc:Choice Requires="a14">
           <p:sp>
             <p:nvSpPr>
               <p:cNvPr id="29" name="TextBox 28">
@@ -29912,7 +29971,7 @@
             </p:txBody>
           </p:sp>
         </mc:Choice>
-        <mc:Fallback>
+        <mc:Fallback xmlns="">
           <p:sp>
             <p:nvSpPr>
               <p:cNvPr id="29" name="TextBox 28">
@@ -30252,8 +30311,8 @@
           </a:p>
         </p:txBody>
       </p:sp>
-      <mc:AlternateContent xmlns:mc="http://schemas.openxmlformats.org/markup-compatibility/2006">
-        <mc:Choice xmlns:a14="http://schemas.microsoft.com/office/drawing/2010/main" Requires="a14">
+      <mc:AlternateContent xmlns:mc="http://schemas.openxmlformats.org/markup-compatibility/2006" xmlns:a14="http://schemas.microsoft.com/office/drawing/2010/main">
+        <mc:Choice Requires="a14">
           <p:sp>
             <p:nvSpPr>
               <p:cNvPr id="37" name="TextBox 36">
@@ -30427,7 +30486,7 @@
             </p:txBody>
           </p:sp>
         </mc:Choice>
-        <mc:Fallback>
+        <mc:Fallback xmlns="">
           <p:sp>
             <p:nvSpPr>
               <p:cNvPr id="37" name="TextBox 36">
@@ -30640,8 +30699,8 @@
             <a:chExt cx="4084920" cy="537480"/>
           </a:xfrm>
         </p:grpSpPr>
-        <mc:AlternateContent xmlns:mc="http://schemas.openxmlformats.org/markup-compatibility/2006">
-          <mc:Choice xmlns:p14="http://schemas.microsoft.com/office/powerpoint/2010/main" Requires="p14">
+        <mc:AlternateContent xmlns:mc="http://schemas.openxmlformats.org/markup-compatibility/2006" xmlns:p14="http://schemas.microsoft.com/office/powerpoint/2010/main">
+          <mc:Choice Requires="p14">
             <p:contentPart p14:bwMode="auto" r:id="rId9">
               <p14:nvContentPartPr>
                 <p14:cNvPr id="1027" name="Ink 1026">
@@ -30660,7 +30719,7 @@
               </p14:xfrm>
             </p:contentPart>
           </mc:Choice>
-          <mc:Fallback>
+          <mc:Fallback xmlns="">
             <p:pic>
               <p:nvPicPr>
                 <p:cNvPr id="1027" name="Ink 1026">
@@ -30691,8 +30750,8 @@
             </p:pic>
           </mc:Fallback>
         </mc:AlternateContent>
-        <mc:AlternateContent xmlns:mc="http://schemas.openxmlformats.org/markup-compatibility/2006">
-          <mc:Choice xmlns:p14="http://schemas.microsoft.com/office/powerpoint/2010/main" Requires="p14">
+        <mc:AlternateContent xmlns:mc="http://schemas.openxmlformats.org/markup-compatibility/2006" xmlns:p14="http://schemas.microsoft.com/office/powerpoint/2010/main">
+          <mc:Choice Requires="p14">
             <p:contentPart p14:bwMode="auto" r:id="rId11">
               <p14:nvContentPartPr>
                 <p14:cNvPr id="1029" name="Ink 1028">
@@ -30711,7 +30770,7 @@
               </p14:xfrm>
             </p:contentPart>
           </mc:Choice>
-          <mc:Fallback>
+          <mc:Fallback xmlns="">
             <p:pic>
               <p:nvPicPr>
                 <p:cNvPr id="1029" name="Ink 1028">
@@ -30742,8 +30801,8 @@
             </p:pic>
           </mc:Fallback>
         </mc:AlternateContent>
-        <mc:AlternateContent xmlns:mc="http://schemas.openxmlformats.org/markup-compatibility/2006">
-          <mc:Choice xmlns:p14="http://schemas.microsoft.com/office/powerpoint/2010/main" Requires="p14">
+        <mc:AlternateContent xmlns:mc="http://schemas.openxmlformats.org/markup-compatibility/2006" xmlns:p14="http://schemas.microsoft.com/office/powerpoint/2010/main">
+          <mc:Choice Requires="p14">
             <p:contentPart p14:bwMode="auto" r:id="rId13">
               <p14:nvContentPartPr>
                 <p14:cNvPr id="1030" name="Ink 1029">
@@ -30762,7 +30821,7 @@
               </p14:xfrm>
             </p:contentPart>
           </mc:Choice>
-          <mc:Fallback>
+          <mc:Fallback xmlns="">
             <p:pic>
               <p:nvPicPr>
                 <p:cNvPr id="1030" name="Ink 1029">
@@ -30814,8 +30873,8 @@
             <a:chExt cx="1376640" cy="2240280"/>
           </a:xfrm>
         </p:grpSpPr>
-        <mc:AlternateContent xmlns:mc="http://schemas.openxmlformats.org/markup-compatibility/2006">
-          <mc:Choice xmlns:p14="http://schemas.microsoft.com/office/powerpoint/2010/main" Requires="p14">
+        <mc:AlternateContent xmlns:mc="http://schemas.openxmlformats.org/markup-compatibility/2006" xmlns:p14="http://schemas.microsoft.com/office/powerpoint/2010/main">
+          <mc:Choice Requires="p14">
             <p:contentPart p14:bwMode="auto" r:id="rId15">
               <p14:nvContentPartPr>
                 <p14:cNvPr id="1032" name="Ink 1031">
@@ -30834,7 +30893,7 @@
               </p14:xfrm>
             </p:contentPart>
           </mc:Choice>
-          <mc:Fallback>
+          <mc:Fallback xmlns="">
             <p:pic>
               <p:nvPicPr>
                 <p:cNvPr id="1032" name="Ink 1031">
@@ -30865,8 +30924,8 @@
             </p:pic>
           </mc:Fallback>
         </mc:AlternateContent>
-        <mc:AlternateContent xmlns:mc="http://schemas.openxmlformats.org/markup-compatibility/2006">
-          <mc:Choice xmlns:p14="http://schemas.microsoft.com/office/powerpoint/2010/main" Requires="p14">
+        <mc:AlternateContent xmlns:mc="http://schemas.openxmlformats.org/markup-compatibility/2006" xmlns:p14="http://schemas.microsoft.com/office/powerpoint/2010/main">
+          <mc:Choice Requires="p14">
             <p:contentPart p14:bwMode="auto" r:id="rId17">
               <p14:nvContentPartPr>
                 <p14:cNvPr id="1035" name="Ink 1034">
@@ -30885,7 +30944,7 @@
               </p14:xfrm>
             </p:contentPart>
           </mc:Choice>
-          <mc:Fallback>
+          <mc:Fallback xmlns="">
             <p:pic>
               <p:nvPicPr>
                 <p:cNvPr id="1035" name="Ink 1034">
@@ -30916,8 +30975,8 @@
             </p:pic>
           </mc:Fallback>
         </mc:AlternateContent>
-        <mc:AlternateContent xmlns:mc="http://schemas.openxmlformats.org/markup-compatibility/2006">
-          <mc:Choice xmlns:p14="http://schemas.microsoft.com/office/powerpoint/2010/main" Requires="p14">
+        <mc:AlternateContent xmlns:mc="http://schemas.openxmlformats.org/markup-compatibility/2006" xmlns:p14="http://schemas.microsoft.com/office/powerpoint/2010/main">
+          <mc:Choice Requires="p14">
             <p:contentPart p14:bwMode="auto" r:id="rId19">
               <p14:nvContentPartPr>
                 <p14:cNvPr id="1036" name="Ink 1035">
@@ -30936,7 +30995,7 @@
               </p14:xfrm>
             </p:contentPart>
           </mc:Choice>
-          <mc:Fallback>
+          <mc:Fallback xmlns="">
             <p:pic>
               <p:nvPicPr>
                 <p:cNvPr id="1036" name="Ink 1035">
@@ -30967,8 +31026,8 @@
             </p:pic>
           </mc:Fallback>
         </mc:AlternateContent>
-        <mc:AlternateContent xmlns:mc="http://schemas.openxmlformats.org/markup-compatibility/2006">
-          <mc:Choice xmlns:p14="http://schemas.microsoft.com/office/powerpoint/2010/main" Requires="p14">
+        <mc:AlternateContent xmlns:mc="http://schemas.openxmlformats.org/markup-compatibility/2006" xmlns:p14="http://schemas.microsoft.com/office/powerpoint/2010/main">
+          <mc:Choice Requires="p14">
             <p:contentPart p14:bwMode="auto" r:id="rId21">
               <p14:nvContentPartPr>
                 <p14:cNvPr id="1037" name="Ink 1036">
@@ -30987,7 +31046,7 @@
               </p14:xfrm>
             </p:contentPart>
           </mc:Choice>
-          <mc:Fallback>
+          <mc:Fallback xmlns="">
             <p:pic>
               <p:nvPicPr>
                 <p:cNvPr id="1037" name="Ink 1036">
@@ -31019,8 +31078,8 @@
           </mc:Fallback>
         </mc:AlternateContent>
       </p:grpSp>
-      <mc:AlternateContent xmlns:mc="http://schemas.openxmlformats.org/markup-compatibility/2006">
-        <mc:Choice xmlns:p14="http://schemas.microsoft.com/office/powerpoint/2010/main" Requires="p14">
+      <mc:AlternateContent xmlns:mc="http://schemas.openxmlformats.org/markup-compatibility/2006" xmlns:p14="http://schemas.microsoft.com/office/powerpoint/2010/main">
+        <mc:Choice Requires="p14">
           <p:contentPart p14:bwMode="auto" r:id="rId23">
             <p14:nvContentPartPr>
               <p14:cNvPr id="1041" name="Ink 1040">
@@ -31039,7 +31098,7 @@
             </p14:xfrm>
           </p:contentPart>
         </mc:Choice>
-        <mc:Fallback>
+        <mc:Fallback xmlns="">
           <p:pic>
             <p:nvPicPr>
               <p:cNvPr id="1041" name="Ink 1040">
@@ -31070,8 +31129,8 @@
           </p:pic>
         </mc:Fallback>
       </mc:AlternateContent>
-      <mc:AlternateContent xmlns:mc="http://schemas.openxmlformats.org/markup-compatibility/2006">
-        <mc:Choice xmlns:p14="http://schemas.microsoft.com/office/powerpoint/2010/main" Requires="p14">
+      <mc:AlternateContent xmlns:mc="http://schemas.openxmlformats.org/markup-compatibility/2006" xmlns:p14="http://schemas.microsoft.com/office/powerpoint/2010/main">
+        <mc:Choice Requires="p14">
           <p:contentPart p14:bwMode="auto" r:id="rId25">
             <p14:nvContentPartPr>
               <p14:cNvPr id="1044" name="Ink 1043">
@@ -31090,7 +31149,7 @@
             </p14:xfrm>
           </p:contentPart>
         </mc:Choice>
-        <mc:Fallback>
+        <mc:Fallback xmlns="">
           <p:pic>
             <p:nvPicPr>
               <p:cNvPr id="1044" name="Ink 1043">
@@ -31121,8 +31180,8 @@
           </p:pic>
         </mc:Fallback>
       </mc:AlternateContent>
-      <mc:AlternateContent xmlns:mc="http://schemas.openxmlformats.org/markup-compatibility/2006">
-        <mc:Choice xmlns:p14="http://schemas.microsoft.com/office/powerpoint/2010/main" Requires="p14">
+      <mc:AlternateContent xmlns:mc="http://schemas.openxmlformats.org/markup-compatibility/2006" xmlns:p14="http://schemas.microsoft.com/office/powerpoint/2010/main">
+        <mc:Choice Requires="p14">
           <p:contentPart p14:bwMode="auto" r:id="rId26">
             <p14:nvContentPartPr>
               <p14:cNvPr id="1045" name="Ink 1044">
@@ -31141,7 +31200,7 @@
             </p14:xfrm>
           </p:contentPart>
         </mc:Choice>
-        <mc:Fallback>
+        <mc:Fallback xmlns="">
           <p:pic>
             <p:nvPicPr>
               <p:cNvPr id="1045" name="Ink 1044">
@@ -31192,8 +31251,8 @@
             <a:chExt cx="1478520" cy="914760"/>
           </a:xfrm>
         </p:grpSpPr>
-        <mc:AlternateContent xmlns:mc="http://schemas.openxmlformats.org/markup-compatibility/2006">
-          <mc:Choice xmlns:p14="http://schemas.microsoft.com/office/powerpoint/2010/main" Requires="p14">
+        <mc:AlternateContent xmlns:mc="http://schemas.openxmlformats.org/markup-compatibility/2006" xmlns:p14="http://schemas.microsoft.com/office/powerpoint/2010/main">
+          <mc:Choice Requires="p14">
             <p:contentPart p14:bwMode="auto" r:id="rId27">
               <p14:nvContentPartPr>
                 <p14:cNvPr id="1055" name="Ink 1054">
@@ -31212,7 +31271,7 @@
               </p14:xfrm>
             </p:contentPart>
           </mc:Choice>
-          <mc:Fallback>
+          <mc:Fallback xmlns="">
             <p:pic>
               <p:nvPicPr>
                 <p:cNvPr id="1055" name="Ink 1054">
@@ -31243,8 +31302,8 @@
             </p:pic>
           </mc:Fallback>
         </mc:AlternateContent>
-        <mc:AlternateContent xmlns:mc="http://schemas.openxmlformats.org/markup-compatibility/2006">
-          <mc:Choice xmlns:p14="http://schemas.microsoft.com/office/powerpoint/2010/main" Requires="p14">
+        <mc:AlternateContent xmlns:mc="http://schemas.openxmlformats.org/markup-compatibility/2006" xmlns:p14="http://schemas.microsoft.com/office/powerpoint/2010/main">
+          <mc:Choice Requires="p14">
             <p:contentPart p14:bwMode="auto" r:id="rId29">
               <p14:nvContentPartPr>
                 <p14:cNvPr id="1056" name="Ink 1055">
@@ -31263,7 +31322,7 @@
               </p14:xfrm>
             </p:contentPart>
           </mc:Choice>
-          <mc:Fallback>
+          <mc:Fallback xmlns="">
             <p:pic>
               <p:nvPicPr>
                 <p:cNvPr id="1056" name="Ink 1055">
@@ -31294,8 +31353,8 @@
             </p:pic>
           </mc:Fallback>
         </mc:AlternateContent>
-        <mc:AlternateContent xmlns:mc="http://schemas.openxmlformats.org/markup-compatibility/2006">
-          <mc:Choice xmlns:p14="http://schemas.microsoft.com/office/powerpoint/2010/main" Requires="p14">
+        <mc:AlternateContent xmlns:mc="http://schemas.openxmlformats.org/markup-compatibility/2006" xmlns:p14="http://schemas.microsoft.com/office/powerpoint/2010/main">
+          <mc:Choice Requires="p14">
             <p:contentPart p14:bwMode="auto" r:id="rId30">
               <p14:nvContentPartPr>
                 <p14:cNvPr id="1057" name="Ink 1056">
@@ -31314,7 +31373,7 @@
               </p14:xfrm>
             </p:contentPart>
           </mc:Choice>
-          <mc:Fallback>
+          <mc:Fallback xmlns="">
             <p:pic>
               <p:nvPicPr>
                 <p:cNvPr id="1057" name="Ink 1056">
@@ -31345,8 +31404,8 @@
             </p:pic>
           </mc:Fallback>
         </mc:AlternateContent>
-        <mc:AlternateContent xmlns:mc="http://schemas.openxmlformats.org/markup-compatibility/2006">
-          <mc:Choice xmlns:p14="http://schemas.microsoft.com/office/powerpoint/2010/main" Requires="p14">
+        <mc:AlternateContent xmlns:mc="http://schemas.openxmlformats.org/markup-compatibility/2006" xmlns:p14="http://schemas.microsoft.com/office/powerpoint/2010/main">
+          <mc:Choice Requires="p14">
             <p:contentPart p14:bwMode="auto" r:id="rId31">
               <p14:nvContentPartPr>
                 <p14:cNvPr id="1058" name="Ink 1057">
@@ -31365,7 +31424,7 @@
               </p14:xfrm>
             </p:contentPart>
           </mc:Choice>
-          <mc:Fallback>
+          <mc:Fallback xmlns="">
             <p:pic>
               <p:nvPicPr>
                 <p:cNvPr id="1058" name="Ink 1057">
@@ -31396,8 +31455,8 @@
             </p:pic>
           </mc:Fallback>
         </mc:AlternateContent>
-        <mc:AlternateContent xmlns:mc="http://schemas.openxmlformats.org/markup-compatibility/2006">
-          <mc:Choice xmlns:p14="http://schemas.microsoft.com/office/powerpoint/2010/main" Requires="p14">
+        <mc:AlternateContent xmlns:mc="http://schemas.openxmlformats.org/markup-compatibility/2006" xmlns:p14="http://schemas.microsoft.com/office/powerpoint/2010/main">
+          <mc:Choice Requires="p14">
             <p:contentPart p14:bwMode="auto" r:id="rId32">
               <p14:nvContentPartPr>
                 <p14:cNvPr id="1059" name="Ink 1058">
@@ -31416,7 +31475,7 @@
               </p14:xfrm>
             </p:contentPart>
           </mc:Choice>
-          <mc:Fallback>
+          <mc:Fallback xmlns="">
             <p:pic>
               <p:nvPicPr>
                 <p:cNvPr id="1059" name="Ink 1058">
@@ -31447,8 +31506,8 @@
             </p:pic>
           </mc:Fallback>
         </mc:AlternateContent>
-        <mc:AlternateContent xmlns:mc="http://schemas.openxmlformats.org/markup-compatibility/2006">
-          <mc:Choice xmlns:p14="http://schemas.microsoft.com/office/powerpoint/2010/main" Requires="p14">
+        <mc:AlternateContent xmlns:mc="http://schemas.openxmlformats.org/markup-compatibility/2006" xmlns:p14="http://schemas.microsoft.com/office/powerpoint/2010/main">
+          <mc:Choice Requires="p14">
             <p:contentPart p14:bwMode="auto" r:id="rId33">
               <p14:nvContentPartPr>
                 <p14:cNvPr id="1060" name="Ink 1059">
@@ -31467,7 +31526,7 @@
               </p14:xfrm>
             </p:contentPart>
           </mc:Choice>
-          <mc:Fallback>
+          <mc:Fallback xmlns="">
             <p:pic>
               <p:nvPicPr>
                 <p:cNvPr id="1060" name="Ink 1059">
@@ -31498,8 +31557,8 @@
             </p:pic>
           </mc:Fallback>
         </mc:AlternateContent>
-        <mc:AlternateContent xmlns:mc="http://schemas.openxmlformats.org/markup-compatibility/2006">
-          <mc:Choice xmlns:p14="http://schemas.microsoft.com/office/powerpoint/2010/main" Requires="p14">
+        <mc:AlternateContent xmlns:mc="http://schemas.openxmlformats.org/markup-compatibility/2006" xmlns:p14="http://schemas.microsoft.com/office/powerpoint/2010/main">
+          <mc:Choice Requires="p14">
             <p:contentPart p14:bwMode="auto" r:id="rId34">
               <p14:nvContentPartPr>
                 <p14:cNvPr id="1046" name="Ink 1045">
@@ -31518,7 +31577,7 @@
               </p14:xfrm>
             </p:contentPart>
           </mc:Choice>
-          <mc:Fallback>
+          <mc:Fallback xmlns="">
             <p:pic>
               <p:nvPicPr>
                 <p:cNvPr id="1046" name="Ink 1045">
@@ -31549,8 +31608,8 @@
             </p:pic>
           </mc:Fallback>
         </mc:AlternateContent>
-        <mc:AlternateContent xmlns:mc="http://schemas.openxmlformats.org/markup-compatibility/2006">
-          <mc:Choice xmlns:p14="http://schemas.microsoft.com/office/powerpoint/2010/main" Requires="p14">
+        <mc:AlternateContent xmlns:mc="http://schemas.openxmlformats.org/markup-compatibility/2006" xmlns:p14="http://schemas.microsoft.com/office/powerpoint/2010/main">
+          <mc:Choice Requires="p14">
             <p:contentPart p14:bwMode="auto" r:id="rId36">
               <p14:nvContentPartPr>
                 <p14:cNvPr id="1047" name="Ink 1046">
@@ -31569,7 +31628,7 @@
               </p14:xfrm>
             </p:contentPart>
           </mc:Choice>
-          <mc:Fallback>
+          <mc:Fallback xmlns="">
             <p:pic>
               <p:nvPicPr>
                 <p:cNvPr id="1047" name="Ink 1046">
@@ -31600,8 +31659,8 @@
             </p:pic>
           </mc:Fallback>
         </mc:AlternateContent>
-        <mc:AlternateContent xmlns:mc="http://schemas.openxmlformats.org/markup-compatibility/2006">
-          <mc:Choice xmlns:p14="http://schemas.microsoft.com/office/powerpoint/2010/main" Requires="p14">
+        <mc:AlternateContent xmlns:mc="http://schemas.openxmlformats.org/markup-compatibility/2006" xmlns:p14="http://schemas.microsoft.com/office/powerpoint/2010/main">
+          <mc:Choice Requires="p14">
             <p:contentPart p14:bwMode="auto" r:id="rId37">
               <p14:nvContentPartPr>
                 <p14:cNvPr id="1049" name="Ink 1048">
@@ -31620,7 +31679,7 @@
               </p14:xfrm>
             </p:contentPart>
           </mc:Choice>
-          <mc:Fallback>
+          <mc:Fallback xmlns="">
             <p:pic>
               <p:nvPicPr>
                 <p:cNvPr id="1049" name="Ink 1048">
@@ -31651,8 +31710,8 @@
             </p:pic>
           </mc:Fallback>
         </mc:AlternateContent>
-        <mc:AlternateContent xmlns:mc="http://schemas.openxmlformats.org/markup-compatibility/2006">
-          <mc:Choice xmlns:p14="http://schemas.microsoft.com/office/powerpoint/2010/main" Requires="p14">
+        <mc:AlternateContent xmlns:mc="http://schemas.openxmlformats.org/markup-compatibility/2006" xmlns:p14="http://schemas.microsoft.com/office/powerpoint/2010/main">
+          <mc:Choice Requires="p14">
             <p:contentPart p14:bwMode="auto" r:id="rId38">
               <p14:nvContentPartPr>
                 <p14:cNvPr id="1050" name="Ink 1049">
@@ -31671,7 +31730,7 @@
               </p14:xfrm>
             </p:contentPart>
           </mc:Choice>
-          <mc:Fallback>
+          <mc:Fallback xmlns="">
             <p:pic>
               <p:nvPicPr>
                 <p:cNvPr id="1050" name="Ink 1049">
@@ -31702,8 +31761,8 @@
             </p:pic>
           </mc:Fallback>
         </mc:AlternateContent>
-        <mc:AlternateContent xmlns:mc="http://schemas.openxmlformats.org/markup-compatibility/2006">
-          <mc:Choice xmlns:p14="http://schemas.microsoft.com/office/powerpoint/2010/main" Requires="p14">
+        <mc:AlternateContent xmlns:mc="http://schemas.openxmlformats.org/markup-compatibility/2006" xmlns:p14="http://schemas.microsoft.com/office/powerpoint/2010/main">
+          <mc:Choice Requires="p14">
             <p:contentPart p14:bwMode="auto" r:id="rId39">
               <p14:nvContentPartPr>
                 <p14:cNvPr id="1051" name="Ink 1050">
@@ -31722,7 +31781,7 @@
               </p14:xfrm>
             </p:contentPart>
           </mc:Choice>
-          <mc:Fallback>
+          <mc:Fallback xmlns="">
             <p:pic>
               <p:nvPicPr>
                 <p:cNvPr id="1051" name="Ink 1050">
@@ -31753,8 +31812,8 @@
             </p:pic>
           </mc:Fallback>
         </mc:AlternateContent>
-        <mc:AlternateContent xmlns:mc="http://schemas.openxmlformats.org/markup-compatibility/2006">
-          <mc:Choice xmlns:p14="http://schemas.microsoft.com/office/powerpoint/2010/main" Requires="p14">
+        <mc:AlternateContent xmlns:mc="http://schemas.openxmlformats.org/markup-compatibility/2006" xmlns:p14="http://schemas.microsoft.com/office/powerpoint/2010/main">
+          <mc:Choice Requires="p14">
             <p:contentPart p14:bwMode="auto" r:id="rId40">
               <p14:nvContentPartPr>
                 <p14:cNvPr id="1053" name="Ink 1052">
@@ -31773,7 +31832,7 @@
               </p14:xfrm>
             </p:contentPart>
           </mc:Choice>
-          <mc:Fallback>
+          <mc:Fallback xmlns="">
             <p:pic>
               <p:nvPicPr>
                 <p:cNvPr id="1053" name="Ink 1052">
@@ -31804,8 +31863,8 @@
             </p:pic>
           </mc:Fallback>
         </mc:AlternateContent>
-        <mc:AlternateContent xmlns:mc="http://schemas.openxmlformats.org/markup-compatibility/2006">
-          <mc:Choice xmlns:p14="http://schemas.microsoft.com/office/powerpoint/2010/main" Requires="p14">
+        <mc:AlternateContent xmlns:mc="http://schemas.openxmlformats.org/markup-compatibility/2006" xmlns:p14="http://schemas.microsoft.com/office/powerpoint/2010/main">
+          <mc:Choice Requires="p14">
             <p:contentPart p14:bwMode="auto" r:id="rId41">
               <p14:nvContentPartPr>
                 <p14:cNvPr id="1054" name="Ink 1053">
@@ -31824,7 +31883,7 @@
               </p14:xfrm>
             </p:contentPart>
           </mc:Choice>
-          <mc:Fallback>
+          <mc:Fallback xmlns="">
             <p:pic>
               <p:nvPicPr>
                 <p:cNvPr id="1054" name="Ink 1053">
@@ -31855,8 +31914,8 @@
             </p:pic>
           </mc:Fallback>
         </mc:AlternateContent>
-        <mc:AlternateContent xmlns:mc="http://schemas.openxmlformats.org/markup-compatibility/2006">
-          <mc:Choice xmlns:p14="http://schemas.microsoft.com/office/powerpoint/2010/main" Requires="p14">
+        <mc:AlternateContent xmlns:mc="http://schemas.openxmlformats.org/markup-compatibility/2006" xmlns:p14="http://schemas.microsoft.com/office/powerpoint/2010/main">
+          <mc:Choice Requires="p14">
             <p:contentPart p14:bwMode="auto" r:id="rId42">
               <p14:nvContentPartPr>
                 <p14:cNvPr id="1064" name="Ink 1063">
@@ -31875,7 +31934,7 @@
               </p14:xfrm>
             </p:contentPart>
           </mc:Choice>
-          <mc:Fallback>
+          <mc:Fallback xmlns="">
             <p:pic>
               <p:nvPicPr>
                 <p:cNvPr id="1064" name="Ink 1063">
@@ -31906,8 +31965,8 @@
             </p:pic>
           </mc:Fallback>
         </mc:AlternateContent>
-        <mc:AlternateContent xmlns:mc="http://schemas.openxmlformats.org/markup-compatibility/2006">
-          <mc:Choice xmlns:p14="http://schemas.microsoft.com/office/powerpoint/2010/main" Requires="p14">
+        <mc:AlternateContent xmlns:mc="http://schemas.openxmlformats.org/markup-compatibility/2006" xmlns:p14="http://schemas.microsoft.com/office/powerpoint/2010/main">
+          <mc:Choice Requires="p14">
             <p:contentPart p14:bwMode="auto" r:id="rId43">
               <p14:nvContentPartPr>
                 <p14:cNvPr id="1065" name="Ink 1064">
@@ -31926,7 +31985,7 @@
               </p14:xfrm>
             </p:contentPart>
           </mc:Choice>
-          <mc:Fallback>
+          <mc:Fallback xmlns="">
             <p:pic>
               <p:nvPicPr>
                 <p:cNvPr id="1065" name="Ink 1064">
@@ -31957,8 +32016,8 @@
             </p:pic>
           </mc:Fallback>
         </mc:AlternateContent>
-        <mc:AlternateContent xmlns:mc="http://schemas.openxmlformats.org/markup-compatibility/2006">
-          <mc:Choice xmlns:p14="http://schemas.microsoft.com/office/powerpoint/2010/main" Requires="p14">
+        <mc:AlternateContent xmlns:mc="http://schemas.openxmlformats.org/markup-compatibility/2006" xmlns:p14="http://schemas.microsoft.com/office/powerpoint/2010/main">
+          <mc:Choice Requires="p14">
             <p:contentPart p14:bwMode="auto" r:id="rId44">
               <p14:nvContentPartPr>
                 <p14:cNvPr id="1067" name="Ink 1066">
@@ -31977,7 +32036,7 @@
               </p14:xfrm>
             </p:contentPart>
           </mc:Choice>
-          <mc:Fallback>
+          <mc:Fallback xmlns="">
             <p:pic>
               <p:nvPicPr>
                 <p:cNvPr id="1067" name="Ink 1066">
@@ -32008,8 +32067,8 @@
             </p:pic>
           </mc:Fallback>
         </mc:AlternateContent>
-        <mc:AlternateContent xmlns:mc="http://schemas.openxmlformats.org/markup-compatibility/2006">
-          <mc:Choice xmlns:p14="http://schemas.microsoft.com/office/powerpoint/2010/main" Requires="p14">
+        <mc:AlternateContent xmlns:mc="http://schemas.openxmlformats.org/markup-compatibility/2006" xmlns:p14="http://schemas.microsoft.com/office/powerpoint/2010/main">
+          <mc:Choice Requires="p14">
             <p:contentPart p14:bwMode="auto" r:id="rId46">
               <p14:nvContentPartPr>
                 <p14:cNvPr id="1068" name="Ink 1067">
@@ -32028,7 +32087,7 @@
               </p14:xfrm>
             </p:contentPart>
           </mc:Choice>
-          <mc:Fallback>
+          <mc:Fallback xmlns="">
             <p:pic>
               <p:nvPicPr>
                 <p:cNvPr id="1068" name="Ink 1067">
@@ -32059,8 +32118,8 @@
             </p:pic>
           </mc:Fallback>
         </mc:AlternateContent>
-        <mc:AlternateContent xmlns:mc="http://schemas.openxmlformats.org/markup-compatibility/2006">
-          <mc:Choice xmlns:p14="http://schemas.microsoft.com/office/powerpoint/2010/main" Requires="p14">
+        <mc:AlternateContent xmlns:mc="http://schemas.openxmlformats.org/markup-compatibility/2006" xmlns:p14="http://schemas.microsoft.com/office/powerpoint/2010/main">
+          <mc:Choice Requires="p14">
             <p:contentPart p14:bwMode="auto" r:id="rId48">
               <p14:nvContentPartPr>
                 <p14:cNvPr id="1069" name="Ink 1068">
@@ -32079,7 +32138,7 @@
               </p14:xfrm>
             </p:contentPart>
           </mc:Choice>
-          <mc:Fallback>
+          <mc:Fallback xmlns="">
             <p:pic>
               <p:nvPicPr>
                 <p:cNvPr id="1069" name="Ink 1068">
@@ -32110,8 +32169,8 @@
             </p:pic>
           </mc:Fallback>
         </mc:AlternateContent>
-        <mc:AlternateContent xmlns:mc="http://schemas.openxmlformats.org/markup-compatibility/2006">
-          <mc:Choice xmlns:p14="http://schemas.microsoft.com/office/powerpoint/2010/main" Requires="p14">
+        <mc:AlternateContent xmlns:mc="http://schemas.openxmlformats.org/markup-compatibility/2006" xmlns:p14="http://schemas.microsoft.com/office/powerpoint/2010/main">
+          <mc:Choice Requires="p14">
             <p:contentPart p14:bwMode="auto" r:id="rId50">
               <p14:nvContentPartPr>
                 <p14:cNvPr id="1070" name="Ink 1069">
@@ -32130,7 +32189,7 @@
               </p14:xfrm>
             </p:contentPart>
           </mc:Choice>
-          <mc:Fallback>
+          <mc:Fallback xmlns="">
             <p:pic>
               <p:nvPicPr>
                 <p:cNvPr id="1070" name="Ink 1069">
@@ -32161,8 +32220,8 @@
             </p:pic>
           </mc:Fallback>
         </mc:AlternateContent>
-        <mc:AlternateContent xmlns:mc="http://schemas.openxmlformats.org/markup-compatibility/2006">
-          <mc:Choice xmlns:p14="http://schemas.microsoft.com/office/powerpoint/2010/main" Requires="p14">
+        <mc:AlternateContent xmlns:mc="http://schemas.openxmlformats.org/markup-compatibility/2006" xmlns:p14="http://schemas.microsoft.com/office/powerpoint/2010/main">
+          <mc:Choice Requires="p14">
             <p:contentPart p14:bwMode="auto" r:id="rId52">
               <p14:nvContentPartPr>
                 <p14:cNvPr id="1071" name="Ink 1070">
@@ -32181,7 +32240,7 @@
               </p14:xfrm>
             </p:contentPart>
           </mc:Choice>
-          <mc:Fallback>
+          <mc:Fallback xmlns="">
             <p:pic>
               <p:nvPicPr>
                 <p:cNvPr id="1071" name="Ink 1070">
@@ -32212,8 +32271,8 @@
             </p:pic>
           </mc:Fallback>
         </mc:AlternateContent>
-        <mc:AlternateContent xmlns:mc="http://schemas.openxmlformats.org/markup-compatibility/2006">
-          <mc:Choice xmlns:p14="http://schemas.microsoft.com/office/powerpoint/2010/main" Requires="p14">
+        <mc:AlternateContent xmlns:mc="http://schemas.openxmlformats.org/markup-compatibility/2006" xmlns:p14="http://schemas.microsoft.com/office/powerpoint/2010/main">
+          <mc:Choice Requires="p14">
             <p:contentPart p14:bwMode="auto" r:id="rId54">
               <p14:nvContentPartPr>
                 <p14:cNvPr id="1072" name="Ink 1071">
@@ -32232,7 +32291,7 @@
               </p14:xfrm>
             </p:contentPart>
           </mc:Choice>
-          <mc:Fallback>
+          <mc:Fallback xmlns="">
             <p:pic>
               <p:nvPicPr>
                 <p:cNvPr id="1072" name="Ink 1071">
@@ -32263,8 +32322,8 @@
             </p:pic>
           </mc:Fallback>
         </mc:AlternateContent>
-        <mc:AlternateContent xmlns:mc="http://schemas.openxmlformats.org/markup-compatibility/2006">
-          <mc:Choice xmlns:p14="http://schemas.microsoft.com/office/powerpoint/2010/main" Requires="p14">
+        <mc:AlternateContent xmlns:mc="http://schemas.openxmlformats.org/markup-compatibility/2006" xmlns:p14="http://schemas.microsoft.com/office/powerpoint/2010/main">
+          <mc:Choice Requires="p14">
             <p:contentPart p14:bwMode="auto" r:id="rId56">
               <p14:nvContentPartPr>
                 <p14:cNvPr id="1073" name="Ink 1072">
@@ -32283,7 +32342,7 @@
               </p14:xfrm>
             </p:contentPart>
           </mc:Choice>
-          <mc:Fallback>
+          <mc:Fallback xmlns="">
             <p:pic>
               <p:nvPicPr>
                 <p:cNvPr id="1073" name="Ink 1072">
@@ -32314,8 +32373,8 @@
             </p:pic>
           </mc:Fallback>
         </mc:AlternateContent>
-        <mc:AlternateContent xmlns:mc="http://schemas.openxmlformats.org/markup-compatibility/2006">
-          <mc:Choice xmlns:p14="http://schemas.microsoft.com/office/powerpoint/2010/main" Requires="p14">
+        <mc:AlternateContent xmlns:mc="http://schemas.openxmlformats.org/markup-compatibility/2006" xmlns:p14="http://schemas.microsoft.com/office/powerpoint/2010/main">
+          <mc:Choice Requires="p14">
             <p:contentPart p14:bwMode="auto" r:id="rId58">
               <p14:nvContentPartPr>
                 <p14:cNvPr id="1074" name="Ink 1073">
@@ -32334,7 +32393,7 @@
               </p14:xfrm>
             </p:contentPart>
           </mc:Choice>
-          <mc:Fallback>
+          <mc:Fallback xmlns="">
             <p:pic>
               <p:nvPicPr>
                 <p:cNvPr id="1074" name="Ink 1073">
@@ -32365,8 +32424,8 @@
             </p:pic>
           </mc:Fallback>
         </mc:AlternateContent>
-        <mc:AlternateContent xmlns:mc="http://schemas.openxmlformats.org/markup-compatibility/2006">
-          <mc:Choice xmlns:p14="http://schemas.microsoft.com/office/powerpoint/2010/main" Requires="p14">
+        <mc:AlternateContent xmlns:mc="http://schemas.openxmlformats.org/markup-compatibility/2006" xmlns:p14="http://schemas.microsoft.com/office/powerpoint/2010/main">
+          <mc:Choice Requires="p14">
             <p:contentPart p14:bwMode="auto" r:id="rId60">
               <p14:nvContentPartPr>
                 <p14:cNvPr id="1075" name="Ink 1074">
@@ -32385,7 +32444,7 @@
               </p14:xfrm>
             </p:contentPart>
           </mc:Choice>
-          <mc:Fallback>
+          <mc:Fallback xmlns="">
             <p:pic>
               <p:nvPicPr>
                 <p:cNvPr id="1075" name="Ink 1074">
@@ -32416,8 +32475,8 @@
             </p:pic>
           </mc:Fallback>
         </mc:AlternateContent>
-        <mc:AlternateContent xmlns:mc="http://schemas.openxmlformats.org/markup-compatibility/2006">
-          <mc:Choice xmlns:p14="http://schemas.microsoft.com/office/powerpoint/2010/main" Requires="p14">
+        <mc:AlternateContent xmlns:mc="http://schemas.openxmlformats.org/markup-compatibility/2006" xmlns:p14="http://schemas.microsoft.com/office/powerpoint/2010/main">
+          <mc:Choice Requires="p14">
             <p:contentPart p14:bwMode="auto" r:id="rId61">
               <p14:nvContentPartPr>
                 <p14:cNvPr id="1076" name="Ink 1075">
@@ -32436,7 +32495,7 @@
               </p14:xfrm>
             </p:contentPart>
           </mc:Choice>
-          <mc:Fallback>
+          <mc:Fallback xmlns="">
             <p:pic>
               <p:nvPicPr>
                 <p:cNvPr id="1076" name="Ink 1075">
@@ -32467,8 +32526,8 @@
             </p:pic>
           </mc:Fallback>
         </mc:AlternateContent>
-        <mc:AlternateContent xmlns:mc="http://schemas.openxmlformats.org/markup-compatibility/2006">
-          <mc:Choice xmlns:p14="http://schemas.microsoft.com/office/powerpoint/2010/main" Requires="p14">
+        <mc:AlternateContent xmlns:mc="http://schemas.openxmlformats.org/markup-compatibility/2006" xmlns:p14="http://schemas.microsoft.com/office/powerpoint/2010/main">
+          <mc:Choice Requires="p14">
             <p:contentPart p14:bwMode="auto" r:id="rId62">
               <p14:nvContentPartPr>
                 <p14:cNvPr id="1077" name="Ink 1076">
@@ -32487,7 +32546,7 @@
               </p14:xfrm>
             </p:contentPart>
           </mc:Choice>
-          <mc:Fallback>
+          <mc:Fallback xmlns="">
             <p:pic>
               <p:nvPicPr>
                 <p:cNvPr id="1077" name="Ink 1076">
@@ -32519,8 +32578,8 @@
           </mc:Fallback>
         </mc:AlternateContent>
       </p:grpSp>
-      <mc:AlternateContent xmlns:mc="http://schemas.openxmlformats.org/markup-compatibility/2006">
-        <mc:Choice xmlns:p14="http://schemas.microsoft.com/office/powerpoint/2010/main" Requires="p14">
+      <mc:AlternateContent xmlns:mc="http://schemas.openxmlformats.org/markup-compatibility/2006" xmlns:p14="http://schemas.microsoft.com/office/powerpoint/2010/main">
+        <mc:Choice Requires="p14">
           <p:contentPart p14:bwMode="auto" r:id="rId63">
             <p14:nvContentPartPr>
               <p14:cNvPr id="1079" name="Ink 1078">
@@ -32539,7 +32598,7 @@
             </p14:xfrm>
           </p:contentPart>
         </mc:Choice>
-        <mc:Fallback>
+        <mc:Fallback xmlns="">
           <p:pic>
             <p:nvPicPr>
               <p:cNvPr id="1079" name="Ink 1078">
@@ -32570,8 +32629,8 @@
           </p:pic>
         </mc:Fallback>
       </mc:AlternateContent>
-      <mc:AlternateContent xmlns:mc="http://schemas.openxmlformats.org/markup-compatibility/2006">
-        <mc:Choice xmlns:p14="http://schemas.microsoft.com/office/powerpoint/2010/main" Requires="p14">
+      <mc:AlternateContent xmlns:mc="http://schemas.openxmlformats.org/markup-compatibility/2006" xmlns:p14="http://schemas.microsoft.com/office/powerpoint/2010/main">
+        <mc:Choice Requires="p14">
           <p:contentPart p14:bwMode="auto" r:id="rId64">
             <p14:nvContentPartPr>
               <p14:cNvPr id="1080" name="Ink 1079">
@@ -32590,7 +32649,7 @@
             </p14:xfrm>
           </p:contentPart>
         </mc:Choice>
-        <mc:Fallback>
+        <mc:Fallback xmlns="">
           <p:pic>
             <p:nvPicPr>
               <p:cNvPr id="1080" name="Ink 1079">
@@ -32621,8 +32680,8 @@
           </p:pic>
         </mc:Fallback>
       </mc:AlternateContent>
-      <mc:AlternateContent xmlns:mc="http://schemas.openxmlformats.org/markup-compatibility/2006">
-        <mc:Choice xmlns:p14="http://schemas.microsoft.com/office/powerpoint/2010/main" Requires="p14">
+      <mc:AlternateContent xmlns:mc="http://schemas.openxmlformats.org/markup-compatibility/2006" xmlns:p14="http://schemas.microsoft.com/office/powerpoint/2010/main">
+        <mc:Choice Requires="p14">
           <p:contentPart p14:bwMode="auto" r:id="rId65">
             <p14:nvContentPartPr>
               <p14:cNvPr id="1081" name="Ink 1080">
@@ -32641,7 +32700,7 @@
             </p14:xfrm>
           </p:contentPart>
         </mc:Choice>
-        <mc:Fallback>
+        <mc:Fallback xmlns="">
           <p:pic>
             <p:nvPicPr>
               <p:cNvPr id="1081" name="Ink 1080">
@@ -32692,8 +32751,8 @@
             <a:chExt cx="45720" cy="31320"/>
           </a:xfrm>
         </p:grpSpPr>
-        <mc:AlternateContent xmlns:mc="http://schemas.openxmlformats.org/markup-compatibility/2006">
-          <mc:Choice xmlns:p14="http://schemas.microsoft.com/office/powerpoint/2010/main" Requires="p14">
+        <mc:AlternateContent xmlns:mc="http://schemas.openxmlformats.org/markup-compatibility/2006" xmlns:p14="http://schemas.microsoft.com/office/powerpoint/2010/main">
+          <mc:Choice Requires="p14">
             <p:contentPart p14:bwMode="auto" r:id="rId66">
               <p14:nvContentPartPr>
                 <p14:cNvPr id="1082" name="Ink 1081">
@@ -32712,7 +32771,7 @@
               </p14:xfrm>
             </p:contentPart>
           </mc:Choice>
-          <mc:Fallback>
+          <mc:Fallback xmlns="">
             <p:pic>
               <p:nvPicPr>
                 <p:cNvPr id="1082" name="Ink 1081">
@@ -32743,8 +32802,8 @@
             </p:pic>
           </mc:Fallback>
         </mc:AlternateContent>
-        <mc:AlternateContent xmlns:mc="http://schemas.openxmlformats.org/markup-compatibility/2006">
-          <mc:Choice xmlns:p14="http://schemas.microsoft.com/office/powerpoint/2010/main" Requires="p14">
+        <mc:AlternateContent xmlns:mc="http://schemas.openxmlformats.org/markup-compatibility/2006" xmlns:p14="http://schemas.microsoft.com/office/powerpoint/2010/main">
+          <mc:Choice Requires="p14">
             <p:contentPart p14:bwMode="auto" r:id="rId68">
               <p14:nvContentPartPr>
                 <p14:cNvPr id="1083" name="Ink 1082">
@@ -32763,7 +32822,7 @@
               </p14:xfrm>
             </p:contentPart>
           </mc:Choice>
-          <mc:Fallback>
+          <mc:Fallback xmlns="">
             <p:pic>
               <p:nvPicPr>
                 <p:cNvPr id="1083" name="Ink 1082">
@@ -32815,8 +32874,8 @@
             <a:chExt cx="360" cy="360"/>
           </a:xfrm>
         </p:grpSpPr>
-        <mc:AlternateContent xmlns:mc="http://schemas.openxmlformats.org/markup-compatibility/2006">
-          <mc:Choice xmlns:p14="http://schemas.microsoft.com/office/powerpoint/2010/main" Requires="p14">
+        <mc:AlternateContent xmlns:mc="http://schemas.openxmlformats.org/markup-compatibility/2006" xmlns:p14="http://schemas.microsoft.com/office/powerpoint/2010/main">
+          <mc:Choice Requires="p14">
             <p:contentPart p14:bwMode="auto" r:id="rId69">
               <p14:nvContentPartPr>
                 <p14:cNvPr id="1084" name="Ink 1083">
@@ -32835,7 +32894,7 @@
               </p14:xfrm>
             </p:contentPart>
           </mc:Choice>
-          <mc:Fallback>
+          <mc:Fallback xmlns="">
             <p:pic>
               <p:nvPicPr>
                 <p:cNvPr id="1084" name="Ink 1083">
@@ -32866,8 +32925,8 @@
             </p:pic>
           </mc:Fallback>
         </mc:AlternateContent>
-        <mc:AlternateContent xmlns:mc="http://schemas.openxmlformats.org/markup-compatibility/2006">
-          <mc:Choice xmlns:p14="http://schemas.microsoft.com/office/powerpoint/2010/main" Requires="p14">
+        <mc:AlternateContent xmlns:mc="http://schemas.openxmlformats.org/markup-compatibility/2006" xmlns:p14="http://schemas.microsoft.com/office/powerpoint/2010/main">
+          <mc:Choice Requires="p14">
             <p:contentPart p14:bwMode="auto" r:id="rId70">
               <p14:nvContentPartPr>
                 <p14:cNvPr id="1085" name="Ink 1084">
@@ -32886,7 +32945,7 @@
               </p14:xfrm>
             </p:contentPart>
           </mc:Choice>
-          <mc:Fallback>
+          <mc:Fallback xmlns="">
             <p:pic>
               <p:nvPicPr>
                 <p:cNvPr id="1085" name="Ink 1084">
@@ -32918,8 +32977,8 @@
           </mc:Fallback>
         </mc:AlternateContent>
       </p:grpSp>
-      <mc:AlternateContent xmlns:mc="http://schemas.openxmlformats.org/markup-compatibility/2006">
-        <mc:Choice xmlns:p14="http://schemas.microsoft.com/office/powerpoint/2010/main" Requires="p14">
+      <mc:AlternateContent xmlns:mc="http://schemas.openxmlformats.org/markup-compatibility/2006" xmlns:p14="http://schemas.microsoft.com/office/powerpoint/2010/main">
+        <mc:Choice Requires="p14">
           <p:contentPart p14:bwMode="auto" r:id="rId71">
             <p14:nvContentPartPr>
               <p14:cNvPr id="1086" name="Ink 1085">
@@ -32938,7 +32997,7 @@
             </p14:xfrm>
           </p:contentPart>
         </mc:Choice>
-        <mc:Fallback>
+        <mc:Fallback xmlns="">
           <p:pic>
             <p:nvPicPr>
               <p:cNvPr id="1086" name="Ink 1085">
@@ -32989,8 +33048,8 @@
             <a:chExt cx="30600" cy="15480"/>
           </a:xfrm>
         </p:grpSpPr>
-        <mc:AlternateContent xmlns:mc="http://schemas.openxmlformats.org/markup-compatibility/2006">
-          <mc:Choice xmlns:p14="http://schemas.microsoft.com/office/powerpoint/2010/main" Requires="p14">
+        <mc:AlternateContent xmlns:mc="http://schemas.openxmlformats.org/markup-compatibility/2006" xmlns:p14="http://schemas.microsoft.com/office/powerpoint/2010/main">
+          <mc:Choice Requires="p14">
             <p:contentPart p14:bwMode="auto" r:id="rId72">
               <p14:nvContentPartPr>
                 <p14:cNvPr id="1087" name="Ink 1086">
@@ -33009,7 +33068,7 @@
               </p14:xfrm>
             </p:contentPart>
           </mc:Choice>
-          <mc:Fallback>
+          <mc:Fallback xmlns="">
             <p:pic>
               <p:nvPicPr>
                 <p:cNvPr id="1087" name="Ink 1086">
@@ -33040,8 +33099,8 @@
             </p:pic>
           </mc:Fallback>
         </mc:AlternateContent>
-        <mc:AlternateContent xmlns:mc="http://schemas.openxmlformats.org/markup-compatibility/2006">
-          <mc:Choice xmlns:p14="http://schemas.microsoft.com/office/powerpoint/2010/main" Requires="p14">
+        <mc:AlternateContent xmlns:mc="http://schemas.openxmlformats.org/markup-compatibility/2006" xmlns:p14="http://schemas.microsoft.com/office/powerpoint/2010/main">
+          <mc:Choice Requires="p14">
             <p:contentPart p14:bwMode="auto" r:id="rId73">
               <p14:nvContentPartPr>
                 <p14:cNvPr id="1088" name="Ink 1087">
@@ -33060,7 +33119,7 @@
               </p14:xfrm>
             </p:contentPart>
           </mc:Choice>
-          <mc:Fallback>
+          <mc:Fallback xmlns="">
             <p:pic>
               <p:nvPicPr>
                 <p:cNvPr id="1088" name="Ink 1087">
@@ -33091,8 +33150,8 @@
             </p:pic>
           </mc:Fallback>
         </mc:AlternateContent>
-        <mc:AlternateContent xmlns:mc="http://schemas.openxmlformats.org/markup-compatibility/2006">
-          <mc:Choice xmlns:p14="http://schemas.microsoft.com/office/powerpoint/2010/main" Requires="p14">
+        <mc:AlternateContent xmlns:mc="http://schemas.openxmlformats.org/markup-compatibility/2006" xmlns:p14="http://schemas.microsoft.com/office/powerpoint/2010/main">
+          <mc:Choice Requires="p14">
             <p:contentPart p14:bwMode="auto" r:id="rId74">
               <p14:nvContentPartPr>
                 <p14:cNvPr id="1089" name="Ink 1088">
@@ -33111,7 +33170,7 @@
               </p14:xfrm>
             </p:contentPart>
           </mc:Choice>
-          <mc:Fallback>
+          <mc:Fallback xmlns="">
             <p:pic>
               <p:nvPicPr>
                 <p:cNvPr id="1089" name="Ink 1088">
@@ -33163,8 +33222,8 @@
             <a:chExt cx="476280" cy="758520"/>
           </a:xfrm>
         </p:grpSpPr>
-        <mc:AlternateContent xmlns:mc="http://schemas.openxmlformats.org/markup-compatibility/2006">
-          <mc:Choice xmlns:p14="http://schemas.microsoft.com/office/powerpoint/2010/main" Requires="p14">
+        <mc:AlternateContent xmlns:mc="http://schemas.openxmlformats.org/markup-compatibility/2006" xmlns:p14="http://schemas.microsoft.com/office/powerpoint/2010/main">
+          <mc:Choice Requires="p14">
             <p:contentPart p14:bwMode="auto" r:id="rId75">
               <p14:nvContentPartPr>
                 <p14:cNvPr id="1093" name="Ink 1092">
@@ -33183,7 +33242,7 @@
               </p14:xfrm>
             </p:contentPart>
           </mc:Choice>
-          <mc:Fallback>
+          <mc:Fallback xmlns="">
             <p:pic>
               <p:nvPicPr>
                 <p:cNvPr id="1093" name="Ink 1092">
@@ -33214,8 +33273,8 @@
             </p:pic>
           </mc:Fallback>
         </mc:AlternateContent>
-        <mc:AlternateContent xmlns:mc="http://schemas.openxmlformats.org/markup-compatibility/2006">
-          <mc:Choice xmlns:p14="http://schemas.microsoft.com/office/powerpoint/2010/main" Requires="p14">
+        <mc:AlternateContent xmlns:mc="http://schemas.openxmlformats.org/markup-compatibility/2006" xmlns:p14="http://schemas.microsoft.com/office/powerpoint/2010/main">
+          <mc:Choice Requires="p14">
             <p:contentPart p14:bwMode="auto" r:id="rId77">
               <p14:nvContentPartPr>
                 <p14:cNvPr id="1094" name="Ink 1093">
@@ -33234,7 +33293,7 @@
               </p14:xfrm>
             </p:contentPart>
           </mc:Choice>
-          <mc:Fallback>
+          <mc:Fallback xmlns="">
             <p:pic>
               <p:nvPicPr>
                 <p:cNvPr id="1094" name="Ink 1093">

--- a/CausetPosterSketch.pptx
+++ b/CausetPosterSketch.pptx
@@ -10048,7 +10048,7 @@
           <a:p>
             <a:fld id="{FD292A8D-0B99-4C13-9985-4FD00B14622D}" type="datetimeFigureOut">
               <a:rPr lang="en-GB" smtClean="0"/>
-              <a:t>23/02/2023</a:t>
+              <a:t>24/02/2023</a:t>
             </a:fld>
             <a:endParaRPr lang="en-GB"/>
           </a:p>
@@ -10218,7 +10218,7 @@
           <a:p>
             <a:fld id="{FD292A8D-0B99-4C13-9985-4FD00B14622D}" type="datetimeFigureOut">
               <a:rPr lang="en-GB" smtClean="0"/>
-              <a:t>23/02/2023</a:t>
+              <a:t>24/02/2023</a:t>
             </a:fld>
             <a:endParaRPr lang="en-GB"/>
           </a:p>
@@ -10398,7 +10398,7 @@
           <a:p>
             <a:fld id="{FD292A8D-0B99-4C13-9985-4FD00B14622D}" type="datetimeFigureOut">
               <a:rPr lang="en-GB" smtClean="0"/>
-              <a:t>23/02/2023</a:t>
+              <a:t>24/02/2023</a:t>
             </a:fld>
             <a:endParaRPr lang="en-GB"/>
           </a:p>
@@ -10568,7 +10568,7 @@
           <a:p>
             <a:fld id="{FD292A8D-0B99-4C13-9985-4FD00B14622D}" type="datetimeFigureOut">
               <a:rPr lang="en-GB" smtClean="0"/>
-              <a:t>23/02/2023</a:t>
+              <a:t>24/02/2023</a:t>
             </a:fld>
             <a:endParaRPr lang="en-GB"/>
           </a:p>
@@ -10812,7 +10812,7 @@
           <a:p>
             <a:fld id="{FD292A8D-0B99-4C13-9985-4FD00B14622D}" type="datetimeFigureOut">
               <a:rPr lang="en-GB" smtClean="0"/>
-              <a:t>23/02/2023</a:t>
+              <a:t>24/02/2023</a:t>
             </a:fld>
             <a:endParaRPr lang="en-GB"/>
           </a:p>
@@ -11044,7 +11044,7 @@
           <a:p>
             <a:fld id="{FD292A8D-0B99-4C13-9985-4FD00B14622D}" type="datetimeFigureOut">
               <a:rPr lang="en-GB" smtClean="0"/>
-              <a:t>23/02/2023</a:t>
+              <a:t>24/02/2023</a:t>
             </a:fld>
             <a:endParaRPr lang="en-GB"/>
           </a:p>
@@ -11411,7 +11411,7 @@
           <a:p>
             <a:fld id="{FD292A8D-0B99-4C13-9985-4FD00B14622D}" type="datetimeFigureOut">
               <a:rPr lang="en-GB" smtClean="0"/>
-              <a:t>23/02/2023</a:t>
+              <a:t>24/02/2023</a:t>
             </a:fld>
             <a:endParaRPr lang="en-GB"/>
           </a:p>
@@ -11529,7 +11529,7 @@
           <a:p>
             <a:fld id="{FD292A8D-0B99-4C13-9985-4FD00B14622D}" type="datetimeFigureOut">
               <a:rPr lang="en-GB" smtClean="0"/>
-              <a:t>23/02/2023</a:t>
+              <a:t>24/02/2023</a:t>
             </a:fld>
             <a:endParaRPr lang="en-GB"/>
           </a:p>
@@ -11624,7 +11624,7 @@
           <a:p>
             <a:fld id="{FD292A8D-0B99-4C13-9985-4FD00B14622D}" type="datetimeFigureOut">
               <a:rPr lang="en-GB" smtClean="0"/>
-              <a:t>23/02/2023</a:t>
+              <a:t>24/02/2023</a:t>
             </a:fld>
             <a:endParaRPr lang="en-GB"/>
           </a:p>
@@ -11901,7 +11901,7 @@
           <a:p>
             <a:fld id="{FD292A8D-0B99-4C13-9985-4FD00B14622D}" type="datetimeFigureOut">
               <a:rPr lang="en-GB" smtClean="0"/>
-              <a:t>23/02/2023</a:t>
+              <a:t>24/02/2023</a:t>
             </a:fld>
             <a:endParaRPr lang="en-GB"/>
           </a:p>
@@ -12158,7 +12158,7 @@
           <a:p>
             <a:fld id="{FD292A8D-0B99-4C13-9985-4FD00B14622D}" type="datetimeFigureOut">
               <a:rPr lang="en-GB" smtClean="0"/>
-              <a:t>23/02/2023</a:t>
+              <a:t>24/02/2023</a:t>
             </a:fld>
             <a:endParaRPr lang="en-GB"/>
           </a:p>
@@ -12371,7 +12371,7 @@
           <a:p>
             <a:fld id="{FD292A8D-0B99-4C13-9985-4FD00B14622D}" type="datetimeFigureOut">
               <a:rPr lang="en-GB" smtClean="0"/>
-              <a:t>23/02/2023</a:t>
+              <a:t>24/02/2023</a:t>
             </a:fld>
             <a:endParaRPr lang="en-GB"/>
           </a:p>
@@ -19681,8 +19681,8 @@
           </p:sp>
         </mc:Fallback>
       </mc:AlternateContent>
-      <mc:AlternateContent xmlns:mc="http://schemas.openxmlformats.org/markup-compatibility/2006">
-        <mc:Choice xmlns:a14="http://schemas.microsoft.com/office/drawing/2010/main" Requires="a14">
+      <mc:AlternateContent xmlns:mc="http://schemas.openxmlformats.org/markup-compatibility/2006" xmlns:a14="http://schemas.microsoft.com/office/drawing/2010/main">
+        <mc:Choice Requires="a14">
           <p:sp>
             <p:nvSpPr>
               <p:cNvPr id="202" name="TextBox 201">
@@ -19854,7 +19854,7 @@
             </p:txBody>
           </p:sp>
         </mc:Choice>
-        <mc:Fallback>
+        <mc:Fallback xmlns="">
           <p:sp>
             <p:nvSpPr>
               <p:cNvPr id="202" name="TextBox 201">
